--- a/Praca/PrezentacjaZawierajacaObrazyPracy.pptx
+++ b/Praca/PrezentacjaZawierajacaObrazyPracy.pptx
@@ -8,6 +8,7 @@
     <p:sldId id="257" r:id="rId2"/>
     <p:sldId id="258" r:id="rId3"/>
     <p:sldId id="259" r:id="rId4"/>
+    <p:sldId id="260" r:id="rId5"/>
   </p:sldIdLst>
   <p:sldSz cx="9144000" cy="6858000" type="screen4x3"/>
   <p:notesSz cx="6858000" cy="9144000"/>
@@ -291,7 +292,7 @@
             <a:fld id="{92A549DF-A050-4846-87AC-3D2AE01A0CF2}" type="datetimeFigureOut">
               <a:rPr lang="en-US" smtClean="0"/>
               <a:pPr/>
-              <a:t>6/2/2018</a:t>
+              <a:t>6/6/2018</a:t>
             </a:fld>
             <a:endParaRPr lang="en-US"/>
           </a:p>
@@ -458,7 +459,7 @@
             <a:fld id="{92A549DF-A050-4846-87AC-3D2AE01A0CF2}" type="datetimeFigureOut">
               <a:rPr lang="en-US" smtClean="0"/>
               <a:pPr/>
-              <a:t>6/2/2018</a:t>
+              <a:t>6/6/2018</a:t>
             </a:fld>
             <a:endParaRPr lang="en-US"/>
           </a:p>
@@ -635,7 +636,7 @@
             <a:fld id="{92A549DF-A050-4846-87AC-3D2AE01A0CF2}" type="datetimeFigureOut">
               <a:rPr lang="en-US" smtClean="0"/>
               <a:pPr/>
-              <a:t>6/2/2018</a:t>
+              <a:t>6/6/2018</a:t>
             </a:fld>
             <a:endParaRPr lang="en-US"/>
           </a:p>
@@ -802,7 +803,7 @@
             <a:fld id="{92A549DF-A050-4846-87AC-3D2AE01A0CF2}" type="datetimeFigureOut">
               <a:rPr lang="en-US" smtClean="0"/>
               <a:pPr/>
-              <a:t>6/2/2018</a:t>
+              <a:t>6/6/2018</a:t>
             </a:fld>
             <a:endParaRPr lang="en-US"/>
           </a:p>
@@ -1045,7 +1046,7 @@
             <a:fld id="{92A549DF-A050-4846-87AC-3D2AE01A0CF2}" type="datetimeFigureOut">
               <a:rPr lang="en-US" smtClean="0"/>
               <a:pPr/>
-              <a:t>6/2/2018</a:t>
+              <a:t>6/6/2018</a:t>
             </a:fld>
             <a:endParaRPr lang="en-US"/>
           </a:p>
@@ -1330,7 +1331,7 @@
             <a:fld id="{92A549DF-A050-4846-87AC-3D2AE01A0CF2}" type="datetimeFigureOut">
               <a:rPr lang="en-US" smtClean="0"/>
               <a:pPr/>
-              <a:t>6/2/2018</a:t>
+              <a:t>6/6/2018</a:t>
             </a:fld>
             <a:endParaRPr lang="en-US"/>
           </a:p>
@@ -1749,7 +1750,7 @@
             <a:fld id="{92A549DF-A050-4846-87AC-3D2AE01A0CF2}" type="datetimeFigureOut">
               <a:rPr lang="en-US" smtClean="0"/>
               <a:pPr/>
-              <a:t>6/2/2018</a:t>
+              <a:t>6/6/2018</a:t>
             </a:fld>
             <a:endParaRPr lang="en-US"/>
           </a:p>
@@ -1864,7 +1865,7 @@
             <a:fld id="{92A549DF-A050-4846-87AC-3D2AE01A0CF2}" type="datetimeFigureOut">
               <a:rPr lang="en-US" smtClean="0"/>
               <a:pPr/>
-              <a:t>6/2/2018</a:t>
+              <a:t>6/6/2018</a:t>
             </a:fld>
             <a:endParaRPr lang="en-US"/>
           </a:p>
@@ -1956,7 +1957,7 @@
             <a:fld id="{92A549DF-A050-4846-87AC-3D2AE01A0CF2}" type="datetimeFigureOut">
               <a:rPr lang="en-US" smtClean="0"/>
               <a:pPr/>
-              <a:t>6/2/2018</a:t>
+              <a:t>6/6/2018</a:t>
             </a:fld>
             <a:endParaRPr lang="en-US"/>
           </a:p>
@@ -2230,7 +2231,7 @@
             <a:fld id="{92A549DF-A050-4846-87AC-3D2AE01A0CF2}" type="datetimeFigureOut">
               <a:rPr lang="en-US" smtClean="0"/>
               <a:pPr/>
-              <a:t>6/2/2018</a:t>
+              <a:t>6/6/2018</a:t>
             </a:fld>
             <a:endParaRPr lang="en-US"/>
           </a:p>
@@ -2480,7 +2481,7 @@
             <a:fld id="{92A549DF-A050-4846-87AC-3D2AE01A0CF2}" type="datetimeFigureOut">
               <a:rPr lang="en-US" smtClean="0"/>
               <a:pPr/>
-              <a:t>6/2/2018</a:t>
+              <a:t>6/6/2018</a:t>
             </a:fld>
             <a:endParaRPr lang="en-US"/>
           </a:p>
@@ -2690,7 +2691,7 @@
             <a:fld id="{92A549DF-A050-4846-87AC-3D2AE01A0CF2}" type="datetimeFigureOut">
               <a:rPr lang="en-US" smtClean="0"/>
               <a:pPr/>
-              <a:t>6/2/2018</a:t>
+              <a:t>6/6/2018</a:t>
             </a:fld>
             <a:endParaRPr lang="en-US"/>
           </a:p>
@@ -3879,7 +3880,112 @@
           <a:chExt cx="0" cy="0"/>
         </a:xfrm>
       </p:grpSpPr>
+      <p:grpSp>
+        <p:nvGrpSpPr>
+          <p:cNvPr id="7" name="Group 6"/>
+          <p:cNvGrpSpPr/>
+          <p:nvPr/>
+        </p:nvGrpSpPr>
+        <p:grpSpPr>
+          <a:xfrm>
+            <a:off x="2809747" y="762000"/>
+            <a:ext cx="3852000" cy="4115685"/>
+            <a:chOff x="2809747" y="762000"/>
+            <a:chExt cx="3852000" cy="4115685"/>
+          </a:xfrm>
+        </p:grpSpPr>
+        <p:pic>
+          <p:nvPicPr>
+            <p:cNvPr id="5" name="Picture 4"/>
+            <p:cNvPicPr>
+              <a:picLocks noChangeAspect="1"/>
+            </p:cNvPicPr>
+            <p:nvPr/>
+          </p:nvPicPr>
+          <p:blipFill>
+            <a:blip r:embed="rId2">
+              <a:extLst>
+                <a:ext uri="{28A0092B-C50C-407E-A947-70E740481C1C}">
+                  <a14:useLocalDpi xmlns:a14="http://schemas.microsoft.com/office/drawing/2010/main" val="0"/>
+                </a:ext>
+              </a:extLst>
+            </a:blip>
+            <a:stretch>
+              <a:fillRect/>
+            </a:stretch>
+          </p:blipFill>
+          <p:spPr>
+            <a:xfrm>
+              <a:off x="2809747" y="2743200"/>
+              <a:ext cx="3852000" cy="2134485"/>
+            </a:xfrm>
+            <a:prstGeom prst="rect">
+              <a:avLst/>
+            </a:prstGeom>
+          </p:spPr>
+        </p:pic>
+        <p:pic>
+          <p:nvPicPr>
+            <p:cNvPr id="6" name="Picture 5"/>
+            <p:cNvPicPr>
+              <a:picLocks noChangeAspect="1"/>
+            </p:cNvPicPr>
+            <p:nvPr/>
+          </p:nvPicPr>
+          <p:blipFill>
+            <a:blip r:embed="rId3">
+              <a:extLst>
+                <a:ext uri="{28A0092B-C50C-407E-A947-70E740481C1C}">
+                  <a14:useLocalDpi xmlns:a14="http://schemas.microsoft.com/office/drawing/2010/main" val="0"/>
+                </a:ext>
+              </a:extLst>
+            </a:blip>
+            <a:stretch>
+              <a:fillRect/>
+            </a:stretch>
+          </p:blipFill>
+          <p:spPr>
+            <a:xfrm>
+              <a:off x="2858947" y="762000"/>
+              <a:ext cx="3753600" cy="2016000"/>
+            </a:xfrm>
+            <a:prstGeom prst="rect">
+              <a:avLst/>
+            </a:prstGeom>
+          </p:spPr>
+        </p:pic>
+      </p:grpSp>
     </p:spTree>
+  </p:cSld>
+  <p:clrMapOvr>
+    <a:masterClrMapping/>
+  </p:clrMapOvr>
+</p:sld>
+</file>
+
+<file path=ppt/slides/slide4.xml><?xml version="1.0" encoding="utf-8"?>
+<p:sld xmlns:a="http://schemas.openxmlformats.org/drawingml/2006/main" xmlns:r="http://schemas.openxmlformats.org/officeDocument/2006/relationships" xmlns:p="http://schemas.openxmlformats.org/presentationml/2006/main">
+  <p:cSld>
+    <p:spTree>
+      <p:nvGrpSpPr>
+        <p:cNvPr id="1" name=""/>
+        <p:cNvGrpSpPr/>
+        <p:nvPr/>
+      </p:nvGrpSpPr>
+      <p:grpSpPr>
+        <a:xfrm>
+          <a:off x="0" y="0"/>
+          <a:ext cx="0" cy="0"/>
+          <a:chOff x="0" y="0"/>
+          <a:chExt cx="0" cy="0"/>
+        </a:xfrm>
+      </p:grpSpPr>
+    </p:spTree>
+    <p:extLst>
+      <p:ext uri="{BB962C8B-B14F-4D97-AF65-F5344CB8AC3E}">
+        <p14:creationId xmlns:p14="http://schemas.microsoft.com/office/powerpoint/2010/main" val="1324388323"/>
+      </p:ext>
+    </p:extLst>
   </p:cSld>
   <p:clrMapOvr>
     <a:masterClrMapping/>

--- a/Praca/PrezentacjaZawierajacaObrazyPracy.pptx
+++ b/Praca/PrezentacjaZawierajacaObrazyPracy.pptx
@@ -9,6 +9,7 @@
     <p:sldId id="258" r:id="rId3"/>
     <p:sldId id="259" r:id="rId4"/>
     <p:sldId id="260" r:id="rId5"/>
+    <p:sldId id="261" r:id="rId6"/>
   </p:sldIdLst>
   <p:sldSz cx="9144000" cy="6858000" type="screen4x3"/>
   <p:notesSz cx="6858000" cy="9144000"/>
@@ -292,7 +293,7 @@
             <a:fld id="{92A549DF-A050-4846-87AC-3D2AE01A0CF2}" type="datetimeFigureOut">
               <a:rPr lang="en-US" smtClean="0"/>
               <a:pPr/>
-              <a:t>6/6/2018</a:t>
+              <a:t>6/9/2018</a:t>
             </a:fld>
             <a:endParaRPr lang="en-US"/>
           </a:p>
@@ -459,7 +460,7 @@
             <a:fld id="{92A549DF-A050-4846-87AC-3D2AE01A0CF2}" type="datetimeFigureOut">
               <a:rPr lang="en-US" smtClean="0"/>
               <a:pPr/>
-              <a:t>6/6/2018</a:t>
+              <a:t>6/9/2018</a:t>
             </a:fld>
             <a:endParaRPr lang="en-US"/>
           </a:p>
@@ -636,7 +637,7 @@
             <a:fld id="{92A549DF-A050-4846-87AC-3D2AE01A0CF2}" type="datetimeFigureOut">
               <a:rPr lang="en-US" smtClean="0"/>
               <a:pPr/>
-              <a:t>6/6/2018</a:t>
+              <a:t>6/9/2018</a:t>
             </a:fld>
             <a:endParaRPr lang="en-US"/>
           </a:p>
@@ -803,7 +804,7 @@
             <a:fld id="{92A549DF-A050-4846-87AC-3D2AE01A0CF2}" type="datetimeFigureOut">
               <a:rPr lang="en-US" smtClean="0"/>
               <a:pPr/>
-              <a:t>6/6/2018</a:t>
+              <a:t>6/9/2018</a:t>
             </a:fld>
             <a:endParaRPr lang="en-US"/>
           </a:p>
@@ -1046,7 +1047,7 @@
             <a:fld id="{92A549DF-A050-4846-87AC-3D2AE01A0CF2}" type="datetimeFigureOut">
               <a:rPr lang="en-US" smtClean="0"/>
               <a:pPr/>
-              <a:t>6/6/2018</a:t>
+              <a:t>6/9/2018</a:t>
             </a:fld>
             <a:endParaRPr lang="en-US"/>
           </a:p>
@@ -1331,7 +1332,7 @@
             <a:fld id="{92A549DF-A050-4846-87AC-3D2AE01A0CF2}" type="datetimeFigureOut">
               <a:rPr lang="en-US" smtClean="0"/>
               <a:pPr/>
-              <a:t>6/6/2018</a:t>
+              <a:t>6/9/2018</a:t>
             </a:fld>
             <a:endParaRPr lang="en-US"/>
           </a:p>
@@ -1750,7 +1751,7 @@
             <a:fld id="{92A549DF-A050-4846-87AC-3D2AE01A0CF2}" type="datetimeFigureOut">
               <a:rPr lang="en-US" smtClean="0"/>
               <a:pPr/>
-              <a:t>6/6/2018</a:t>
+              <a:t>6/9/2018</a:t>
             </a:fld>
             <a:endParaRPr lang="en-US"/>
           </a:p>
@@ -1865,7 +1866,7 @@
             <a:fld id="{92A549DF-A050-4846-87AC-3D2AE01A0CF2}" type="datetimeFigureOut">
               <a:rPr lang="en-US" smtClean="0"/>
               <a:pPr/>
-              <a:t>6/6/2018</a:t>
+              <a:t>6/9/2018</a:t>
             </a:fld>
             <a:endParaRPr lang="en-US"/>
           </a:p>
@@ -1957,7 +1958,7 @@
             <a:fld id="{92A549DF-A050-4846-87AC-3D2AE01A0CF2}" type="datetimeFigureOut">
               <a:rPr lang="en-US" smtClean="0"/>
               <a:pPr/>
-              <a:t>6/6/2018</a:t>
+              <a:t>6/9/2018</a:t>
             </a:fld>
             <a:endParaRPr lang="en-US"/>
           </a:p>
@@ -2231,7 +2232,7 @@
             <a:fld id="{92A549DF-A050-4846-87AC-3D2AE01A0CF2}" type="datetimeFigureOut">
               <a:rPr lang="en-US" smtClean="0"/>
               <a:pPr/>
-              <a:t>6/6/2018</a:t>
+              <a:t>6/9/2018</a:t>
             </a:fld>
             <a:endParaRPr lang="en-US"/>
           </a:p>
@@ -2481,7 +2482,7 @@
             <a:fld id="{92A549DF-A050-4846-87AC-3D2AE01A0CF2}" type="datetimeFigureOut">
               <a:rPr lang="en-US" smtClean="0"/>
               <a:pPr/>
-              <a:t>6/6/2018</a:t>
+              <a:t>6/9/2018</a:t>
             </a:fld>
             <a:endParaRPr lang="en-US"/>
           </a:p>
@@ -2691,7 +2692,7 @@
             <a:fld id="{92A549DF-A050-4846-87AC-3D2AE01A0CF2}" type="datetimeFigureOut">
               <a:rPr lang="en-US" smtClean="0"/>
               <a:pPr/>
-              <a:t>6/6/2018</a:t>
+              <a:t>6/9/2018</a:t>
             </a:fld>
             <a:endParaRPr lang="en-US"/>
           </a:p>
@@ -3906,7 +3907,7 @@
             <a:blip r:embed="rId2">
               <a:extLst>
                 <a:ext uri="{28A0092B-C50C-407E-A947-70E740481C1C}">
-                  <a14:useLocalDpi xmlns:a14="http://schemas.microsoft.com/office/drawing/2010/main" val="0"/>
+                  <a14:useLocalDpi xmlns:a14="http://schemas.microsoft.com/office/drawing/2010/main" xmlns="" val="0"/>
                 </a:ext>
               </a:extLst>
             </a:blip>
@@ -3936,7 +3937,7 @@
             <a:blip r:embed="rId3">
               <a:extLst>
                 <a:ext uri="{28A0092B-C50C-407E-A947-70E740481C1C}">
-                  <a14:useLocalDpi xmlns:a14="http://schemas.microsoft.com/office/drawing/2010/main" val="0"/>
+                  <a14:useLocalDpi xmlns:a14="http://schemas.microsoft.com/office/drawing/2010/main" xmlns="" val="0"/>
                 </a:ext>
               </a:extLst>
             </a:blip>
@@ -3980,12 +3981,6630 @@
           <a:chExt cx="0" cy="0"/>
         </a:xfrm>
       </p:grpSpPr>
+      <p:grpSp>
+        <p:nvGrpSpPr>
+          <p:cNvPr id="193" name="Group 192"/>
+          <p:cNvGrpSpPr/>
+          <p:nvPr/>
+        </p:nvGrpSpPr>
+        <p:grpSpPr>
+          <a:xfrm>
+            <a:off x="990600" y="1066800"/>
+            <a:ext cx="5791200" cy="2819400"/>
+            <a:chOff x="990600" y="1524000"/>
+            <a:chExt cx="5791200" cy="2819400"/>
+          </a:xfrm>
+        </p:grpSpPr>
+        <p:grpSp>
+          <p:nvGrpSpPr>
+            <p:cNvPr id="146" name="Group 145"/>
+            <p:cNvGrpSpPr/>
+            <p:nvPr/>
+          </p:nvGrpSpPr>
+          <p:grpSpPr>
+            <a:xfrm>
+              <a:off x="990600" y="1524000"/>
+              <a:ext cx="2819400" cy="2819400"/>
+              <a:chOff x="990600" y="1524000"/>
+              <a:chExt cx="2819400" cy="2819400"/>
+            </a:xfrm>
+          </p:grpSpPr>
+          <p:sp>
+            <p:nvSpPr>
+              <p:cNvPr id="12" name="Oval 11"/>
+              <p:cNvSpPr/>
+              <p:nvPr/>
+            </p:nvSpPr>
+            <p:spPr>
+              <a:xfrm>
+                <a:off x="1447800" y="2057400"/>
+                <a:ext cx="1828800" cy="1828800"/>
+              </a:xfrm>
+              <a:prstGeom prst="ellipse">
+                <a:avLst/>
+              </a:prstGeom>
+              <a:solidFill>
+                <a:schemeClr val="bg2"/>
+              </a:solidFill>
+            </p:spPr>
+            <p:style>
+              <a:lnRef idx="2">
+                <a:schemeClr val="accent1">
+                  <a:shade val="50000"/>
+                </a:schemeClr>
+              </a:lnRef>
+              <a:fillRef idx="1">
+                <a:schemeClr val="accent1"/>
+              </a:fillRef>
+              <a:effectRef idx="0">
+                <a:schemeClr val="accent1"/>
+              </a:effectRef>
+              <a:fontRef idx="minor">
+                <a:schemeClr val="lt1"/>
+              </a:fontRef>
+            </p:style>
+            <p:txBody>
+              <a:bodyPr rtlCol="0" anchor="ctr"/>
+              <a:lstStyle/>
+              <a:p>
+                <a:pPr algn="ctr"/>
+                <a:endParaRPr lang="en-US"/>
+              </a:p>
+            </p:txBody>
+          </p:sp>
+          <p:sp>
+            <p:nvSpPr>
+              <p:cNvPr id="49" name="Pie 48"/>
+              <p:cNvSpPr/>
+              <p:nvPr/>
+            </p:nvSpPr>
+            <p:spPr>
+              <a:xfrm rot="2531302">
+                <a:off x="1447800" y="2057400"/>
+                <a:ext cx="1828800" cy="1828800"/>
+              </a:xfrm>
+              <a:prstGeom prst="pie">
+                <a:avLst/>
+              </a:prstGeom>
+              <a:solidFill>
+                <a:schemeClr val="bg1"/>
+              </a:solidFill>
+            </p:spPr>
+            <p:style>
+              <a:lnRef idx="2">
+                <a:schemeClr val="accent1">
+                  <a:shade val="50000"/>
+                </a:schemeClr>
+              </a:lnRef>
+              <a:fillRef idx="1">
+                <a:schemeClr val="accent1"/>
+              </a:fillRef>
+              <a:effectRef idx="0">
+                <a:schemeClr val="accent1"/>
+              </a:effectRef>
+              <a:fontRef idx="minor">
+                <a:schemeClr val="lt1"/>
+              </a:fontRef>
+            </p:style>
+            <p:txBody>
+              <a:bodyPr rtlCol="0" anchor="ctr"/>
+              <a:lstStyle/>
+              <a:p>
+                <a:pPr algn="ctr"/>
+                <a:endParaRPr lang="en-US">
+                  <a:solidFill>
+                    <a:schemeClr val="tx1"/>
+                  </a:solidFill>
+                </a:endParaRPr>
+              </a:p>
+            </p:txBody>
+          </p:sp>
+          <p:cxnSp>
+            <p:nvCxnSpPr>
+              <p:cNvPr id="6" name="Straight Arrow Connector 5"/>
+              <p:cNvCxnSpPr/>
+              <p:nvPr/>
+            </p:nvCxnSpPr>
+            <p:spPr>
+              <a:xfrm flipV="1">
+                <a:off x="990600" y="2971800"/>
+                <a:ext cx="2743200" cy="794"/>
+              </a:xfrm>
+              <a:prstGeom prst="straightConnector1">
+                <a:avLst/>
+              </a:prstGeom>
+              <a:ln>
+                <a:tailEnd type="arrow"/>
+              </a:ln>
+            </p:spPr>
+            <p:style>
+              <a:lnRef idx="1">
+                <a:schemeClr val="accent1"/>
+              </a:lnRef>
+              <a:fillRef idx="0">
+                <a:schemeClr val="accent1"/>
+              </a:fillRef>
+              <a:effectRef idx="0">
+                <a:schemeClr val="accent1"/>
+              </a:effectRef>
+              <a:fontRef idx="minor">
+                <a:schemeClr val="tx1"/>
+              </a:fontRef>
+            </p:style>
+          </p:cxnSp>
+          <p:cxnSp>
+            <p:nvCxnSpPr>
+              <p:cNvPr id="5" name="Straight Arrow Connector 4"/>
+              <p:cNvCxnSpPr/>
+              <p:nvPr/>
+            </p:nvCxnSpPr>
+            <p:spPr>
+              <a:xfrm rot="5400000" flipH="1" flipV="1">
+                <a:off x="991394" y="2971006"/>
+                <a:ext cx="2743200" cy="1588"/>
+              </a:xfrm>
+              <a:prstGeom prst="straightConnector1">
+                <a:avLst/>
+              </a:prstGeom>
+              <a:ln>
+                <a:tailEnd type="arrow"/>
+              </a:ln>
+            </p:spPr>
+            <p:style>
+              <a:lnRef idx="1">
+                <a:schemeClr val="accent1"/>
+              </a:lnRef>
+              <a:fillRef idx="0">
+                <a:schemeClr val="accent1"/>
+              </a:fillRef>
+              <a:effectRef idx="0">
+                <a:schemeClr val="accent1"/>
+              </a:effectRef>
+              <a:fontRef idx="minor">
+                <a:schemeClr val="tx1"/>
+              </a:fontRef>
+            </p:style>
+          </p:cxnSp>
+          <p:sp>
+            <p:nvSpPr>
+              <p:cNvPr id="55" name="TextBox 54"/>
+              <p:cNvSpPr txBox="1"/>
+              <p:nvPr/>
+            </p:nvSpPr>
+            <p:spPr>
+              <a:xfrm>
+                <a:off x="3429000" y="2667000"/>
+                <a:ext cx="381000" cy="338554"/>
+              </a:xfrm>
+              <a:prstGeom prst="rect">
+                <a:avLst/>
+              </a:prstGeom>
+              <a:noFill/>
+            </p:spPr>
+            <p:txBody>
+              <a:bodyPr wrap="square" rtlCol="0">
+                <a:spAutoFit/>
+              </a:bodyPr>
+              <a:lstStyle/>
+              <a:p>
+                <a:r>
+                  <a:rPr lang="pl-PL" sz="1600" dirty="0" smtClean="0"/>
+                  <a:t>dx</a:t>
+                </a:r>
+                <a:endParaRPr lang="en-US" sz="1600" dirty="0"/>
+              </a:p>
+            </p:txBody>
+          </p:sp>
+          <p:sp>
+            <p:nvSpPr>
+              <p:cNvPr id="56" name="TextBox 55"/>
+              <p:cNvSpPr txBox="1"/>
+              <p:nvPr/>
+            </p:nvSpPr>
+            <p:spPr>
+              <a:xfrm>
+                <a:off x="2362200" y="1524000"/>
+                <a:ext cx="457200" cy="338554"/>
+              </a:xfrm>
+              <a:prstGeom prst="rect">
+                <a:avLst/>
+              </a:prstGeom>
+              <a:noFill/>
+            </p:spPr>
+            <p:txBody>
+              <a:bodyPr wrap="square" rtlCol="0">
+                <a:spAutoFit/>
+              </a:bodyPr>
+              <a:lstStyle/>
+              <a:p>
+                <a:r>
+                  <a:rPr lang="pl-PL" sz="1600" dirty="0" smtClean="0"/>
+                  <a:t>dy</a:t>
+                </a:r>
+                <a:endParaRPr lang="en-US" sz="1600" dirty="0"/>
+              </a:p>
+            </p:txBody>
+          </p:sp>
+          <p:sp>
+            <p:nvSpPr>
+              <p:cNvPr id="58" name="Rounded Rectangle 57"/>
+              <p:cNvSpPr/>
+              <p:nvPr/>
+            </p:nvSpPr>
+            <p:spPr>
+              <a:xfrm>
+                <a:off x="2971800" y="2819400"/>
+                <a:ext cx="45719" cy="45719"/>
+              </a:xfrm>
+              <a:prstGeom prst="roundRect">
+                <a:avLst/>
+              </a:prstGeom>
+              <a:effectLst/>
+            </p:spPr>
+            <p:style>
+              <a:lnRef idx="0">
+                <a:schemeClr val="accent2"/>
+              </a:lnRef>
+              <a:fillRef idx="3">
+                <a:schemeClr val="accent2"/>
+              </a:fillRef>
+              <a:effectRef idx="3">
+                <a:schemeClr val="accent2"/>
+              </a:effectRef>
+              <a:fontRef idx="minor">
+                <a:schemeClr val="lt1"/>
+              </a:fontRef>
+            </p:style>
+            <p:txBody>
+              <a:bodyPr rtlCol="0" anchor="ctr"/>
+              <a:lstStyle/>
+              <a:p>
+                <a:pPr algn="ctr"/>
+                <a:endParaRPr lang="en-US"/>
+              </a:p>
+            </p:txBody>
+          </p:sp>
+          <p:sp>
+            <p:nvSpPr>
+              <p:cNvPr id="59" name="Rounded Rectangle 58"/>
+              <p:cNvSpPr/>
+              <p:nvPr/>
+            </p:nvSpPr>
+            <p:spPr>
+              <a:xfrm>
+                <a:off x="2971800" y="2590800"/>
+                <a:ext cx="45719" cy="45719"/>
+              </a:xfrm>
+              <a:prstGeom prst="roundRect">
+                <a:avLst/>
+              </a:prstGeom>
+              <a:effectLst/>
+            </p:spPr>
+            <p:style>
+              <a:lnRef idx="0">
+                <a:schemeClr val="accent2"/>
+              </a:lnRef>
+              <a:fillRef idx="3">
+                <a:schemeClr val="accent2"/>
+              </a:fillRef>
+              <a:effectRef idx="3">
+                <a:schemeClr val="accent2"/>
+              </a:effectRef>
+              <a:fontRef idx="minor">
+                <a:schemeClr val="lt1"/>
+              </a:fontRef>
+            </p:style>
+            <p:txBody>
+              <a:bodyPr rtlCol="0" anchor="ctr"/>
+              <a:lstStyle/>
+              <a:p>
+                <a:pPr algn="ctr"/>
+                <a:endParaRPr lang="en-US"/>
+              </a:p>
+            </p:txBody>
+          </p:sp>
+          <p:sp>
+            <p:nvSpPr>
+              <p:cNvPr id="60" name="Rounded Rectangle 59"/>
+              <p:cNvSpPr/>
+              <p:nvPr/>
+            </p:nvSpPr>
+            <p:spPr>
+              <a:xfrm>
+                <a:off x="2667000" y="3124200"/>
+                <a:ext cx="45719" cy="45719"/>
+              </a:xfrm>
+              <a:prstGeom prst="roundRect">
+                <a:avLst/>
+              </a:prstGeom>
+              <a:effectLst/>
+            </p:spPr>
+            <p:style>
+              <a:lnRef idx="0">
+                <a:schemeClr val="accent2"/>
+              </a:lnRef>
+              <a:fillRef idx="3">
+                <a:schemeClr val="accent2"/>
+              </a:fillRef>
+              <a:effectRef idx="3">
+                <a:schemeClr val="accent2"/>
+              </a:effectRef>
+              <a:fontRef idx="minor">
+                <a:schemeClr val="lt1"/>
+              </a:fontRef>
+            </p:style>
+            <p:txBody>
+              <a:bodyPr rtlCol="0" anchor="ctr"/>
+              <a:lstStyle/>
+              <a:p>
+                <a:pPr algn="ctr"/>
+                <a:endParaRPr lang="en-US"/>
+              </a:p>
+            </p:txBody>
+          </p:sp>
+          <p:sp>
+            <p:nvSpPr>
+              <p:cNvPr id="61" name="Rounded Rectangle 60"/>
+              <p:cNvSpPr/>
+              <p:nvPr/>
+            </p:nvSpPr>
+            <p:spPr>
+              <a:xfrm>
+                <a:off x="1828800" y="3276600"/>
+                <a:ext cx="45719" cy="45719"/>
+              </a:xfrm>
+              <a:prstGeom prst="roundRect">
+                <a:avLst/>
+              </a:prstGeom>
+              <a:effectLst/>
+            </p:spPr>
+            <p:style>
+              <a:lnRef idx="0">
+                <a:schemeClr val="accent2"/>
+              </a:lnRef>
+              <a:fillRef idx="3">
+                <a:schemeClr val="accent2"/>
+              </a:fillRef>
+              <a:effectRef idx="3">
+                <a:schemeClr val="accent2"/>
+              </a:effectRef>
+              <a:fontRef idx="minor">
+                <a:schemeClr val="lt1"/>
+              </a:fontRef>
+            </p:style>
+            <p:txBody>
+              <a:bodyPr rtlCol="0" anchor="ctr"/>
+              <a:lstStyle/>
+              <a:p>
+                <a:pPr algn="ctr"/>
+                <a:endParaRPr lang="en-US"/>
+              </a:p>
+            </p:txBody>
+          </p:sp>
+          <p:sp>
+            <p:nvSpPr>
+              <p:cNvPr id="62" name="Rounded Rectangle 61"/>
+              <p:cNvSpPr/>
+              <p:nvPr/>
+            </p:nvSpPr>
+            <p:spPr>
+              <a:xfrm>
+                <a:off x="2209800" y="3429000"/>
+                <a:ext cx="45719" cy="45719"/>
+              </a:xfrm>
+              <a:prstGeom prst="roundRect">
+                <a:avLst/>
+              </a:prstGeom>
+              <a:effectLst/>
+            </p:spPr>
+            <p:style>
+              <a:lnRef idx="0">
+                <a:schemeClr val="accent2"/>
+              </a:lnRef>
+              <a:fillRef idx="3">
+                <a:schemeClr val="accent2"/>
+              </a:fillRef>
+              <a:effectRef idx="3">
+                <a:schemeClr val="accent2"/>
+              </a:effectRef>
+              <a:fontRef idx="minor">
+                <a:schemeClr val="lt1"/>
+              </a:fontRef>
+            </p:style>
+            <p:txBody>
+              <a:bodyPr rtlCol="0" anchor="ctr"/>
+              <a:lstStyle/>
+              <a:p>
+                <a:pPr algn="ctr"/>
+                <a:endParaRPr lang="en-US"/>
+              </a:p>
+            </p:txBody>
+          </p:sp>
+          <p:sp>
+            <p:nvSpPr>
+              <p:cNvPr id="63" name="Rounded Rectangle 62"/>
+              <p:cNvSpPr/>
+              <p:nvPr/>
+            </p:nvSpPr>
+            <p:spPr>
+              <a:xfrm>
+                <a:off x="2590800" y="3429000"/>
+                <a:ext cx="45719" cy="45719"/>
+              </a:xfrm>
+              <a:prstGeom prst="roundRect">
+                <a:avLst/>
+              </a:prstGeom>
+              <a:effectLst/>
+            </p:spPr>
+            <p:style>
+              <a:lnRef idx="0">
+                <a:schemeClr val="accent2"/>
+              </a:lnRef>
+              <a:fillRef idx="3">
+                <a:schemeClr val="accent2"/>
+              </a:fillRef>
+              <a:effectRef idx="3">
+                <a:schemeClr val="accent2"/>
+              </a:effectRef>
+              <a:fontRef idx="minor">
+                <a:schemeClr val="lt1"/>
+              </a:fontRef>
+            </p:style>
+            <p:txBody>
+              <a:bodyPr rtlCol="0" anchor="ctr"/>
+              <a:lstStyle/>
+              <a:p>
+                <a:pPr algn="ctr"/>
+                <a:endParaRPr lang="en-US"/>
+              </a:p>
+            </p:txBody>
+          </p:sp>
+          <p:sp>
+            <p:nvSpPr>
+              <p:cNvPr id="64" name="Rounded Rectangle 63"/>
+              <p:cNvSpPr/>
+              <p:nvPr/>
+            </p:nvSpPr>
+            <p:spPr>
+              <a:xfrm>
+                <a:off x="2514600" y="2895600"/>
+                <a:ext cx="45719" cy="45719"/>
+              </a:xfrm>
+              <a:prstGeom prst="roundRect">
+                <a:avLst/>
+              </a:prstGeom>
+              <a:effectLst/>
+            </p:spPr>
+            <p:style>
+              <a:lnRef idx="0">
+                <a:schemeClr val="accent2"/>
+              </a:lnRef>
+              <a:fillRef idx="3">
+                <a:schemeClr val="accent2"/>
+              </a:fillRef>
+              <a:effectRef idx="3">
+                <a:schemeClr val="accent2"/>
+              </a:effectRef>
+              <a:fontRef idx="minor">
+                <a:schemeClr val="lt1"/>
+              </a:fontRef>
+            </p:style>
+            <p:txBody>
+              <a:bodyPr rtlCol="0" anchor="ctr"/>
+              <a:lstStyle/>
+              <a:p>
+                <a:pPr algn="ctr"/>
+                <a:endParaRPr lang="en-US"/>
+              </a:p>
+            </p:txBody>
+          </p:sp>
+          <p:sp>
+            <p:nvSpPr>
+              <p:cNvPr id="65" name="Rounded Rectangle 64"/>
+              <p:cNvSpPr/>
+              <p:nvPr/>
+            </p:nvSpPr>
+            <p:spPr>
+              <a:xfrm>
+                <a:off x="2971800" y="3352800"/>
+                <a:ext cx="45719" cy="45719"/>
+              </a:xfrm>
+              <a:prstGeom prst="roundRect">
+                <a:avLst/>
+              </a:prstGeom>
+              <a:effectLst/>
+            </p:spPr>
+            <p:style>
+              <a:lnRef idx="0">
+                <a:schemeClr val="accent2"/>
+              </a:lnRef>
+              <a:fillRef idx="3">
+                <a:schemeClr val="accent2"/>
+              </a:fillRef>
+              <a:effectRef idx="3">
+                <a:schemeClr val="accent2"/>
+              </a:effectRef>
+              <a:fontRef idx="minor">
+                <a:schemeClr val="lt1"/>
+              </a:fontRef>
+            </p:style>
+            <p:txBody>
+              <a:bodyPr rtlCol="0" anchor="ctr"/>
+              <a:lstStyle/>
+              <a:p>
+                <a:pPr algn="ctr"/>
+                <a:endParaRPr lang="en-US"/>
+              </a:p>
+            </p:txBody>
+          </p:sp>
+          <p:sp>
+            <p:nvSpPr>
+              <p:cNvPr id="66" name="Rounded Rectangle 65"/>
+              <p:cNvSpPr/>
+              <p:nvPr/>
+            </p:nvSpPr>
+            <p:spPr>
+              <a:xfrm>
+                <a:off x="2895600" y="2514600"/>
+                <a:ext cx="45719" cy="45719"/>
+              </a:xfrm>
+              <a:prstGeom prst="roundRect">
+                <a:avLst/>
+              </a:prstGeom>
+              <a:effectLst/>
+            </p:spPr>
+            <p:style>
+              <a:lnRef idx="0">
+                <a:schemeClr val="accent2"/>
+              </a:lnRef>
+              <a:fillRef idx="3">
+                <a:schemeClr val="accent2"/>
+              </a:fillRef>
+              <a:effectRef idx="3">
+                <a:schemeClr val="accent2"/>
+              </a:effectRef>
+              <a:fontRef idx="minor">
+                <a:schemeClr val="lt1"/>
+              </a:fontRef>
+            </p:style>
+            <p:txBody>
+              <a:bodyPr rtlCol="0" anchor="ctr"/>
+              <a:lstStyle/>
+              <a:p>
+                <a:pPr algn="ctr"/>
+                <a:endParaRPr lang="en-US"/>
+              </a:p>
+            </p:txBody>
+          </p:sp>
+          <p:sp>
+            <p:nvSpPr>
+              <p:cNvPr id="67" name="Rounded Rectangle 66"/>
+              <p:cNvSpPr/>
+              <p:nvPr/>
+            </p:nvSpPr>
+            <p:spPr>
+              <a:xfrm>
+                <a:off x="2895600" y="3581400"/>
+                <a:ext cx="45719" cy="45719"/>
+              </a:xfrm>
+              <a:prstGeom prst="roundRect">
+                <a:avLst/>
+              </a:prstGeom>
+              <a:effectLst/>
+            </p:spPr>
+            <p:style>
+              <a:lnRef idx="0">
+                <a:schemeClr val="accent2"/>
+              </a:lnRef>
+              <a:fillRef idx="3">
+                <a:schemeClr val="accent2"/>
+              </a:fillRef>
+              <a:effectRef idx="3">
+                <a:schemeClr val="accent2"/>
+              </a:effectRef>
+              <a:fontRef idx="minor">
+                <a:schemeClr val="lt1"/>
+              </a:fontRef>
+            </p:style>
+            <p:txBody>
+              <a:bodyPr rtlCol="0" anchor="ctr"/>
+              <a:lstStyle/>
+              <a:p>
+                <a:pPr algn="ctr"/>
+                <a:endParaRPr lang="en-US"/>
+              </a:p>
+            </p:txBody>
+          </p:sp>
+          <p:sp>
+            <p:nvSpPr>
+              <p:cNvPr id="68" name="Rounded Rectangle 67"/>
+              <p:cNvSpPr/>
+              <p:nvPr/>
+            </p:nvSpPr>
+            <p:spPr>
+              <a:xfrm>
+                <a:off x="2590800" y="2514600"/>
+                <a:ext cx="45719" cy="45719"/>
+              </a:xfrm>
+              <a:prstGeom prst="roundRect">
+                <a:avLst/>
+              </a:prstGeom>
+              <a:effectLst/>
+            </p:spPr>
+            <p:style>
+              <a:lnRef idx="0">
+                <a:schemeClr val="accent2"/>
+              </a:lnRef>
+              <a:fillRef idx="3">
+                <a:schemeClr val="accent2"/>
+              </a:fillRef>
+              <a:effectRef idx="3">
+                <a:schemeClr val="accent2"/>
+              </a:effectRef>
+              <a:fontRef idx="minor">
+                <a:schemeClr val="lt1"/>
+              </a:fontRef>
+            </p:style>
+            <p:txBody>
+              <a:bodyPr rtlCol="0" anchor="ctr"/>
+              <a:lstStyle/>
+              <a:p>
+                <a:pPr algn="ctr"/>
+                <a:endParaRPr lang="en-US"/>
+              </a:p>
+            </p:txBody>
+          </p:sp>
+          <p:sp>
+            <p:nvSpPr>
+              <p:cNvPr id="69" name="Rounded Rectangle 68"/>
+              <p:cNvSpPr/>
+              <p:nvPr/>
+            </p:nvSpPr>
+            <p:spPr>
+              <a:xfrm>
+                <a:off x="2743200" y="2743200"/>
+                <a:ext cx="45719" cy="45719"/>
+              </a:xfrm>
+              <a:prstGeom prst="roundRect">
+                <a:avLst/>
+              </a:prstGeom>
+              <a:effectLst/>
+            </p:spPr>
+            <p:style>
+              <a:lnRef idx="0">
+                <a:schemeClr val="accent2"/>
+              </a:lnRef>
+              <a:fillRef idx="3">
+                <a:schemeClr val="accent2"/>
+              </a:fillRef>
+              <a:effectRef idx="3">
+                <a:schemeClr val="accent2"/>
+              </a:effectRef>
+              <a:fontRef idx="minor">
+                <a:schemeClr val="lt1"/>
+              </a:fontRef>
+            </p:style>
+            <p:txBody>
+              <a:bodyPr rtlCol="0" anchor="ctr"/>
+              <a:lstStyle/>
+              <a:p>
+                <a:pPr algn="ctr"/>
+                <a:endParaRPr lang="en-US"/>
+              </a:p>
+            </p:txBody>
+          </p:sp>
+          <p:sp>
+            <p:nvSpPr>
+              <p:cNvPr id="70" name="Rounded Rectangle 69"/>
+              <p:cNvSpPr/>
+              <p:nvPr/>
+            </p:nvSpPr>
+            <p:spPr>
+              <a:xfrm>
+                <a:off x="2971800" y="3124200"/>
+                <a:ext cx="45719" cy="45719"/>
+              </a:xfrm>
+              <a:prstGeom prst="roundRect">
+                <a:avLst/>
+              </a:prstGeom>
+              <a:effectLst/>
+            </p:spPr>
+            <p:style>
+              <a:lnRef idx="0">
+                <a:schemeClr val="accent2"/>
+              </a:lnRef>
+              <a:fillRef idx="3">
+                <a:schemeClr val="accent2"/>
+              </a:fillRef>
+              <a:effectRef idx="3">
+                <a:schemeClr val="accent2"/>
+              </a:effectRef>
+              <a:fontRef idx="minor">
+                <a:schemeClr val="lt1"/>
+              </a:fontRef>
+            </p:style>
+            <p:txBody>
+              <a:bodyPr rtlCol="0" anchor="ctr"/>
+              <a:lstStyle/>
+              <a:p>
+                <a:pPr algn="ctr"/>
+                <a:endParaRPr lang="en-US"/>
+              </a:p>
+            </p:txBody>
+          </p:sp>
+          <p:sp>
+            <p:nvSpPr>
+              <p:cNvPr id="71" name="Rounded Rectangle 70"/>
+              <p:cNvSpPr/>
+              <p:nvPr/>
+            </p:nvSpPr>
+            <p:spPr>
+              <a:xfrm>
+                <a:off x="1981200" y="3048000"/>
+                <a:ext cx="45719" cy="45719"/>
+              </a:xfrm>
+              <a:prstGeom prst="roundRect">
+                <a:avLst/>
+              </a:prstGeom>
+              <a:effectLst/>
+            </p:spPr>
+            <p:style>
+              <a:lnRef idx="0">
+                <a:schemeClr val="accent2"/>
+              </a:lnRef>
+              <a:fillRef idx="3">
+                <a:schemeClr val="accent2"/>
+              </a:fillRef>
+              <a:effectRef idx="3">
+                <a:schemeClr val="accent2"/>
+              </a:effectRef>
+              <a:fontRef idx="minor">
+                <a:schemeClr val="lt1"/>
+              </a:fontRef>
+            </p:style>
+            <p:txBody>
+              <a:bodyPr rtlCol="0" anchor="ctr"/>
+              <a:lstStyle/>
+              <a:p>
+                <a:pPr algn="ctr"/>
+                <a:endParaRPr lang="en-US"/>
+              </a:p>
+            </p:txBody>
+          </p:sp>
+          <p:sp>
+            <p:nvSpPr>
+              <p:cNvPr id="72" name="Rounded Rectangle 71"/>
+              <p:cNvSpPr/>
+              <p:nvPr/>
+            </p:nvSpPr>
+            <p:spPr>
+              <a:xfrm>
+                <a:off x="1981200" y="3200400"/>
+                <a:ext cx="45719" cy="45719"/>
+              </a:xfrm>
+              <a:prstGeom prst="roundRect">
+                <a:avLst/>
+              </a:prstGeom>
+              <a:effectLst/>
+            </p:spPr>
+            <p:style>
+              <a:lnRef idx="0">
+                <a:schemeClr val="accent2"/>
+              </a:lnRef>
+              <a:fillRef idx="3">
+                <a:schemeClr val="accent2"/>
+              </a:fillRef>
+              <a:effectRef idx="3">
+                <a:schemeClr val="accent2"/>
+              </a:effectRef>
+              <a:fontRef idx="minor">
+                <a:schemeClr val="lt1"/>
+              </a:fontRef>
+            </p:style>
+            <p:txBody>
+              <a:bodyPr rtlCol="0" anchor="ctr"/>
+              <a:lstStyle/>
+              <a:p>
+                <a:pPr algn="ctr"/>
+                <a:endParaRPr lang="en-US"/>
+              </a:p>
+            </p:txBody>
+          </p:sp>
+          <p:sp>
+            <p:nvSpPr>
+              <p:cNvPr id="73" name="Rounded Rectangle 72"/>
+              <p:cNvSpPr/>
+              <p:nvPr/>
+            </p:nvSpPr>
+            <p:spPr>
+              <a:xfrm>
+                <a:off x="2971800" y="2667000"/>
+                <a:ext cx="45719" cy="45719"/>
+              </a:xfrm>
+              <a:prstGeom prst="roundRect">
+                <a:avLst/>
+              </a:prstGeom>
+              <a:effectLst/>
+            </p:spPr>
+            <p:style>
+              <a:lnRef idx="0">
+                <a:schemeClr val="accent2"/>
+              </a:lnRef>
+              <a:fillRef idx="3">
+                <a:schemeClr val="accent2"/>
+              </a:fillRef>
+              <a:effectRef idx="3">
+                <a:schemeClr val="accent2"/>
+              </a:effectRef>
+              <a:fontRef idx="minor">
+                <a:schemeClr val="lt1"/>
+              </a:fontRef>
+            </p:style>
+            <p:txBody>
+              <a:bodyPr rtlCol="0" anchor="ctr"/>
+              <a:lstStyle/>
+              <a:p>
+                <a:pPr algn="ctr"/>
+                <a:endParaRPr lang="en-US"/>
+              </a:p>
+            </p:txBody>
+          </p:sp>
+          <p:sp>
+            <p:nvSpPr>
+              <p:cNvPr id="74" name="Rounded Rectangle 73"/>
+              <p:cNvSpPr/>
+              <p:nvPr/>
+            </p:nvSpPr>
+            <p:spPr>
+              <a:xfrm>
+                <a:off x="2819400" y="2590800"/>
+                <a:ext cx="45719" cy="45719"/>
+              </a:xfrm>
+              <a:prstGeom prst="roundRect">
+                <a:avLst/>
+              </a:prstGeom>
+              <a:effectLst/>
+            </p:spPr>
+            <p:style>
+              <a:lnRef idx="0">
+                <a:schemeClr val="accent2"/>
+              </a:lnRef>
+              <a:fillRef idx="3">
+                <a:schemeClr val="accent2"/>
+              </a:fillRef>
+              <a:effectRef idx="3">
+                <a:schemeClr val="accent2"/>
+              </a:effectRef>
+              <a:fontRef idx="minor">
+                <a:schemeClr val="lt1"/>
+              </a:fontRef>
+            </p:style>
+            <p:txBody>
+              <a:bodyPr rtlCol="0" anchor="ctr"/>
+              <a:lstStyle/>
+              <a:p>
+                <a:pPr algn="ctr"/>
+                <a:endParaRPr lang="en-US"/>
+              </a:p>
+            </p:txBody>
+          </p:sp>
+          <p:sp>
+            <p:nvSpPr>
+              <p:cNvPr id="75" name="Rounded Rectangle 74"/>
+              <p:cNvSpPr/>
+              <p:nvPr/>
+            </p:nvSpPr>
+            <p:spPr>
+              <a:xfrm>
+                <a:off x="2971800" y="2667000"/>
+                <a:ext cx="45719" cy="45719"/>
+              </a:xfrm>
+              <a:prstGeom prst="roundRect">
+                <a:avLst/>
+              </a:prstGeom>
+              <a:effectLst/>
+            </p:spPr>
+            <p:style>
+              <a:lnRef idx="0">
+                <a:schemeClr val="accent2"/>
+              </a:lnRef>
+              <a:fillRef idx="3">
+                <a:schemeClr val="accent2"/>
+              </a:fillRef>
+              <a:effectRef idx="3">
+                <a:schemeClr val="accent2"/>
+              </a:effectRef>
+              <a:fontRef idx="minor">
+                <a:schemeClr val="lt1"/>
+              </a:fontRef>
+            </p:style>
+            <p:txBody>
+              <a:bodyPr rtlCol="0" anchor="ctr"/>
+              <a:lstStyle/>
+              <a:p>
+                <a:pPr algn="ctr"/>
+                <a:endParaRPr lang="en-US"/>
+              </a:p>
+            </p:txBody>
+          </p:sp>
+          <p:sp>
+            <p:nvSpPr>
+              <p:cNvPr id="76" name="Rounded Rectangle 75"/>
+              <p:cNvSpPr/>
+              <p:nvPr/>
+            </p:nvSpPr>
+            <p:spPr>
+              <a:xfrm>
+                <a:off x="2286000" y="2514600"/>
+                <a:ext cx="45719" cy="45719"/>
+              </a:xfrm>
+              <a:prstGeom prst="roundRect">
+                <a:avLst/>
+              </a:prstGeom>
+              <a:effectLst/>
+            </p:spPr>
+            <p:style>
+              <a:lnRef idx="0">
+                <a:schemeClr val="accent2"/>
+              </a:lnRef>
+              <a:fillRef idx="3">
+                <a:schemeClr val="accent2"/>
+              </a:fillRef>
+              <a:effectRef idx="3">
+                <a:schemeClr val="accent2"/>
+              </a:effectRef>
+              <a:fontRef idx="minor">
+                <a:schemeClr val="lt1"/>
+              </a:fontRef>
+            </p:style>
+            <p:txBody>
+              <a:bodyPr rtlCol="0" anchor="ctr"/>
+              <a:lstStyle/>
+              <a:p>
+                <a:pPr algn="ctr"/>
+                <a:endParaRPr lang="en-US"/>
+              </a:p>
+            </p:txBody>
+          </p:sp>
+          <p:sp>
+            <p:nvSpPr>
+              <p:cNvPr id="77" name="Rounded Rectangle 76"/>
+              <p:cNvSpPr/>
+              <p:nvPr/>
+            </p:nvSpPr>
+            <p:spPr>
+              <a:xfrm>
+                <a:off x="3276600" y="2590800"/>
+                <a:ext cx="45719" cy="45719"/>
+              </a:xfrm>
+              <a:prstGeom prst="roundRect">
+                <a:avLst/>
+              </a:prstGeom>
+              <a:effectLst/>
+            </p:spPr>
+            <p:style>
+              <a:lnRef idx="0">
+                <a:schemeClr val="accent2"/>
+              </a:lnRef>
+              <a:fillRef idx="3">
+                <a:schemeClr val="accent2"/>
+              </a:fillRef>
+              <a:effectRef idx="3">
+                <a:schemeClr val="accent2"/>
+              </a:effectRef>
+              <a:fontRef idx="minor">
+                <a:schemeClr val="lt1"/>
+              </a:fontRef>
+            </p:style>
+            <p:txBody>
+              <a:bodyPr rtlCol="0" anchor="ctr"/>
+              <a:lstStyle/>
+              <a:p>
+                <a:pPr algn="ctr"/>
+                <a:endParaRPr lang="en-US"/>
+              </a:p>
+            </p:txBody>
+          </p:sp>
+          <p:sp>
+            <p:nvSpPr>
+              <p:cNvPr id="79" name="Rounded Rectangle 78"/>
+              <p:cNvSpPr/>
+              <p:nvPr/>
+            </p:nvSpPr>
+            <p:spPr>
+              <a:xfrm>
+                <a:off x="2133600" y="2514600"/>
+                <a:ext cx="45719" cy="45719"/>
+              </a:xfrm>
+              <a:prstGeom prst="roundRect">
+                <a:avLst/>
+              </a:prstGeom>
+              <a:effectLst/>
+            </p:spPr>
+            <p:style>
+              <a:lnRef idx="0">
+                <a:schemeClr val="accent2"/>
+              </a:lnRef>
+              <a:fillRef idx="3">
+                <a:schemeClr val="accent2"/>
+              </a:fillRef>
+              <a:effectRef idx="3">
+                <a:schemeClr val="accent2"/>
+              </a:effectRef>
+              <a:fontRef idx="minor">
+                <a:schemeClr val="lt1"/>
+              </a:fontRef>
+            </p:style>
+            <p:txBody>
+              <a:bodyPr rtlCol="0" anchor="ctr"/>
+              <a:lstStyle/>
+              <a:p>
+                <a:pPr algn="ctr"/>
+                <a:endParaRPr lang="en-US"/>
+              </a:p>
+            </p:txBody>
+          </p:sp>
+          <p:sp>
+            <p:nvSpPr>
+              <p:cNvPr id="80" name="Rounded Rectangle 79"/>
+              <p:cNvSpPr/>
+              <p:nvPr/>
+            </p:nvSpPr>
+            <p:spPr>
+              <a:xfrm>
+                <a:off x="2209800" y="2362200"/>
+                <a:ext cx="45719" cy="45719"/>
+              </a:xfrm>
+              <a:prstGeom prst="roundRect">
+                <a:avLst/>
+              </a:prstGeom>
+              <a:effectLst/>
+            </p:spPr>
+            <p:style>
+              <a:lnRef idx="0">
+                <a:schemeClr val="accent2"/>
+              </a:lnRef>
+              <a:fillRef idx="3">
+                <a:schemeClr val="accent2"/>
+              </a:fillRef>
+              <a:effectRef idx="3">
+                <a:schemeClr val="accent2"/>
+              </a:effectRef>
+              <a:fontRef idx="minor">
+                <a:schemeClr val="lt1"/>
+              </a:fontRef>
+            </p:style>
+            <p:txBody>
+              <a:bodyPr rtlCol="0" anchor="ctr"/>
+              <a:lstStyle/>
+              <a:p>
+                <a:pPr algn="ctr"/>
+                <a:endParaRPr lang="en-US"/>
+              </a:p>
+            </p:txBody>
+          </p:sp>
+          <p:sp>
+            <p:nvSpPr>
+              <p:cNvPr id="83" name="Rounded Rectangle 82"/>
+              <p:cNvSpPr/>
+              <p:nvPr/>
+            </p:nvSpPr>
+            <p:spPr>
+              <a:xfrm>
+                <a:off x="3124200" y="2971800"/>
+                <a:ext cx="45719" cy="45719"/>
+              </a:xfrm>
+              <a:prstGeom prst="roundRect">
+                <a:avLst/>
+              </a:prstGeom>
+              <a:effectLst/>
+            </p:spPr>
+            <p:style>
+              <a:lnRef idx="0">
+                <a:schemeClr val="accent2"/>
+              </a:lnRef>
+              <a:fillRef idx="3">
+                <a:schemeClr val="accent2"/>
+              </a:fillRef>
+              <a:effectRef idx="3">
+                <a:schemeClr val="accent2"/>
+              </a:effectRef>
+              <a:fontRef idx="minor">
+                <a:schemeClr val="lt1"/>
+              </a:fontRef>
+            </p:style>
+            <p:txBody>
+              <a:bodyPr rtlCol="0" anchor="ctr"/>
+              <a:lstStyle/>
+              <a:p>
+                <a:pPr algn="ctr"/>
+                <a:endParaRPr lang="en-US"/>
+              </a:p>
+            </p:txBody>
+          </p:sp>
+          <p:sp>
+            <p:nvSpPr>
+              <p:cNvPr id="84" name="Rounded Rectangle 83"/>
+              <p:cNvSpPr/>
+              <p:nvPr/>
+            </p:nvSpPr>
+            <p:spPr>
+              <a:xfrm>
+                <a:off x="2057400" y="2209800"/>
+                <a:ext cx="45719" cy="45719"/>
+              </a:xfrm>
+              <a:prstGeom prst="roundRect">
+                <a:avLst/>
+              </a:prstGeom>
+              <a:effectLst/>
+            </p:spPr>
+            <p:style>
+              <a:lnRef idx="0">
+                <a:schemeClr val="accent2"/>
+              </a:lnRef>
+              <a:fillRef idx="3">
+                <a:schemeClr val="accent2"/>
+              </a:fillRef>
+              <a:effectRef idx="3">
+                <a:schemeClr val="accent2"/>
+              </a:effectRef>
+              <a:fontRef idx="minor">
+                <a:schemeClr val="lt1"/>
+              </a:fontRef>
+            </p:style>
+            <p:txBody>
+              <a:bodyPr rtlCol="0" anchor="ctr"/>
+              <a:lstStyle/>
+              <a:p>
+                <a:pPr algn="ctr"/>
+                <a:endParaRPr lang="en-US"/>
+              </a:p>
+            </p:txBody>
+          </p:sp>
+          <p:sp>
+            <p:nvSpPr>
+              <p:cNvPr id="86" name="Rounded Rectangle 85"/>
+              <p:cNvSpPr/>
+              <p:nvPr/>
+            </p:nvSpPr>
+            <p:spPr>
+              <a:xfrm>
+                <a:off x="1981200" y="2438400"/>
+                <a:ext cx="45719" cy="45719"/>
+              </a:xfrm>
+              <a:prstGeom prst="roundRect">
+                <a:avLst/>
+              </a:prstGeom>
+              <a:effectLst/>
+            </p:spPr>
+            <p:style>
+              <a:lnRef idx="0">
+                <a:schemeClr val="accent2"/>
+              </a:lnRef>
+              <a:fillRef idx="3">
+                <a:schemeClr val="accent2"/>
+              </a:fillRef>
+              <a:effectRef idx="3">
+                <a:schemeClr val="accent2"/>
+              </a:effectRef>
+              <a:fontRef idx="minor">
+                <a:schemeClr val="lt1"/>
+              </a:fontRef>
+            </p:style>
+            <p:txBody>
+              <a:bodyPr rtlCol="0" anchor="ctr"/>
+              <a:lstStyle/>
+              <a:p>
+                <a:pPr algn="ctr"/>
+                <a:endParaRPr lang="en-US"/>
+              </a:p>
+            </p:txBody>
+          </p:sp>
+          <p:sp>
+            <p:nvSpPr>
+              <p:cNvPr id="89" name="Rounded Rectangle 88"/>
+              <p:cNvSpPr/>
+              <p:nvPr/>
+            </p:nvSpPr>
+            <p:spPr>
+              <a:xfrm>
+                <a:off x="1295400" y="2590800"/>
+                <a:ext cx="45719" cy="45719"/>
+              </a:xfrm>
+              <a:prstGeom prst="roundRect">
+                <a:avLst/>
+              </a:prstGeom>
+              <a:effectLst/>
+            </p:spPr>
+            <p:style>
+              <a:lnRef idx="0">
+                <a:schemeClr val="accent2"/>
+              </a:lnRef>
+              <a:fillRef idx="3">
+                <a:schemeClr val="accent2"/>
+              </a:fillRef>
+              <a:effectRef idx="3">
+                <a:schemeClr val="accent2"/>
+              </a:effectRef>
+              <a:fontRef idx="minor">
+                <a:schemeClr val="lt1"/>
+              </a:fontRef>
+            </p:style>
+            <p:txBody>
+              <a:bodyPr rtlCol="0" anchor="ctr"/>
+              <a:lstStyle/>
+              <a:p>
+                <a:pPr algn="ctr"/>
+                <a:endParaRPr lang="en-US"/>
+              </a:p>
+            </p:txBody>
+          </p:sp>
+          <p:sp>
+            <p:nvSpPr>
+              <p:cNvPr id="90" name="Rounded Rectangle 89"/>
+              <p:cNvSpPr/>
+              <p:nvPr/>
+            </p:nvSpPr>
+            <p:spPr>
+              <a:xfrm>
+                <a:off x="1905000" y="2286000"/>
+                <a:ext cx="45719" cy="45719"/>
+              </a:xfrm>
+              <a:prstGeom prst="roundRect">
+                <a:avLst/>
+              </a:prstGeom>
+              <a:effectLst/>
+            </p:spPr>
+            <p:style>
+              <a:lnRef idx="0">
+                <a:schemeClr val="accent2"/>
+              </a:lnRef>
+              <a:fillRef idx="3">
+                <a:schemeClr val="accent2"/>
+              </a:fillRef>
+              <a:effectRef idx="3">
+                <a:schemeClr val="accent2"/>
+              </a:effectRef>
+              <a:fontRef idx="minor">
+                <a:schemeClr val="lt1"/>
+              </a:fontRef>
+            </p:style>
+            <p:txBody>
+              <a:bodyPr rtlCol="0" anchor="ctr"/>
+              <a:lstStyle/>
+              <a:p>
+                <a:pPr algn="ctr"/>
+                <a:endParaRPr lang="en-US"/>
+              </a:p>
+            </p:txBody>
+          </p:sp>
+          <p:sp>
+            <p:nvSpPr>
+              <p:cNvPr id="91" name="Rounded Rectangle 90"/>
+              <p:cNvSpPr/>
+              <p:nvPr/>
+            </p:nvSpPr>
+            <p:spPr>
+              <a:xfrm>
+                <a:off x="2590800" y="2895600"/>
+                <a:ext cx="45719" cy="45719"/>
+              </a:xfrm>
+              <a:prstGeom prst="roundRect">
+                <a:avLst/>
+              </a:prstGeom>
+              <a:effectLst/>
+            </p:spPr>
+            <p:style>
+              <a:lnRef idx="0">
+                <a:schemeClr val="accent2"/>
+              </a:lnRef>
+              <a:fillRef idx="3">
+                <a:schemeClr val="accent2"/>
+              </a:fillRef>
+              <a:effectRef idx="3">
+                <a:schemeClr val="accent2"/>
+              </a:effectRef>
+              <a:fontRef idx="minor">
+                <a:schemeClr val="lt1"/>
+              </a:fontRef>
+            </p:style>
+            <p:txBody>
+              <a:bodyPr rtlCol="0" anchor="ctr"/>
+              <a:lstStyle/>
+              <a:p>
+                <a:pPr algn="ctr"/>
+                <a:endParaRPr lang="en-US"/>
+              </a:p>
+            </p:txBody>
+          </p:sp>
+          <p:sp>
+            <p:nvSpPr>
+              <p:cNvPr id="92" name="Rounded Rectangle 91"/>
+              <p:cNvSpPr/>
+              <p:nvPr/>
+            </p:nvSpPr>
+            <p:spPr>
+              <a:xfrm>
+                <a:off x="1600200" y="2819400"/>
+                <a:ext cx="45719" cy="45719"/>
+              </a:xfrm>
+              <a:prstGeom prst="roundRect">
+                <a:avLst/>
+              </a:prstGeom>
+              <a:effectLst/>
+            </p:spPr>
+            <p:style>
+              <a:lnRef idx="0">
+                <a:schemeClr val="accent2"/>
+              </a:lnRef>
+              <a:fillRef idx="3">
+                <a:schemeClr val="accent2"/>
+              </a:fillRef>
+              <a:effectRef idx="3">
+                <a:schemeClr val="accent2"/>
+              </a:effectRef>
+              <a:fontRef idx="minor">
+                <a:schemeClr val="lt1"/>
+              </a:fontRef>
+            </p:style>
+            <p:txBody>
+              <a:bodyPr rtlCol="0" anchor="ctr"/>
+              <a:lstStyle/>
+              <a:p>
+                <a:pPr algn="ctr"/>
+                <a:endParaRPr lang="en-US"/>
+              </a:p>
+            </p:txBody>
+          </p:sp>
+          <p:sp>
+            <p:nvSpPr>
+              <p:cNvPr id="93" name="Rounded Rectangle 92"/>
+              <p:cNvSpPr/>
+              <p:nvPr/>
+            </p:nvSpPr>
+            <p:spPr>
+              <a:xfrm>
+                <a:off x="1981200" y="3657600"/>
+                <a:ext cx="45719" cy="45719"/>
+              </a:xfrm>
+              <a:prstGeom prst="roundRect">
+                <a:avLst/>
+              </a:prstGeom>
+              <a:effectLst/>
+            </p:spPr>
+            <p:style>
+              <a:lnRef idx="0">
+                <a:schemeClr val="accent2"/>
+              </a:lnRef>
+              <a:fillRef idx="3">
+                <a:schemeClr val="accent2"/>
+              </a:fillRef>
+              <a:effectRef idx="3">
+                <a:schemeClr val="accent2"/>
+              </a:effectRef>
+              <a:fontRef idx="minor">
+                <a:schemeClr val="lt1"/>
+              </a:fontRef>
+            </p:style>
+            <p:txBody>
+              <a:bodyPr rtlCol="0" anchor="ctr"/>
+              <a:lstStyle/>
+              <a:p>
+                <a:pPr algn="ctr"/>
+                <a:endParaRPr lang="en-US"/>
+              </a:p>
+            </p:txBody>
+          </p:sp>
+          <p:sp>
+            <p:nvSpPr>
+              <p:cNvPr id="94" name="Rounded Rectangle 93"/>
+              <p:cNvSpPr/>
+              <p:nvPr/>
+            </p:nvSpPr>
+            <p:spPr>
+              <a:xfrm>
+                <a:off x="1752600" y="2667000"/>
+                <a:ext cx="45719" cy="45719"/>
+              </a:xfrm>
+              <a:prstGeom prst="roundRect">
+                <a:avLst/>
+              </a:prstGeom>
+              <a:effectLst/>
+            </p:spPr>
+            <p:style>
+              <a:lnRef idx="0">
+                <a:schemeClr val="accent2"/>
+              </a:lnRef>
+              <a:fillRef idx="3">
+                <a:schemeClr val="accent2"/>
+              </a:fillRef>
+              <a:effectRef idx="3">
+                <a:schemeClr val="accent2"/>
+              </a:effectRef>
+              <a:fontRef idx="minor">
+                <a:schemeClr val="lt1"/>
+              </a:fontRef>
+            </p:style>
+            <p:txBody>
+              <a:bodyPr rtlCol="0" anchor="ctr"/>
+              <a:lstStyle/>
+              <a:p>
+                <a:pPr algn="ctr"/>
+                <a:endParaRPr lang="en-US"/>
+              </a:p>
+            </p:txBody>
+          </p:sp>
+          <p:sp>
+            <p:nvSpPr>
+              <p:cNvPr id="95" name="Rounded Rectangle 94"/>
+              <p:cNvSpPr/>
+              <p:nvPr/>
+            </p:nvSpPr>
+            <p:spPr>
+              <a:xfrm>
+                <a:off x="2514600" y="3733800"/>
+                <a:ext cx="45719" cy="45719"/>
+              </a:xfrm>
+              <a:prstGeom prst="roundRect">
+                <a:avLst/>
+              </a:prstGeom>
+              <a:effectLst/>
+            </p:spPr>
+            <p:style>
+              <a:lnRef idx="0">
+                <a:schemeClr val="accent2"/>
+              </a:lnRef>
+              <a:fillRef idx="3">
+                <a:schemeClr val="accent2"/>
+              </a:fillRef>
+              <a:effectRef idx="3">
+                <a:schemeClr val="accent2"/>
+              </a:effectRef>
+              <a:fontRef idx="minor">
+                <a:schemeClr val="lt1"/>
+              </a:fontRef>
+            </p:style>
+            <p:txBody>
+              <a:bodyPr rtlCol="0" anchor="ctr"/>
+              <a:lstStyle/>
+              <a:p>
+                <a:pPr algn="ctr"/>
+                <a:endParaRPr lang="en-US"/>
+              </a:p>
+            </p:txBody>
+          </p:sp>
+          <p:sp>
+            <p:nvSpPr>
+              <p:cNvPr id="96" name="Rounded Rectangle 95"/>
+              <p:cNvSpPr/>
+              <p:nvPr/>
+            </p:nvSpPr>
+            <p:spPr>
+              <a:xfrm>
+                <a:off x="1295400" y="3581400"/>
+                <a:ext cx="45719" cy="45719"/>
+              </a:xfrm>
+              <a:prstGeom prst="roundRect">
+                <a:avLst/>
+              </a:prstGeom>
+              <a:effectLst/>
+            </p:spPr>
+            <p:style>
+              <a:lnRef idx="0">
+                <a:schemeClr val="accent2"/>
+              </a:lnRef>
+              <a:fillRef idx="3">
+                <a:schemeClr val="accent2"/>
+              </a:fillRef>
+              <a:effectRef idx="3">
+                <a:schemeClr val="accent2"/>
+              </a:effectRef>
+              <a:fontRef idx="minor">
+                <a:schemeClr val="lt1"/>
+              </a:fontRef>
+            </p:style>
+            <p:txBody>
+              <a:bodyPr rtlCol="0" anchor="ctr"/>
+              <a:lstStyle/>
+              <a:p>
+                <a:pPr algn="ctr"/>
+                <a:endParaRPr lang="en-US"/>
+              </a:p>
+            </p:txBody>
+          </p:sp>
+        </p:grpSp>
+        <p:grpSp>
+          <p:nvGrpSpPr>
+            <p:cNvPr id="147" name="Group 146"/>
+            <p:cNvGrpSpPr/>
+            <p:nvPr/>
+          </p:nvGrpSpPr>
+          <p:grpSpPr>
+            <a:xfrm>
+              <a:off x="3962400" y="1524000"/>
+              <a:ext cx="2819400" cy="2819400"/>
+              <a:chOff x="990600" y="1524000"/>
+              <a:chExt cx="2819400" cy="2819400"/>
+            </a:xfrm>
+          </p:grpSpPr>
+          <p:sp>
+            <p:nvSpPr>
+              <p:cNvPr id="148" name="Oval 147"/>
+              <p:cNvSpPr/>
+              <p:nvPr/>
+            </p:nvSpPr>
+            <p:spPr>
+              <a:xfrm>
+                <a:off x="1447800" y="2057400"/>
+                <a:ext cx="1828800" cy="1828800"/>
+              </a:xfrm>
+              <a:prstGeom prst="ellipse">
+                <a:avLst/>
+              </a:prstGeom>
+              <a:solidFill>
+                <a:schemeClr val="bg2"/>
+              </a:solidFill>
+            </p:spPr>
+            <p:style>
+              <a:lnRef idx="2">
+                <a:schemeClr val="accent1">
+                  <a:shade val="50000"/>
+                </a:schemeClr>
+              </a:lnRef>
+              <a:fillRef idx="1">
+                <a:schemeClr val="accent1"/>
+              </a:fillRef>
+              <a:effectRef idx="0">
+                <a:schemeClr val="accent1"/>
+              </a:effectRef>
+              <a:fontRef idx="minor">
+                <a:schemeClr val="lt1"/>
+              </a:fontRef>
+            </p:style>
+            <p:txBody>
+              <a:bodyPr rtlCol="0" anchor="ctr"/>
+              <a:lstStyle/>
+              <a:p>
+                <a:pPr algn="ctr"/>
+                <a:endParaRPr lang="en-US"/>
+              </a:p>
+            </p:txBody>
+          </p:sp>
+          <p:sp>
+            <p:nvSpPr>
+              <p:cNvPr id="149" name="Pie 148"/>
+              <p:cNvSpPr/>
+              <p:nvPr/>
+            </p:nvSpPr>
+            <p:spPr>
+              <a:xfrm rot="8577905">
+                <a:off x="1447800" y="2057400"/>
+                <a:ext cx="1828800" cy="1828800"/>
+              </a:xfrm>
+              <a:prstGeom prst="pie">
+                <a:avLst/>
+              </a:prstGeom>
+              <a:solidFill>
+                <a:schemeClr val="bg1"/>
+              </a:solidFill>
+            </p:spPr>
+            <p:style>
+              <a:lnRef idx="2">
+                <a:schemeClr val="accent1">
+                  <a:shade val="50000"/>
+                </a:schemeClr>
+              </a:lnRef>
+              <a:fillRef idx="1">
+                <a:schemeClr val="accent1"/>
+              </a:fillRef>
+              <a:effectRef idx="0">
+                <a:schemeClr val="accent1"/>
+              </a:effectRef>
+              <a:fontRef idx="minor">
+                <a:schemeClr val="lt1"/>
+              </a:fontRef>
+            </p:style>
+            <p:txBody>
+              <a:bodyPr rtlCol="0" anchor="ctr"/>
+              <a:lstStyle/>
+              <a:p>
+                <a:pPr algn="ctr"/>
+                <a:endParaRPr lang="en-US">
+                  <a:solidFill>
+                    <a:schemeClr val="tx1"/>
+                  </a:solidFill>
+                </a:endParaRPr>
+              </a:p>
+            </p:txBody>
+          </p:sp>
+          <p:cxnSp>
+            <p:nvCxnSpPr>
+              <p:cNvPr id="150" name="Straight Arrow Connector 149"/>
+              <p:cNvCxnSpPr/>
+              <p:nvPr/>
+            </p:nvCxnSpPr>
+            <p:spPr>
+              <a:xfrm flipV="1">
+                <a:off x="990600" y="2971800"/>
+                <a:ext cx="2743200" cy="794"/>
+              </a:xfrm>
+              <a:prstGeom prst="straightConnector1">
+                <a:avLst/>
+              </a:prstGeom>
+              <a:ln>
+                <a:tailEnd type="arrow"/>
+              </a:ln>
+            </p:spPr>
+            <p:style>
+              <a:lnRef idx="1">
+                <a:schemeClr val="accent1"/>
+              </a:lnRef>
+              <a:fillRef idx="0">
+                <a:schemeClr val="accent1"/>
+              </a:fillRef>
+              <a:effectRef idx="0">
+                <a:schemeClr val="accent1"/>
+              </a:effectRef>
+              <a:fontRef idx="minor">
+                <a:schemeClr val="tx1"/>
+              </a:fontRef>
+            </p:style>
+          </p:cxnSp>
+          <p:cxnSp>
+            <p:nvCxnSpPr>
+              <p:cNvPr id="151" name="Straight Arrow Connector 150"/>
+              <p:cNvCxnSpPr/>
+              <p:nvPr/>
+            </p:nvCxnSpPr>
+            <p:spPr>
+              <a:xfrm rot="5400000" flipH="1" flipV="1">
+                <a:off x="991394" y="2971006"/>
+                <a:ext cx="2743200" cy="1588"/>
+              </a:xfrm>
+              <a:prstGeom prst="straightConnector1">
+                <a:avLst/>
+              </a:prstGeom>
+              <a:ln>
+                <a:tailEnd type="arrow"/>
+              </a:ln>
+            </p:spPr>
+            <p:style>
+              <a:lnRef idx="1">
+                <a:schemeClr val="accent1"/>
+              </a:lnRef>
+              <a:fillRef idx="0">
+                <a:schemeClr val="accent1"/>
+              </a:fillRef>
+              <a:effectRef idx="0">
+                <a:schemeClr val="accent1"/>
+              </a:effectRef>
+              <a:fontRef idx="minor">
+                <a:schemeClr val="tx1"/>
+              </a:fontRef>
+            </p:style>
+          </p:cxnSp>
+          <p:sp>
+            <p:nvSpPr>
+              <p:cNvPr id="152" name="TextBox 151"/>
+              <p:cNvSpPr txBox="1"/>
+              <p:nvPr/>
+            </p:nvSpPr>
+            <p:spPr>
+              <a:xfrm>
+                <a:off x="3429000" y="2667000"/>
+                <a:ext cx="381000" cy="338554"/>
+              </a:xfrm>
+              <a:prstGeom prst="rect">
+                <a:avLst/>
+              </a:prstGeom>
+              <a:noFill/>
+            </p:spPr>
+            <p:txBody>
+              <a:bodyPr wrap="square" rtlCol="0">
+                <a:spAutoFit/>
+              </a:bodyPr>
+              <a:lstStyle/>
+              <a:p>
+                <a:r>
+                  <a:rPr lang="pl-PL" sz="1600" dirty="0" smtClean="0"/>
+                  <a:t>dx</a:t>
+                </a:r>
+                <a:endParaRPr lang="en-US" sz="1600" dirty="0"/>
+              </a:p>
+            </p:txBody>
+          </p:sp>
+          <p:sp>
+            <p:nvSpPr>
+              <p:cNvPr id="153" name="TextBox 152"/>
+              <p:cNvSpPr txBox="1"/>
+              <p:nvPr/>
+            </p:nvSpPr>
+            <p:spPr>
+              <a:xfrm>
+                <a:off x="2362200" y="1524000"/>
+                <a:ext cx="457200" cy="338554"/>
+              </a:xfrm>
+              <a:prstGeom prst="rect">
+                <a:avLst/>
+              </a:prstGeom>
+              <a:noFill/>
+            </p:spPr>
+            <p:txBody>
+              <a:bodyPr wrap="square" rtlCol="0">
+                <a:spAutoFit/>
+              </a:bodyPr>
+              <a:lstStyle/>
+              <a:p>
+                <a:r>
+                  <a:rPr lang="pl-PL" sz="1600" dirty="0" smtClean="0"/>
+                  <a:t>dy</a:t>
+                </a:r>
+                <a:endParaRPr lang="en-US" sz="1600" dirty="0"/>
+              </a:p>
+            </p:txBody>
+          </p:sp>
+          <p:sp>
+            <p:nvSpPr>
+              <p:cNvPr id="154" name="Rounded Rectangle 153"/>
+              <p:cNvSpPr/>
+              <p:nvPr/>
+            </p:nvSpPr>
+            <p:spPr>
+              <a:xfrm>
+                <a:off x="2971800" y="2819400"/>
+                <a:ext cx="45719" cy="45719"/>
+              </a:xfrm>
+              <a:prstGeom prst="roundRect">
+                <a:avLst/>
+              </a:prstGeom>
+              <a:effectLst/>
+            </p:spPr>
+            <p:style>
+              <a:lnRef idx="0">
+                <a:schemeClr val="accent2"/>
+              </a:lnRef>
+              <a:fillRef idx="3">
+                <a:schemeClr val="accent2"/>
+              </a:fillRef>
+              <a:effectRef idx="3">
+                <a:schemeClr val="accent2"/>
+              </a:effectRef>
+              <a:fontRef idx="minor">
+                <a:schemeClr val="lt1"/>
+              </a:fontRef>
+            </p:style>
+            <p:txBody>
+              <a:bodyPr rtlCol="0" anchor="ctr"/>
+              <a:lstStyle/>
+              <a:p>
+                <a:pPr algn="ctr"/>
+                <a:endParaRPr lang="en-US"/>
+              </a:p>
+            </p:txBody>
+          </p:sp>
+          <p:sp>
+            <p:nvSpPr>
+              <p:cNvPr id="155" name="Rounded Rectangle 154"/>
+              <p:cNvSpPr/>
+              <p:nvPr/>
+            </p:nvSpPr>
+            <p:spPr>
+              <a:xfrm>
+                <a:off x="2971800" y="2590800"/>
+                <a:ext cx="45719" cy="45719"/>
+              </a:xfrm>
+              <a:prstGeom prst="roundRect">
+                <a:avLst/>
+              </a:prstGeom>
+              <a:effectLst/>
+            </p:spPr>
+            <p:style>
+              <a:lnRef idx="0">
+                <a:schemeClr val="accent2"/>
+              </a:lnRef>
+              <a:fillRef idx="3">
+                <a:schemeClr val="accent2"/>
+              </a:fillRef>
+              <a:effectRef idx="3">
+                <a:schemeClr val="accent2"/>
+              </a:effectRef>
+              <a:fontRef idx="minor">
+                <a:schemeClr val="lt1"/>
+              </a:fontRef>
+            </p:style>
+            <p:txBody>
+              <a:bodyPr rtlCol="0" anchor="ctr"/>
+              <a:lstStyle/>
+              <a:p>
+                <a:pPr algn="ctr"/>
+                <a:endParaRPr lang="en-US"/>
+              </a:p>
+            </p:txBody>
+          </p:sp>
+          <p:sp>
+            <p:nvSpPr>
+              <p:cNvPr id="156" name="Rounded Rectangle 155"/>
+              <p:cNvSpPr/>
+              <p:nvPr/>
+            </p:nvSpPr>
+            <p:spPr>
+              <a:xfrm>
+                <a:off x="2667000" y="3124200"/>
+                <a:ext cx="45719" cy="45719"/>
+              </a:xfrm>
+              <a:prstGeom prst="roundRect">
+                <a:avLst/>
+              </a:prstGeom>
+              <a:effectLst/>
+            </p:spPr>
+            <p:style>
+              <a:lnRef idx="0">
+                <a:schemeClr val="accent2"/>
+              </a:lnRef>
+              <a:fillRef idx="3">
+                <a:schemeClr val="accent2"/>
+              </a:fillRef>
+              <a:effectRef idx="3">
+                <a:schemeClr val="accent2"/>
+              </a:effectRef>
+              <a:fontRef idx="minor">
+                <a:schemeClr val="lt1"/>
+              </a:fontRef>
+            </p:style>
+            <p:txBody>
+              <a:bodyPr rtlCol="0" anchor="ctr"/>
+              <a:lstStyle/>
+              <a:p>
+                <a:pPr algn="ctr"/>
+                <a:endParaRPr lang="en-US"/>
+              </a:p>
+            </p:txBody>
+          </p:sp>
+          <p:sp>
+            <p:nvSpPr>
+              <p:cNvPr id="157" name="Rounded Rectangle 156"/>
+              <p:cNvSpPr/>
+              <p:nvPr/>
+            </p:nvSpPr>
+            <p:spPr>
+              <a:xfrm>
+                <a:off x="1828800" y="3276600"/>
+                <a:ext cx="45719" cy="45719"/>
+              </a:xfrm>
+              <a:prstGeom prst="roundRect">
+                <a:avLst/>
+              </a:prstGeom>
+              <a:effectLst/>
+            </p:spPr>
+            <p:style>
+              <a:lnRef idx="0">
+                <a:schemeClr val="accent2"/>
+              </a:lnRef>
+              <a:fillRef idx="3">
+                <a:schemeClr val="accent2"/>
+              </a:fillRef>
+              <a:effectRef idx="3">
+                <a:schemeClr val="accent2"/>
+              </a:effectRef>
+              <a:fontRef idx="minor">
+                <a:schemeClr val="lt1"/>
+              </a:fontRef>
+            </p:style>
+            <p:txBody>
+              <a:bodyPr rtlCol="0" anchor="ctr"/>
+              <a:lstStyle/>
+              <a:p>
+                <a:pPr algn="ctr"/>
+                <a:endParaRPr lang="en-US"/>
+              </a:p>
+            </p:txBody>
+          </p:sp>
+          <p:sp>
+            <p:nvSpPr>
+              <p:cNvPr id="158" name="Rounded Rectangle 157"/>
+              <p:cNvSpPr/>
+              <p:nvPr/>
+            </p:nvSpPr>
+            <p:spPr>
+              <a:xfrm>
+                <a:off x="2209800" y="3429000"/>
+                <a:ext cx="45719" cy="45719"/>
+              </a:xfrm>
+              <a:prstGeom prst="roundRect">
+                <a:avLst/>
+              </a:prstGeom>
+              <a:effectLst/>
+            </p:spPr>
+            <p:style>
+              <a:lnRef idx="0">
+                <a:schemeClr val="accent2"/>
+              </a:lnRef>
+              <a:fillRef idx="3">
+                <a:schemeClr val="accent2"/>
+              </a:fillRef>
+              <a:effectRef idx="3">
+                <a:schemeClr val="accent2"/>
+              </a:effectRef>
+              <a:fontRef idx="minor">
+                <a:schemeClr val="lt1"/>
+              </a:fontRef>
+            </p:style>
+            <p:txBody>
+              <a:bodyPr rtlCol="0" anchor="ctr"/>
+              <a:lstStyle/>
+              <a:p>
+                <a:pPr algn="ctr"/>
+                <a:endParaRPr lang="en-US"/>
+              </a:p>
+            </p:txBody>
+          </p:sp>
+          <p:sp>
+            <p:nvSpPr>
+              <p:cNvPr id="159" name="Rounded Rectangle 158"/>
+              <p:cNvSpPr/>
+              <p:nvPr/>
+            </p:nvSpPr>
+            <p:spPr>
+              <a:xfrm>
+                <a:off x="2590800" y="3429000"/>
+                <a:ext cx="45719" cy="45719"/>
+              </a:xfrm>
+              <a:prstGeom prst="roundRect">
+                <a:avLst/>
+              </a:prstGeom>
+              <a:effectLst/>
+            </p:spPr>
+            <p:style>
+              <a:lnRef idx="0">
+                <a:schemeClr val="accent2"/>
+              </a:lnRef>
+              <a:fillRef idx="3">
+                <a:schemeClr val="accent2"/>
+              </a:fillRef>
+              <a:effectRef idx="3">
+                <a:schemeClr val="accent2"/>
+              </a:effectRef>
+              <a:fontRef idx="minor">
+                <a:schemeClr val="lt1"/>
+              </a:fontRef>
+            </p:style>
+            <p:txBody>
+              <a:bodyPr rtlCol="0" anchor="ctr"/>
+              <a:lstStyle/>
+              <a:p>
+                <a:pPr algn="ctr"/>
+                <a:endParaRPr lang="en-US"/>
+              </a:p>
+            </p:txBody>
+          </p:sp>
+          <p:sp>
+            <p:nvSpPr>
+              <p:cNvPr id="160" name="Rounded Rectangle 159"/>
+              <p:cNvSpPr/>
+              <p:nvPr/>
+            </p:nvSpPr>
+            <p:spPr>
+              <a:xfrm>
+                <a:off x="2514600" y="2895600"/>
+                <a:ext cx="45719" cy="45719"/>
+              </a:xfrm>
+              <a:prstGeom prst="roundRect">
+                <a:avLst/>
+              </a:prstGeom>
+              <a:effectLst/>
+            </p:spPr>
+            <p:style>
+              <a:lnRef idx="0">
+                <a:schemeClr val="accent2"/>
+              </a:lnRef>
+              <a:fillRef idx="3">
+                <a:schemeClr val="accent2"/>
+              </a:fillRef>
+              <a:effectRef idx="3">
+                <a:schemeClr val="accent2"/>
+              </a:effectRef>
+              <a:fontRef idx="minor">
+                <a:schemeClr val="lt1"/>
+              </a:fontRef>
+            </p:style>
+            <p:txBody>
+              <a:bodyPr rtlCol="0" anchor="ctr"/>
+              <a:lstStyle/>
+              <a:p>
+                <a:pPr algn="ctr"/>
+                <a:endParaRPr lang="en-US"/>
+              </a:p>
+            </p:txBody>
+          </p:sp>
+          <p:sp>
+            <p:nvSpPr>
+              <p:cNvPr id="161" name="Rounded Rectangle 160"/>
+              <p:cNvSpPr/>
+              <p:nvPr/>
+            </p:nvSpPr>
+            <p:spPr>
+              <a:xfrm>
+                <a:off x="2971800" y="3352800"/>
+                <a:ext cx="45719" cy="45719"/>
+              </a:xfrm>
+              <a:prstGeom prst="roundRect">
+                <a:avLst/>
+              </a:prstGeom>
+              <a:effectLst/>
+            </p:spPr>
+            <p:style>
+              <a:lnRef idx="0">
+                <a:schemeClr val="accent2"/>
+              </a:lnRef>
+              <a:fillRef idx="3">
+                <a:schemeClr val="accent2"/>
+              </a:fillRef>
+              <a:effectRef idx="3">
+                <a:schemeClr val="accent2"/>
+              </a:effectRef>
+              <a:fontRef idx="minor">
+                <a:schemeClr val="lt1"/>
+              </a:fontRef>
+            </p:style>
+            <p:txBody>
+              <a:bodyPr rtlCol="0" anchor="ctr"/>
+              <a:lstStyle/>
+              <a:p>
+                <a:pPr algn="ctr"/>
+                <a:endParaRPr lang="en-US"/>
+              </a:p>
+            </p:txBody>
+          </p:sp>
+          <p:sp>
+            <p:nvSpPr>
+              <p:cNvPr id="162" name="Rounded Rectangle 161"/>
+              <p:cNvSpPr/>
+              <p:nvPr/>
+            </p:nvSpPr>
+            <p:spPr>
+              <a:xfrm>
+                <a:off x="2895600" y="2514600"/>
+                <a:ext cx="45719" cy="45719"/>
+              </a:xfrm>
+              <a:prstGeom prst="roundRect">
+                <a:avLst/>
+              </a:prstGeom>
+              <a:effectLst/>
+            </p:spPr>
+            <p:style>
+              <a:lnRef idx="0">
+                <a:schemeClr val="accent2"/>
+              </a:lnRef>
+              <a:fillRef idx="3">
+                <a:schemeClr val="accent2"/>
+              </a:fillRef>
+              <a:effectRef idx="3">
+                <a:schemeClr val="accent2"/>
+              </a:effectRef>
+              <a:fontRef idx="minor">
+                <a:schemeClr val="lt1"/>
+              </a:fontRef>
+            </p:style>
+            <p:txBody>
+              <a:bodyPr rtlCol="0" anchor="ctr"/>
+              <a:lstStyle/>
+              <a:p>
+                <a:pPr algn="ctr"/>
+                <a:endParaRPr lang="en-US"/>
+              </a:p>
+            </p:txBody>
+          </p:sp>
+          <p:sp>
+            <p:nvSpPr>
+              <p:cNvPr id="163" name="Rounded Rectangle 162"/>
+              <p:cNvSpPr/>
+              <p:nvPr/>
+            </p:nvSpPr>
+            <p:spPr>
+              <a:xfrm>
+                <a:off x="2895600" y="3581400"/>
+                <a:ext cx="45719" cy="45719"/>
+              </a:xfrm>
+              <a:prstGeom prst="roundRect">
+                <a:avLst/>
+              </a:prstGeom>
+              <a:effectLst/>
+            </p:spPr>
+            <p:style>
+              <a:lnRef idx="0">
+                <a:schemeClr val="accent2"/>
+              </a:lnRef>
+              <a:fillRef idx="3">
+                <a:schemeClr val="accent2"/>
+              </a:fillRef>
+              <a:effectRef idx="3">
+                <a:schemeClr val="accent2"/>
+              </a:effectRef>
+              <a:fontRef idx="minor">
+                <a:schemeClr val="lt1"/>
+              </a:fontRef>
+            </p:style>
+            <p:txBody>
+              <a:bodyPr rtlCol="0" anchor="ctr"/>
+              <a:lstStyle/>
+              <a:p>
+                <a:pPr algn="ctr"/>
+                <a:endParaRPr lang="en-US"/>
+              </a:p>
+            </p:txBody>
+          </p:sp>
+          <p:sp>
+            <p:nvSpPr>
+              <p:cNvPr id="164" name="Rounded Rectangle 163"/>
+              <p:cNvSpPr/>
+              <p:nvPr/>
+            </p:nvSpPr>
+            <p:spPr>
+              <a:xfrm>
+                <a:off x="2590800" y="2514600"/>
+                <a:ext cx="45719" cy="45719"/>
+              </a:xfrm>
+              <a:prstGeom prst="roundRect">
+                <a:avLst/>
+              </a:prstGeom>
+              <a:effectLst/>
+            </p:spPr>
+            <p:style>
+              <a:lnRef idx="0">
+                <a:schemeClr val="accent2"/>
+              </a:lnRef>
+              <a:fillRef idx="3">
+                <a:schemeClr val="accent2"/>
+              </a:fillRef>
+              <a:effectRef idx="3">
+                <a:schemeClr val="accent2"/>
+              </a:effectRef>
+              <a:fontRef idx="minor">
+                <a:schemeClr val="lt1"/>
+              </a:fontRef>
+            </p:style>
+            <p:txBody>
+              <a:bodyPr rtlCol="0" anchor="ctr"/>
+              <a:lstStyle/>
+              <a:p>
+                <a:pPr algn="ctr"/>
+                <a:endParaRPr lang="en-US"/>
+              </a:p>
+            </p:txBody>
+          </p:sp>
+          <p:sp>
+            <p:nvSpPr>
+              <p:cNvPr id="165" name="Rounded Rectangle 164"/>
+              <p:cNvSpPr/>
+              <p:nvPr/>
+            </p:nvSpPr>
+            <p:spPr>
+              <a:xfrm>
+                <a:off x="2743200" y="2743200"/>
+                <a:ext cx="45719" cy="45719"/>
+              </a:xfrm>
+              <a:prstGeom prst="roundRect">
+                <a:avLst/>
+              </a:prstGeom>
+              <a:effectLst/>
+            </p:spPr>
+            <p:style>
+              <a:lnRef idx="0">
+                <a:schemeClr val="accent2"/>
+              </a:lnRef>
+              <a:fillRef idx="3">
+                <a:schemeClr val="accent2"/>
+              </a:fillRef>
+              <a:effectRef idx="3">
+                <a:schemeClr val="accent2"/>
+              </a:effectRef>
+              <a:fontRef idx="minor">
+                <a:schemeClr val="lt1"/>
+              </a:fontRef>
+            </p:style>
+            <p:txBody>
+              <a:bodyPr rtlCol="0" anchor="ctr"/>
+              <a:lstStyle/>
+              <a:p>
+                <a:pPr algn="ctr"/>
+                <a:endParaRPr lang="en-US"/>
+              </a:p>
+            </p:txBody>
+          </p:sp>
+          <p:sp>
+            <p:nvSpPr>
+              <p:cNvPr id="166" name="Rounded Rectangle 165"/>
+              <p:cNvSpPr/>
+              <p:nvPr/>
+            </p:nvSpPr>
+            <p:spPr>
+              <a:xfrm>
+                <a:off x="2971800" y="3124200"/>
+                <a:ext cx="45719" cy="45719"/>
+              </a:xfrm>
+              <a:prstGeom prst="roundRect">
+                <a:avLst/>
+              </a:prstGeom>
+              <a:effectLst/>
+            </p:spPr>
+            <p:style>
+              <a:lnRef idx="0">
+                <a:schemeClr val="accent2"/>
+              </a:lnRef>
+              <a:fillRef idx="3">
+                <a:schemeClr val="accent2"/>
+              </a:fillRef>
+              <a:effectRef idx="3">
+                <a:schemeClr val="accent2"/>
+              </a:effectRef>
+              <a:fontRef idx="minor">
+                <a:schemeClr val="lt1"/>
+              </a:fontRef>
+            </p:style>
+            <p:txBody>
+              <a:bodyPr rtlCol="0" anchor="ctr"/>
+              <a:lstStyle/>
+              <a:p>
+                <a:pPr algn="ctr"/>
+                <a:endParaRPr lang="en-US"/>
+              </a:p>
+            </p:txBody>
+          </p:sp>
+          <p:sp>
+            <p:nvSpPr>
+              <p:cNvPr id="167" name="Rounded Rectangle 166"/>
+              <p:cNvSpPr/>
+              <p:nvPr/>
+            </p:nvSpPr>
+            <p:spPr>
+              <a:xfrm>
+                <a:off x="1981200" y="3048000"/>
+                <a:ext cx="45719" cy="45719"/>
+              </a:xfrm>
+              <a:prstGeom prst="roundRect">
+                <a:avLst/>
+              </a:prstGeom>
+              <a:effectLst/>
+            </p:spPr>
+            <p:style>
+              <a:lnRef idx="0">
+                <a:schemeClr val="accent2"/>
+              </a:lnRef>
+              <a:fillRef idx="3">
+                <a:schemeClr val="accent2"/>
+              </a:fillRef>
+              <a:effectRef idx="3">
+                <a:schemeClr val="accent2"/>
+              </a:effectRef>
+              <a:fontRef idx="minor">
+                <a:schemeClr val="lt1"/>
+              </a:fontRef>
+            </p:style>
+            <p:txBody>
+              <a:bodyPr rtlCol="0" anchor="ctr"/>
+              <a:lstStyle/>
+              <a:p>
+                <a:pPr algn="ctr"/>
+                <a:endParaRPr lang="en-US"/>
+              </a:p>
+            </p:txBody>
+          </p:sp>
+          <p:sp>
+            <p:nvSpPr>
+              <p:cNvPr id="168" name="Rounded Rectangle 167"/>
+              <p:cNvSpPr/>
+              <p:nvPr/>
+            </p:nvSpPr>
+            <p:spPr>
+              <a:xfrm>
+                <a:off x="1981200" y="3200400"/>
+                <a:ext cx="45719" cy="45719"/>
+              </a:xfrm>
+              <a:prstGeom prst="roundRect">
+                <a:avLst/>
+              </a:prstGeom>
+              <a:effectLst/>
+            </p:spPr>
+            <p:style>
+              <a:lnRef idx="0">
+                <a:schemeClr val="accent2"/>
+              </a:lnRef>
+              <a:fillRef idx="3">
+                <a:schemeClr val="accent2"/>
+              </a:fillRef>
+              <a:effectRef idx="3">
+                <a:schemeClr val="accent2"/>
+              </a:effectRef>
+              <a:fontRef idx="minor">
+                <a:schemeClr val="lt1"/>
+              </a:fontRef>
+            </p:style>
+            <p:txBody>
+              <a:bodyPr rtlCol="0" anchor="ctr"/>
+              <a:lstStyle/>
+              <a:p>
+                <a:pPr algn="ctr"/>
+                <a:endParaRPr lang="en-US"/>
+              </a:p>
+            </p:txBody>
+          </p:sp>
+          <p:sp>
+            <p:nvSpPr>
+              <p:cNvPr id="169" name="Rounded Rectangle 168"/>
+              <p:cNvSpPr/>
+              <p:nvPr/>
+            </p:nvSpPr>
+            <p:spPr>
+              <a:xfrm>
+                <a:off x="2971800" y="2667000"/>
+                <a:ext cx="45719" cy="45719"/>
+              </a:xfrm>
+              <a:prstGeom prst="roundRect">
+                <a:avLst/>
+              </a:prstGeom>
+              <a:effectLst/>
+            </p:spPr>
+            <p:style>
+              <a:lnRef idx="0">
+                <a:schemeClr val="accent2"/>
+              </a:lnRef>
+              <a:fillRef idx="3">
+                <a:schemeClr val="accent2"/>
+              </a:fillRef>
+              <a:effectRef idx="3">
+                <a:schemeClr val="accent2"/>
+              </a:effectRef>
+              <a:fontRef idx="minor">
+                <a:schemeClr val="lt1"/>
+              </a:fontRef>
+            </p:style>
+            <p:txBody>
+              <a:bodyPr rtlCol="0" anchor="ctr"/>
+              <a:lstStyle/>
+              <a:p>
+                <a:pPr algn="ctr"/>
+                <a:endParaRPr lang="en-US"/>
+              </a:p>
+            </p:txBody>
+          </p:sp>
+          <p:sp>
+            <p:nvSpPr>
+              <p:cNvPr id="170" name="Rounded Rectangle 169"/>
+              <p:cNvSpPr/>
+              <p:nvPr/>
+            </p:nvSpPr>
+            <p:spPr>
+              <a:xfrm>
+                <a:off x="2819400" y="2590800"/>
+                <a:ext cx="45719" cy="45719"/>
+              </a:xfrm>
+              <a:prstGeom prst="roundRect">
+                <a:avLst/>
+              </a:prstGeom>
+              <a:effectLst/>
+            </p:spPr>
+            <p:style>
+              <a:lnRef idx="0">
+                <a:schemeClr val="accent2"/>
+              </a:lnRef>
+              <a:fillRef idx="3">
+                <a:schemeClr val="accent2"/>
+              </a:fillRef>
+              <a:effectRef idx="3">
+                <a:schemeClr val="accent2"/>
+              </a:effectRef>
+              <a:fontRef idx="minor">
+                <a:schemeClr val="lt1"/>
+              </a:fontRef>
+            </p:style>
+            <p:txBody>
+              <a:bodyPr rtlCol="0" anchor="ctr"/>
+              <a:lstStyle/>
+              <a:p>
+                <a:pPr algn="ctr"/>
+                <a:endParaRPr lang="en-US"/>
+              </a:p>
+            </p:txBody>
+          </p:sp>
+          <p:sp>
+            <p:nvSpPr>
+              <p:cNvPr id="171" name="Rounded Rectangle 170"/>
+              <p:cNvSpPr/>
+              <p:nvPr/>
+            </p:nvSpPr>
+            <p:spPr>
+              <a:xfrm>
+                <a:off x="2971800" y="2667000"/>
+                <a:ext cx="45719" cy="45719"/>
+              </a:xfrm>
+              <a:prstGeom prst="roundRect">
+                <a:avLst/>
+              </a:prstGeom>
+              <a:effectLst/>
+            </p:spPr>
+            <p:style>
+              <a:lnRef idx="0">
+                <a:schemeClr val="accent2"/>
+              </a:lnRef>
+              <a:fillRef idx="3">
+                <a:schemeClr val="accent2"/>
+              </a:fillRef>
+              <a:effectRef idx="3">
+                <a:schemeClr val="accent2"/>
+              </a:effectRef>
+              <a:fontRef idx="minor">
+                <a:schemeClr val="lt1"/>
+              </a:fontRef>
+            </p:style>
+            <p:txBody>
+              <a:bodyPr rtlCol="0" anchor="ctr"/>
+              <a:lstStyle/>
+              <a:p>
+                <a:pPr algn="ctr"/>
+                <a:endParaRPr lang="en-US"/>
+              </a:p>
+            </p:txBody>
+          </p:sp>
+          <p:sp>
+            <p:nvSpPr>
+              <p:cNvPr id="172" name="Rounded Rectangle 171"/>
+              <p:cNvSpPr/>
+              <p:nvPr/>
+            </p:nvSpPr>
+            <p:spPr>
+              <a:xfrm>
+                <a:off x="2286000" y="2514600"/>
+                <a:ext cx="45719" cy="45719"/>
+              </a:xfrm>
+              <a:prstGeom prst="roundRect">
+                <a:avLst/>
+              </a:prstGeom>
+              <a:effectLst/>
+            </p:spPr>
+            <p:style>
+              <a:lnRef idx="0">
+                <a:schemeClr val="accent2"/>
+              </a:lnRef>
+              <a:fillRef idx="3">
+                <a:schemeClr val="accent2"/>
+              </a:fillRef>
+              <a:effectRef idx="3">
+                <a:schemeClr val="accent2"/>
+              </a:effectRef>
+              <a:fontRef idx="minor">
+                <a:schemeClr val="lt1"/>
+              </a:fontRef>
+            </p:style>
+            <p:txBody>
+              <a:bodyPr rtlCol="0" anchor="ctr"/>
+              <a:lstStyle/>
+              <a:p>
+                <a:pPr algn="ctr"/>
+                <a:endParaRPr lang="en-US"/>
+              </a:p>
+            </p:txBody>
+          </p:sp>
+          <p:sp>
+            <p:nvSpPr>
+              <p:cNvPr id="173" name="Rounded Rectangle 172"/>
+              <p:cNvSpPr/>
+              <p:nvPr/>
+            </p:nvSpPr>
+            <p:spPr>
+              <a:xfrm>
+                <a:off x="3276600" y="2590800"/>
+                <a:ext cx="45719" cy="45719"/>
+              </a:xfrm>
+              <a:prstGeom prst="roundRect">
+                <a:avLst/>
+              </a:prstGeom>
+              <a:effectLst/>
+            </p:spPr>
+            <p:style>
+              <a:lnRef idx="0">
+                <a:schemeClr val="accent2"/>
+              </a:lnRef>
+              <a:fillRef idx="3">
+                <a:schemeClr val="accent2"/>
+              </a:fillRef>
+              <a:effectRef idx="3">
+                <a:schemeClr val="accent2"/>
+              </a:effectRef>
+              <a:fontRef idx="minor">
+                <a:schemeClr val="lt1"/>
+              </a:fontRef>
+            </p:style>
+            <p:txBody>
+              <a:bodyPr rtlCol="0" anchor="ctr"/>
+              <a:lstStyle/>
+              <a:p>
+                <a:pPr algn="ctr"/>
+                <a:endParaRPr lang="en-US"/>
+              </a:p>
+            </p:txBody>
+          </p:sp>
+          <p:sp>
+            <p:nvSpPr>
+              <p:cNvPr id="174" name="Rounded Rectangle 173"/>
+              <p:cNvSpPr/>
+              <p:nvPr/>
+            </p:nvSpPr>
+            <p:spPr>
+              <a:xfrm>
+                <a:off x="2133600" y="2514600"/>
+                <a:ext cx="45719" cy="45719"/>
+              </a:xfrm>
+              <a:prstGeom prst="roundRect">
+                <a:avLst/>
+              </a:prstGeom>
+              <a:effectLst/>
+            </p:spPr>
+            <p:style>
+              <a:lnRef idx="0">
+                <a:schemeClr val="accent2"/>
+              </a:lnRef>
+              <a:fillRef idx="3">
+                <a:schemeClr val="accent2"/>
+              </a:fillRef>
+              <a:effectRef idx="3">
+                <a:schemeClr val="accent2"/>
+              </a:effectRef>
+              <a:fontRef idx="minor">
+                <a:schemeClr val="lt1"/>
+              </a:fontRef>
+            </p:style>
+            <p:txBody>
+              <a:bodyPr rtlCol="0" anchor="ctr"/>
+              <a:lstStyle/>
+              <a:p>
+                <a:pPr algn="ctr"/>
+                <a:endParaRPr lang="en-US"/>
+              </a:p>
+            </p:txBody>
+          </p:sp>
+          <p:sp>
+            <p:nvSpPr>
+              <p:cNvPr id="175" name="Rounded Rectangle 174"/>
+              <p:cNvSpPr/>
+              <p:nvPr/>
+            </p:nvSpPr>
+            <p:spPr>
+              <a:xfrm>
+                <a:off x="2209800" y="2362200"/>
+                <a:ext cx="45719" cy="45719"/>
+              </a:xfrm>
+              <a:prstGeom prst="roundRect">
+                <a:avLst/>
+              </a:prstGeom>
+              <a:effectLst/>
+            </p:spPr>
+            <p:style>
+              <a:lnRef idx="0">
+                <a:schemeClr val="accent2"/>
+              </a:lnRef>
+              <a:fillRef idx="3">
+                <a:schemeClr val="accent2"/>
+              </a:fillRef>
+              <a:effectRef idx="3">
+                <a:schemeClr val="accent2"/>
+              </a:effectRef>
+              <a:fontRef idx="minor">
+                <a:schemeClr val="lt1"/>
+              </a:fontRef>
+            </p:style>
+            <p:txBody>
+              <a:bodyPr rtlCol="0" anchor="ctr"/>
+              <a:lstStyle/>
+              <a:p>
+                <a:pPr algn="ctr"/>
+                <a:endParaRPr lang="en-US"/>
+              </a:p>
+            </p:txBody>
+          </p:sp>
+          <p:sp>
+            <p:nvSpPr>
+              <p:cNvPr id="176" name="Rounded Rectangle 175"/>
+              <p:cNvSpPr/>
+              <p:nvPr/>
+            </p:nvSpPr>
+            <p:spPr>
+              <a:xfrm>
+                <a:off x="3124200" y="2971800"/>
+                <a:ext cx="45719" cy="45719"/>
+              </a:xfrm>
+              <a:prstGeom prst="roundRect">
+                <a:avLst/>
+              </a:prstGeom>
+              <a:effectLst/>
+            </p:spPr>
+            <p:style>
+              <a:lnRef idx="0">
+                <a:schemeClr val="accent2"/>
+              </a:lnRef>
+              <a:fillRef idx="3">
+                <a:schemeClr val="accent2"/>
+              </a:fillRef>
+              <a:effectRef idx="3">
+                <a:schemeClr val="accent2"/>
+              </a:effectRef>
+              <a:fontRef idx="minor">
+                <a:schemeClr val="lt1"/>
+              </a:fontRef>
+            </p:style>
+            <p:txBody>
+              <a:bodyPr rtlCol="0" anchor="ctr"/>
+              <a:lstStyle/>
+              <a:p>
+                <a:pPr algn="ctr"/>
+                <a:endParaRPr lang="en-US"/>
+              </a:p>
+            </p:txBody>
+          </p:sp>
+          <p:sp>
+            <p:nvSpPr>
+              <p:cNvPr id="177" name="Rounded Rectangle 176"/>
+              <p:cNvSpPr/>
+              <p:nvPr/>
+            </p:nvSpPr>
+            <p:spPr>
+              <a:xfrm>
+                <a:off x="2057400" y="2209800"/>
+                <a:ext cx="45719" cy="45719"/>
+              </a:xfrm>
+              <a:prstGeom prst="roundRect">
+                <a:avLst/>
+              </a:prstGeom>
+              <a:effectLst/>
+            </p:spPr>
+            <p:style>
+              <a:lnRef idx="0">
+                <a:schemeClr val="accent2"/>
+              </a:lnRef>
+              <a:fillRef idx="3">
+                <a:schemeClr val="accent2"/>
+              </a:fillRef>
+              <a:effectRef idx="3">
+                <a:schemeClr val="accent2"/>
+              </a:effectRef>
+              <a:fontRef idx="minor">
+                <a:schemeClr val="lt1"/>
+              </a:fontRef>
+            </p:style>
+            <p:txBody>
+              <a:bodyPr rtlCol="0" anchor="ctr"/>
+              <a:lstStyle/>
+              <a:p>
+                <a:pPr algn="ctr"/>
+                <a:endParaRPr lang="en-US"/>
+              </a:p>
+            </p:txBody>
+          </p:sp>
+          <p:sp>
+            <p:nvSpPr>
+              <p:cNvPr id="178" name="Rounded Rectangle 177"/>
+              <p:cNvSpPr/>
+              <p:nvPr/>
+            </p:nvSpPr>
+            <p:spPr>
+              <a:xfrm>
+                <a:off x="1981200" y="2438400"/>
+                <a:ext cx="45719" cy="45719"/>
+              </a:xfrm>
+              <a:prstGeom prst="roundRect">
+                <a:avLst/>
+              </a:prstGeom>
+              <a:effectLst/>
+            </p:spPr>
+            <p:style>
+              <a:lnRef idx="0">
+                <a:schemeClr val="accent2"/>
+              </a:lnRef>
+              <a:fillRef idx="3">
+                <a:schemeClr val="accent2"/>
+              </a:fillRef>
+              <a:effectRef idx="3">
+                <a:schemeClr val="accent2"/>
+              </a:effectRef>
+              <a:fontRef idx="minor">
+                <a:schemeClr val="lt1"/>
+              </a:fontRef>
+            </p:style>
+            <p:txBody>
+              <a:bodyPr rtlCol="0" anchor="ctr"/>
+              <a:lstStyle/>
+              <a:p>
+                <a:pPr algn="ctr"/>
+                <a:endParaRPr lang="en-US"/>
+              </a:p>
+            </p:txBody>
+          </p:sp>
+          <p:sp>
+            <p:nvSpPr>
+              <p:cNvPr id="179" name="Rounded Rectangle 178"/>
+              <p:cNvSpPr/>
+              <p:nvPr/>
+            </p:nvSpPr>
+            <p:spPr>
+              <a:xfrm>
+                <a:off x="1295400" y="2590800"/>
+                <a:ext cx="45719" cy="45719"/>
+              </a:xfrm>
+              <a:prstGeom prst="roundRect">
+                <a:avLst/>
+              </a:prstGeom>
+              <a:effectLst/>
+            </p:spPr>
+            <p:style>
+              <a:lnRef idx="0">
+                <a:schemeClr val="accent2"/>
+              </a:lnRef>
+              <a:fillRef idx="3">
+                <a:schemeClr val="accent2"/>
+              </a:fillRef>
+              <a:effectRef idx="3">
+                <a:schemeClr val="accent2"/>
+              </a:effectRef>
+              <a:fontRef idx="minor">
+                <a:schemeClr val="lt1"/>
+              </a:fontRef>
+            </p:style>
+            <p:txBody>
+              <a:bodyPr rtlCol="0" anchor="ctr"/>
+              <a:lstStyle/>
+              <a:p>
+                <a:pPr algn="ctr"/>
+                <a:endParaRPr lang="en-US"/>
+              </a:p>
+            </p:txBody>
+          </p:sp>
+          <p:sp>
+            <p:nvSpPr>
+              <p:cNvPr id="180" name="Rounded Rectangle 179"/>
+              <p:cNvSpPr/>
+              <p:nvPr/>
+            </p:nvSpPr>
+            <p:spPr>
+              <a:xfrm>
+                <a:off x="1905000" y="2286000"/>
+                <a:ext cx="45719" cy="45719"/>
+              </a:xfrm>
+              <a:prstGeom prst="roundRect">
+                <a:avLst/>
+              </a:prstGeom>
+              <a:effectLst/>
+            </p:spPr>
+            <p:style>
+              <a:lnRef idx="0">
+                <a:schemeClr val="accent2"/>
+              </a:lnRef>
+              <a:fillRef idx="3">
+                <a:schemeClr val="accent2"/>
+              </a:fillRef>
+              <a:effectRef idx="3">
+                <a:schemeClr val="accent2"/>
+              </a:effectRef>
+              <a:fontRef idx="minor">
+                <a:schemeClr val="lt1"/>
+              </a:fontRef>
+            </p:style>
+            <p:txBody>
+              <a:bodyPr rtlCol="0" anchor="ctr"/>
+              <a:lstStyle/>
+              <a:p>
+                <a:pPr algn="ctr"/>
+                <a:endParaRPr lang="en-US"/>
+              </a:p>
+            </p:txBody>
+          </p:sp>
+          <p:sp>
+            <p:nvSpPr>
+              <p:cNvPr id="181" name="Rounded Rectangle 180"/>
+              <p:cNvSpPr/>
+              <p:nvPr/>
+            </p:nvSpPr>
+            <p:spPr>
+              <a:xfrm>
+                <a:off x="2590800" y="2895600"/>
+                <a:ext cx="45719" cy="45719"/>
+              </a:xfrm>
+              <a:prstGeom prst="roundRect">
+                <a:avLst/>
+              </a:prstGeom>
+              <a:effectLst/>
+            </p:spPr>
+            <p:style>
+              <a:lnRef idx="0">
+                <a:schemeClr val="accent2"/>
+              </a:lnRef>
+              <a:fillRef idx="3">
+                <a:schemeClr val="accent2"/>
+              </a:fillRef>
+              <a:effectRef idx="3">
+                <a:schemeClr val="accent2"/>
+              </a:effectRef>
+              <a:fontRef idx="minor">
+                <a:schemeClr val="lt1"/>
+              </a:fontRef>
+            </p:style>
+            <p:txBody>
+              <a:bodyPr rtlCol="0" anchor="ctr"/>
+              <a:lstStyle/>
+              <a:p>
+                <a:pPr algn="ctr"/>
+                <a:endParaRPr lang="en-US"/>
+              </a:p>
+            </p:txBody>
+          </p:sp>
+          <p:sp>
+            <p:nvSpPr>
+              <p:cNvPr id="182" name="Rounded Rectangle 181"/>
+              <p:cNvSpPr/>
+              <p:nvPr/>
+            </p:nvSpPr>
+            <p:spPr>
+              <a:xfrm>
+                <a:off x="1600200" y="2819400"/>
+                <a:ext cx="45719" cy="45719"/>
+              </a:xfrm>
+              <a:prstGeom prst="roundRect">
+                <a:avLst/>
+              </a:prstGeom>
+              <a:effectLst/>
+            </p:spPr>
+            <p:style>
+              <a:lnRef idx="0">
+                <a:schemeClr val="accent2"/>
+              </a:lnRef>
+              <a:fillRef idx="3">
+                <a:schemeClr val="accent2"/>
+              </a:fillRef>
+              <a:effectRef idx="3">
+                <a:schemeClr val="accent2"/>
+              </a:effectRef>
+              <a:fontRef idx="minor">
+                <a:schemeClr val="lt1"/>
+              </a:fontRef>
+            </p:style>
+            <p:txBody>
+              <a:bodyPr rtlCol="0" anchor="ctr"/>
+              <a:lstStyle/>
+              <a:p>
+                <a:pPr algn="ctr"/>
+                <a:endParaRPr lang="en-US"/>
+              </a:p>
+            </p:txBody>
+          </p:sp>
+          <p:sp>
+            <p:nvSpPr>
+              <p:cNvPr id="183" name="Rounded Rectangle 182"/>
+              <p:cNvSpPr/>
+              <p:nvPr/>
+            </p:nvSpPr>
+            <p:spPr>
+              <a:xfrm>
+                <a:off x="1981200" y="3657600"/>
+                <a:ext cx="45719" cy="45719"/>
+              </a:xfrm>
+              <a:prstGeom prst="roundRect">
+                <a:avLst/>
+              </a:prstGeom>
+              <a:effectLst/>
+            </p:spPr>
+            <p:style>
+              <a:lnRef idx="0">
+                <a:schemeClr val="accent2"/>
+              </a:lnRef>
+              <a:fillRef idx="3">
+                <a:schemeClr val="accent2"/>
+              </a:fillRef>
+              <a:effectRef idx="3">
+                <a:schemeClr val="accent2"/>
+              </a:effectRef>
+              <a:fontRef idx="minor">
+                <a:schemeClr val="lt1"/>
+              </a:fontRef>
+            </p:style>
+            <p:txBody>
+              <a:bodyPr rtlCol="0" anchor="ctr"/>
+              <a:lstStyle/>
+              <a:p>
+                <a:pPr algn="ctr"/>
+                <a:endParaRPr lang="en-US"/>
+              </a:p>
+            </p:txBody>
+          </p:sp>
+          <p:sp>
+            <p:nvSpPr>
+              <p:cNvPr id="184" name="Rounded Rectangle 183"/>
+              <p:cNvSpPr/>
+              <p:nvPr/>
+            </p:nvSpPr>
+            <p:spPr>
+              <a:xfrm>
+                <a:off x="1752600" y="2667000"/>
+                <a:ext cx="45719" cy="45719"/>
+              </a:xfrm>
+              <a:prstGeom prst="roundRect">
+                <a:avLst/>
+              </a:prstGeom>
+              <a:effectLst/>
+            </p:spPr>
+            <p:style>
+              <a:lnRef idx="0">
+                <a:schemeClr val="accent2"/>
+              </a:lnRef>
+              <a:fillRef idx="3">
+                <a:schemeClr val="accent2"/>
+              </a:fillRef>
+              <a:effectRef idx="3">
+                <a:schemeClr val="accent2"/>
+              </a:effectRef>
+              <a:fontRef idx="minor">
+                <a:schemeClr val="lt1"/>
+              </a:fontRef>
+            </p:style>
+            <p:txBody>
+              <a:bodyPr rtlCol="0" anchor="ctr"/>
+              <a:lstStyle/>
+              <a:p>
+                <a:pPr algn="ctr"/>
+                <a:endParaRPr lang="en-US"/>
+              </a:p>
+            </p:txBody>
+          </p:sp>
+          <p:sp>
+            <p:nvSpPr>
+              <p:cNvPr id="185" name="Rounded Rectangle 184"/>
+              <p:cNvSpPr/>
+              <p:nvPr/>
+            </p:nvSpPr>
+            <p:spPr>
+              <a:xfrm>
+                <a:off x="2514600" y="3733800"/>
+                <a:ext cx="45719" cy="45719"/>
+              </a:xfrm>
+              <a:prstGeom prst="roundRect">
+                <a:avLst/>
+              </a:prstGeom>
+              <a:effectLst/>
+            </p:spPr>
+            <p:style>
+              <a:lnRef idx="0">
+                <a:schemeClr val="accent2"/>
+              </a:lnRef>
+              <a:fillRef idx="3">
+                <a:schemeClr val="accent2"/>
+              </a:fillRef>
+              <a:effectRef idx="3">
+                <a:schemeClr val="accent2"/>
+              </a:effectRef>
+              <a:fontRef idx="minor">
+                <a:schemeClr val="lt1"/>
+              </a:fontRef>
+            </p:style>
+            <p:txBody>
+              <a:bodyPr rtlCol="0" anchor="ctr"/>
+              <a:lstStyle/>
+              <a:p>
+                <a:pPr algn="ctr"/>
+                <a:endParaRPr lang="en-US"/>
+              </a:p>
+            </p:txBody>
+          </p:sp>
+          <p:sp>
+            <p:nvSpPr>
+              <p:cNvPr id="186" name="Rounded Rectangle 185"/>
+              <p:cNvSpPr/>
+              <p:nvPr/>
+            </p:nvSpPr>
+            <p:spPr>
+              <a:xfrm>
+                <a:off x="1295400" y="3581400"/>
+                <a:ext cx="45719" cy="45719"/>
+              </a:xfrm>
+              <a:prstGeom prst="roundRect">
+                <a:avLst/>
+              </a:prstGeom>
+              <a:effectLst/>
+            </p:spPr>
+            <p:style>
+              <a:lnRef idx="0">
+                <a:schemeClr val="accent2"/>
+              </a:lnRef>
+              <a:fillRef idx="3">
+                <a:schemeClr val="accent2"/>
+              </a:fillRef>
+              <a:effectRef idx="3">
+                <a:schemeClr val="accent2"/>
+              </a:effectRef>
+              <a:fontRef idx="minor">
+                <a:schemeClr val="lt1"/>
+              </a:fontRef>
+            </p:style>
+            <p:txBody>
+              <a:bodyPr rtlCol="0" anchor="ctr"/>
+              <a:lstStyle/>
+              <a:p>
+                <a:pPr algn="ctr"/>
+                <a:endParaRPr lang="en-US"/>
+              </a:p>
+            </p:txBody>
+          </p:sp>
+        </p:grpSp>
+        <p:cxnSp>
+          <p:nvCxnSpPr>
+            <p:cNvPr id="188" name="Straight Arrow Connector 187"/>
+            <p:cNvCxnSpPr/>
+            <p:nvPr/>
+          </p:nvCxnSpPr>
+          <p:spPr>
+            <a:xfrm flipV="1">
+              <a:off x="2362200" y="1905000"/>
+              <a:ext cx="1524000" cy="1066800"/>
+            </a:xfrm>
+            <a:prstGeom prst="straightConnector1">
+              <a:avLst/>
+            </a:prstGeom>
+            <a:ln w="38100">
+              <a:solidFill>
+                <a:schemeClr val="accent2"/>
+              </a:solidFill>
+              <a:tailEnd type="arrow"/>
+            </a:ln>
+          </p:spPr>
+          <p:style>
+            <a:lnRef idx="1">
+              <a:schemeClr val="accent1"/>
+            </a:lnRef>
+            <a:fillRef idx="0">
+              <a:schemeClr val="accent1"/>
+            </a:fillRef>
+            <a:effectRef idx="0">
+              <a:schemeClr val="accent1"/>
+            </a:effectRef>
+            <a:fontRef idx="minor">
+              <a:schemeClr val="tx1"/>
+            </a:fontRef>
+          </p:style>
+        </p:cxnSp>
+        <p:cxnSp>
+          <p:nvCxnSpPr>
+            <p:cNvPr id="191" name="Straight Arrow Connector 190"/>
+            <p:cNvCxnSpPr/>
+            <p:nvPr/>
+          </p:nvCxnSpPr>
+          <p:spPr>
+            <a:xfrm rot="16200000" flipH="1">
+              <a:off x="5067300" y="3238500"/>
+              <a:ext cx="685800" cy="152400"/>
+            </a:xfrm>
+            <a:prstGeom prst="straightConnector1">
+              <a:avLst/>
+            </a:prstGeom>
+            <a:ln w="38100">
+              <a:solidFill>
+                <a:schemeClr val="accent2"/>
+              </a:solidFill>
+              <a:tailEnd type="arrow"/>
+            </a:ln>
+          </p:spPr>
+          <p:style>
+            <a:lnRef idx="1">
+              <a:schemeClr val="accent1"/>
+            </a:lnRef>
+            <a:fillRef idx="0">
+              <a:schemeClr val="accent1"/>
+            </a:fillRef>
+            <a:effectRef idx="0">
+              <a:schemeClr val="accent1"/>
+            </a:effectRef>
+            <a:fontRef idx="minor">
+              <a:schemeClr val="tx1"/>
+            </a:fontRef>
+          </p:style>
+        </p:cxnSp>
+      </p:grpSp>
     </p:spTree>
     <p:extLst>
       <p:ext uri="{BB962C8B-B14F-4D97-AF65-F5344CB8AC3E}">
-        <p14:creationId xmlns:p14="http://schemas.microsoft.com/office/powerpoint/2010/main" val="1324388323"/>
+        <p14:creationId xmlns:p14="http://schemas.microsoft.com/office/powerpoint/2010/main" xmlns="" val="1324388323"/>
       </p:ext>
     </p:extLst>
+  </p:cSld>
+  <p:clrMapOvr>
+    <a:masterClrMapping/>
+  </p:clrMapOvr>
+</p:sld>
+</file>
+
+<file path=ppt/slides/slide5.xml><?xml version="1.0" encoding="utf-8"?>
+<p:sld xmlns:a="http://schemas.openxmlformats.org/drawingml/2006/main" xmlns:r="http://schemas.openxmlformats.org/officeDocument/2006/relationships" xmlns:p="http://schemas.openxmlformats.org/presentationml/2006/main">
+  <p:cSld>
+    <p:spTree>
+      <p:nvGrpSpPr>
+        <p:cNvPr id="1" name=""/>
+        <p:cNvGrpSpPr/>
+        <p:nvPr/>
+      </p:nvGrpSpPr>
+      <p:grpSpPr>
+        <a:xfrm>
+          <a:off x="0" y="0"/>
+          <a:ext cx="0" cy="0"/>
+          <a:chOff x="0" y="0"/>
+          <a:chExt cx="0" cy="0"/>
+        </a:xfrm>
+      </p:grpSpPr>
+      <p:grpSp>
+        <p:nvGrpSpPr>
+          <p:cNvPr id="175" name="Group 174"/>
+          <p:cNvGrpSpPr/>
+          <p:nvPr/>
+        </p:nvGrpSpPr>
+        <p:grpSpPr>
+          <a:xfrm>
+            <a:off x="762000" y="762000"/>
+            <a:ext cx="7790347" cy="5178877"/>
+            <a:chOff x="789404" y="599787"/>
+            <a:chExt cx="7790347" cy="5178877"/>
+          </a:xfrm>
+        </p:grpSpPr>
+        <p:grpSp>
+          <p:nvGrpSpPr>
+            <p:cNvPr id="22" name="Group 21"/>
+            <p:cNvGrpSpPr/>
+            <p:nvPr/>
+          </p:nvGrpSpPr>
+          <p:grpSpPr>
+            <a:xfrm rot="19264565">
+              <a:off x="789404" y="1379837"/>
+              <a:ext cx="4419600" cy="3657600"/>
+              <a:chOff x="914400" y="685800"/>
+              <a:chExt cx="4419600" cy="3657600"/>
+            </a:xfrm>
+          </p:grpSpPr>
+          <p:sp>
+            <p:nvSpPr>
+              <p:cNvPr id="4" name="Rectangle 3"/>
+              <p:cNvSpPr/>
+              <p:nvPr/>
+            </p:nvSpPr>
+            <p:spPr>
+              <a:xfrm>
+                <a:off x="914400" y="1600200"/>
+                <a:ext cx="914400" cy="914400"/>
+              </a:xfrm>
+              <a:prstGeom prst="rect">
+                <a:avLst/>
+              </a:prstGeom>
+              <a:noFill/>
+              <a:ln>
+                <a:solidFill>
+                  <a:schemeClr val="accent1">
+                    <a:lumMod val="75000"/>
+                  </a:schemeClr>
+                </a:solidFill>
+              </a:ln>
+            </p:spPr>
+            <p:style>
+              <a:lnRef idx="2">
+                <a:schemeClr val="accent1">
+                  <a:shade val="50000"/>
+                </a:schemeClr>
+              </a:lnRef>
+              <a:fillRef idx="1">
+                <a:schemeClr val="accent1"/>
+              </a:fillRef>
+              <a:effectRef idx="0">
+                <a:schemeClr val="accent1"/>
+              </a:effectRef>
+              <a:fontRef idx="minor">
+                <a:schemeClr val="lt1"/>
+              </a:fontRef>
+            </p:style>
+            <p:txBody>
+              <a:bodyPr rtlCol="0" anchor="ctr"/>
+              <a:lstStyle/>
+              <a:p>
+                <a:pPr algn="ctr"/>
+                <a:endParaRPr lang="en-US"/>
+              </a:p>
+            </p:txBody>
+          </p:sp>
+          <p:sp>
+            <p:nvSpPr>
+              <p:cNvPr id="5" name="Rectangle 4"/>
+              <p:cNvSpPr/>
+              <p:nvPr/>
+            </p:nvSpPr>
+            <p:spPr>
+              <a:xfrm>
+                <a:off x="914400" y="685800"/>
+                <a:ext cx="914400" cy="914400"/>
+              </a:xfrm>
+              <a:prstGeom prst="rect">
+                <a:avLst/>
+              </a:prstGeom>
+              <a:noFill/>
+              <a:ln>
+                <a:solidFill>
+                  <a:schemeClr val="accent1">
+                    <a:lumMod val="75000"/>
+                  </a:schemeClr>
+                </a:solidFill>
+              </a:ln>
+            </p:spPr>
+            <p:style>
+              <a:lnRef idx="2">
+                <a:schemeClr val="accent1">
+                  <a:shade val="50000"/>
+                </a:schemeClr>
+              </a:lnRef>
+              <a:fillRef idx="1">
+                <a:schemeClr val="accent1"/>
+              </a:fillRef>
+              <a:effectRef idx="0">
+                <a:schemeClr val="accent1"/>
+              </a:effectRef>
+              <a:fontRef idx="minor">
+                <a:schemeClr val="lt1"/>
+              </a:fontRef>
+            </p:style>
+            <p:txBody>
+              <a:bodyPr rtlCol="0" anchor="ctr"/>
+              <a:lstStyle/>
+              <a:p>
+                <a:pPr algn="ctr"/>
+                <a:endParaRPr lang="en-US"/>
+              </a:p>
+            </p:txBody>
+          </p:sp>
+          <p:sp>
+            <p:nvSpPr>
+              <p:cNvPr id="6" name="Rectangle 5"/>
+              <p:cNvSpPr/>
+              <p:nvPr/>
+            </p:nvSpPr>
+            <p:spPr>
+              <a:xfrm>
+                <a:off x="914400" y="2514600"/>
+                <a:ext cx="914400" cy="914400"/>
+              </a:xfrm>
+              <a:prstGeom prst="rect">
+                <a:avLst/>
+              </a:prstGeom>
+              <a:noFill/>
+              <a:ln>
+                <a:solidFill>
+                  <a:schemeClr val="accent1">
+                    <a:lumMod val="75000"/>
+                  </a:schemeClr>
+                </a:solidFill>
+              </a:ln>
+            </p:spPr>
+            <p:style>
+              <a:lnRef idx="2">
+                <a:schemeClr val="accent1">
+                  <a:shade val="50000"/>
+                </a:schemeClr>
+              </a:lnRef>
+              <a:fillRef idx="1">
+                <a:schemeClr val="accent1"/>
+              </a:fillRef>
+              <a:effectRef idx="0">
+                <a:schemeClr val="accent1"/>
+              </a:effectRef>
+              <a:fontRef idx="minor">
+                <a:schemeClr val="lt1"/>
+              </a:fontRef>
+            </p:style>
+            <p:txBody>
+              <a:bodyPr rtlCol="0" anchor="ctr"/>
+              <a:lstStyle/>
+              <a:p>
+                <a:pPr algn="ctr"/>
+                <a:endParaRPr lang="en-US"/>
+              </a:p>
+            </p:txBody>
+          </p:sp>
+          <p:sp>
+            <p:nvSpPr>
+              <p:cNvPr id="7" name="Rectangle 6"/>
+              <p:cNvSpPr/>
+              <p:nvPr/>
+            </p:nvSpPr>
+            <p:spPr>
+              <a:xfrm>
+                <a:off x="914400" y="3429000"/>
+                <a:ext cx="914400" cy="914400"/>
+              </a:xfrm>
+              <a:prstGeom prst="rect">
+                <a:avLst/>
+              </a:prstGeom>
+              <a:noFill/>
+              <a:ln>
+                <a:solidFill>
+                  <a:schemeClr val="accent1">
+                    <a:lumMod val="75000"/>
+                  </a:schemeClr>
+                </a:solidFill>
+              </a:ln>
+            </p:spPr>
+            <p:style>
+              <a:lnRef idx="2">
+                <a:schemeClr val="accent1">
+                  <a:shade val="50000"/>
+                </a:schemeClr>
+              </a:lnRef>
+              <a:fillRef idx="1">
+                <a:schemeClr val="accent1"/>
+              </a:fillRef>
+              <a:effectRef idx="0">
+                <a:schemeClr val="accent1"/>
+              </a:effectRef>
+              <a:fontRef idx="minor">
+                <a:schemeClr val="lt1"/>
+              </a:fontRef>
+            </p:style>
+            <p:txBody>
+              <a:bodyPr rtlCol="0" anchor="ctr"/>
+              <a:lstStyle/>
+              <a:p>
+                <a:pPr algn="ctr"/>
+                <a:endParaRPr lang="en-US"/>
+              </a:p>
+            </p:txBody>
+          </p:sp>
+          <p:sp>
+            <p:nvSpPr>
+              <p:cNvPr id="8" name="Rectangle 7"/>
+              <p:cNvSpPr/>
+              <p:nvPr/>
+            </p:nvSpPr>
+            <p:spPr>
+              <a:xfrm>
+                <a:off x="1828800" y="1600200"/>
+                <a:ext cx="914400" cy="914400"/>
+              </a:xfrm>
+              <a:prstGeom prst="rect">
+                <a:avLst/>
+              </a:prstGeom>
+              <a:noFill/>
+              <a:ln>
+                <a:solidFill>
+                  <a:schemeClr val="accent1">
+                    <a:lumMod val="75000"/>
+                  </a:schemeClr>
+                </a:solidFill>
+              </a:ln>
+            </p:spPr>
+            <p:style>
+              <a:lnRef idx="2">
+                <a:schemeClr val="accent1">
+                  <a:shade val="50000"/>
+                </a:schemeClr>
+              </a:lnRef>
+              <a:fillRef idx="1">
+                <a:schemeClr val="accent1"/>
+              </a:fillRef>
+              <a:effectRef idx="0">
+                <a:schemeClr val="accent1"/>
+              </a:effectRef>
+              <a:fontRef idx="minor">
+                <a:schemeClr val="lt1"/>
+              </a:fontRef>
+            </p:style>
+            <p:txBody>
+              <a:bodyPr rtlCol="0" anchor="ctr"/>
+              <a:lstStyle/>
+              <a:p>
+                <a:pPr algn="ctr"/>
+                <a:endParaRPr lang="en-US"/>
+              </a:p>
+            </p:txBody>
+          </p:sp>
+          <p:sp>
+            <p:nvSpPr>
+              <p:cNvPr id="9" name="Rectangle 8"/>
+              <p:cNvSpPr/>
+              <p:nvPr/>
+            </p:nvSpPr>
+            <p:spPr>
+              <a:xfrm>
+                <a:off x="1828800" y="685800"/>
+                <a:ext cx="914400" cy="914400"/>
+              </a:xfrm>
+              <a:prstGeom prst="rect">
+                <a:avLst/>
+              </a:prstGeom>
+              <a:noFill/>
+              <a:ln>
+                <a:solidFill>
+                  <a:schemeClr val="accent1">
+                    <a:lumMod val="75000"/>
+                  </a:schemeClr>
+                </a:solidFill>
+              </a:ln>
+            </p:spPr>
+            <p:style>
+              <a:lnRef idx="2">
+                <a:schemeClr val="accent1">
+                  <a:shade val="50000"/>
+                </a:schemeClr>
+              </a:lnRef>
+              <a:fillRef idx="1">
+                <a:schemeClr val="accent1"/>
+              </a:fillRef>
+              <a:effectRef idx="0">
+                <a:schemeClr val="accent1"/>
+              </a:effectRef>
+              <a:fontRef idx="minor">
+                <a:schemeClr val="lt1"/>
+              </a:fontRef>
+            </p:style>
+            <p:txBody>
+              <a:bodyPr rtlCol="0" anchor="ctr"/>
+              <a:lstStyle/>
+              <a:p>
+                <a:pPr algn="ctr"/>
+                <a:endParaRPr lang="en-US"/>
+              </a:p>
+            </p:txBody>
+          </p:sp>
+          <p:sp>
+            <p:nvSpPr>
+              <p:cNvPr id="10" name="Rectangle 9"/>
+              <p:cNvSpPr/>
+              <p:nvPr/>
+            </p:nvSpPr>
+            <p:spPr>
+              <a:xfrm>
+                <a:off x="1828800" y="2514600"/>
+                <a:ext cx="914400" cy="914400"/>
+              </a:xfrm>
+              <a:prstGeom prst="rect">
+                <a:avLst/>
+              </a:prstGeom>
+              <a:noFill/>
+              <a:ln>
+                <a:solidFill>
+                  <a:schemeClr val="accent1">
+                    <a:lumMod val="75000"/>
+                  </a:schemeClr>
+                </a:solidFill>
+              </a:ln>
+            </p:spPr>
+            <p:style>
+              <a:lnRef idx="2">
+                <a:schemeClr val="accent1">
+                  <a:shade val="50000"/>
+                </a:schemeClr>
+              </a:lnRef>
+              <a:fillRef idx="1">
+                <a:schemeClr val="accent1"/>
+              </a:fillRef>
+              <a:effectRef idx="0">
+                <a:schemeClr val="accent1"/>
+              </a:effectRef>
+              <a:fontRef idx="minor">
+                <a:schemeClr val="lt1"/>
+              </a:fontRef>
+            </p:style>
+            <p:txBody>
+              <a:bodyPr rtlCol="0" anchor="ctr"/>
+              <a:lstStyle/>
+              <a:p>
+                <a:pPr algn="ctr"/>
+                <a:endParaRPr lang="en-US"/>
+              </a:p>
+            </p:txBody>
+          </p:sp>
+          <p:sp>
+            <p:nvSpPr>
+              <p:cNvPr id="11" name="Rectangle 10"/>
+              <p:cNvSpPr/>
+              <p:nvPr/>
+            </p:nvSpPr>
+            <p:spPr>
+              <a:xfrm>
+                <a:off x="1828800" y="3429000"/>
+                <a:ext cx="914400" cy="914400"/>
+              </a:xfrm>
+              <a:prstGeom prst="rect">
+                <a:avLst/>
+              </a:prstGeom>
+              <a:noFill/>
+              <a:ln>
+                <a:solidFill>
+                  <a:schemeClr val="accent1">
+                    <a:lumMod val="75000"/>
+                  </a:schemeClr>
+                </a:solidFill>
+              </a:ln>
+            </p:spPr>
+            <p:style>
+              <a:lnRef idx="2">
+                <a:schemeClr val="accent1">
+                  <a:shade val="50000"/>
+                </a:schemeClr>
+              </a:lnRef>
+              <a:fillRef idx="1">
+                <a:schemeClr val="accent1"/>
+              </a:fillRef>
+              <a:effectRef idx="0">
+                <a:schemeClr val="accent1"/>
+              </a:effectRef>
+              <a:fontRef idx="minor">
+                <a:schemeClr val="lt1"/>
+              </a:fontRef>
+            </p:style>
+            <p:txBody>
+              <a:bodyPr rtlCol="0" anchor="ctr"/>
+              <a:lstStyle/>
+              <a:p>
+                <a:pPr algn="ctr"/>
+                <a:endParaRPr lang="en-US"/>
+              </a:p>
+            </p:txBody>
+          </p:sp>
+          <p:sp>
+            <p:nvSpPr>
+              <p:cNvPr id="12" name="Rectangle 11"/>
+              <p:cNvSpPr/>
+              <p:nvPr/>
+            </p:nvSpPr>
+            <p:spPr>
+              <a:xfrm>
+                <a:off x="2743200" y="1600200"/>
+                <a:ext cx="914400" cy="914400"/>
+              </a:xfrm>
+              <a:prstGeom prst="rect">
+                <a:avLst/>
+              </a:prstGeom>
+              <a:noFill/>
+              <a:ln>
+                <a:solidFill>
+                  <a:schemeClr val="accent1">
+                    <a:lumMod val="75000"/>
+                  </a:schemeClr>
+                </a:solidFill>
+              </a:ln>
+            </p:spPr>
+            <p:style>
+              <a:lnRef idx="2">
+                <a:schemeClr val="accent1">
+                  <a:shade val="50000"/>
+                </a:schemeClr>
+              </a:lnRef>
+              <a:fillRef idx="1">
+                <a:schemeClr val="accent1"/>
+              </a:fillRef>
+              <a:effectRef idx="0">
+                <a:schemeClr val="accent1"/>
+              </a:effectRef>
+              <a:fontRef idx="minor">
+                <a:schemeClr val="lt1"/>
+              </a:fontRef>
+            </p:style>
+            <p:txBody>
+              <a:bodyPr rtlCol="0" anchor="ctr"/>
+              <a:lstStyle/>
+              <a:p>
+                <a:pPr algn="ctr"/>
+                <a:endParaRPr lang="en-US"/>
+              </a:p>
+            </p:txBody>
+          </p:sp>
+          <p:sp>
+            <p:nvSpPr>
+              <p:cNvPr id="13" name="Rectangle 12"/>
+              <p:cNvSpPr/>
+              <p:nvPr/>
+            </p:nvSpPr>
+            <p:spPr>
+              <a:xfrm>
+                <a:off x="2743200" y="685800"/>
+                <a:ext cx="914400" cy="914400"/>
+              </a:xfrm>
+              <a:prstGeom prst="rect">
+                <a:avLst/>
+              </a:prstGeom>
+              <a:noFill/>
+              <a:ln>
+                <a:solidFill>
+                  <a:schemeClr val="accent1">
+                    <a:lumMod val="75000"/>
+                  </a:schemeClr>
+                </a:solidFill>
+              </a:ln>
+            </p:spPr>
+            <p:style>
+              <a:lnRef idx="2">
+                <a:schemeClr val="accent1">
+                  <a:shade val="50000"/>
+                </a:schemeClr>
+              </a:lnRef>
+              <a:fillRef idx="1">
+                <a:schemeClr val="accent1"/>
+              </a:fillRef>
+              <a:effectRef idx="0">
+                <a:schemeClr val="accent1"/>
+              </a:effectRef>
+              <a:fontRef idx="minor">
+                <a:schemeClr val="lt1"/>
+              </a:fontRef>
+            </p:style>
+            <p:txBody>
+              <a:bodyPr rtlCol="0" anchor="ctr"/>
+              <a:lstStyle/>
+              <a:p>
+                <a:pPr algn="ctr"/>
+                <a:endParaRPr lang="en-US"/>
+              </a:p>
+            </p:txBody>
+          </p:sp>
+          <p:sp>
+            <p:nvSpPr>
+              <p:cNvPr id="14" name="Rectangle 13"/>
+              <p:cNvSpPr/>
+              <p:nvPr/>
+            </p:nvSpPr>
+            <p:spPr>
+              <a:xfrm>
+                <a:off x="2743200" y="2514600"/>
+                <a:ext cx="914400" cy="914400"/>
+              </a:xfrm>
+              <a:prstGeom prst="rect">
+                <a:avLst/>
+              </a:prstGeom>
+              <a:noFill/>
+              <a:ln>
+                <a:solidFill>
+                  <a:schemeClr val="accent1">
+                    <a:lumMod val="75000"/>
+                  </a:schemeClr>
+                </a:solidFill>
+              </a:ln>
+            </p:spPr>
+            <p:style>
+              <a:lnRef idx="2">
+                <a:schemeClr val="accent1">
+                  <a:shade val="50000"/>
+                </a:schemeClr>
+              </a:lnRef>
+              <a:fillRef idx="1">
+                <a:schemeClr val="accent1"/>
+              </a:fillRef>
+              <a:effectRef idx="0">
+                <a:schemeClr val="accent1"/>
+              </a:effectRef>
+              <a:fontRef idx="minor">
+                <a:schemeClr val="lt1"/>
+              </a:fontRef>
+            </p:style>
+            <p:txBody>
+              <a:bodyPr rtlCol="0" anchor="ctr"/>
+              <a:lstStyle/>
+              <a:p>
+                <a:pPr algn="ctr"/>
+                <a:endParaRPr lang="en-US"/>
+              </a:p>
+            </p:txBody>
+          </p:sp>
+          <p:sp>
+            <p:nvSpPr>
+              <p:cNvPr id="15" name="Rectangle 14"/>
+              <p:cNvSpPr/>
+              <p:nvPr/>
+            </p:nvSpPr>
+            <p:spPr>
+              <a:xfrm>
+                <a:off x="2743200" y="3429000"/>
+                <a:ext cx="914400" cy="914400"/>
+              </a:xfrm>
+              <a:prstGeom prst="rect">
+                <a:avLst/>
+              </a:prstGeom>
+              <a:noFill/>
+              <a:ln>
+                <a:solidFill>
+                  <a:schemeClr val="accent1">
+                    <a:lumMod val="75000"/>
+                  </a:schemeClr>
+                </a:solidFill>
+              </a:ln>
+            </p:spPr>
+            <p:style>
+              <a:lnRef idx="2">
+                <a:schemeClr val="accent1">
+                  <a:shade val="50000"/>
+                </a:schemeClr>
+              </a:lnRef>
+              <a:fillRef idx="1">
+                <a:schemeClr val="accent1"/>
+              </a:fillRef>
+              <a:effectRef idx="0">
+                <a:schemeClr val="accent1"/>
+              </a:effectRef>
+              <a:fontRef idx="minor">
+                <a:schemeClr val="lt1"/>
+              </a:fontRef>
+            </p:style>
+            <p:txBody>
+              <a:bodyPr rtlCol="0" anchor="ctr"/>
+              <a:lstStyle/>
+              <a:p>
+                <a:pPr algn="ctr"/>
+                <a:endParaRPr lang="en-US"/>
+              </a:p>
+            </p:txBody>
+          </p:sp>
+          <p:sp>
+            <p:nvSpPr>
+              <p:cNvPr id="16" name="Rectangle 15"/>
+              <p:cNvSpPr/>
+              <p:nvPr/>
+            </p:nvSpPr>
+            <p:spPr>
+              <a:xfrm>
+                <a:off x="3657600" y="1600200"/>
+                <a:ext cx="914400" cy="914400"/>
+              </a:xfrm>
+              <a:prstGeom prst="rect">
+                <a:avLst/>
+              </a:prstGeom>
+              <a:noFill/>
+              <a:ln>
+                <a:solidFill>
+                  <a:schemeClr val="accent1">
+                    <a:lumMod val="75000"/>
+                  </a:schemeClr>
+                </a:solidFill>
+              </a:ln>
+            </p:spPr>
+            <p:style>
+              <a:lnRef idx="2">
+                <a:schemeClr val="accent1">
+                  <a:shade val="50000"/>
+                </a:schemeClr>
+              </a:lnRef>
+              <a:fillRef idx="1">
+                <a:schemeClr val="accent1"/>
+              </a:fillRef>
+              <a:effectRef idx="0">
+                <a:schemeClr val="accent1"/>
+              </a:effectRef>
+              <a:fontRef idx="minor">
+                <a:schemeClr val="lt1"/>
+              </a:fontRef>
+            </p:style>
+            <p:txBody>
+              <a:bodyPr rtlCol="0" anchor="ctr"/>
+              <a:lstStyle/>
+              <a:p>
+                <a:pPr algn="ctr"/>
+                <a:endParaRPr lang="en-US"/>
+              </a:p>
+            </p:txBody>
+          </p:sp>
+          <p:sp>
+            <p:nvSpPr>
+              <p:cNvPr id="17" name="Rectangle 16"/>
+              <p:cNvSpPr/>
+              <p:nvPr/>
+            </p:nvSpPr>
+            <p:spPr>
+              <a:xfrm>
+                <a:off x="3657600" y="685800"/>
+                <a:ext cx="914400" cy="914400"/>
+              </a:xfrm>
+              <a:prstGeom prst="rect">
+                <a:avLst/>
+              </a:prstGeom>
+              <a:noFill/>
+              <a:ln>
+                <a:solidFill>
+                  <a:schemeClr val="accent1">
+                    <a:lumMod val="75000"/>
+                  </a:schemeClr>
+                </a:solidFill>
+              </a:ln>
+            </p:spPr>
+            <p:style>
+              <a:lnRef idx="2">
+                <a:schemeClr val="accent1">
+                  <a:shade val="50000"/>
+                </a:schemeClr>
+              </a:lnRef>
+              <a:fillRef idx="1">
+                <a:schemeClr val="accent1"/>
+              </a:fillRef>
+              <a:effectRef idx="0">
+                <a:schemeClr val="accent1"/>
+              </a:effectRef>
+              <a:fontRef idx="minor">
+                <a:schemeClr val="lt1"/>
+              </a:fontRef>
+            </p:style>
+            <p:txBody>
+              <a:bodyPr rtlCol="0" anchor="ctr"/>
+              <a:lstStyle/>
+              <a:p>
+                <a:pPr algn="ctr"/>
+                <a:endParaRPr lang="en-US"/>
+              </a:p>
+            </p:txBody>
+          </p:sp>
+          <p:sp>
+            <p:nvSpPr>
+              <p:cNvPr id="18" name="Rectangle 17"/>
+              <p:cNvSpPr/>
+              <p:nvPr/>
+            </p:nvSpPr>
+            <p:spPr>
+              <a:xfrm>
+                <a:off x="3657600" y="2514600"/>
+                <a:ext cx="914400" cy="914400"/>
+              </a:xfrm>
+              <a:prstGeom prst="rect">
+                <a:avLst/>
+              </a:prstGeom>
+              <a:noFill/>
+              <a:ln>
+                <a:solidFill>
+                  <a:schemeClr val="accent1">
+                    <a:lumMod val="75000"/>
+                  </a:schemeClr>
+                </a:solidFill>
+              </a:ln>
+            </p:spPr>
+            <p:style>
+              <a:lnRef idx="2">
+                <a:schemeClr val="accent1">
+                  <a:shade val="50000"/>
+                </a:schemeClr>
+              </a:lnRef>
+              <a:fillRef idx="1">
+                <a:schemeClr val="accent1"/>
+              </a:fillRef>
+              <a:effectRef idx="0">
+                <a:schemeClr val="accent1"/>
+              </a:effectRef>
+              <a:fontRef idx="minor">
+                <a:schemeClr val="lt1"/>
+              </a:fontRef>
+            </p:style>
+            <p:txBody>
+              <a:bodyPr rtlCol="0" anchor="ctr"/>
+              <a:lstStyle/>
+              <a:p>
+                <a:pPr algn="ctr"/>
+                <a:endParaRPr lang="en-US"/>
+              </a:p>
+            </p:txBody>
+          </p:sp>
+          <p:sp>
+            <p:nvSpPr>
+              <p:cNvPr id="19" name="Rectangle 18"/>
+              <p:cNvSpPr/>
+              <p:nvPr/>
+            </p:nvSpPr>
+            <p:spPr>
+              <a:xfrm>
+                <a:off x="3657600" y="3429000"/>
+                <a:ext cx="914400" cy="914400"/>
+              </a:xfrm>
+              <a:prstGeom prst="rect">
+                <a:avLst/>
+              </a:prstGeom>
+              <a:noFill/>
+              <a:ln>
+                <a:solidFill>
+                  <a:schemeClr val="accent1">
+                    <a:lumMod val="75000"/>
+                  </a:schemeClr>
+                </a:solidFill>
+              </a:ln>
+            </p:spPr>
+            <p:style>
+              <a:lnRef idx="2">
+                <a:schemeClr val="accent1">
+                  <a:shade val="50000"/>
+                </a:schemeClr>
+              </a:lnRef>
+              <a:fillRef idx="1">
+                <a:schemeClr val="accent1"/>
+              </a:fillRef>
+              <a:effectRef idx="0">
+                <a:schemeClr val="accent1"/>
+              </a:effectRef>
+              <a:fontRef idx="minor">
+                <a:schemeClr val="lt1"/>
+              </a:fontRef>
+            </p:style>
+            <p:txBody>
+              <a:bodyPr rtlCol="0" anchor="ctr"/>
+              <a:lstStyle/>
+              <a:p>
+                <a:pPr algn="ctr"/>
+                <a:endParaRPr lang="en-US"/>
+              </a:p>
+            </p:txBody>
+          </p:sp>
+          <p:cxnSp>
+            <p:nvCxnSpPr>
+              <p:cNvPr id="21" name="Straight Arrow Connector 20"/>
+              <p:cNvCxnSpPr/>
+              <p:nvPr/>
+            </p:nvCxnSpPr>
+            <p:spPr>
+              <a:xfrm>
+                <a:off x="2743200" y="2514600"/>
+                <a:ext cx="2590800" cy="1588"/>
+              </a:xfrm>
+              <a:prstGeom prst="straightConnector1">
+                <a:avLst/>
+              </a:prstGeom>
+              <a:ln w="38100">
+                <a:solidFill>
+                  <a:srgbClr val="FF0000"/>
+                </a:solidFill>
+                <a:tailEnd type="arrow"/>
+              </a:ln>
+            </p:spPr>
+            <p:style>
+              <a:lnRef idx="1">
+                <a:schemeClr val="accent1"/>
+              </a:lnRef>
+              <a:fillRef idx="0">
+                <a:schemeClr val="accent1"/>
+              </a:fillRef>
+              <a:effectRef idx="0">
+                <a:schemeClr val="accent1"/>
+              </a:effectRef>
+              <a:fontRef idx="minor">
+                <a:schemeClr val="tx1"/>
+              </a:fontRef>
+            </p:style>
+          </p:cxnSp>
+        </p:grpSp>
+        <p:grpSp>
+          <p:nvGrpSpPr>
+            <p:cNvPr id="123" name="Group 122"/>
+            <p:cNvGrpSpPr/>
+            <p:nvPr/>
+          </p:nvGrpSpPr>
+          <p:grpSpPr>
+            <a:xfrm rot="19237733">
+              <a:off x="6065151" y="3340264"/>
+              <a:ext cx="2514600" cy="2438400"/>
+              <a:chOff x="5867400" y="2743200"/>
+              <a:chExt cx="2514600" cy="2438400"/>
+            </a:xfrm>
+          </p:grpSpPr>
+          <p:sp>
+            <p:nvSpPr>
+              <p:cNvPr id="24" name="Rectangle 23"/>
+              <p:cNvSpPr/>
+              <p:nvPr/>
+            </p:nvSpPr>
+            <p:spPr>
+              <a:xfrm>
+                <a:off x="6019800" y="2895600"/>
+                <a:ext cx="457200" cy="457200"/>
+              </a:xfrm>
+              <a:prstGeom prst="rect">
+                <a:avLst/>
+              </a:prstGeom>
+              <a:noFill/>
+              <a:ln>
+                <a:solidFill>
+                  <a:schemeClr val="accent1">
+                    <a:lumMod val="75000"/>
+                  </a:schemeClr>
+                </a:solidFill>
+              </a:ln>
+            </p:spPr>
+            <p:style>
+              <a:lnRef idx="2">
+                <a:schemeClr val="accent1">
+                  <a:shade val="50000"/>
+                </a:schemeClr>
+              </a:lnRef>
+              <a:fillRef idx="1">
+                <a:schemeClr val="accent1"/>
+              </a:fillRef>
+              <a:effectRef idx="0">
+                <a:schemeClr val="accent1"/>
+              </a:effectRef>
+              <a:fontRef idx="minor">
+                <a:schemeClr val="lt1"/>
+              </a:fontRef>
+            </p:style>
+            <p:txBody>
+              <a:bodyPr rtlCol="0" anchor="ctr"/>
+              <a:lstStyle/>
+              <a:p>
+                <a:pPr algn="ctr"/>
+                <a:endParaRPr lang="en-US"/>
+              </a:p>
+            </p:txBody>
+          </p:sp>
+          <p:sp>
+            <p:nvSpPr>
+              <p:cNvPr id="29" name="Rectangle 28"/>
+              <p:cNvSpPr/>
+              <p:nvPr/>
+            </p:nvSpPr>
+            <p:spPr>
+              <a:xfrm>
+                <a:off x="6019800" y="3352800"/>
+                <a:ext cx="457200" cy="457200"/>
+              </a:xfrm>
+              <a:prstGeom prst="rect">
+                <a:avLst/>
+              </a:prstGeom>
+              <a:noFill/>
+              <a:ln>
+                <a:solidFill>
+                  <a:schemeClr val="accent1">
+                    <a:lumMod val="75000"/>
+                  </a:schemeClr>
+                </a:solidFill>
+              </a:ln>
+            </p:spPr>
+            <p:style>
+              <a:lnRef idx="2">
+                <a:schemeClr val="accent1">
+                  <a:shade val="50000"/>
+                </a:schemeClr>
+              </a:lnRef>
+              <a:fillRef idx="1">
+                <a:schemeClr val="accent1"/>
+              </a:fillRef>
+              <a:effectRef idx="0">
+                <a:schemeClr val="accent1"/>
+              </a:effectRef>
+              <a:fontRef idx="minor">
+                <a:schemeClr val="lt1"/>
+              </a:fontRef>
+            </p:style>
+            <p:txBody>
+              <a:bodyPr rtlCol="0" anchor="ctr"/>
+              <a:lstStyle/>
+              <a:p>
+                <a:pPr algn="ctr"/>
+                <a:endParaRPr lang="en-US"/>
+              </a:p>
+            </p:txBody>
+          </p:sp>
+          <p:sp>
+            <p:nvSpPr>
+              <p:cNvPr id="30" name="Rectangle 29"/>
+              <p:cNvSpPr/>
+              <p:nvPr/>
+            </p:nvSpPr>
+            <p:spPr>
+              <a:xfrm>
+                <a:off x="6019800" y="3810000"/>
+                <a:ext cx="457200" cy="457200"/>
+              </a:xfrm>
+              <a:prstGeom prst="rect">
+                <a:avLst/>
+              </a:prstGeom>
+              <a:noFill/>
+              <a:ln>
+                <a:solidFill>
+                  <a:schemeClr val="accent1">
+                    <a:lumMod val="75000"/>
+                  </a:schemeClr>
+                </a:solidFill>
+              </a:ln>
+            </p:spPr>
+            <p:style>
+              <a:lnRef idx="2">
+                <a:schemeClr val="accent1">
+                  <a:shade val="50000"/>
+                </a:schemeClr>
+              </a:lnRef>
+              <a:fillRef idx="1">
+                <a:schemeClr val="accent1"/>
+              </a:fillRef>
+              <a:effectRef idx="0">
+                <a:schemeClr val="accent1"/>
+              </a:effectRef>
+              <a:fontRef idx="minor">
+                <a:schemeClr val="lt1"/>
+              </a:fontRef>
+            </p:style>
+            <p:txBody>
+              <a:bodyPr rtlCol="0" anchor="ctr"/>
+              <a:lstStyle/>
+              <a:p>
+                <a:pPr algn="ctr"/>
+                <a:endParaRPr lang="en-US"/>
+              </a:p>
+            </p:txBody>
+          </p:sp>
+          <p:sp>
+            <p:nvSpPr>
+              <p:cNvPr id="31" name="Rectangle 30"/>
+              <p:cNvSpPr/>
+              <p:nvPr/>
+            </p:nvSpPr>
+            <p:spPr>
+              <a:xfrm>
+                <a:off x="6019800" y="4267200"/>
+                <a:ext cx="457200" cy="457200"/>
+              </a:xfrm>
+              <a:prstGeom prst="rect">
+                <a:avLst/>
+              </a:prstGeom>
+              <a:noFill/>
+              <a:ln>
+                <a:solidFill>
+                  <a:schemeClr val="accent1">
+                    <a:lumMod val="75000"/>
+                  </a:schemeClr>
+                </a:solidFill>
+              </a:ln>
+            </p:spPr>
+            <p:style>
+              <a:lnRef idx="2">
+                <a:schemeClr val="accent1">
+                  <a:shade val="50000"/>
+                </a:schemeClr>
+              </a:lnRef>
+              <a:fillRef idx="1">
+                <a:schemeClr val="accent1"/>
+              </a:fillRef>
+              <a:effectRef idx="0">
+                <a:schemeClr val="accent1"/>
+              </a:effectRef>
+              <a:fontRef idx="minor">
+                <a:schemeClr val="lt1"/>
+              </a:fontRef>
+            </p:style>
+            <p:txBody>
+              <a:bodyPr rtlCol="0" anchor="ctr"/>
+              <a:lstStyle/>
+              <a:p>
+                <a:pPr algn="ctr"/>
+                <a:endParaRPr lang="en-US"/>
+              </a:p>
+            </p:txBody>
+          </p:sp>
+          <p:sp>
+            <p:nvSpPr>
+              <p:cNvPr id="32" name="Rectangle 31"/>
+              <p:cNvSpPr/>
+              <p:nvPr/>
+            </p:nvSpPr>
+            <p:spPr>
+              <a:xfrm>
+                <a:off x="6019800" y="4724400"/>
+                <a:ext cx="457200" cy="457200"/>
+              </a:xfrm>
+              <a:prstGeom prst="rect">
+                <a:avLst/>
+              </a:prstGeom>
+              <a:noFill/>
+              <a:ln>
+                <a:solidFill>
+                  <a:schemeClr val="accent1">
+                    <a:lumMod val="75000"/>
+                  </a:schemeClr>
+                </a:solidFill>
+              </a:ln>
+            </p:spPr>
+            <p:style>
+              <a:lnRef idx="2">
+                <a:schemeClr val="accent1">
+                  <a:shade val="50000"/>
+                </a:schemeClr>
+              </a:lnRef>
+              <a:fillRef idx="1">
+                <a:schemeClr val="accent1"/>
+              </a:fillRef>
+              <a:effectRef idx="0">
+                <a:schemeClr val="accent1"/>
+              </a:effectRef>
+              <a:fontRef idx="minor">
+                <a:schemeClr val="lt1"/>
+              </a:fontRef>
+            </p:style>
+            <p:txBody>
+              <a:bodyPr rtlCol="0" anchor="ctr"/>
+              <a:lstStyle/>
+              <a:p>
+                <a:pPr algn="ctr"/>
+                <a:endParaRPr lang="en-US"/>
+              </a:p>
+            </p:txBody>
+          </p:sp>
+          <p:sp>
+            <p:nvSpPr>
+              <p:cNvPr id="33" name="Rectangle 32"/>
+              <p:cNvSpPr/>
+              <p:nvPr/>
+            </p:nvSpPr>
+            <p:spPr>
+              <a:xfrm>
+                <a:off x="6477000" y="2895600"/>
+                <a:ext cx="457200" cy="457200"/>
+              </a:xfrm>
+              <a:prstGeom prst="rect">
+                <a:avLst/>
+              </a:prstGeom>
+              <a:noFill/>
+              <a:ln>
+                <a:solidFill>
+                  <a:schemeClr val="accent1">
+                    <a:lumMod val="75000"/>
+                  </a:schemeClr>
+                </a:solidFill>
+              </a:ln>
+            </p:spPr>
+            <p:style>
+              <a:lnRef idx="2">
+                <a:schemeClr val="accent1">
+                  <a:shade val="50000"/>
+                </a:schemeClr>
+              </a:lnRef>
+              <a:fillRef idx="1">
+                <a:schemeClr val="accent1"/>
+              </a:fillRef>
+              <a:effectRef idx="0">
+                <a:schemeClr val="accent1"/>
+              </a:effectRef>
+              <a:fontRef idx="minor">
+                <a:schemeClr val="lt1"/>
+              </a:fontRef>
+            </p:style>
+            <p:txBody>
+              <a:bodyPr rtlCol="0" anchor="ctr"/>
+              <a:lstStyle/>
+              <a:p>
+                <a:pPr algn="ctr"/>
+                <a:endParaRPr lang="en-US"/>
+              </a:p>
+            </p:txBody>
+          </p:sp>
+          <p:sp>
+            <p:nvSpPr>
+              <p:cNvPr id="34" name="Rectangle 33"/>
+              <p:cNvSpPr/>
+              <p:nvPr/>
+            </p:nvSpPr>
+            <p:spPr>
+              <a:xfrm>
+                <a:off x="6477000" y="3352800"/>
+                <a:ext cx="457200" cy="457200"/>
+              </a:xfrm>
+              <a:prstGeom prst="rect">
+                <a:avLst/>
+              </a:prstGeom>
+              <a:noFill/>
+              <a:ln>
+                <a:solidFill>
+                  <a:schemeClr val="accent1">
+                    <a:lumMod val="75000"/>
+                  </a:schemeClr>
+                </a:solidFill>
+              </a:ln>
+            </p:spPr>
+            <p:style>
+              <a:lnRef idx="2">
+                <a:schemeClr val="accent1">
+                  <a:shade val="50000"/>
+                </a:schemeClr>
+              </a:lnRef>
+              <a:fillRef idx="1">
+                <a:schemeClr val="accent1"/>
+              </a:fillRef>
+              <a:effectRef idx="0">
+                <a:schemeClr val="accent1"/>
+              </a:effectRef>
+              <a:fontRef idx="minor">
+                <a:schemeClr val="lt1"/>
+              </a:fontRef>
+            </p:style>
+            <p:txBody>
+              <a:bodyPr rtlCol="0" anchor="ctr"/>
+              <a:lstStyle/>
+              <a:p>
+                <a:pPr algn="ctr"/>
+                <a:endParaRPr lang="en-US"/>
+              </a:p>
+            </p:txBody>
+          </p:sp>
+          <p:sp>
+            <p:nvSpPr>
+              <p:cNvPr id="35" name="Rectangle 34"/>
+              <p:cNvSpPr/>
+              <p:nvPr/>
+            </p:nvSpPr>
+            <p:spPr>
+              <a:xfrm>
+                <a:off x="6477000" y="3810000"/>
+                <a:ext cx="457200" cy="457200"/>
+              </a:xfrm>
+              <a:prstGeom prst="rect">
+                <a:avLst/>
+              </a:prstGeom>
+              <a:noFill/>
+              <a:ln>
+                <a:solidFill>
+                  <a:schemeClr val="accent1">
+                    <a:lumMod val="75000"/>
+                  </a:schemeClr>
+                </a:solidFill>
+              </a:ln>
+            </p:spPr>
+            <p:style>
+              <a:lnRef idx="2">
+                <a:schemeClr val="accent1">
+                  <a:shade val="50000"/>
+                </a:schemeClr>
+              </a:lnRef>
+              <a:fillRef idx="1">
+                <a:schemeClr val="accent1"/>
+              </a:fillRef>
+              <a:effectRef idx="0">
+                <a:schemeClr val="accent1"/>
+              </a:effectRef>
+              <a:fontRef idx="minor">
+                <a:schemeClr val="lt1"/>
+              </a:fontRef>
+            </p:style>
+            <p:txBody>
+              <a:bodyPr rtlCol="0" anchor="ctr"/>
+              <a:lstStyle/>
+              <a:p>
+                <a:pPr algn="ctr"/>
+                <a:endParaRPr lang="en-US"/>
+              </a:p>
+            </p:txBody>
+          </p:sp>
+          <p:sp>
+            <p:nvSpPr>
+              <p:cNvPr id="36" name="Rectangle 35"/>
+              <p:cNvSpPr/>
+              <p:nvPr/>
+            </p:nvSpPr>
+            <p:spPr>
+              <a:xfrm>
+                <a:off x="6477000" y="4267200"/>
+                <a:ext cx="457200" cy="457200"/>
+              </a:xfrm>
+              <a:prstGeom prst="rect">
+                <a:avLst/>
+              </a:prstGeom>
+              <a:noFill/>
+              <a:ln>
+                <a:solidFill>
+                  <a:schemeClr val="accent1">
+                    <a:lumMod val="75000"/>
+                  </a:schemeClr>
+                </a:solidFill>
+              </a:ln>
+            </p:spPr>
+            <p:style>
+              <a:lnRef idx="2">
+                <a:schemeClr val="accent1">
+                  <a:shade val="50000"/>
+                </a:schemeClr>
+              </a:lnRef>
+              <a:fillRef idx="1">
+                <a:schemeClr val="accent1"/>
+              </a:fillRef>
+              <a:effectRef idx="0">
+                <a:schemeClr val="accent1"/>
+              </a:effectRef>
+              <a:fontRef idx="minor">
+                <a:schemeClr val="lt1"/>
+              </a:fontRef>
+            </p:style>
+            <p:txBody>
+              <a:bodyPr rtlCol="0" anchor="ctr"/>
+              <a:lstStyle/>
+              <a:p>
+                <a:pPr algn="ctr"/>
+                <a:endParaRPr lang="en-US"/>
+              </a:p>
+            </p:txBody>
+          </p:sp>
+          <p:sp>
+            <p:nvSpPr>
+              <p:cNvPr id="37" name="Rectangle 36"/>
+              <p:cNvSpPr/>
+              <p:nvPr/>
+            </p:nvSpPr>
+            <p:spPr>
+              <a:xfrm>
+                <a:off x="6477000" y="4724400"/>
+                <a:ext cx="457200" cy="457200"/>
+              </a:xfrm>
+              <a:prstGeom prst="rect">
+                <a:avLst/>
+              </a:prstGeom>
+              <a:noFill/>
+              <a:ln>
+                <a:solidFill>
+                  <a:schemeClr val="accent1">
+                    <a:lumMod val="75000"/>
+                  </a:schemeClr>
+                </a:solidFill>
+              </a:ln>
+            </p:spPr>
+            <p:style>
+              <a:lnRef idx="2">
+                <a:schemeClr val="accent1">
+                  <a:shade val="50000"/>
+                </a:schemeClr>
+              </a:lnRef>
+              <a:fillRef idx="1">
+                <a:schemeClr val="accent1"/>
+              </a:fillRef>
+              <a:effectRef idx="0">
+                <a:schemeClr val="accent1"/>
+              </a:effectRef>
+              <a:fontRef idx="minor">
+                <a:schemeClr val="lt1"/>
+              </a:fontRef>
+            </p:style>
+            <p:txBody>
+              <a:bodyPr rtlCol="0" anchor="ctr"/>
+              <a:lstStyle/>
+              <a:p>
+                <a:pPr algn="ctr"/>
+                <a:endParaRPr lang="en-US"/>
+              </a:p>
+            </p:txBody>
+          </p:sp>
+          <p:sp>
+            <p:nvSpPr>
+              <p:cNvPr id="38" name="Rectangle 37"/>
+              <p:cNvSpPr/>
+              <p:nvPr/>
+            </p:nvSpPr>
+            <p:spPr>
+              <a:xfrm>
+                <a:off x="6934200" y="2895600"/>
+                <a:ext cx="457200" cy="457200"/>
+              </a:xfrm>
+              <a:prstGeom prst="rect">
+                <a:avLst/>
+              </a:prstGeom>
+              <a:noFill/>
+              <a:ln>
+                <a:solidFill>
+                  <a:schemeClr val="accent1">
+                    <a:lumMod val="75000"/>
+                  </a:schemeClr>
+                </a:solidFill>
+              </a:ln>
+            </p:spPr>
+            <p:style>
+              <a:lnRef idx="2">
+                <a:schemeClr val="accent1">
+                  <a:shade val="50000"/>
+                </a:schemeClr>
+              </a:lnRef>
+              <a:fillRef idx="1">
+                <a:schemeClr val="accent1"/>
+              </a:fillRef>
+              <a:effectRef idx="0">
+                <a:schemeClr val="accent1"/>
+              </a:effectRef>
+              <a:fontRef idx="minor">
+                <a:schemeClr val="lt1"/>
+              </a:fontRef>
+            </p:style>
+            <p:txBody>
+              <a:bodyPr rtlCol="0" anchor="ctr"/>
+              <a:lstStyle/>
+              <a:p>
+                <a:pPr algn="ctr"/>
+                <a:endParaRPr lang="en-US"/>
+              </a:p>
+            </p:txBody>
+          </p:sp>
+          <p:sp>
+            <p:nvSpPr>
+              <p:cNvPr id="39" name="Rectangle 38"/>
+              <p:cNvSpPr/>
+              <p:nvPr/>
+            </p:nvSpPr>
+            <p:spPr>
+              <a:xfrm>
+                <a:off x="6934200" y="3352800"/>
+                <a:ext cx="457200" cy="457200"/>
+              </a:xfrm>
+              <a:prstGeom prst="rect">
+                <a:avLst/>
+              </a:prstGeom>
+              <a:noFill/>
+              <a:ln>
+                <a:solidFill>
+                  <a:schemeClr val="accent1">
+                    <a:lumMod val="75000"/>
+                  </a:schemeClr>
+                </a:solidFill>
+              </a:ln>
+            </p:spPr>
+            <p:style>
+              <a:lnRef idx="2">
+                <a:schemeClr val="accent1">
+                  <a:shade val="50000"/>
+                </a:schemeClr>
+              </a:lnRef>
+              <a:fillRef idx="1">
+                <a:schemeClr val="accent1"/>
+              </a:fillRef>
+              <a:effectRef idx="0">
+                <a:schemeClr val="accent1"/>
+              </a:effectRef>
+              <a:fontRef idx="minor">
+                <a:schemeClr val="lt1"/>
+              </a:fontRef>
+            </p:style>
+            <p:txBody>
+              <a:bodyPr rtlCol="0" anchor="ctr"/>
+              <a:lstStyle/>
+              <a:p>
+                <a:pPr algn="ctr"/>
+                <a:endParaRPr lang="en-US"/>
+              </a:p>
+            </p:txBody>
+          </p:sp>
+          <p:sp>
+            <p:nvSpPr>
+              <p:cNvPr id="40" name="Rectangle 39"/>
+              <p:cNvSpPr/>
+              <p:nvPr/>
+            </p:nvSpPr>
+            <p:spPr>
+              <a:xfrm>
+                <a:off x="6934200" y="3810000"/>
+                <a:ext cx="457200" cy="457200"/>
+              </a:xfrm>
+              <a:prstGeom prst="rect">
+                <a:avLst/>
+              </a:prstGeom>
+              <a:noFill/>
+              <a:ln>
+                <a:solidFill>
+                  <a:schemeClr val="accent1">
+                    <a:lumMod val="75000"/>
+                  </a:schemeClr>
+                </a:solidFill>
+              </a:ln>
+            </p:spPr>
+            <p:style>
+              <a:lnRef idx="2">
+                <a:schemeClr val="accent1">
+                  <a:shade val="50000"/>
+                </a:schemeClr>
+              </a:lnRef>
+              <a:fillRef idx="1">
+                <a:schemeClr val="accent1"/>
+              </a:fillRef>
+              <a:effectRef idx="0">
+                <a:schemeClr val="accent1"/>
+              </a:effectRef>
+              <a:fontRef idx="minor">
+                <a:schemeClr val="lt1"/>
+              </a:fontRef>
+            </p:style>
+            <p:txBody>
+              <a:bodyPr rtlCol="0" anchor="ctr"/>
+              <a:lstStyle/>
+              <a:p>
+                <a:pPr algn="ctr"/>
+                <a:endParaRPr lang="en-US"/>
+              </a:p>
+            </p:txBody>
+          </p:sp>
+          <p:sp>
+            <p:nvSpPr>
+              <p:cNvPr id="41" name="Rectangle 40"/>
+              <p:cNvSpPr/>
+              <p:nvPr/>
+            </p:nvSpPr>
+            <p:spPr>
+              <a:xfrm>
+                <a:off x="6934200" y="4267200"/>
+                <a:ext cx="457200" cy="457200"/>
+              </a:xfrm>
+              <a:prstGeom prst="rect">
+                <a:avLst/>
+              </a:prstGeom>
+              <a:noFill/>
+              <a:ln>
+                <a:solidFill>
+                  <a:schemeClr val="accent1">
+                    <a:lumMod val="75000"/>
+                  </a:schemeClr>
+                </a:solidFill>
+              </a:ln>
+            </p:spPr>
+            <p:style>
+              <a:lnRef idx="2">
+                <a:schemeClr val="accent1">
+                  <a:shade val="50000"/>
+                </a:schemeClr>
+              </a:lnRef>
+              <a:fillRef idx="1">
+                <a:schemeClr val="accent1"/>
+              </a:fillRef>
+              <a:effectRef idx="0">
+                <a:schemeClr val="accent1"/>
+              </a:effectRef>
+              <a:fontRef idx="minor">
+                <a:schemeClr val="lt1"/>
+              </a:fontRef>
+            </p:style>
+            <p:txBody>
+              <a:bodyPr rtlCol="0" anchor="ctr"/>
+              <a:lstStyle/>
+              <a:p>
+                <a:pPr algn="ctr"/>
+                <a:endParaRPr lang="en-US"/>
+              </a:p>
+            </p:txBody>
+          </p:sp>
+          <p:sp>
+            <p:nvSpPr>
+              <p:cNvPr id="42" name="Rectangle 41"/>
+              <p:cNvSpPr/>
+              <p:nvPr/>
+            </p:nvSpPr>
+            <p:spPr>
+              <a:xfrm>
+                <a:off x="6934200" y="4724400"/>
+                <a:ext cx="457200" cy="457200"/>
+              </a:xfrm>
+              <a:prstGeom prst="rect">
+                <a:avLst/>
+              </a:prstGeom>
+              <a:noFill/>
+              <a:ln>
+                <a:solidFill>
+                  <a:schemeClr val="accent1">
+                    <a:lumMod val="75000"/>
+                  </a:schemeClr>
+                </a:solidFill>
+              </a:ln>
+            </p:spPr>
+            <p:style>
+              <a:lnRef idx="2">
+                <a:schemeClr val="accent1">
+                  <a:shade val="50000"/>
+                </a:schemeClr>
+              </a:lnRef>
+              <a:fillRef idx="1">
+                <a:schemeClr val="accent1"/>
+              </a:fillRef>
+              <a:effectRef idx="0">
+                <a:schemeClr val="accent1"/>
+              </a:effectRef>
+              <a:fontRef idx="minor">
+                <a:schemeClr val="lt1"/>
+              </a:fontRef>
+            </p:style>
+            <p:txBody>
+              <a:bodyPr rtlCol="0" anchor="ctr"/>
+              <a:lstStyle/>
+              <a:p>
+                <a:pPr algn="ctr"/>
+                <a:endParaRPr lang="en-US"/>
+              </a:p>
+            </p:txBody>
+          </p:sp>
+          <p:sp>
+            <p:nvSpPr>
+              <p:cNvPr id="43" name="Rectangle 42"/>
+              <p:cNvSpPr/>
+              <p:nvPr/>
+            </p:nvSpPr>
+            <p:spPr>
+              <a:xfrm>
+                <a:off x="7391400" y="2895600"/>
+                <a:ext cx="457200" cy="457200"/>
+              </a:xfrm>
+              <a:prstGeom prst="rect">
+                <a:avLst/>
+              </a:prstGeom>
+              <a:noFill/>
+              <a:ln>
+                <a:solidFill>
+                  <a:schemeClr val="accent1">
+                    <a:lumMod val="75000"/>
+                  </a:schemeClr>
+                </a:solidFill>
+              </a:ln>
+            </p:spPr>
+            <p:style>
+              <a:lnRef idx="2">
+                <a:schemeClr val="accent1">
+                  <a:shade val="50000"/>
+                </a:schemeClr>
+              </a:lnRef>
+              <a:fillRef idx="1">
+                <a:schemeClr val="accent1"/>
+              </a:fillRef>
+              <a:effectRef idx="0">
+                <a:schemeClr val="accent1"/>
+              </a:effectRef>
+              <a:fontRef idx="minor">
+                <a:schemeClr val="lt1"/>
+              </a:fontRef>
+            </p:style>
+            <p:txBody>
+              <a:bodyPr rtlCol="0" anchor="ctr"/>
+              <a:lstStyle/>
+              <a:p>
+                <a:pPr algn="ctr"/>
+                <a:endParaRPr lang="en-US"/>
+              </a:p>
+            </p:txBody>
+          </p:sp>
+          <p:sp>
+            <p:nvSpPr>
+              <p:cNvPr id="44" name="Rectangle 43"/>
+              <p:cNvSpPr/>
+              <p:nvPr/>
+            </p:nvSpPr>
+            <p:spPr>
+              <a:xfrm>
+                <a:off x="7391400" y="3352800"/>
+                <a:ext cx="457200" cy="457200"/>
+              </a:xfrm>
+              <a:prstGeom prst="rect">
+                <a:avLst/>
+              </a:prstGeom>
+              <a:noFill/>
+              <a:ln>
+                <a:solidFill>
+                  <a:schemeClr val="accent1">
+                    <a:lumMod val="75000"/>
+                  </a:schemeClr>
+                </a:solidFill>
+              </a:ln>
+            </p:spPr>
+            <p:style>
+              <a:lnRef idx="2">
+                <a:schemeClr val="accent1">
+                  <a:shade val="50000"/>
+                </a:schemeClr>
+              </a:lnRef>
+              <a:fillRef idx="1">
+                <a:schemeClr val="accent1"/>
+              </a:fillRef>
+              <a:effectRef idx="0">
+                <a:schemeClr val="accent1"/>
+              </a:effectRef>
+              <a:fontRef idx="minor">
+                <a:schemeClr val="lt1"/>
+              </a:fontRef>
+            </p:style>
+            <p:txBody>
+              <a:bodyPr rtlCol="0" anchor="ctr"/>
+              <a:lstStyle/>
+              <a:p>
+                <a:pPr algn="ctr"/>
+                <a:endParaRPr lang="en-US"/>
+              </a:p>
+            </p:txBody>
+          </p:sp>
+          <p:sp>
+            <p:nvSpPr>
+              <p:cNvPr id="45" name="Rectangle 44"/>
+              <p:cNvSpPr/>
+              <p:nvPr/>
+            </p:nvSpPr>
+            <p:spPr>
+              <a:xfrm>
+                <a:off x="7391400" y="3810000"/>
+                <a:ext cx="457200" cy="457200"/>
+              </a:xfrm>
+              <a:prstGeom prst="rect">
+                <a:avLst/>
+              </a:prstGeom>
+              <a:noFill/>
+              <a:ln>
+                <a:solidFill>
+                  <a:schemeClr val="accent1">
+                    <a:lumMod val="75000"/>
+                  </a:schemeClr>
+                </a:solidFill>
+              </a:ln>
+            </p:spPr>
+            <p:style>
+              <a:lnRef idx="2">
+                <a:schemeClr val="accent1">
+                  <a:shade val="50000"/>
+                </a:schemeClr>
+              </a:lnRef>
+              <a:fillRef idx="1">
+                <a:schemeClr val="accent1"/>
+              </a:fillRef>
+              <a:effectRef idx="0">
+                <a:schemeClr val="accent1"/>
+              </a:effectRef>
+              <a:fontRef idx="minor">
+                <a:schemeClr val="lt1"/>
+              </a:fontRef>
+            </p:style>
+            <p:txBody>
+              <a:bodyPr rtlCol="0" anchor="ctr"/>
+              <a:lstStyle/>
+              <a:p>
+                <a:pPr algn="ctr"/>
+                <a:endParaRPr lang="en-US"/>
+              </a:p>
+            </p:txBody>
+          </p:sp>
+          <p:sp>
+            <p:nvSpPr>
+              <p:cNvPr id="46" name="Rectangle 45"/>
+              <p:cNvSpPr/>
+              <p:nvPr/>
+            </p:nvSpPr>
+            <p:spPr>
+              <a:xfrm>
+                <a:off x="7391400" y="4267200"/>
+                <a:ext cx="457200" cy="457200"/>
+              </a:xfrm>
+              <a:prstGeom prst="rect">
+                <a:avLst/>
+              </a:prstGeom>
+              <a:noFill/>
+              <a:ln>
+                <a:solidFill>
+                  <a:schemeClr val="accent1">
+                    <a:lumMod val="75000"/>
+                  </a:schemeClr>
+                </a:solidFill>
+              </a:ln>
+            </p:spPr>
+            <p:style>
+              <a:lnRef idx="2">
+                <a:schemeClr val="accent1">
+                  <a:shade val="50000"/>
+                </a:schemeClr>
+              </a:lnRef>
+              <a:fillRef idx="1">
+                <a:schemeClr val="accent1"/>
+              </a:fillRef>
+              <a:effectRef idx="0">
+                <a:schemeClr val="accent1"/>
+              </a:effectRef>
+              <a:fontRef idx="minor">
+                <a:schemeClr val="lt1"/>
+              </a:fontRef>
+            </p:style>
+            <p:txBody>
+              <a:bodyPr rtlCol="0" anchor="ctr"/>
+              <a:lstStyle/>
+              <a:p>
+                <a:pPr algn="ctr"/>
+                <a:endParaRPr lang="en-US"/>
+              </a:p>
+            </p:txBody>
+          </p:sp>
+          <p:sp>
+            <p:nvSpPr>
+              <p:cNvPr id="47" name="Rectangle 46"/>
+              <p:cNvSpPr/>
+              <p:nvPr/>
+            </p:nvSpPr>
+            <p:spPr>
+              <a:xfrm>
+                <a:off x="7391400" y="4724400"/>
+                <a:ext cx="457200" cy="457200"/>
+              </a:xfrm>
+              <a:prstGeom prst="rect">
+                <a:avLst/>
+              </a:prstGeom>
+              <a:noFill/>
+              <a:ln>
+                <a:solidFill>
+                  <a:schemeClr val="accent1">
+                    <a:lumMod val="75000"/>
+                  </a:schemeClr>
+                </a:solidFill>
+              </a:ln>
+            </p:spPr>
+            <p:style>
+              <a:lnRef idx="2">
+                <a:schemeClr val="accent1">
+                  <a:shade val="50000"/>
+                </a:schemeClr>
+              </a:lnRef>
+              <a:fillRef idx="1">
+                <a:schemeClr val="accent1"/>
+              </a:fillRef>
+              <a:effectRef idx="0">
+                <a:schemeClr val="accent1"/>
+              </a:effectRef>
+              <a:fontRef idx="minor">
+                <a:schemeClr val="lt1"/>
+              </a:fontRef>
+            </p:style>
+            <p:txBody>
+              <a:bodyPr rtlCol="0" anchor="ctr"/>
+              <a:lstStyle/>
+              <a:p>
+                <a:pPr algn="ctr"/>
+                <a:endParaRPr lang="en-US"/>
+              </a:p>
+            </p:txBody>
+          </p:sp>
+          <p:sp>
+            <p:nvSpPr>
+              <p:cNvPr id="48" name="Rectangle 47"/>
+              <p:cNvSpPr/>
+              <p:nvPr/>
+            </p:nvSpPr>
+            <p:spPr>
+              <a:xfrm>
+                <a:off x="7848600" y="2895600"/>
+                <a:ext cx="457200" cy="457200"/>
+              </a:xfrm>
+              <a:prstGeom prst="rect">
+                <a:avLst/>
+              </a:prstGeom>
+              <a:noFill/>
+              <a:ln>
+                <a:solidFill>
+                  <a:schemeClr val="accent1">
+                    <a:lumMod val="75000"/>
+                  </a:schemeClr>
+                </a:solidFill>
+              </a:ln>
+            </p:spPr>
+            <p:style>
+              <a:lnRef idx="2">
+                <a:schemeClr val="accent1">
+                  <a:shade val="50000"/>
+                </a:schemeClr>
+              </a:lnRef>
+              <a:fillRef idx="1">
+                <a:schemeClr val="accent1"/>
+              </a:fillRef>
+              <a:effectRef idx="0">
+                <a:schemeClr val="accent1"/>
+              </a:effectRef>
+              <a:fontRef idx="minor">
+                <a:schemeClr val="lt1"/>
+              </a:fontRef>
+            </p:style>
+            <p:txBody>
+              <a:bodyPr rtlCol="0" anchor="ctr"/>
+              <a:lstStyle/>
+              <a:p>
+                <a:pPr algn="ctr"/>
+                <a:endParaRPr lang="en-US"/>
+              </a:p>
+            </p:txBody>
+          </p:sp>
+          <p:sp>
+            <p:nvSpPr>
+              <p:cNvPr id="49" name="Rectangle 48"/>
+              <p:cNvSpPr/>
+              <p:nvPr/>
+            </p:nvSpPr>
+            <p:spPr>
+              <a:xfrm>
+                <a:off x="7848600" y="3352800"/>
+                <a:ext cx="457200" cy="457200"/>
+              </a:xfrm>
+              <a:prstGeom prst="rect">
+                <a:avLst/>
+              </a:prstGeom>
+              <a:noFill/>
+              <a:ln>
+                <a:solidFill>
+                  <a:schemeClr val="accent1">
+                    <a:lumMod val="75000"/>
+                  </a:schemeClr>
+                </a:solidFill>
+              </a:ln>
+            </p:spPr>
+            <p:style>
+              <a:lnRef idx="2">
+                <a:schemeClr val="accent1">
+                  <a:shade val="50000"/>
+                </a:schemeClr>
+              </a:lnRef>
+              <a:fillRef idx="1">
+                <a:schemeClr val="accent1"/>
+              </a:fillRef>
+              <a:effectRef idx="0">
+                <a:schemeClr val="accent1"/>
+              </a:effectRef>
+              <a:fontRef idx="minor">
+                <a:schemeClr val="lt1"/>
+              </a:fontRef>
+            </p:style>
+            <p:txBody>
+              <a:bodyPr rtlCol="0" anchor="ctr"/>
+              <a:lstStyle/>
+              <a:p>
+                <a:pPr algn="ctr"/>
+                <a:endParaRPr lang="en-US"/>
+              </a:p>
+            </p:txBody>
+          </p:sp>
+          <p:sp>
+            <p:nvSpPr>
+              <p:cNvPr id="50" name="Rectangle 49"/>
+              <p:cNvSpPr/>
+              <p:nvPr/>
+            </p:nvSpPr>
+            <p:spPr>
+              <a:xfrm>
+                <a:off x="7848600" y="3810000"/>
+                <a:ext cx="457200" cy="457200"/>
+              </a:xfrm>
+              <a:prstGeom prst="rect">
+                <a:avLst/>
+              </a:prstGeom>
+              <a:noFill/>
+              <a:ln>
+                <a:solidFill>
+                  <a:schemeClr val="accent1">
+                    <a:lumMod val="75000"/>
+                  </a:schemeClr>
+                </a:solidFill>
+              </a:ln>
+            </p:spPr>
+            <p:style>
+              <a:lnRef idx="2">
+                <a:schemeClr val="accent1">
+                  <a:shade val="50000"/>
+                </a:schemeClr>
+              </a:lnRef>
+              <a:fillRef idx="1">
+                <a:schemeClr val="accent1"/>
+              </a:fillRef>
+              <a:effectRef idx="0">
+                <a:schemeClr val="accent1"/>
+              </a:effectRef>
+              <a:fontRef idx="minor">
+                <a:schemeClr val="lt1"/>
+              </a:fontRef>
+            </p:style>
+            <p:txBody>
+              <a:bodyPr rtlCol="0" anchor="ctr"/>
+              <a:lstStyle/>
+              <a:p>
+                <a:pPr algn="ctr"/>
+                <a:endParaRPr lang="en-US"/>
+              </a:p>
+            </p:txBody>
+          </p:sp>
+          <p:sp>
+            <p:nvSpPr>
+              <p:cNvPr id="51" name="Rectangle 50"/>
+              <p:cNvSpPr/>
+              <p:nvPr/>
+            </p:nvSpPr>
+            <p:spPr>
+              <a:xfrm>
+                <a:off x="7848600" y="4267200"/>
+                <a:ext cx="457200" cy="457200"/>
+              </a:xfrm>
+              <a:prstGeom prst="rect">
+                <a:avLst/>
+              </a:prstGeom>
+              <a:noFill/>
+              <a:ln>
+                <a:solidFill>
+                  <a:schemeClr val="accent1">
+                    <a:lumMod val="75000"/>
+                  </a:schemeClr>
+                </a:solidFill>
+              </a:ln>
+            </p:spPr>
+            <p:style>
+              <a:lnRef idx="2">
+                <a:schemeClr val="accent1">
+                  <a:shade val="50000"/>
+                </a:schemeClr>
+              </a:lnRef>
+              <a:fillRef idx="1">
+                <a:schemeClr val="accent1"/>
+              </a:fillRef>
+              <a:effectRef idx="0">
+                <a:schemeClr val="accent1"/>
+              </a:effectRef>
+              <a:fontRef idx="minor">
+                <a:schemeClr val="lt1"/>
+              </a:fontRef>
+            </p:style>
+            <p:txBody>
+              <a:bodyPr rtlCol="0" anchor="ctr"/>
+              <a:lstStyle/>
+              <a:p>
+                <a:pPr algn="ctr"/>
+                <a:endParaRPr lang="en-US"/>
+              </a:p>
+            </p:txBody>
+          </p:sp>
+          <p:sp>
+            <p:nvSpPr>
+              <p:cNvPr id="52" name="Rectangle 51"/>
+              <p:cNvSpPr/>
+              <p:nvPr/>
+            </p:nvSpPr>
+            <p:spPr>
+              <a:xfrm>
+                <a:off x="7848600" y="4724400"/>
+                <a:ext cx="457200" cy="457200"/>
+              </a:xfrm>
+              <a:prstGeom prst="rect">
+                <a:avLst/>
+              </a:prstGeom>
+              <a:noFill/>
+              <a:ln>
+                <a:solidFill>
+                  <a:schemeClr val="accent1">
+                    <a:lumMod val="75000"/>
+                  </a:schemeClr>
+                </a:solidFill>
+              </a:ln>
+            </p:spPr>
+            <p:style>
+              <a:lnRef idx="2">
+                <a:schemeClr val="accent1">
+                  <a:shade val="50000"/>
+                </a:schemeClr>
+              </a:lnRef>
+              <a:fillRef idx="1">
+                <a:schemeClr val="accent1"/>
+              </a:fillRef>
+              <a:effectRef idx="0">
+                <a:schemeClr val="accent1"/>
+              </a:effectRef>
+              <a:fontRef idx="minor">
+                <a:schemeClr val="lt1"/>
+              </a:fontRef>
+            </p:style>
+            <p:txBody>
+              <a:bodyPr rtlCol="0" anchor="ctr"/>
+              <a:lstStyle/>
+              <a:p>
+                <a:pPr algn="ctr"/>
+                <a:endParaRPr lang="en-US"/>
+              </a:p>
+            </p:txBody>
+          </p:sp>
+          <p:cxnSp>
+            <p:nvCxnSpPr>
+              <p:cNvPr id="58" name="Straight Arrow Connector 57"/>
+              <p:cNvCxnSpPr/>
+              <p:nvPr/>
+            </p:nvCxnSpPr>
+            <p:spPr>
+              <a:xfrm rot="5400000" flipH="1" flipV="1">
+                <a:off x="6248400" y="2971800"/>
+                <a:ext cx="152400" cy="152400"/>
+              </a:xfrm>
+              <a:prstGeom prst="straightConnector1">
+                <a:avLst/>
+              </a:prstGeom>
+              <a:ln>
+                <a:solidFill>
+                  <a:schemeClr val="tx1"/>
+                </a:solidFill>
+                <a:headEnd type="none" w="med" len="med"/>
+                <a:tailEnd type="triangle" w="med" len="med"/>
+              </a:ln>
+            </p:spPr>
+            <p:style>
+              <a:lnRef idx="1">
+                <a:schemeClr val="accent1"/>
+              </a:lnRef>
+              <a:fillRef idx="0">
+                <a:schemeClr val="accent1"/>
+              </a:fillRef>
+              <a:effectRef idx="0">
+                <a:schemeClr val="accent1"/>
+              </a:effectRef>
+              <a:fontRef idx="minor">
+                <a:schemeClr val="tx1"/>
+              </a:fontRef>
+            </p:style>
+          </p:cxnSp>
+          <p:cxnSp>
+            <p:nvCxnSpPr>
+              <p:cNvPr id="72" name="Straight Arrow Connector 71"/>
+              <p:cNvCxnSpPr/>
+              <p:nvPr/>
+            </p:nvCxnSpPr>
+            <p:spPr>
+              <a:xfrm rot="16200000" flipV="1">
+                <a:off x="6134100" y="3467100"/>
+                <a:ext cx="152400" cy="76200"/>
+              </a:xfrm>
+              <a:prstGeom prst="straightConnector1">
+                <a:avLst/>
+              </a:prstGeom>
+              <a:ln>
+                <a:solidFill>
+                  <a:schemeClr val="tx1"/>
+                </a:solidFill>
+                <a:headEnd type="none" w="med" len="med"/>
+                <a:tailEnd type="triangle" w="med" len="med"/>
+              </a:ln>
+            </p:spPr>
+            <p:style>
+              <a:lnRef idx="1">
+                <a:schemeClr val="accent1"/>
+              </a:lnRef>
+              <a:fillRef idx="0">
+                <a:schemeClr val="accent1"/>
+              </a:fillRef>
+              <a:effectRef idx="0">
+                <a:schemeClr val="accent1"/>
+              </a:effectRef>
+              <a:fontRef idx="minor">
+                <a:schemeClr val="tx1"/>
+              </a:fontRef>
+            </p:style>
+          </p:cxnSp>
+          <p:cxnSp>
+            <p:nvCxnSpPr>
+              <p:cNvPr id="74" name="Straight Arrow Connector 73"/>
+              <p:cNvCxnSpPr/>
+              <p:nvPr/>
+            </p:nvCxnSpPr>
+            <p:spPr>
+              <a:xfrm rot="16200000" flipH="1">
+                <a:off x="6210300" y="4076700"/>
+                <a:ext cx="152400" cy="76200"/>
+              </a:xfrm>
+              <a:prstGeom prst="straightConnector1">
+                <a:avLst/>
+              </a:prstGeom>
+              <a:ln>
+                <a:solidFill>
+                  <a:schemeClr val="tx1"/>
+                </a:solidFill>
+                <a:headEnd type="none" w="med" len="med"/>
+                <a:tailEnd type="triangle" w="med" len="med"/>
+              </a:ln>
+            </p:spPr>
+            <p:style>
+              <a:lnRef idx="1">
+                <a:schemeClr val="accent1"/>
+              </a:lnRef>
+              <a:fillRef idx="0">
+                <a:schemeClr val="accent1"/>
+              </a:fillRef>
+              <a:effectRef idx="0">
+                <a:schemeClr val="accent1"/>
+              </a:effectRef>
+              <a:fontRef idx="minor">
+                <a:schemeClr val="tx1"/>
+              </a:fontRef>
+            </p:style>
+          </p:cxnSp>
+          <p:cxnSp>
+            <p:nvCxnSpPr>
+              <p:cNvPr id="76" name="Straight Arrow Connector 75"/>
+              <p:cNvCxnSpPr/>
+              <p:nvPr/>
+            </p:nvCxnSpPr>
+            <p:spPr>
+              <a:xfrm rot="10800000">
+                <a:off x="5867400" y="4419600"/>
+                <a:ext cx="381000" cy="76200"/>
+              </a:xfrm>
+              <a:prstGeom prst="straightConnector1">
+                <a:avLst/>
+              </a:prstGeom>
+              <a:ln>
+                <a:solidFill>
+                  <a:schemeClr val="tx1"/>
+                </a:solidFill>
+                <a:headEnd type="none" w="med" len="med"/>
+                <a:tailEnd type="triangle" w="med" len="med"/>
+              </a:ln>
+            </p:spPr>
+            <p:style>
+              <a:lnRef idx="1">
+                <a:schemeClr val="accent1"/>
+              </a:lnRef>
+              <a:fillRef idx="0">
+                <a:schemeClr val="accent1"/>
+              </a:fillRef>
+              <a:effectRef idx="0">
+                <a:schemeClr val="accent1"/>
+              </a:effectRef>
+              <a:fontRef idx="minor">
+                <a:schemeClr val="tx1"/>
+              </a:fontRef>
+            </p:style>
+          </p:cxnSp>
+          <p:cxnSp>
+            <p:nvCxnSpPr>
+              <p:cNvPr id="78" name="Straight Arrow Connector 77"/>
+              <p:cNvCxnSpPr/>
+              <p:nvPr/>
+            </p:nvCxnSpPr>
+            <p:spPr>
+              <a:xfrm rot="5400000">
+                <a:off x="6134100" y="4991100"/>
+                <a:ext cx="152400" cy="76200"/>
+              </a:xfrm>
+              <a:prstGeom prst="straightConnector1">
+                <a:avLst/>
+              </a:prstGeom>
+              <a:ln>
+                <a:solidFill>
+                  <a:schemeClr val="tx1"/>
+                </a:solidFill>
+                <a:headEnd type="none" w="med" len="med"/>
+                <a:tailEnd type="triangle" w="med" len="med"/>
+              </a:ln>
+            </p:spPr>
+            <p:style>
+              <a:lnRef idx="1">
+                <a:schemeClr val="accent1"/>
+              </a:lnRef>
+              <a:fillRef idx="0">
+                <a:schemeClr val="accent1"/>
+              </a:fillRef>
+              <a:effectRef idx="0">
+                <a:schemeClr val="accent1"/>
+              </a:effectRef>
+              <a:fontRef idx="minor">
+                <a:schemeClr val="tx1"/>
+              </a:fontRef>
+            </p:style>
+          </p:cxnSp>
+          <p:cxnSp>
+            <p:nvCxnSpPr>
+              <p:cNvPr id="80" name="Straight Arrow Connector 79"/>
+              <p:cNvCxnSpPr/>
+              <p:nvPr/>
+            </p:nvCxnSpPr>
+            <p:spPr>
+              <a:xfrm rot="16200000" flipH="1">
+                <a:off x="6705600" y="4495800"/>
+                <a:ext cx="152400" cy="152400"/>
+              </a:xfrm>
+              <a:prstGeom prst="straightConnector1">
+                <a:avLst/>
+              </a:prstGeom>
+              <a:ln>
+                <a:solidFill>
+                  <a:schemeClr val="tx1"/>
+                </a:solidFill>
+                <a:headEnd type="none" w="med" len="med"/>
+                <a:tailEnd type="triangle" w="med" len="med"/>
+              </a:ln>
+            </p:spPr>
+            <p:style>
+              <a:lnRef idx="1">
+                <a:schemeClr val="accent1"/>
+              </a:lnRef>
+              <a:fillRef idx="0">
+                <a:schemeClr val="accent1"/>
+              </a:fillRef>
+              <a:effectRef idx="0">
+                <a:schemeClr val="accent1"/>
+              </a:effectRef>
+              <a:fontRef idx="minor">
+                <a:schemeClr val="tx1"/>
+              </a:fontRef>
+            </p:style>
+          </p:cxnSp>
+          <p:cxnSp>
+            <p:nvCxnSpPr>
+              <p:cNvPr id="82" name="Straight Arrow Connector 81"/>
+              <p:cNvCxnSpPr/>
+              <p:nvPr/>
+            </p:nvCxnSpPr>
+            <p:spPr>
+              <a:xfrm rot="16200000" flipV="1">
+                <a:off x="6438900" y="2857500"/>
+                <a:ext cx="381000" cy="152400"/>
+              </a:xfrm>
+              <a:prstGeom prst="straightConnector1">
+                <a:avLst/>
+              </a:prstGeom>
+              <a:ln>
+                <a:solidFill>
+                  <a:schemeClr val="tx1"/>
+                </a:solidFill>
+                <a:headEnd type="none" w="med" len="med"/>
+                <a:tailEnd type="triangle" w="med" len="med"/>
+              </a:ln>
+            </p:spPr>
+            <p:style>
+              <a:lnRef idx="1">
+                <a:schemeClr val="accent1"/>
+              </a:lnRef>
+              <a:fillRef idx="0">
+                <a:schemeClr val="accent1"/>
+              </a:fillRef>
+              <a:effectRef idx="0">
+                <a:schemeClr val="accent1"/>
+              </a:effectRef>
+              <a:fontRef idx="minor">
+                <a:schemeClr val="tx1"/>
+              </a:fontRef>
+            </p:style>
+          </p:cxnSp>
+          <p:cxnSp>
+            <p:nvCxnSpPr>
+              <p:cNvPr id="84" name="Straight Arrow Connector 83"/>
+              <p:cNvCxnSpPr/>
+              <p:nvPr/>
+            </p:nvCxnSpPr>
+            <p:spPr>
+              <a:xfrm rot="5400000">
+                <a:off x="6591300" y="3619500"/>
+                <a:ext cx="152400" cy="76200"/>
+              </a:xfrm>
+              <a:prstGeom prst="straightConnector1">
+                <a:avLst/>
+              </a:prstGeom>
+              <a:ln>
+                <a:solidFill>
+                  <a:schemeClr val="tx1"/>
+                </a:solidFill>
+                <a:headEnd type="none" w="med" len="med"/>
+                <a:tailEnd type="triangle" w="med" len="med"/>
+              </a:ln>
+            </p:spPr>
+            <p:style>
+              <a:lnRef idx="1">
+                <a:schemeClr val="accent1"/>
+              </a:lnRef>
+              <a:fillRef idx="0">
+                <a:schemeClr val="accent1"/>
+              </a:fillRef>
+              <a:effectRef idx="0">
+                <a:schemeClr val="accent1"/>
+              </a:effectRef>
+              <a:fontRef idx="minor">
+                <a:schemeClr val="tx1"/>
+              </a:fontRef>
+            </p:style>
+          </p:cxnSp>
+          <p:cxnSp>
+            <p:nvCxnSpPr>
+              <p:cNvPr id="86" name="Straight Arrow Connector 85"/>
+              <p:cNvCxnSpPr/>
+              <p:nvPr/>
+            </p:nvCxnSpPr>
+            <p:spPr>
+              <a:xfrm>
+                <a:off x="6705600" y="4038600"/>
+                <a:ext cx="152400" cy="1588"/>
+              </a:xfrm>
+              <a:prstGeom prst="straightConnector1">
+                <a:avLst/>
+              </a:prstGeom>
+              <a:ln>
+                <a:solidFill>
+                  <a:schemeClr val="tx1"/>
+                </a:solidFill>
+                <a:headEnd type="none" w="med" len="med"/>
+                <a:tailEnd type="triangle" w="med" len="med"/>
+              </a:ln>
+            </p:spPr>
+            <p:style>
+              <a:lnRef idx="1">
+                <a:schemeClr val="accent1"/>
+              </a:lnRef>
+              <a:fillRef idx="0">
+                <a:schemeClr val="accent1"/>
+              </a:fillRef>
+              <a:effectRef idx="0">
+                <a:schemeClr val="accent1"/>
+              </a:effectRef>
+              <a:fontRef idx="minor">
+                <a:schemeClr val="tx1"/>
+              </a:fontRef>
+            </p:style>
+          </p:cxnSp>
+          <p:cxnSp>
+            <p:nvCxnSpPr>
+              <p:cNvPr id="88" name="Straight Arrow Connector 87"/>
+              <p:cNvCxnSpPr/>
+              <p:nvPr/>
+            </p:nvCxnSpPr>
+            <p:spPr>
+              <a:xfrm rot="10800000">
+                <a:off x="6553200" y="4876800"/>
+                <a:ext cx="152400" cy="76200"/>
+              </a:xfrm>
+              <a:prstGeom prst="straightConnector1">
+                <a:avLst/>
+              </a:prstGeom>
+              <a:ln>
+                <a:solidFill>
+                  <a:schemeClr val="tx1"/>
+                </a:solidFill>
+                <a:headEnd type="none" w="med" len="med"/>
+                <a:tailEnd type="triangle" w="med" len="med"/>
+              </a:ln>
+            </p:spPr>
+            <p:style>
+              <a:lnRef idx="1">
+                <a:schemeClr val="accent1"/>
+              </a:lnRef>
+              <a:fillRef idx="0">
+                <a:schemeClr val="accent1"/>
+              </a:fillRef>
+              <a:effectRef idx="0">
+                <a:schemeClr val="accent1"/>
+              </a:effectRef>
+              <a:fontRef idx="minor">
+                <a:schemeClr val="tx1"/>
+              </a:fontRef>
+            </p:style>
+          </p:cxnSp>
+          <p:cxnSp>
+            <p:nvCxnSpPr>
+              <p:cNvPr id="90" name="Straight Arrow Connector 89"/>
+              <p:cNvCxnSpPr/>
+              <p:nvPr/>
+            </p:nvCxnSpPr>
+            <p:spPr>
+              <a:xfrm>
+                <a:off x="7162800" y="3124200"/>
+                <a:ext cx="152400" cy="76200"/>
+              </a:xfrm>
+              <a:prstGeom prst="straightConnector1">
+                <a:avLst/>
+              </a:prstGeom>
+              <a:ln>
+                <a:solidFill>
+                  <a:schemeClr val="tx1"/>
+                </a:solidFill>
+                <a:headEnd type="none" w="med" len="med"/>
+                <a:tailEnd type="triangle" w="med" len="med"/>
+              </a:ln>
+            </p:spPr>
+            <p:style>
+              <a:lnRef idx="1">
+                <a:schemeClr val="accent1"/>
+              </a:lnRef>
+              <a:fillRef idx="0">
+                <a:schemeClr val="accent1"/>
+              </a:fillRef>
+              <a:effectRef idx="0">
+                <a:schemeClr val="accent1"/>
+              </a:effectRef>
+              <a:fontRef idx="minor">
+                <a:schemeClr val="tx1"/>
+              </a:fontRef>
+            </p:style>
+          </p:cxnSp>
+          <p:cxnSp>
+            <p:nvCxnSpPr>
+              <p:cNvPr id="92" name="Straight Arrow Connector 91"/>
+              <p:cNvCxnSpPr/>
+              <p:nvPr/>
+            </p:nvCxnSpPr>
+            <p:spPr>
+              <a:xfrm flipV="1">
+                <a:off x="7620000" y="3048000"/>
+                <a:ext cx="152400" cy="76200"/>
+              </a:xfrm>
+              <a:prstGeom prst="straightConnector1">
+                <a:avLst/>
+              </a:prstGeom>
+              <a:ln>
+                <a:solidFill>
+                  <a:schemeClr val="tx1"/>
+                </a:solidFill>
+                <a:headEnd type="none" w="med" len="med"/>
+                <a:tailEnd type="triangle" w="med" len="med"/>
+              </a:ln>
+            </p:spPr>
+            <p:style>
+              <a:lnRef idx="1">
+                <a:schemeClr val="accent1"/>
+              </a:lnRef>
+              <a:fillRef idx="0">
+                <a:schemeClr val="accent1"/>
+              </a:fillRef>
+              <a:effectRef idx="0">
+                <a:schemeClr val="accent1"/>
+              </a:effectRef>
+              <a:fontRef idx="minor">
+                <a:schemeClr val="tx1"/>
+              </a:fontRef>
+            </p:style>
+          </p:cxnSp>
+          <p:cxnSp>
+            <p:nvCxnSpPr>
+              <p:cNvPr id="94" name="Straight Arrow Connector 93"/>
+              <p:cNvCxnSpPr/>
+              <p:nvPr/>
+            </p:nvCxnSpPr>
+            <p:spPr>
+              <a:xfrm rot="5400000">
+                <a:off x="7962900" y="3162300"/>
+                <a:ext cx="152400" cy="76200"/>
+              </a:xfrm>
+              <a:prstGeom prst="straightConnector1">
+                <a:avLst/>
+              </a:prstGeom>
+              <a:ln>
+                <a:solidFill>
+                  <a:schemeClr val="tx1"/>
+                </a:solidFill>
+                <a:headEnd type="none" w="med" len="med"/>
+                <a:tailEnd type="triangle" w="med" len="med"/>
+              </a:ln>
+            </p:spPr>
+            <p:style>
+              <a:lnRef idx="1">
+                <a:schemeClr val="accent1"/>
+              </a:lnRef>
+              <a:fillRef idx="0">
+                <a:schemeClr val="accent1"/>
+              </a:fillRef>
+              <a:effectRef idx="0">
+                <a:schemeClr val="accent1"/>
+              </a:effectRef>
+              <a:fontRef idx="minor">
+                <a:schemeClr val="tx1"/>
+              </a:fontRef>
+            </p:style>
+          </p:cxnSp>
+          <p:cxnSp>
+            <p:nvCxnSpPr>
+              <p:cNvPr id="96" name="Straight Arrow Connector 95"/>
+              <p:cNvCxnSpPr/>
+              <p:nvPr/>
+            </p:nvCxnSpPr>
+            <p:spPr>
+              <a:xfrm rot="5400000">
+                <a:off x="7010400" y="3581400"/>
+                <a:ext cx="152400" cy="152400"/>
+              </a:xfrm>
+              <a:prstGeom prst="straightConnector1">
+                <a:avLst/>
+              </a:prstGeom>
+              <a:ln>
+                <a:solidFill>
+                  <a:schemeClr val="tx1"/>
+                </a:solidFill>
+                <a:headEnd type="none" w="med" len="med"/>
+                <a:tailEnd type="triangle" w="med" len="med"/>
+              </a:ln>
+            </p:spPr>
+            <p:style>
+              <a:lnRef idx="1">
+                <a:schemeClr val="accent1"/>
+              </a:lnRef>
+              <a:fillRef idx="0">
+                <a:schemeClr val="accent1"/>
+              </a:fillRef>
+              <a:effectRef idx="0">
+                <a:schemeClr val="accent1"/>
+              </a:effectRef>
+              <a:fontRef idx="minor">
+                <a:schemeClr val="tx1"/>
+              </a:fontRef>
+            </p:style>
+          </p:cxnSp>
+          <p:cxnSp>
+            <p:nvCxnSpPr>
+              <p:cNvPr id="98" name="Straight Arrow Connector 97"/>
+              <p:cNvCxnSpPr/>
+              <p:nvPr/>
+            </p:nvCxnSpPr>
+            <p:spPr>
+              <a:xfrm rot="10800000">
+                <a:off x="7010400" y="3962400"/>
+                <a:ext cx="152400" cy="76200"/>
+              </a:xfrm>
+              <a:prstGeom prst="straightConnector1">
+                <a:avLst/>
+              </a:prstGeom>
+              <a:ln>
+                <a:solidFill>
+                  <a:schemeClr val="tx1"/>
+                </a:solidFill>
+                <a:headEnd type="none" w="med" len="med"/>
+                <a:tailEnd type="triangle" w="med" len="med"/>
+              </a:ln>
+            </p:spPr>
+            <p:style>
+              <a:lnRef idx="1">
+                <a:schemeClr val="accent1"/>
+              </a:lnRef>
+              <a:fillRef idx="0">
+                <a:schemeClr val="accent1"/>
+              </a:fillRef>
+              <a:effectRef idx="0">
+                <a:schemeClr val="accent1"/>
+              </a:effectRef>
+              <a:fontRef idx="minor">
+                <a:schemeClr val="tx1"/>
+              </a:fontRef>
+            </p:style>
+          </p:cxnSp>
+          <p:cxnSp>
+            <p:nvCxnSpPr>
+              <p:cNvPr id="100" name="Straight Arrow Connector 99"/>
+              <p:cNvCxnSpPr/>
+              <p:nvPr/>
+            </p:nvCxnSpPr>
+            <p:spPr>
+              <a:xfrm flipV="1">
+                <a:off x="7162800" y="4419600"/>
+                <a:ext cx="152400" cy="76200"/>
+              </a:xfrm>
+              <a:prstGeom prst="straightConnector1">
+                <a:avLst/>
+              </a:prstGeom>
+              <a:ln>
+                <a:solidFill>
+                  <a:schemeClr val="tx1"/>
+                </a:solidFill>
+                <a:headEnd type="none" w="med" len="med"/>
+                <a:tailEnd type="triangle" w="med" len="med"/>
+              </a:ln>
+            </p:spPr>
+            <p:style>
+              <a:lnRef idx="1">
+                <a:schemeClr val="accent1"/>
+              </a:lnRef>
+              <a:fillRef idx="0">
+                <a:schemeClr val="accent1"/>
+              </a:fillRef>
+              <a:effectRef idx="0">
+                <a:schemeClr val="accent1"/>
+              </a:effectRef>
+              <a:fontRef idx="minor">
+                <a:schemeClr val="tx1"/>
+              </a:fontRef>
+            </p:style>
+          </p:cxnSp>
+          <p:cxnSp>
+            <p:nvCxnSpPr>
+              <p:cNvPr id="104" name="Straight Arrow Connector 103"/>
+              <p:cNvCxnSpPr/>
+              <p:nvPr/>
+            </p:nvCxnSpPr>
+            <p:spPr>
+              <a:xfrm rot="5400000">
+                <a:off x="7048500" y="4991100"/>
+                <a:ext cx="152400" cy="76200"/>
+              </a:xfrm>
+              <a:prstGeom prst="straightConnector1">
+                <a:avLst/>
+              </a:prstGeom>
+              <a:ln>
+                <a:solidFill>
+                  <a:schemeClr val="tx1"/>
+                </a:solidFill>
+                <a:headEnd type="none" w="med" len="med"/>
+                <a:tailEnd type="triangle" w="med" len="med"/>
+              </a:ln>
+            </p:spPr>
+            <p:style>
+              <a:lnRef idx="1">
+                <a:schemeClr val="accent1"/>
+              </a:lnRef>
+              <a:fillRef idx="0">
+                <a:schemeClr val="accent1"/>
+              </a:fillRef>
+              <a:effectRef idx="0">
+                <a:schemeClr val="accent1"/>
+              </a:effectRef>
+              <a:fontRef idx="minor">
+                <a:schemeClr val="tx1"/>
+              </a:fontRef>
+            </p:style>
+          </p:cxnSp>
+          <p:cxnSp>
+            <p:nvCxnSpPr>
+              <p:cNvPr id="106" name="Straight Arrow Connector 105"/>
+              <p:cNvCxnSpPr/>
+              <p:nvPr/>
+            </p:nvCxnSpPr>
+            <p:spPr>
+              <a:xfrm rot="16200000" flipH="1">
+                <a:off x="7620000" y="4953000"/>
+                <a:ext cx="152400" cy="152400"/>
+              </a:xfrm>
+              <a:prstGeom prst="straightConnector1">
+                <a:avLst/>
+              </a:prstGeom>
+              <a:ln>
+                <a:solidFill>
+                  <a:schemeClr val="tx1"/>
+                </a:solidFill>
+                <a:headEnd type="none" w="med" len="med"/>
+                <a:tailEnd type="triangle" w="med" len="med"/>
+              </a:ln>
+            </p:spPr>
+            <p:style>
+              <a:lnRef idx="1">
+                <a:schemeClr val="accent1"/>
+              </a:lnRef>
+              <a:fillRef idx="0">
+                <a:schemeClr val="accent1"/>
+              </a:fillRef>
+              <a:effectRef idx="0">
+                <a:schemeClr val="accent1"/>
+              </a:effectRef>
+              <a:fontRef idx="minor">
+                <a:schemeClr val="tx1"/>
+              </a:fontRef>
+            </p:style>
+          </p:cxnSp>
+          <p:cxnSp>
+            <p:nvCxnSpPr>
+              <p:cNvPr id="108" name="Straight Arrow Connector 107"/>
+              <p:cNvCxnSpPr/>
+              <p:nvPr/>
+            </p:nvCxnSpPr>
+            <p:spPr>
+              <a:xfrm rot="16200000" flipV="1">
+                <a:off x="7467600" y="4343400"/>
+                <a:ext cx="152400" cy="152400"/>
+              </a:xfrm>
+              <a:prstGeom prst="straightConnector1">
+                <a:avLst/>
+              </a:prstGeom>
+              <a:ln>
+                <a:solidFill>
+                  <a:schemeClr val="tx1"/>
+                </a:solidFill>
+                <a:headEnd type="none" w="med" len="med"/>
+                <a:tailEnd type="triangle" w="med" len="med"/>
+              </a:ln>
+            </p:spPr>
+            <p:style>
+              <a:lnRef idx="1">
+                <a:schemeClr val="accent1"/>
+              </a:lnRef>
+              <a:fillRef idx="0">
+                <a:schemeClr val="accent1"/>
+              </a:fillRef>
+              <a:effectRef idx="0">
+                <a:schemeClr val="accent1"/>
+              </a:effectRef>
+              <a:fontRef idx="minor">
+                <a:schemeClr val="tx1"/>
+              </a:fontRef>
+            </p:style>
+          </p:cxnSp>
+          <p:cxnSp>
+            <p:nvCxnSpPr>
+              <p:cNvPr id="110" name="Straight Arrow Connector 109"/>
+              <p:cNvCxnSpPr/>
+              <p:nvPr/>
+            </p:nvCxnSpPr>
+            <p:spPr>
+              <a:xfrm rot="5400000">
+                <a:off x="7505700" y="4076700"/>
+                <a:ext cx="152400" cy="76200"/>
+              </a:xfrm>
+              <a:prstGeom prst="straightConnector1">
+                <a:avLst/>
+              </a:prstGeom>
+              <a:ln>
+                <a:solidFill>
+                  <a:schemeClr val="tx1"/>
+                </a:solidFill>
+                <a:headEnd type="none" w="med" len="med"/>
+                <a:tailEnd type="triangle" w="med" len="med"/>
+              </a:ln>
+            </p:spPr>
+            <p:style>
+              <a:lnRef idx="1">
+                <a:schemeClr val="accent1"/>
+              </a:lnRef>
+              <a:fillRef idx="0">
+                <a:schemeClr val="accent1"/>
+              </a:fillRef>
+              <a:effectRef idx="0">
+                <a:schemeClr val="accent1"/>
+              </a:effectRef>
+              <a:fontRef idx="minor">
+                <a:schemeClr val="tx1"/>
+              </a:fontRef>
+            </p:style>
+          </p:cxnSp>
+          <p:cxnSp>
+            <p:nvCxnSpPr>
+              <p:cNvPr id="112" name="Straight Arrow Connector 111"/>
+              <p:cNvCxnSpPr/>
+              <p:nvPr/>
+            </p:nvCxnSpPr>
+            <p:spPr>
+              <a:xfrm rot="5400000">
+                <a:off x="7543800" y="3657600"/>
+                <a:ext cx="152400" cy="1588"/>
+              </a:xfrm>
+              <a:prstGeom prst="straightConnector1">
+                <a:avLst/>
+              </a:prstGeom>
+              <a:ln>
+                <a:solidFill>
+                  <a:schemeClr val="tx1"/>
+                </a:solidFill>
+                <a:headEnd type="none" w="med" len="med"/>
+                <a:tailEnd type="triangle" w="med" len="med"/>
+              </a:ln>
+            </p:spPr>
+            <p:style>
+              <a:lnRef idx="1">
+                <a:schemeClr val="accent1"/>
+              </a:lnRef>
+              <a:fillRef idx="0">
+                <a:schemeClr val="accent1"/>
+              </a:fillRef>
+              <a:effectRef idx="0">
+                <a:schemeClr val="accent1"/>
+              </a:effectRef>
+              <a:fontRef idx="minor">
+                <a:schemeClr val="tx1"/>
+              </a:fontRef>
+            </p:style>
+          </p:cxnSp>
+          <p:cxnSp>
+            <p:nvCxnSpPr>
+              <p:cNvPr id="114" name="Straight Arrow Connector 113"/>
+              <p:cNvCxnSpPr/>
+              <p:nvPr/>
+            </p:nvCxnSpPr>
+            <p:spPr>
+              <a:xfrm rot="10800000">
+                <a:off x="7924800" y="3581400"/>
+                <a:ext cx="152400" cy="1588"/>
+              </a:xfrm>
+              <a:prstGeom prst="straightConnector1">
+                <a:avLst/>
+              </a:prstGeom>
+              <a:ln>
+                <a:solidFill>
+                  <a:schemeClr val="tx1"/>
+                </a:solidFill>
+                <a:headEnd type="none" w="med" len="med"/>
+                <a:tailEnd type="triangle" w="med" len="med"/>
+              </a:ln>
+            </p:spPr>
+            <p:style>
+              <a:lnRef idx="1">
+                <a:schemeClr val="accent1"/>
+              </a:lnRef>
+              <a:fillRef idx="0">
+                <a:schemeClr val="accent1"/>
+              </a:fillRef>
+              <a:effectRef idx="0">
+                <a:schemeClr val="accent1"/>
+              </a:effectRef>
+              <a:fontRef idx="minor">
+                <a:schemeClr val="tx1"/>
+              </a:fontRef>
+            </p:style>
+          </p:cxnSp>
+          <p:cxnSp>
+            <p:nvCxnSpPr>
+              <p:cNvPr id="118" name="Straight Arrow Connector 117"/>
+              <p:cNvCxnSpPr/>
+              <p:nvPr/>
+            </p:nvCxnSpPr>
+            <p:spPr>
+              <a:xfrm flipV="1">
+                <a:off x="8077200" y="3962400"/>
+                <a:ext cx="304800" cy="76200"/>
+              </a:xfrm>
+              <a:prstGeom prst="straightConnector1">
+                <a:avLst/>
+              </a:prstGeom>
+              <a:ln>
+                <a:solidFill>
+                  <a:schemeClr val="tx1"/>
+                </a:solidFill>
+                <a:headEnd type="none" w="med" len="med"/>
+                <a:tailEnd type="triangle" w="med" len="med"/>
+              </a:ln>
+            </p:spPr>
+            <p:style>
+              <a:lnRef idx="1">
+                <a:schemeClr val="accent1"/>
+              </a:lnRef>
+              <a:fillRef idx="0">
+                <a:schemeClr val="accent1"/>
+              </a:fillRef>
+              <a:effectRef idx="0">
+                <a:schemeClr val="accent1"/>
+              </a:effectRef>
+              <a:fontRef idx="minor">
+                <a:schemeClr val="tx1"/>
+              </a:fontRef>
+            </p:style>
+          </p:cxnSp>
+          <p:cxnSp>
+            <p:nvCxnSpPr>
+              <p:cNvPr id="120" name="Straight Arrow Connector 119"/>
+              <p:cNvCxnSpPr/>
+              <p:nvPr/>
+            </p:nvCxnSpPr>
+            <p:spPr>
+              <a:xfrm rot="5400000" flipH="1" flipV="1">
+                <a:off x="8001000" y="4419600"/>
+                <a:ext cx="152400" cy="1588"/>
+              </a:xfrm>
+              <a:prstGeom prst="straightConnector1">
+                <a:avLst/>
+              </a:prstGeom>
+              <a:ln>
+                <a:solidFill>
+                  <a:schemeClr val="tx1"/>
+                </a:solidFill>
+                <a:headEnd type="none" w="med" len="med"/>
+                <a:tailEnd type="triangle" w="med" len="med"/>
+              </a:ln>
+            </p:spPr>
+            <p:style>
+              <a:lnRef idx="1">
+                <a:schemeClr val="accent1"/>
+              </a:lnRef>
+              <a:fillRef idx="0">
+                <a:schemeClr val="accent1"/>
+              </a:fillRef>
+              <a:effectRef idx="0">
+                <a:schemeClr val="accent1"/>
+              </a:effectRef>
+              <a:fontRef idx="minor">
+                <a:schemeClr val="tx1"/>
+              </a:fontRef>
+            </p:style>
+          </p:cxnSp>
+          <p:cxnSp>
+            <p:nvCxnSpPr>
+              <p:cNvPr id="122" name="Straight Arrow Connector 121"/>
+              <p:cNvCxnSpPr/>
+              <p:nvPr/>
+            </p:nvCxnSpPr>
+            <p:spPr>
+              <a:xfrm rot="16200000" flipV="1">
+                <a:off x="7924800" y="4800600"/>
+                <a:ext cx="152400" cy="152400"/>
+              </a:xfrm>
+              <a:prstGeom prst="straightConnector1">
+                <a:avLst/>
+              </a:prstGeom>
+              <a:ln>
+                <a:solidFill>
+                  <a:schemeClr val="tx1"/>
+                </a:solidFill>
+                <a:headEnd type="none" w="med" len="med"/>
+                <a:tailEnd type="triangle" w="med" len="med"/>
+              </a:ln>
+            </p:spPr>
+            <p:style>
+              <a:lnRef idx="1">
+                <a:schemeClr val="accent1"/>
+              </a:lnRef>
+              <a:fillRef idx="0">
+                <a:schemeClr val="accent1"/>
+              </a:fillRef>
+              <a:effectRef idx="0">
+                <a:schemeClr val="accent1"/>
+              </a:effectRef>
+              <a:fontRef idx="minor">
+                <a:schemeClr val="tx1"/>
+              </a:fontRef>
+            </p:style>
+          </p:cxnSp>
+        </p:grpSp>
+        <p:grpSp>
+          <p:nvGrpSpPr>
+            <p:cNvPr id="168" name="Group 167"/>
+            <p:cNvGrpSpPr/>
+            <p:nvPr/>
+          </p:nvGrpSpPr>
+          <p:grpSpPr>
+            <a:xfrm rot="19272138">
+              <a:off x="5781388" y="599787"/>
+              <a:ext cx="1828800" cy="1828800"/>
+              <a:chOff x="5791200" y="685800"/>
+              <a:chExt cx="1828800" cy="1828800"/>
+            </a:xfrm>
+          </p:grpSpPr>
+          <p:sp>
+            <p:nvSpPr>
+              <p:cNvPr id="135" name="Rectangle 134"/>
+              <p:cNvSpPr/>
+              <p:nvPr/>
+            </p:nvSpPr>
+            <p:spPr>
+              <a:xfrm>
+                <a:off x="5791200" y="685800"/>
+                <a:ext cx="1828800" cy="1828800"/>
+              </a:xfrm>
+              <a:prstGeom prst="rect">
+                <a:avLst/>
+              </a:prstGeom>
+              <a:noFill/>
+              <a:ln>
+                <a:solidFill>
+                  <a:schemeClr val="accent1">
+                    <a:lumMod val="75000"/>
+                  </a:schemeClr>
+                </a:solidFill>
+              </a:ln>
+            </p:spPr>
+            <p:style>
+              <a:lnRef idx="2">
+                <a:schemeClr val="accent1">
+                  <a:shade val="50000"/>
+                </a:schemeClr>
+              </a:lnRef>
+              <a:fillRef idx="1">
+                <a:schemeClr val="accent1"/>
+              </a:fillRef>
+              <a:effectRef idx="0">
+                <a:schemeClr val="accent1"/>
+              </a:effectRef>
+              <a:fontRef idx="minor">
+                <a:schemeClr val="lt1"/>
+              </a:fontRef>
+            </p:style>
+            <p:txBody>
+              <a:bodyPr rtlCol="0" anchor="ctr"/>
+              <a:lstStyle/>
+              <a:p>
+                <a:pPr algn="ctr"/>
+                <a:endParaRPr lang="en-US"/>
+              </a:p>
+            </p:txBody>
+          </p:sp>
+          <p:cxnSp>
+            <p:nvCxnSpPr>
+              <p:cNvPr id="141" name="Straight Arrow Connector 140"/>
+              <p:cNvCxnSpPr/>
+              <p:nvPr/>
+            </p:nvCxnSpPr>
+            <p:spPr>
+              <a:xfrm rot="16200000" flipV="1">
+                <a:off x="6248400" y="1143000"/>
+                <a:ext cx="533400" cy="381000"/>
+              </a:xfrm>
+              <a:prstGeom prst="straightConnector1">
+                <a:avLst/>
+              </a:prstGeom>
+              <a:ln>
+                <a:tailEnd type="arrow"/>
+              </a:ln>
+            </p:spPr>
+            <p:style>
+              <a:lnRef idx="1">
+                <a:schemeClr val="accent1"/>
+              </a:lnRef>
+              <a:fillRef idx="0">
+                <a:schemeClr val="accent1"/>
+              </a:fillRef>
+              <a:effectRef idx="0">
+                <a:schemeClr val="accent1"/>
+              </a:effectRef>
+              <a:fontRef idx="minor">
+                <a:schemeClr val="tx1"/>
+              </a:fontRef>
+            </p:style>
+          </p:cxnSp>
+          <p:cxnSp>
+            <p:nvCxnSpPr>
+              <p:cNvPr id="147" name="Straight Arrow Connector 146"/>
+              <p:cNvCxnSpPr/>
+              <p:nvPr/>
+            </p:nvCxnSpPr>
+            <p:spPr>
+              <a:xfrm>
+                <a:off x="6019800" y="1600200"/>
+                <a:ext cx="1371600" cy="1588"/>
+              </a:xfrm>
+              <a:prstGeom prst="straightConnector1">
+                <a:avLst/>
+              </a:prstGeom>
+              <a:ln>
+                <a:solidFill>
+                  <a:schemeClr val="tx1"/>
+                </a:solidFill>
+                <a:tailEnd type="arrow"/>
+              </a:ln>
+            </p:spPr>
+            <p:style>
+              <a:lnRef idx="1">
+                <a:schemeClr val="accent1"/>
+              </a:lnRef>
+              <a:fillRef idx="0">
+                <a:schemeClr val="accent1"/>
+              </a:fillRef>
+              <a:effectRef idx="0">
+                <a:schemeClr val="accent1"/>
+              </a:effectRef>
+              <a:fontRef idx="minor">
+                <a:schemeClr val="tx1"/>
+              </a:fontRef>
+            </p:style>
+          </p:cxnSp>
+          <p:cxnSp>
+            <p:nvCxnSpPr>
+              <p:cNvPr id="159" name="Straight Arrow Connector 158"/>
+              <p:cNvCxnSpPr/>
+              <p:nvPr/>
+            </p:nvCxnSpPr>
+            <p:spPr>
+              <a:xfrm rot="5400000" flipH="1" flipV="1">
+                <a:off x="6020594" y="1599406"/>
+                <a:ext cx="1371600" cy="1588"/>
+              </a:xfrm>
+              <a:prstGeom prst="straightConnector1">
+                <a:avLst/>
+              </a:prstGeom>
+              <a:ln>
+                <a:solidFill>
+                  <a:schemeClr val="tx1"/>
+                </a:solidFill>
+                <a:tailEnd type="arrow"/>
+              </a:ln>
+            </p:spPr>
+            <p:style>
+              <a:lnRef idx="1">
+                <a:schemeClr val="accent1"/>
+              </a:lnRef>
+              <a:fillRef idx="0">
+                <a:schemeClr val="accent1"/>
+              </a:fillRef>
+              <a:effectRef idx="0">
+                <a:schemeClr val="accent1"/>
+              </a:effectRef>
+              <a:fontRef idx="minor">
+                <a:schemeClr val="tx1"/>
+              </a:fontRef>
+            </p:style>
+          </p:cxnSp>
+          <p:cxnSp>
+            <p:nvCxnSpPr>
+              <p:cNvPr id="163" name="Straight Connector 162"/>
+              <p:cNvCxnSpPr/>
+              <p:nvPr/>
+            </p:nvCxnSpPr>
+            <p:spPr>
+              <a:xfrm>
+                <a:off x="6324600" y="1066800"/>
+                <a:ext cx="381000" cy="1588"/>
+              </a:xfrm>
+              <a:prstGeom prst="line">
+                <a:avLst/>
+              </a:prstGeom>
+              <a:ln w="6350">
+                <a:prstDash val="sysDash"/>
+              </a:ln>
+            </p:spPr>
+            <p:style>
+              <a:lnRef idx="1">
+                <a:schemeClr val="accent1"/>
+              </a:lnRef>
+              <a:fillRef idx="0">
+                <a:schemeClr val="accent1"/>
+              </a:fillRef>
+              <a:effectRef idx="0">
+                <a:schemeClr val="accent1"/>
+              </a:effectRef>
+              <a:fontRef idx="minor">
+                <a:schemeClr val="tx1"/>
+              </a:fontRef>
+            </p:style>
+          </p:cxnSp>
+          <p:cxnSp>
+            <p:nvCxnSpPr>
+              <p:cNvPr id="165" name="Straight Arrow Connector 164"/>
+              <p:cNvCxnSpPr/>
+              <p:nvPr/>
+            </p:nvCxnSpPr>
+            <p:spPr>
+              <a:xfrm rot="5400000">
+                <a:off x="6057900" y="1333500"/>
+                <a:ext cx="533400" cy="1588"/>
+              </a:xfrm>
+              <a:prstGeom prst="straightConnector1">
+                <a:avLst/>
+              </a:prstGeom>
+              <a:ln w="6350">
+                <a:prstDash val="sysDash"/>
+              </a:ln>
+            </p:spPr>
+            <p:style>
+              <a:lnRef idx="1">
+                <a:schemeClr val="accent1"/>
+              </a:lnRef>
+              <a:fillRef idx="0">
+                <a:schemeClr val="accent1"/>
+              </a:fillRef>
+              <a:effectRef idx="0">
+                <a:schemeClr val="accent1"/>
+              </a:effectRef>
+              <a:fontRef idx="minor">
+                <a:schemeClr val="tx1"/>
+              </a:fontRef>
+            </p:style>
+          </p:cxnSp>
+          <p:sp>
+            <p:nvSpPr>
+              <p:cNvPr id="166" name="TextBox 165"/>
+              <p:cNvSpPr txBox="1"/>
+              <p:nvPr/>
+            </p:nvSpPr>
+            <p:spPr>
+              <a:xfrm>
+                <a:off x="7162800" y="1371600"/>
+                <a:ext cx="381000" cy="246221"/>
+              </a:xfrm>
+              <a:prstGeom prst="rect">
+                <a:avLst/>
+              </a:prstGeom>
+              <a:noFill/>
+            </p:spPr>
+            <p:txBody>
+              <a:bodyPr wrap="square" rtlCol="0">
+                <a:spAutoFit/>
+              </a:bodyPr>
+              <a:lstStyle/>
+              <a:p>
+                <a:r>
+                  <a:rPr lang="pl-PL" sz="1000" dirty="0" smtClean="0"/>
+                  <a:t>dx</a:t>
+                </a:r>
+                <a:endParaRPr lang="en-US" sz="1000" dirty="0"/>
+              </a:p>
+            </p:txBody>
+          </p:sp>
+          <p:sp>
+            <p:nvSpPr>
+              <p:cNvPr id="167" name="TextBox 166"/>
+              <p:cNvSpPr txBox="1"/>
+              <p:nvPr/>
+            </p:nvSpPr>
+            <p:spPr>
+              <a:xfrm>
+                <a:off x="6705600" y="838200"/>
+                <a:ext cx="381000" cy="246221"/>
+              </a:xfrm>
+              <a:prstGeom prst="rect">
+                <a:avLst/>
+              </a:prstGeom>
+              <a:noFill/>
+            </p:spPr>
+            <p:txBody>
+              <a:bodyPr wrap="square" rtlCol="0">
+                <a:spAutoFit/>
+              </a:bodyPr>
+              <a:lstStyle/>
+              <a:p>
+                <a:r>
+                  <a:rPr lang="pl-PL" sz="1000" dirty="0" smtClean="0"/>
+                  <a:t>dy</a:t>
+                </a:r>
+                <a:endParaRPr lang="en-US" sz="1000" dirty="0"/>
+              </a:p>
+            </p:txBody>
+          </p:sp>
+        </p:grpSp>
+        <p:sp>
+          <p:nvSpPr>
+            <p:cNvPr id="169" name="Oval 168"/>
+            <p:cNvSpPr/>
+            <p:nvPr/>
+          </p:nvSpPr>
+          <p:spPr>
+            <a:xfrm>
+              <a:off x="3962400" y="2971800"/>
+              <a:ext cx="1371600" cy="1371600"/>
+            </a:xfrm>
+            <a:prstGeom prst="ellipse">
+              <a:avLst/>
+            </a:prstGeom>
+            <a:noFill/>
+            <a:ln>
+              <a:solidFill>
+                <a:schemeClr val="accent6">
+                  <a:lumMod val="75000"/>
+                </a:schemeClr>
+              </a:solidFill>
+            </a:ln>
+          </p:spPr>
+          <p:style>
+            <a:lnRef idx="2">
+              <a:schemeClr val="accent1">
+                <a:shade val="50000"/>
+              </a:schemeClr>
+            </a:lnRef>
+            <a:fillRef idx="1">
+              <a:schemeClr val="accent1"/>
+            </a:fillRef>
+            <a:effectRef idx="0">
+              <a:schemeClr val="accent1"/>
+            </a:effectRef>
+            <a:fontRef idx="minor">
+              <a:schemeClr val="lt1"/>
+            </a:fontRef>
+          </p:style>
+          <p:txBody>
+            <a:bodyPr rtlCol="0" anchor="ctr"/>
+            <a:lstStyle/>
+            <a:p>
+              <a:pPr algn="ctr"/>
+              <a:endParaRPr lang="en-US"/>
+            </a:p>
+          </p:txBody>
+        </p:sp>
+        <p:sp>
+          <p:nvSpPr>
+            <p:cNvPr id="170" name="Oval 169"/>
+            <p:cNvSpPr/>
+            <p:nvPr/>
+          </p:nvSpPr>
+          <p:spPr>
+            <a:xfrm>
+              <a:off x="7086600" y="2819400"/>
+              <a:ext cx="914400" cy="914400"/>
+            </a:xfrm>
+            <a:prstGeom prst="ellipse">
+              <a:avLst/>
+            </a:prstGeom>
+            <a:noFill/>
+            <a:ln>
+              <a:solidFill>
+                <a:schemeClr val="accent6">
+                  <a:lumMod val="75000"/>
+                </a:schemeClr>
+              </a:solidFill>
+            </a:ln>
+          </p:spPr>
+          <p:style>
+            <a:lnRef idx="2">
+              <a:schemeClr val="accent1">
+                <a:shade val="50000"/>
+              </a:schemeClr>
+            </a:lnRef>
+            <a:fillRef idx="1">
+              <a:schemeClr val="accent1"/>
+            </a:fillRef>
+            <a:effectRef idx="0">
+              <a:schemeClr val="accent1"/>
+            </a:effectRef>
+            <a:fontRef idx="minor">
+              <a:schemeClr val="lt1"/>
+            </a:fontRef>
+          </p:style>
+          <p:txBody>
+            <a:bodyPr rtlCol="0" anchor="ctr"/>
+            <a:lstStyle/>
+            <a:p>
+              <a:pPr algn="ctr"/>
+              <a:endParaRPr lang="en-US" dirty="0"/>
+            </a:p>
+          </p:txBody>
+        </p:sp>
+        <p:sp>
+          <p:nvSpPr>
+            <p:cNvPr id="173" name="Notched Right Arrow 172"/>
+            <p:cNvSpPr/>
+            <p:nvPr/>
+          </p:nvSpPr>
+          <p:spPr>
+            <a:xfrm rot="1957904">
+              <a:off x="5377559" y="3926283"/>
+              <a:ext cx="304800" cy="533400"/>
+            </a:xfrm>
+            <a:prstGeom prst="notchedRightArrow">
+              <a:avLst/>
+            </a:prstGeom>
+            <a:solidFill>
+              <a:schemeClr val="accent6">
+                <a:lumMod val="40000"/>
+                <a:lumOff val="60000"/>
+              </a:schemeClr>
+            </a:solidFill>
+            <a:ln>
+              <a:solidFill>
+                <a:schemeClr val="accent6">
+                  <a:lumMod val="75000"/>
+                </a:schemeClr>
+              </a:solidFill>
+            </a:ln>
+          </p:spPr>
+          <p:style>
+            <a:lnRef idx="2">
+              <a:schemeClr val="accent1">
+                <a:shade val="50000"/>
+              </a:schemeClr>
+            </a:lnRef>
+            <a:fillRef idx="1">
+              <a:schemeClr val="accent1"/>
+            </a:fillRef>
+            <a:effectRef idx="0">
+              <a:schemeClr val="accent1"/>
+            </a:effectRef>
+            <a:fontRef idx="minor">
+              <a:schemeClr val="lt1"/>
+            </a:fontRef>
+          </p:style>
+          <p:txBody>
+            <a:bodyPr rtlCol="0" anchor="ctr"/>
+            <a:lstStyle/>
+            <a:p>
+              <a:pPr algn="ctr"/>
+              <a:endParaRPr lang="en-US"/>
+            </a:p>
+          </p:txBody>
+        </p:sp>
+        <p:sp>
+          <p:nvSpPr>
+            <p:cNvPr id="174" name="Notched Right Arrow 173"/>
+            <p:cNvSpPr/>
+            <p:nvPr/>
+          </p:nvSpPr>
+          <p:spPr>
+            <a:xfrm rot="15252027">
+              <a:off x="7232319" y="2314758"/>
+              <a:ext cx="304800" cy="533400"/>
+            </a:xfrm>
+            <a:prstGeom prst="notchedRightArrow">
+              <a:avLst/>
+            </a:prstGeom>
+            <a:solidFill>
+              <a:schemeClr val="accent6">
+                <a:lumMod val="40000"/>
+                <a:lumOff val="60000"/>
+              </a:schemeClr>
+            </a:solidFill>
+            <a:ln>
+              <a:solidFill>
+                <a:schemeClr val="accent6">
+                  <a:lumMod val="75000"/>
+                </a:schemeClr>
+              </a:solidFill>
+            </a:ln>
+          </p:spPr>
+          <p:style>
+            <a:lnRef idx="2">
+              <a:schemeClr val="accent1">
+                <a:shade val="50000"/>
+              </a:schemeClr>
+            </a:lnRef>
+            <a:fillRef idx="1">
+              <a:schemeClr val="accent1"/>
+            </a:fillRef>
+            <a:effectRef idx="0">
+              <a:schemeClr val="accent1"/>
+            </a:effectRef>
+            <a:fontRef idx="minor">
+              <a:schemeClr val="lt1"/>
+            </a:fontRef>
+          </p:style>
+          <p:txBody>
+            <a:bodyPr rtlCol="0" anchor="ctr"/>
+            <a:lstStyle/>
+            <a:p>
+              <a:pPr algn="ctr"/>
+              <a:endParaRPr lang="en-US" dirty="0"/>
+            </a:p>
+          </p:txBody>
+        </p:sp>
+      </p:grpSp>
+    </p:spTree>
   </p:cSld>
   <p:clrMapOvr>
     <a:masterClrMapping/>

--- a/Praca/PrezentacjaZawierajacaObrazyPracy.pptx
+++ b/Praca/PrezentacjaZawierajacaObrazyPracy.pptx
@@ -5,7 +5,7 @@
     <p:sldMasterId id="2147483648" r:id="rId1"/>
   </p:sldMasterIdLst>
   <p:notesMasterIdLst>
-    <p:notesMasterId r:id="rId8"/>
+    <p:notesMasterId r:id="rId10"/>
   </p:notesMasterIdLst>
   <p:sldIdLst>
     <p:sldId id="257" r:id="rId2"/>
@@ -14,6 +14,8 @@
     <p:sldId id="260" r:id="rId5"/>
     <p:sldId id="261" r:id="rId6"/>
     <p:sldId id="262" r:id="rId7"/>
+    <p:sldId id="263" r:id="rId8"/>
+    <p:sldId id="264" r:id="rId9"/>
   </p:sldIdLst>
   <p:sldSz cx="9144000" cy="6858000" type="screen4x3"/>
   <p:notesSz cx="6858000" cy="9144000"/>
@@ -197,7 +199,8 @@
           <a:p>
             <a:fld id="{40A17DDC-5670-4824-BB94-70ABD52AAC20}" type="datetimeFigureOut">
               <a:rPr lang="pl-PL" smtClean="0"/>
-              <a:t>12.06.2018</a:t>
+              <a:pPr/>
+              <a:t>13.06.2018</a:t>
             </a:fld>
             <a:endParaRPr lang="pl-PL"/>
           </a:p>
@@ -356,6 +359,7 @@
           <a:p>
             <a:fld id="{9580BE5D-7F03-4A18-8BB4-2A50AB6460A1}" type="slidenum">
               <a:rPr lang="pl-PL" smtClean="0"/>
+              <a:pPr/>
               <a:t>‹#›</a:t>
             </a:fld>
             <a:endParaRPr lang="pl-PL"/>
@@ -365,7 +369,7 @@
     </p:spTree>
     <p:extLst>
       <p:ext uri="{BB962C8B-B14F-4D97-AF65-F5344CB8AC3E}">
-        <p14:creationId xmlns:p14="http://schemas.microsoft.com/office/powerpoint/2010/main" val="4140445158"/>
+        <p14:creationId xmlns:p14="http://schemas.microsoft.com/office/powerpoint/2010/main" xmlns="" val="4140445158"/>
       </p:ext>
     </p:extLst>
   </p:cSld>
@@ -647,7 +651,7 @@
             <a:fld id="{92A549DF-A050-4846-87AC-3D2AE01A0CF2}" type="datetimeFigureOut">
               <a:rPr lang="en-US" smtClean="0"/>
               <a:pPr/>
-              <a:t>6/12/2018</a:t>
+              <a:t>6/13/2018</a:t>
             </a:fld>
             <a:endParaRPr lang="en-US"/>
           </a:p>
@@ -814,7 +818,7 @@
             <a:fld id="{92A549DF-A050-4846-87AC-3D2AE01A0CF2}" type="datetimeFigureOut">
               <a:rPr lang="en-US" smtClean="0"/>
               <a:pPr/>
-              <a:t>6/12/2018</a:t>
+              <a:t>6/13/2018</a:t>
             </a:fld>
             <a:endParaRPr lang="en-US"/>
           </a:p>
@@ -991,7 +995,7 @@
             <a:fld id="{92A549DF-A050-4846-87AC-3D2AE01A0CF2}" type="datetimeFigureOut">
               <a:rPr lang="en-US" smtClean="0"/>
               <a:pPr/>
-              <a:t>6/12/2018</a:t>
+              <a:t>6/13/2018</a:t>
             </a:fld>
             <a:endParaRPr lang="en-US"/>
           </a:p>
@@ -1158,7 +1162,7 @@
             <a:fld id="{92A549DF-A050-4846-87AC-3D2AE01A0CF2}" type="datetimeFigureOut">
               <a:rPr lang="en-US" smtClean="0"/>
               <a:pPr/>
-              <a:t>6/12/2018</a:t>
+              <a:t>6/13/2018</a:t>
             </a:fld>
             <a:endParaRPr lang="en-US"/>
           </a:p>
@@ -1401,7 +1405,7 @@
             <a:fld id="{92A549DF-A050-4846-87AC-3D2AE01A0CF2}" type="datetimeFigureOut">
               <a:rPr lang="en-US" smtClean="0"/>
               <a:pPr/>
-              <a:t>6/12/2018</a:t>
+              <a:t>6/13/2018</a:t>
             </a:fld>
             <a:endParaRPr lang="en-US"/>
           </a:p>
@@ -1686,7 +1690,7 @@
             <a:fld id="{92A549DF-A050-4846-87AC-3D2AE01A0CF2}" type="datetimeFigureOut">
               <a:rPr lang="en-US" smtClean="0"/>
               <a:pPr/>
-              <a:t>6/12/2018</a:t>
+              <a:t>6/13/2018</a:t>
             </a:fld>
             <a:endParaRPr lang="en-US"/>
           </a:p>
@@ -2105,7 +2109,7 @@
             <a:fld id="{92A549DF-A050-4846-87AC-3D2AE01A0CF2}" type="datetimeFigureOut">
               <a:rPr lang="en-US" smtClean="0"/>
               <a:pPr/>
-              <a:t>6/12/2018</a:t>
+              <a:t>6/13/2018</a:t>
             </a:fld>
             <a:endParaRPr lang="en-US"/>
           </a:p>
@@ -2220,7 +2224,7 @@
             <a:fld id="{92A549DF-A050-4846-87AC-3D2AE01A0CF2}" type="datetimeFigureOut">
               <a:rPr lang="en-US" smtClean="0"/>
               <a:pPr/>
-              <a:t>6/12/2018</a:t>
+              <a:t>6/13/2018</a:t>
             </a:fld>
             <a:endParaRPr lang="en-US"/>
           </a:p>
@@ -2312,7 +2316,7 @@
             <a:fld id="{92A549DF-A050-4846-87AC-3D2AE01A0CF2}" type="datetimeFigureOut">
               <a:rPr lang="en-US" smtClean="0"/>
               <a:pPr/>
-              <a:t>6/12/2018</a:t>
+              <a:t>6/13/2018</a:t>
             </a:fld>
             <a:endParaRPr lang="en-US"/>
           </a:p>
@@ -2586,7 +2590,7 @@
             <a:fld id="{92A549DF-A050-4846-87AC-3D2AE01A0CF2}" type="datetimeFigureOut">
               <a:rPr lang="en-US" smtClean="0"/>
               <a:pPr/>
-              <a:t>6/12/2018</a:t>
+              <a:t>6/13/2018</a:t>
             </a:fld>
             <a:endParaRPr lang="en-US"/>
           </a:p>
@@ -2836,7 +2840,7 @@
             <a:fld id="{92A549DF-A050-4846-87AC-3D2AE01A0CF2}" type="datetimeFigureOut">
               <a:rPr lang="en-US" smtClean="0"/>
               <a:pPr/>
-              <a:t>6/12/2018</a:t>
+              <a:t>6/13/2018</a:t>
             </a:fld>
             <a:endParaRPr lang="en-US"/>
           </a:p>
@@ -3046,7 +3050,7 @@
             <a:fld id="{92A549DF-A050-4846-87AC-3D2AE01A0CF2}" type="datetimeFigureOut">
               <a:rPr lang="en-US" smtClean="0"/>
               <a:pPr/>
-              <a:t>6/12/2018</a:t>
+              <a:t>6/13/2018</a:t>
             </a:fld>
             <a:endParaRPr lang="en-US"/>
           </a:p>
@@ -4261,7 +4265,7 @@
             <a:blip r:embed="rId2">
               <a:extLst>
                 <a:ext uri="{28A0092B-C50C-407E-A947-70E740481C1C}">
-                  <a14:useLocalDpi xmlns:a14="http://schemas.microsoft.com/office/drawing/2010/main" val="0"/>
+                  <a14:useLocalDpi xmlns:a14="http://schemas.microsoft.com/office/drawing/2010/main" xmlns="" val="0"/>
                 </a:ext>
               </a:extLst>
             </a:blip>
@@ -4291,7 +4295,7 @@
             <a:blip r:embed="rId3">
               <a:extLst>
                 <a:ext uri="{28A0092B-C50C-407E-A947-70E740481C1C}">
-                  <a14:useLocalDpi xmlns:a14="http://schemas.microsoft.com/office/drawing/2010/main" val="0"/>
+                  <a14:useLocalDpi xmlns:a14="http://schemas.microsoft.com/office/drawing/2010/main" xmlns="" val="0"/>
                 </a:ext>
               </a:extLst>
             </a:blip>
@@ -7461,7 +7465,7 @@
     </p:spTree>
     <p:extLst>
       <p:ext uri="{BB962C8B-B14F-4D97-AF65-F5344CB8AC3E}">
-        <p14:creationId xmlns:p14="http://schemas.microsoft.com/office/powerpoint/2010/main" val="1324388323"/>
+        <p14:creationId xmlns:p14="http://schemas.microsoft.com/office/powerpoint/2010/main" xmlns="" val="1324388323"/>
       </p:ext>
     </p:extLst>
   </p:cSld>
@@ -30505,9 +30509,2232 @@
     </p:spTree>
     <p:extLst>
       <p:ext uri="{BB962C8B-B14F-4D97-AF65-F5344CB8AC3E}">
-        <p14:creationId xmlns:p14="http://schemas.microsoft.com/office/powerpoint/2010/main" val="1888592034"/>
+        <p14:creationId xmlns:p14="http://schemas.microsoft.com/office/powerpoint/2010/main" xmlns="" val="1888592034"/>
       </p:ext>
     </p:extLst>
+  </p:cSld>
+  <p:clrMapOvr>
+    <a:masterClrMapping/>
+  </p:clrMapOvr>
+</p:sld>
+</file>
+
+<file path=ppt/slides/slide7.xml><?xml version="1.0" encoding="utf-8"?>
+<p:sld xmlns:a="http://schemas.openxmlformats.org/drawingml/2006/main" xmlns:r="http://schemas.openxmlformats.org/officeDocument/2006/relationships" xmlns:p="http://schemas.openxmlformats.org/presentationml/2006/main">
+  <p:cSld>
+    <p:spTree>
+      <p:nvGrpSpPr>
+        <p:cNvPr id="1" name=""/>
+        <p:cNvGrpSpPr/>
+        <p:nvPr/>
+      </p:nvGrpSpPr>
+      <p:grpSpPr>
+        <a:xfrm>
+          <a:off x="0" y="0"/>
+          <a:ext cx="0" cy="0"/>
+          <a:chOff x="0" y="0"/>
+          <a:chExt cx="0" cy="0"/>
+        </a:xfrm>
+      </p:grpSpPr>
+      <p:grpSp>
+        <p:nvGrpSpPr>
+          <p:cNvPr id="68" name="Group 67"/>
+          <p:cNvGrpSpPr/>
+          <p:nvPr/>
+        </p:nvGrpSpPr>
+        <p:grpSpPr>
+          <a:xfrm>
+            <a:off x="1447800" y="304800"/>
+            <a:ext cx="5638800" cy="5943600"/>
+            <a:chOff x="609600" y="304800"/>
+            <a:chExt cx="5638800" cy="5943600"/>
+          </a:xfrm>
+        </p:grpSpPr>
+        <p:cxnSp>
+          <p:nvCxnSpPr>
+            <p:cNvPr id="5" name="Straight Arrow Connector 4"/>
+            <p:cNvCxnSpPr/>
+            <p:nvPr/>
+          </p:nvCxnSpPr>
+          <p:spPr>
+            <a:xfrm rot="5400000" flipH="1" flipV="1">
+              <a:off x="-1980406" y="3123406"/>
+              <a:ext cx="5486400" cy="1588"/>
+            </a:xfrm>
+            <a:prstGeom prst="straightConnector1">
+              <a:avLst/>
+            </a:prstGeom>
+            <a:ln w="28575">
+              <a:solidFill>
+                <a:schemeClr val="tx1"/>
+              </a:solidFill>
+              <a:tailEnd type="arrow"/>
+            </a:ln>
+          </p:spPr>
+          <p:style>
+            <a:lnRef idx="1">
+              <a:schemeClr val="accent1"/>
+            </a:lnRef>
+            <a:fillRef idx="0">
+              <a:schemeClr val="accent1"/>
+            </a:fillRef>
+            <a:effectRef idx="0">
+              <a:schemeClr val="accent1"/>
+            </a:effectRef>
+            <a:fontRef idx="minor">
+              <a:schemeClr val="tx1"/>
+            </a:fontRef>
+          </p:style>
+        </p:cxnSp>
+        <p:cxnSp>
+          <p:nvCxnSpPr>
+            <p:cNvPr id="6" name="Straight Arrow Connector 5"/>
+            <p:cNvCxnSpPr/>
+            <p:nvPr/>
+          </p:nvCxnSpPr>
+          <p:spPr>
+            <a:xfrm rot="5400000" flipH="1" flipV="1">
+              <a:off x="3505200" y="3124200"/>
+              <a:ext cx="0" cy="5486400"/>
+            </a:xfrm>
+            <a:prstGeom prst="straightConnector1">
+              <a:avLst/>
+            </a:prstGeom>
+            <a:ln w="28575">
+              <a:solidFill>
+                <a:schemeClr val="tx1"/>
+              </a:solidFill>
+              <a:tailEnd type="arrow"/>
+            </a:ln>
+          </p:spPr>
+          <p:style>
+            <a:lnRef idx="1">
+              <a:schemeClr val="accent1"/>
+            </a:lnRef>
+            <a:fillRef idx="0">
+              <a:schemeClr val="accent1"/>
+            </a:fillRef>
+            <a:effectRef idx="0">
+              <a:schemeClr val="accent1"/>
+            </a:effectRef>
+            <a:fontRef idx="minor">
+              <a:schemeClr val="tx1"/>
+            </a:fontRef>
+          </p:style>
+        </p:cxnSp>
+        <p:cxnSp>
+          <p:nvCxnSpPr>
+            <p:cNvPr id="8" name="Straight Connector 7"/>
+            <p:cNvCxnSpPr/>
+            <p:nvPr/>
+          </p:nvCxnSpPr>
+          <p:spPr>
+            <a:xfrm flipV="1">
+              <a:off x="1066800" y="2057400"/>
+              <a:ext cx="4038600" cy="4041648"/>
+            </a:xfrm>
+            <a:prstGeom prst="line">
+              <a:avLst/>
+            </a:prstGeom>
+            <a:ln w="28575">
+              <a:solidFill>
+                <a:schemeClr val="accent1">
+                  <a:lumMod val="75000"/>
+                </a:schemeClr>
+              </a:solidFill>
+              <a:prstDash val="solid"/>
+            </a:ln>
+          </p:spPr>
+          <p:style>
+            <a:lnRef idx="1">
+              <a:schemeClr val="accent1"/>
+            </a:lnRef>
+            <a:fillRef idx="0">
+              <a:schemeClr val="accent1"/>
+            </a:fillRef>
+            <a:effectRef idx="0">
+              <a:schemeClr val="accent1"/>
+            </a:effectRef>
+            <a:fontRef idx="minor">
+              <a:schemeClr val="tx1"/>
+            </a:fontRef>
+          </p:style>
+        </p:cxnSp>
+        <p:cxnSp>
+          <p:nvCxnSpPr>
+            <p:cNvPr id="14" name="Straight Connector 13"/>
+            <p:cNvCxnSpPr/>
+            <p:nvPr/>
+          </p:nvCxnSpPr>
+          <p:spPr>
+            <a:xfrm flipV="1">
+              <a:off x="1828800" y="2514600"/>
+              <a:ext cx="3733800" cy="3657600"/>
+            </a:xfrm>
+            <a:prstGeom prst="line">
+              <a:avLst/>
+            </a:prstGeom>
+            <a:ln w="28575">
+              <a:solidFill>
+                <a:schemeClr val="accent1">
+                  <a:lumMod val="75000"/>
+                </a:schemeClr>
+              </a:solidFill>
+              <a:prstDash val="dash"/>
+            </a:ln>
+          </p:spPr>
+          <p:style>
+            <a:lnRef idx="1">
+              <a:schemeClr val="accent1"/>
+            </a:lnRef>
+            <a:fillRef idx="0">
+              <a:schemeClr val="accent1"/>
+            </a:fillRef>
+            <a:effectRef idx="0">
+              <a:schemeClr val="accent1"/>
+            </a:effectRef>
+            <a:fontRef idx="minor">
+              <a:schemeClr val="tx1"/>
+            </a:fontRef>
+          </p:style>
+        </p:cxnSp>
+        <p:cxnSp>
+          <p:nvCxnSpPr>
+            <p:cNvPr id="15" name="Straight Connector 14"/>
+            <p:cNvCxnSpPr/>
+            <p:nvPr/>
+          </p:nvCxnSpPr>
+          <p:spPr>
+            <a:xfrm flipV="1">
+              <a:off x="609600" y="1600200"/>
+              <a:ext cx="4038600" cy="4041648"/>
+            </a:xfrm>
+            <a:prstGeom prst="line">
+              <a:avLst/>
+            </a:prstGeom>
+            <a:ln w="28575">
+              <a:solidFill>
+                <a:schemeClr val="accent1">
+                  <a:lumMod val="75000"/>
+                </a:schemeClr>
+              </a:solidFill>
+              <a:prstDash val="dash"/>
+            </a:ln>
+          </p:spPr>
+          <p:style>
+            <a:lnRef idx="1">
+              <a:schemeClr val="accent1"/>
+            </a:lnRef>
+            <a:fillRef idx="0">
+              <a:schemeClr val="accent1"/>
+            </a:fillRef>
+            <a:effectRef idx="0">
+              <a:schemeClr val="accent1"/>
+            </a:effectRef>
+            <a:fontRef idx="minor">
+              <a:schemeClr val="tx1"/>
+            </a:fontRef>
+          </p:style>
+        </p:cxnSp>
+        <p:cxnSp>
+          <p:nvCxnSpPr>
+            <p:cNvPr id="17" name="Straight Connector 16"/>
+            <p:cNvCxnSpPr/>
+            <p:nvPr/>
+          </p:nvCxnSpPr>
+          <p:spPr>
+            <a:xfrm rot="16200000" flipH="1">
+              <a:off x="4724400" y="1524000"/>
+              <a:ext cx="914400" cy="914400"/>
+            </a:xfrm>
+            <a:prstGeom prst="line">
+              <a:avLst/>
+            </a:prstGeom>
+            <a:ln w="19050">
+              <a:solidFill>
+                <a:schemeClr val="tx1"/>
+              </a:solidFill>
+              <a:prstDash val="sysDash"/>
+              <a:headEnd type="arrow" w="med" len="med"/>
+              <a:tailEnd type="arrow" w="med" len="med"/>
+            </a:ln>
+          </p:spPr>
+          <p:style>
+            <a:lnRef idx="1">
+              <a:schemeClr val="accent1"/>
+            </a:lnRef>
+            <a:fillRef idx="0">
+              <a:schemeClr val="accent1"/>
+            </a:fillRef>
+            <a:effectRef idx="0">
+              <a:schemeClr val="accent1"/>
+            </a:effectRef>
+            <a:fontRef idx="minor">
+              <a:schemeClr val="tx1"/>
+            </a:fontRef>
+          </p:style>
+        </p:cxnSp>
+        <p:sp>
+          <p:nvSpPr>
+            <p:cNvPr id="24" name="Oval 23"/>
+            <p:cNvSpPr/>
+            <p:nvPr/>
+          </p:nvSpPr>
+          <p:spPr>
+            <a:xfrm>
+              <a:off x="3200400" y="2819400"/>
+              <a:ext cx="228600" cy="228600"/>
+            </a:xfrm>
+            <a:prstGeom prst="ellipse">
+              <a:avLst/>
+            </a:prstGeom>
+            <a:solidFill>
+              <a:schemeClr val="accent2">
+                <a:lumMod val="60000"/>
+                <a:lumOff val="40000"/>
+              </a:schemeClr>
+            </a:solidFill>
+            <a:ln>
+              <a:solidFill>
+                <a:schemeClr val="accent2">
+                  <a:lumMod val="75000"/>
+                </a:schemeClr>
+              </a:solidFill>
+            </a:ln>
+          </p:spPr>
+          <p:style>
+            <a:lnRef idx="2">
+              <a:schemeClr val="accent1">
+                <a:shade val="50000"/>
+              </a:schemeClr>
+            </a:lnRef>
+            <a:fillRef idx="1">
+              <a:schemeClr val="accent1"/>
+            </a:fillRef>
+            <a:effectRef idx="0">
+              <a:schemeClr val="accent1"/>
+            </a:effectRef>
+            <a:fontRef idx="minor">
+              <a:schemeClr val="lt1"/>
+            </a:fontRef>
+          </p:style>
+          <p:txBody>
+            <a:bodyPr rtlCol="0" anchor="ctr"/>
+            <a:lstStyle/>
+            <a:p>
+              <a:pPr algn="ctr"/>
+              <a:endParaRPr lang="en-US"/>
+            </a:p>
+          </p:txBody>
+        </p:sp>
+        <p:sp>
+          <p:nvSpPr>
+            <p:cNvPr id="25" name="Oval 24"/>
+            <p:cNvSpPr/>
+            <p:nvPr/>
+          </p:nvSpPr>
+          <p:spPr>
+            <a:xfrm>
+              <a:off x="2209800" y="2209800"/>
+              <a:ext cx="228600" cy="228600"/>
+            </a:xfrm>
+            <a:prstGeom prst="ellipse">
+              <a:avLst/>
+            </a:prstGeom>
+            <a:solidFill>
+              <a:schemeClr val="accent2">
+                <a:lumMod val="60000"/>
+                <a:lumOff val="40000"/>
+              </a:schemeClr>
+            </a:solidFill>
+            <a:ln>
+              <a:solidFill>
+                <a:schemeClr val="accent2">
+                  <a:lumMod val="75000"/>
+                </a:schemeClr>
+              </a:solidFill>
+            </a:ln>
+          </p:spPr>
+          <p:style>
+            <a:lnRef idx="2">
+              <a:schemeClr val="accent1">
+                <a:shade val="50000"/>
+              </a:schemeClr>
+            </a:lnRef>
+            <a:fillRef idx="1">
+              <a:schemeClr val="accent1"/>
+            </a:fillRef>
+            <a:effectRef idx="0">
+              <a:schemeClr val="accent1"/>
+            </a:effectRef>
+            <a:fontRef idx="minor">
+              <a:schemeClr val="lt1"/>
+            </a:fontRef>
+          </p:style>
+          <p:txBody>
+            <a:bodyPr rtlCol="0" anchor="ctr"/>
+            <a:lstStyle/>
+            <a:p>
+              <a:pPr algn="ctr"/>
+              <a:endParaRPr lang="en-US"/>
+            </a:p>
+          </p:txBody>
+        </p:sp>
+        <p:sp>
+          <p:nvSpPr>
+            <p:cNvPr id="26" name="Oval 25"/>
+            <p:cNvSpPr/>
+            <p:nvPr/>
+          </p:nvSpPr>
+          <p:spPr>
+            <a:xfrm>
+              <a:off x="2895600" y="2133600"/>
+              <a:ext cx="228600" cy="228600"/>
+            </a:xfrm>
+            <a:prstGeom prst="ellipse">
+              <a:avLst/>
+            </a:prstGeom>
+            <a:solidFill>
+              <a:schemeClr val="accent2">
+                <a:lumMod val="60000"/>
+                <a:lumOff val="40000"/>
+              </a:schemeClr>
+            </a:solidFill>
+            <a:ln>
+              <a:solidFill>
+                <a:schemeClr val="accent2">
+                  <a:lumMod val="75000"/>
+                </a:schemeClr>
+              </a:solidFill>
+            </a:ln>
+          </p:spPr>
+          <p:style>
+            <a:lnRef idx="2">
+              <a:schemeClr val="accent1">
+                <a:shade val="50000"/>
+              </a:schemeClr>
+            </a:lnRef>
+            <a:fillRef idx="1">
+              <a:schemeClr val="accent1"/>
+            </a:fillRef>
+            <a:effectRef idx="0">
+              <a:schemeClr val="accent1"/>
+            </a:effectRef>
+            <a:fontRef idx="minor">
+              <a:schemeClr val="lt1"/>
+            </a:fontRef>
+          </p:style>
+          <p:txBody>
+            <a:bodyPr rtlCol="0" anchor="ctr"/>
+            <a:lstStyle/>
+            <a:p>
+              <a:pPr algn="ctr"/>
+              <a:endParaRPr lang="en-US"/>
+            </a:p>
+          </p:txBody>
+        </p:sp>
+        <p:sp>
+          <p:nvSpPr>
+            <p:cNvPr id="27" name="Oval 26"/>
+            <p:cNvSpPr/>
+            <p:nvPr/>
+          </p:nvSpPr>
+          <p:spPr>
+            <a:xfrm>
+              <a:off x="1676400" y="2514600"/>
+              <a:ext cx="228600" cy="228600"/>
+            </a:xfrm>
+            <a:prstGeom prst="ellipse">
+              <a:avLst/>
+            </a:prstGeom>
+            <a:solidFill>
+              <a:schemeClr val="accent2">
+                <a:lumMod val="60000"/>
+                <a:lumOff val="40000"/>
+              </a:schemeClr>
+            </a:solidFill>
+            <a:ln>
+              <a:solidFill>
+                <a:schemeClr val="accent2">
+                  <a:lumMod val="75000"/>
+                </a:schemeClr>
+              </a:solidFill>
+            </a:ln>
+          </p:spPr>
+          <p:style>
+            <a:lnRef idx="2">
+              <a:schemeClr val="accent1">
+                <a:shade val="50000"/>
+              </a:schemeClr>
+            </a:lnRef>
+            <a:fillRef idx="1">
+              <a:schemeClr val="accent1"/>
+            </a:fillRef>
+            <a:effectRef idx="0">
+              <a:schemeClr val="accent1"/>
+            </a:effectRef>
+            <a:fontRef idx="minor">
+              <a:schemeClr val="lt1"/>
+            </a:fontRef>
+          </p:style>
+          <p:txBody>
+            <a:bodyPr rtlCol="0" anchor="ctr"/>
+            <a:lstStyle/>
+            <a:p>
+              <a:pPr algn="ctr"/>
+              <a:endParaRPr lang="en-US"/>
+            </a:p>
+          </p:txBody>
+        </p:sp>
+        <p:sp>
+          <p:nvSpPr>
+            <p:cNvPr id="28" name="Oval 27"/>
+            <p:cNvSpPr/>
+            <p:nvPr/>
+          </p:nvSpPr>
+          <p:spPr>
+            <a:xfrm>
+              <a:off x="2438400" y="2667000"/>
+              <a:ext cx="228600" cy="228600"/>
+            </a:xfrm>
+            <a:prstGeom prst="ellipse">
+              <a:avLst/>
+            </a:prstGeom>
+            <a:solidFill>
+              <a:schemeClr val="accent2">
+                <a:lumMod val="60000"/>
+                <a:lumOff val="40000"/>
+              </a:schemeClr>
+            </a:solidFill>
+            <a:ln>
+              <a:solidFill>
+                <a:schemeClr val="accent2">
+                  <a:lumMod val="75000"/>
+                </a:schemeClr>
+              </a:solidFill>
+            </a:ln>
+          </p:spPr>
+          <p:style>
+            <a:lnRef idx="2">
+              <a:schemeClr val="accent1">
+                <a:shade val="50000"/>
+              </a:schemeClr>
+            </a:lnRef>
+            <a:fillRef idx="1">
+              <a:schemeClr val="accent1"/>
+            </a:fillRef>
+            <a:effectRef idx="0">
+              <a:schemeClr val="accent1"/>
+            </a:effectRef>
+            <a:fontRef idx="minor">
+              <a:schemeClr val="lt1"/>
+            </a:fontRef>
+          </p:style>
+          <p:txBody>
+            <a:bodyPr rtlCol="0" anchor="ctr"/>
+            <a:lstStyle/>
+            <a:p>
+              <a:pPr algn="ctr"/>
+              <a:endParaRPr lang="en-US"/>
+            </a:p>
+          </p:txBody>
+        </p:sp>
+        <p:sp>
+          <p:nvSpPr>
+            <p:cNvPr id="29" name="Oval 28"/>
+            <p:cNvSpPr/>
+            <p:nvPr/>
+          </p:nvSpPr>
+          <p:spPr>
+            <a:xfrm>
+              <a:off x="3505200" y="1905000"/>
+              <a:ext cx="228600" cy="228600"/>
+            </a:xfrm>
+            <a:prstGeom prst="ellipse">
+              <a:avLst/>
+            </a:prstGeom>
+            <a:solidFill>
+              <a:schemeClr val="accent2">
+                <a:lumMod val="60000"/>
+                <a:lumOff val="40000"/>
+              </a:schemeClr>
+            </a:solidFill>
+            <a:ln>
+              <a:solidFill>
+                <a:schemeClr val="accent2">
+                  <a:lumMod val="75000"/>
+                </a:schemeClr>
+              </a:solidFill>
+            </a:ln>
+          </p:spPr>
+          <p:style>
+            <a:lnRef idx="2">
+              <a:schemeClr val="accent1">
+                <a:shade val="50000"/>
+              </a:schemeClr>
+            </a:lnRef>
+            <a:fillRef idx="1">
+              <a:schemeClr val="accent1"/>
+            </a:fillRef>
+            <a:effectRef idx="0">
+              <a:schemeClr val="accent1"/>
+            </a:effectRef>
+            <a:fontRef idx="minor">
+              <a:schemeClr val="lt1"/>
+            </a:fontRef>
+          </p:style>
+          <p:txBody>
+            <a:bodyPr rtlCol="0" anchor="ctr"/>
+            <a:lstStyle/>
+            <a:p>
+              <a:pPr algn="ctr"/>
+              <a:endParaRPr lang="en-US"/>
+            </a:p>
+          </p:txBody>
+        </p:sp>
+        <p:sp>
+          <p:nvSpPr>
+            <p:cNvPr id="30" name="Oval 29"/>
+            <p:cNvSpPr/>
+            <p:nvPr/>
+          </p:nvSpPr>
+          <p:spPr>
+            <a:xfrm>
+              <a:off x="2209800" y="3276600"/>
+              <a:ext cx="228600" cy="228600"/>
+            </a:xfrm>
+            <a:prstGeom prst="ellipse">
+              <a:avLst/>
+            </a:prstGeom>
+            <a:solidFill>
+              <a:schemeClr val="accent2">
+                <a:lumMod val="60000"/>
+                <a:lumOff val="40000"/>
+              </a:schemeClr>
+            </a:solidFill>
+            <a:ln>
+              <a:solidFill>
+                <a:schemeClr val="accent2">
+                  <a:lumMod val="75000"/>
+                </a:schemeClr>
+              </a:solidFill>
+            </a:ln>
+          </p:spPr>
+          <p:style>
+            <a:lnRef idx="2">
+              <a:schemeClr val="accent1">
+                <a:shade val="50000"/>
+              </a:schemeClr>
+            </a:lnRef>
+            <a:fillRef idx="1">
+              <a:schemeClr val="accent1"/>
+            </a:fillRef>
+            <a:effectRef idx="0">
+              <a:schemeClr val="accent1"/>
+            </a:effectRef>
+            <a:fontRef idx="minor">
+              <a:schemeClr val="lt1"/>
+            </a:fontRef>
+          </p:style>
+          <p:txBody>
+            <a:bodyPr rtlCol="0" anchor="ctr"/>
+            <a:lstStyle/>
+            <a:p>
+              <a:pPr algn="ctr"/>
+              <a:endParaRPr lang="en-US"/>
+            </a:p>
+          </p:txBody>
+        </p:sp>
+        <p:sp>
+          <p:nvSpPr>
+            <p:cNvPr id="31" name="Oval 30"/>
+            <p:cNvSpPr/>
+            <p:nvPr/>
+          </p:nvSpPr>
+          <p:spPr>
+            <a:xfrm>
+              <a:off x="2514600" y="1905000"/>
+              <a:ext cx="228600" cy="228600"/>
+            </a:xfrm>
+            <a:prstGeom prst="ellipse">
+              <a:avLst/>
+            </a:prstGeom>
+            <a:solidFill>
+              <a:schemeClr val="accent2">
+                <a:lumMod val="60000"/>
+                <a:lumOff val="40000"/>
+              </a:schemeClr>
+            </a:solidFill>
+            <a:ln>
+              <a:solidFill>
+                <a:schemeClr val="accent2">
+                  <a:lumMod val="75000"/>
+                </a:schemeClr>
+              </a:solidFill>
+            </a:ln>
+          </p:spPr>
+          <p:style>
+            <a:lnRef idx="2">
+              <a:schemeClr val="accent1">
+                <a:shade val="50000"/>
+              </a:schemeClr>
+            </a:lnRef>
+            <a:fillRef idx="1">
+              <a:schemeClr val="accent1"/>
+            </a:fillRef>
+            <a:effectRef idx="0">
+              <a:schemeClr val="accent1"/>
+            </a:effectRef>
+            <a:fontRef idx="minor">
+              <a:schemeClr val="lt1"/>
+            </a:fontRef>
+          </p:style>
+          <p:txBody>
+            <a:bodyPr rtlCol="0" anchor="ctr"/>
+            <a:lstStyle/>
+            <a:p>
+              <a:pPr algn="ctr"/>
+              <a:endParaRPr lang="en-US"/>
+            </a:p>
+          </p:txBody>
+        </p:sp>
+        <p:sp>
+          <p:nvSpPr>
+            <p:cNvPr id="32" name="Oval 31"/>
+            <p:cNvSpPr/>
+            <p:nvPr/>
+          </p:nvSpPr>
+          <p:spPr>
+            <a:xfrm>
+              <a:off x="1905000" y="3048000"/>
+              <a:ext cx="228600" cy="228600"/>
+            </a:xfrm>
+            <a:prstGeom prst="ellipse">
+              <a:avLst/>
+            </a:prstGeom>
+            <a:solidFill>
+              <a:schemeClr val="accent2">
+                <a:lumMod val="60000"/>
+                <a:lumOff val="40000"/>
+              </a:schemeClr>
+            </a:solidFill>
+            <a:ln>
+              <a:solidFill>
+                <a:schemeClr val="accent2">
+                  <a:lumMod val="75000"/>
+                </a:schemeClr>
+              </a:solidFill>
+            </a:ln>
+          </p:spPr>
+          <p:style>
+            <a:lnRef idx="2">
+              <a:schemeClr val="accent1">
+                <a:shade val="50000"/>
+              </a:schemeClr>
+            </a:lnRef>
+            <a:fillRef idx="1">
+              <a:schemeClr val="accent1"/>
+            </a:fillRef>
+            <a:effectRef idx="0">
+              <a:schemeClr val="accent1"/>
+            </a:effectRef>
+            <a:fontRef idx="minor">
+              <a:schemeClr val="lt1"/>
+            </a:fontRef>
+          </p:style>
+          <p:txBody>
+            <a:bodyPr rtlCol="0" anchor="ctr"/>
+            <a:lstStyle/>
+            <a:p>
+              <a:pPr algn="ctr"/>
+              <a:endParaRPr lang="en-US"/>
+            </a:p>
+          </p:txBody>
+        </p:sp>
+        <p:sp>
+          <p:nvSpPr>
+            <p:cNvPr id="33" name="Oval 32"/>
+            <p:cNvSpPr/>
+            <p:nvPr/>
+          </p:nvSpPr>
+          <p:spPr>
+            <a:xfrm>
+              <a:off x="2057400" y="2743200"/>
+              <a:ext cx="228600" cy="228600"/>
+            </a:xfrm>
+            <a:prstGeom prst="ellipse">
+              <a:avLst/>
+            </a:prstGeom>
+            <a:solidFill>
+              <a:schemeClr val="accent2">
+                <a:lumMod val="60000"/>
+                <a:lumOff val="40000"/>
+              </a:schemeClr>
+            </a:solidFill>
+            <a:ln>
+              <a:solidFill>
+                <a:schemeClr val="accent2">
+                  <a:lumMod val="75000"/>
+                </a:schemeClr>
+              </a:solidFill>
+            </a:ln>
+          </p:spPr>
+          <p:style>
+            <a:lnRef idx="2">
+              <a:schemeClr val="accent1">
+                <a:shade val="50000"/>
+              </a:schemeClr>
+            </a:lnRef>
+            <a:fillRef idx="1">
+              <a:schemeClr val="accent1"/>
+            </a:fillRef>
+            <a:effectRef idx="0">
+              <a:schemeClr val="accent1"/>
+            </a:effectRef>
+            <a:fontRef idx="minor">
+              <a:schemeClr val="lt1"/>
+            </a:fontRef>
+          </p:style>
+          <p:txBody>
+            <a:bodyPr rtlCol="0" anchor="ctr"/>
+            <a:lstStyle/>
+            <a:p>
+              <a:pPr algn="ctr"/>
+              <a:endParaRPr lang="en-US"/>
+            </a:p>
+          </p:txBody>
+        </p:sp>
+        <p:sp>
+          <p:nvSpPr>
+            <p:cNvPr id="34" name="Oval 33"/>
+            <p:cNvSpPr/>
+            <p:nvPr/>
+          </p:nvSpPr>
+          <p:spPr>
+            <a:xfrm>
+              <a:off x="3048000" y="1524000"/>
+              <a:ext cx="228600" cy="228600"/>
+            </a:xfrm>
+            <a:prstGeom prst="ellipse">
+              <a:avLst/>
+            </a:prstGeom>
+            <a:solidFill>
+              <a:schemeClr val="accent2">
+                <a:lumMod val="60000"/>
+                <a:lumOff val="40000"/>
+              </a:schemeClr>
+            </a:solidFill>
+            <a:ln>
+              <a:solidFill>
+                <a:schemeClr val="accent2">
+                  <a:lumMod val="75000"/>
+                </a:schemeClr>
+              </a:solidFill>
+            </a:ln>
+          </p:spPr>
+          <p:style>
+            <a:lnRef idx="2">
+              <a:schemeClr val="accent1">
+                <a:shade val="50000"/>
+              </a:schemeClr>
+            </a:lnRef>
+            <a:fillRef idx="1">
+              <a:schemeClr val="accent1"/>
+            </a:fillRef>
+            <a:effectRef idx="0">
+              <a:schemeClr val="accent1"/>
+            </a:effectRef>
+            <a:fontRef idx="minor">
+              <a:schemeClr val="lt1"/>
+            </a:fontRef>
+          </p:style>
+          <p:txBody>
+            <a:bodyPr rtlCol="0" anchor="ctr"/>
+            <a:lstStyle/>
+            <a:p>
+              <a:pPr algn="ctr"/>
+              <a:endParaRPr lang="en-US"/>
+            </a:p>
+          </p:txBody>
+        </p:sp>
+        <p:sp>
+          <p:nvSpPr>
+            <p:cNvPr id="35" name="Oval 34"/>
+            <p:cNvSpPr/>
+            <p:nvPr/>
+          </p:nvSpPr>
+          <p:spPr>
+            <a:xfrm>
+              <a:off x="1676400" y="3657600"/>
+              <a:ext cx="228600" cy="228600"/>
+            </a:xfrm>
+            <a:prstGeom prst="ellipse">
+              <a:avLst/>
+            </a:prstGeom>
+            <a:solidFill>
+              <a:schemeClr val="accent2">
+                <a:lumMod val="60000"/>
+                <a:lumOff val="40000"/>
+              </a:schemeClr>
+            </a:solidFill>
+            <a:ln>
+              <a:solidFill>
+                <a:schemeClr val="accent2">
+                  <a:lumMod val="75000"/>
+                </a:schemeClr>
+              </a:solidFill>
+            </a:ln>
+          </p:spPr>
+          <p:style>
+            <a:lnRef idx="2">
+              <a:schemeClr val="accent1">
+                <a:shade val="50000"/>
+              </a:schemeClr>
+            </a:lnRef>
+            <a:fillRef idx="1">
+              <a:schemeClr val="accent1"/>
+            </a:fillRef>
+            <a:effectRef idx="0">
+              <a:schemeClr val="accent1"/>
+            </a:effectRef>
+            <a:fontRef idx="minor">
+              <a:schemeClr val="lt1"/>
+            </a:fontRef>
+          </p:style>
+          <p:txBody>
+            <a:bodyPr rtlCol="0" anchor="ctr"/>
+            <a:lstStyle/>
+            <a:p>
+              <a:pPr algn="ctr"/>
+              <a:endParaRPr lang="en-US"/>
+            </a:p>
+          </p:txBody>
+        </p:sp>
+        <p:sp>
+          <p:nvSpPr>
+            <p:cNvPr id="36" name="Oval 35"/>
+            <p:cNvSpPr/>
+            <p:nvPr/>
+          </p:nvSpPr>
+          <p:spPr>
+            <a:xfrm>
+              <a:off x="4343400" y="3505200"/>
+              <a:ext cx="228600" cy="228600"/>
+            </a:xfrm>
+            <a:prstGeom prst="ellipse">
+              <a:avLst/>
+            </a:prstGeom>
+            <a:solidFill>
+              <a:schemeClr val="accent4">
+                <a:lumMod val="60000"/>
+                <a:lumOff val="40000"/>
+              </a:schemeClr>
+            </a:solidFill>
+            <a:ln>
+              <a:solidFill>
+                <a:schemeClr val="accent4">
+                  <a:lumMod val="75000"/>
+                </a:schemeClr>
+              </a:solidFill>
+            </a:ln>
+          </p:spPr>
+          <p:style>
+            <a:lnRef idx="2">
+              <a:schemeClr val="accent1">
+                <a:shade val="50000"/>
+              </a:schemeClr>
+            </a:lnRef>
+            <a:fillRef idx="1">
+              <a:schemeClr val="accent1"/>
+            </a:fillRef>
+            <a:effectRef idx="0">
+              <a:schemeClr val="accent1"/>
+            </a:effectRef>
+            <a:fontRef idx="minor">
+              <a:schemeClr val="lt1"/>
+            </a:fontRef>
+          </p:style>
+          <p:txBody>
+            <a:bodyPr rtlCol="0" anchor="ctr"/>
+            <a:lstStyle/>
+            <a:p>
+              <a:pPr algn="ctr"/>
+              <a:endParaRPr lang="en-US"/>
+            </a:p>
+          </p:txBody>
+        </p:sp>
+        <p:sp>
+          <p:nvSpPr>
+            <p:cNvPr id="37" name="Oval 36"/>
+            <p:cNvSpPr/>
+            <p:nvPr/>
+          </p:nvSpPr>
+          <p:spPr>
+            <a:xfrm>
+              <a:off x="4495800" y="3886200"/>
+              <a:ext cx="228600" cy="228600"/>
+            </a:xfrm>
+            <a:prstGeom prst="ellipse">
+              <a:avLst/>
+            </a:prstGeom>
+            <a:solidFill>
+              <a:schemeClr val="accent4">
+                <a:lumMod val="60000"/>
+                <a:lumOff val="40000"/>
+              </a:schemeClr>
+            </a:solidFill>
+            <a:ln>
+              <a:solidFill>
+                <a:schemeClr val="accent4">
+                  <a:lumMod val="75000"/>
+                </a:schemeClr>
+              </a:solidFill>
+            </a:ln>
+          </p:spPr>
+          <p:style>
+            <a:lnRef idx="2">
+              <a:schemeClr val="accent1">
+                <a:shade val="50000"/>
+              </a:schemeClr>
+            </a:lnRef>
+            <a:fillRef idx="1">
+              <a:schemeClr val="accent1"/>
+            </a:fillRef>
+            <a:effectRef idx="0">
+              <a:schemeClr val="accent1"/>
+            </a:effectRef>
+            <a:fontRef idx="minor">
+              <a:schemeClr val="lt1"/>
+            </a:fontRef>
+          </p:style>
+          <p:txBody>
+            <a:bodyPr rtlCol="0" anchor="ctr"/>
+            <a:lstStyle/>
+            <a:p>
+              <a:pPr algn="ctr"/>
+              <a:endParaRPr lang="en-US"/>
+            </a:p>
+          </p:txBody>
+        </p:sp>
+        <p:sp>
+          <p:nvSpPr>
+            <p:cNvPr id="38" name="Oval 37"/>
+            <p:cNvSpPr/>
+            <p:nvPr/>
+          </p:nvSpPr>
+          <p:spPr>
+            <a:xfrm>
+              <a:off x="5181600" y="4114800"/>
+              <a:ext cx="228600" cy="228600"/>
+            </a:xfrm>
+            <a:prstGeom prst="ellipse">
+              <a:avLst/>
+            </a:prstGeom>
+            <a:solidFill>
+              <a:schemeClr val="accent4">
+                <a:lumMod val="60000"/>
+                <a:lumOff val="40000"/>
+              </a:schemeClr>
+            </a:solidFill>
+            <a:ln>
+              <a:solidFill>
+                <a:schemeClr val="accent4">
+                  <a:lumMod val="75000"/>
+                </a:schemeClr>
+              </a:solidFill>
+            </a:ln>
+          </p:spPr>
+          <p:style>
+            <a:lnRef idx="2">
+              <a:schemeClr val="accent1">
+                <a:shade val="50000"/>
+              </a:schemeClr>
+            </a:lnRef>
+            <a:fillRef idx="1">
+              <a:schemeClr val="accent1"/>
+            </a:fillRef>
+            <a:effectRef idx="0">
+              <a:schemeClr val="accent1"/>
+            </a:effectRef>
+            <a:fontRef idx="minor">
+              <a:schemeClr val="lt1"/>
+            </a:fontRef>
+          </p:style>
+          <p:txBody>
+            <a:bodyPr rtlCol="0" anchor="ctr"/>
+            <a:lstStyle/>
+            <a:p>
+              <a:pPr algn="ctr"/>
+              <a:endParaRPr lang="en-US"/>
+            </a:p>
+          </p:txBody>
+        </p:sp>
+        <p:sp>
+          <p:nvSpPr>
+            <p:cNvPr id="39" name="Oval 38"/>
+            <p:cNvSpPr/>
+            <p:nvPr/>
+          </p:nvSpPr>
+          <p:spPr>
+            <a:xfrm>
+              <a:off x="4648200" y="4267200"/>
+              <a:ext cx="228600" cy="228600"/>
+            </a:xfrm>
+            <a:prstGeom prst="ellipse">
+              <a:avLst/>
+            </a:prstGeom>
+            <a:solidFill>
+              <a:schemeClr val="accent4">
+                <a:lumMod val="60000"/>
+                <a:lumOff val="40000"/>
+              </a:schemeClr>
+            </a:solidFill>
+            <a:ln>
+              <a:solidFill>
+                <a:schemeClr val="accent4">
+                  <a:lumMod val="75000"/>
+                </a:schemeClr>
+              </a:solidFill>
+            </a:ln>
+          </p:spPr>
+          <p:style>
+            <a:lnRef idx="2">
+              <a:schemeClr val="accent1">
+                <a:shade val="50000"/>
+              </a:schemeClr>
+            </a:lnRef>
+            <a:fillRef idx="1">
+              <a:schemeClr val="accent1"/>
+            </a:fillRef>
+            <a:effectRef idx="0">
+              <a:schemeClr val="accent1"/>
+            </a:effectRef>
+            <a:fontRef idx="minor">
+              <a:schemeClr val="lt1"/>
+            </a:fontRef>
+          </p:style>
+          <p:txBody>
+            <a:bodyPr rtlCol="0" anchor="ctr"/>
+            <a:lstStyle/>
+            <a:p>
+              <a:pPr algn="ctr"/>
+              <a:endParaRPr lang="en-US"/>
+            </a:p>
+          </p:txBody>
+        </p:sp>
+        <p:sp>
+          <p:nvSpPr>
+            <p:cNvPr id="40" name="Oval 39"/>
+            <p:cNvSpPr/>
+            <p:nvPr/>
+          </p:nvSpPr>
+          <p:spPr>
+            <a:xfrm>
+              <a:off x="4038600" y="4800600"/>
+              <a:ext cx="228600" cy="228600"/>
+            </a:xfrm>
+            <a:prstGeom prst="ellipse">
+              <a:avLst/>
+            </a:prstGeom>
+            <a:solidFill>
+              <a:schemeClr val="accent4">
+                <a:lumMod val="60000"/>
+                <a:lumOff val="40000"/>
+              </a:schemeClr>
+            </a:solidFill>
+            <a:ln>
+              <a:solidFill>
+                <a:schemeClr val="accent4">
+                  <a:lumMod val="75000"/>
+                </a:schemeClr>
+              </a:solidFill>
+            </a:ln>
+          </p:spPr>
+          <p:style>
+            <a:lnRef idx="2">
+              <a:schemeClr val="accent1">
+                <a:shade val="50000"/>
+              </a:schemeClr>
+            </a:lnRef>
+            <a:fillRef idx="1">
+              <a:schemeClr val="accent1"/>
+            </a:fillRef>
+            <a:effectRef idx="0">
+              <a:schemeClr val="accent1"/>
+            </a:effectRef>
+            <a:fontRef idx="minor">
+              <a:schemeClr val="lt1"/>
+            </a:fontRef>
+          </p:style>
+          <p:txBody>
+            <a:bodyPr rtlCol="0" anchor="ctr"/>
+            <a:lstStyle/>
+            <a:p>
+              <a:pPr algn="ctr"/>
+              <a:endParaRPr lang="en-US"/>
+            </a:p>
+          </p:txBody>
+        </p:sp>
+        <p:sp>
+          <p:nvSpPr>
+            <p:cNvPr id="41" name="Oval 40"/>
+            <p:cNvSpPr/>
+            <p:nvPr/>
+          </p:nvSpPr>
+          <p:spPr>
+            <a:xfrm>
+              <a:off x="4343400" y="4419600"/>
+              <a:ext cx="228600" cy="228600"/>
+            </a:xfrm>
+            <a:prstGeom prst="ellipse">
+              <a:avLst/>
+            </a:prstGeom>
+            <a:solidFill>
+              <a:schemeClr val="accent4">
+                <a:lumMod val="60000"/>
+                <a:lumOff val="40000"/>
+              </a:schemeClr>
+            </a:solidFill>
+            <a:ln>
+              <a:solidFill>
+                <a:schemeClr val="accent4">
+                  <a:lumMod val="75000"/>
+                </a:schemeClr>
+              </a:solidFill>
+            </a:ln>
+          </p:spPr>
+          <p:style>
+            <a:lnRef idx="2">
+              <a:schemeClr val="accent1">
+                <a:shade val="50000"/>
+              </a:schemeClr>
+            </a:lnRef>
+            <a:fillRef idx="1">
+              <a:schemeClr val="accent1"/>
+            </a:fillRef>
+            <a:effectRef idx="0">
+              <a:schemeClr val="accent1"/>
+            </a:effectRef>
+            <a:fontRef idx="minor">
+              <a:schemeClr val="lt1"/>
+            </a:fontRef>
+          </p:style>
+          <p:txBody>
+            <a:bodyPr rtlCol="0" anchor="ctr"/>
+            <a:lstStyle/>
+            <a:p>
+              <a:pPr algn="ctr"/>
+              <a:endParaRPr lang="en-US"/>
+            </a:p>
+          </p:txBody>
+        </p:sp>
+        <p:sp>
+          <p:nvSpPr>
+            <p:cNvPr id="42" name="Oval 41"/>
+            <p:cNvSpPr/>
+            <p:nvPr/>
+          </p:nvSpPr>
+          <p:spPr>
+            <a:xfrm>
+              <a:off x="3657600" y="4191000"/>
+              <a:ext cx="228600" cy="228600"/>
+            </a:xfrm>
+            <a:prstGeom prst="ellipse">
+              <a:avLst/>
+            </a:prstGeom>
+            <a:solidFill>
+              <a:schemeClr val="accent4">
+                <a:lumMod val="60000"/>
+                <a:lumOff val="40000"/>
+              </a:schemeClr>
+            </a:solidFill>
+            <a:ln>
+              <a:solidFill>
+                <a:schemeClr val="accent4">
+                  <a:lumMod val="75000"/>
+                </a:schemeClr>
+              </a:solidFill>
+            </a:ln>
+          </p:spPr>
+          <p:style>
+            <a:lnRef idx="2">
+              <a:schemeClr val="accent1">
+                <a:shade val="50000"/>
+              </a:schemeClr>
+            </a:lnRef>
+            <a:fillRef idx="1">
+              <a:schemeClr val="accent1"/>
+            </a:fillRef>
+            <a:effectRef idx="0">
+              <a:schemeClr val="accent1"/>
+            </a:effectRef>
+            <a:fontRef idx="minor">
+              <a:schemeClr val="lt1"/>
+            </a:fontRef>
+          </p:style>
+          <p:txBody>
+            <a:bodyPr rtlCol="0" anchor="ctr"/>
+            <a:lstStyle/>
+            <a:p>
+              <a:pPr algn="ctr"/>
+              <a:endParaRPr lang="en-US"/>
+            </a:p>
+          </p:txBody>
+        </p:sp>
+        <p:sp>
+          <p:nvSpPr>
+            <p:cNvPr id="43" name="Oval 42"/>
+            <p:cNvSpPr/>
+            <p:nvPr/>
+          </p:nvSpPr>
+          <p:spPr>
+            <a:xfrm>
+              <a:off x="5257800" y="4953000"/>
+              <a:ext cx="228600" cy="228600"/>
+            </a:xfrm>
+            <a:prstGeom prst="ellipse">
+              <a:avLst/>
+            </a:prstGeom>
+            <a:solidFill>
+              <a:schemeClr val="accent4">
+                <a:lumMod val="60000"/>
+                <a:lumOff val="40000"/>
+              </a:schemeClr>
+            </a:solidFill>
+            <a:ln>
+              <a:solidFill>
+                <a:schemeClr val="accent4">
+                  <a:lumMod val="75000"/>
+                </a:schemeClr>
+              </a:solidFill>
+            </a:ln>
+          </p:spPr>
+          <p:style>
+            <a:lnRef idx="2">
+              <a:schemeClr val="accent1">
+                <a:shade val="50000"/>
+              </a:schemeClr>
+            </a:lnRef>
+            <a:fillRef idx="1">
+              <a:schemeClr val="accent1"/>
+            </a:fillRef>
+            <a:effectRef idx="0">
+              <a:schemeClr val="accent1"/>
+            </a:effectRef>
+            <a:fontRef idx="minor">
+              <a:schemeClr val="lt1"/>
+            </a:fontRef>
+          </p:style>
+          <p:txBody>
+            <a:bodyPr rtlCol="0" anchor="ctr"/>
+            <a:lstStyle/>
+            <a:p>
+              <a:pPr algn="ctr"/>
+              <a:endParaRPr lang="en-US"/>
+            </a:p>
+          </p:txBody>
+        </p:sp>
+        <p:sp>
+          <p:nvSpPr>
+            <p:cNvPr id="44" name="Oval 43"/>
+            <p:cNvSpPr/>
+            <p:nvPr/>
+          </p:nvSpPr>
+          <p:spPr>
+            <a:xfrm>
+              <a:off x="4648200" y="4876800"/>
+              <a:ext cx="228600" cy="228600"/>
+            </a:xfrm>
+            <a:prstGeom prst="ellipse">
+              <a:avLst/>
+            </a:prstGeom>
+            <a:solidFill>
+              <a:schemeClr val="accent4">
+                <a:lumMod val="60000"/>
+                <a:lumOff val="40000"/>
+              </a:schemeClr>
+            </a:solidFill>
+            <a:ln>
+              <a:solidFill>
+                <a:schemeClr val="accent4">
+                  <a:lumMod val="75000"/>
+                </a:schemeClr>
+              </a:solidFill>
+            </a:ln>
+          </p:spPr>
+          <p:style>
+            <a:lnRef idx="2">
+              <a:schemeClr val="accent1">
+                <a:shade val="50000"/>
+              </a:schemeClr>
+            </a:lnRef>
+            <a:fillRef idx="1">
+              <a:schemeClr val="accent1"/>
+            </a:fillRef>
+            <a:effectRef idx="0">
+              <a:schemeClr val="accent1"/>
+            </a:effectRef>
+            <a:fontRef idx="minor">
+              <a:schemeClr val="lt1"/>
+            </a:fontRef>
+          </p:style>
+          <p:txBody>
+            <a:bodyPr rtlCol="0" anchor="ctr"/>
+            <a:lstStyle/>
+            <a:p>
+              <a:pPr algn="ctr"/>
+              <a:endParaRPr lang="en-US"/>
+            </a:p>
+          </p:txBody>
+        </p:sp>
+        <p:sp>
+          <p:nvSpPr>
+            <p:cNvPr id="45" name="Oval 44"/>
+            <p:cNvSpPr/>
+            <p:nvPr/>
+          </p:nvSpPr>
+          <p:spPr>
+            <a:xfrm>
+              <a:off x="4953000" y="3810000"/>
+              <a:ext cx="228600" cy="228600"/>
+            </a:xfrm>
+            <a:prstGeom prst="ellipse">
+              <a:avLst/>
+            </a:prstGeom>
+            <a:solidFill>
+              <a:schemeClr val="accent4">
+                <a:lumMod val="60000"/>
+                <a:lumOff val="40000"/>
+              </a:schemeClr>
+            </a:solidFill>
+            <a:ln>
+              <a:solidFill>
+                <a:schemeClr val="accent4">
+                  <a:lumMod val="75000"/>
+                </a:schemeClr>
+              </a:solidFill>
+            </a:ln>
+          </p:spPr>
+          <p:style>
+            <a:lnRef idx="2">
+              <a:schemeClr val="accent1">
+                <a:shade val="50000"/>
+              </a:schemeClr>
+            </a:lnRef>
+            <a:fillRef idx="1">
+              <a:schemeClr val="accent1"/>
+            </a:fillRef>
+            <a:effectRef idx="0">
+              <a:schemeClr val="accent1"/>
+            </a:effectRef>
+            <a:fontRef idx="minor">
+              <a:schemeClr val="lt1"/>
+            </a:fontRef>
+          </p:style>
+          <p:txBody>
+            <a:bodyPr rtlCol="0" anchor="ctr"/>
+            <a:lstStyle/>
+            <a:p>
+              <a:pPr algn="ctr"/>
+              <a:endParaRPr lang="en-US"/>
+            </a:p>
+          </p:txBody>
+        </p:sp>
+        <p:sp>
+          <p:nvSpPr>
+            <p:cNvPr id="46" name="Oval 45"/>
+            <p:cNvSpPr/>
+            <p:nvPr/>
+          </p:nvSpPr>
+          <p:spPr>
+            <a:xfrm>
+              <a:off x="4953000" y="4495800"/>
+              <a:ext cx="228600" cy="228600"/>
+            </a:xfrm>
+            <a:prstGeom prst="ellipse">
+              <a:avLst/>
+            </a:prstGeom>
+            <a:solidFill>
+              <a:schemeClr val="accent4">
+                <a:lumMod val="60000"/>
+                <a:lumOff val="40000"/>
+              </a:schemeClr>
+            </a:solidFill>
+            <a:ln>
+              <a:solidFill>
+                <a:schemeClr val="accent4">
+                  <a:lumMod val="75000"/>
+                </a:schemeClr>
+              </a:solidFill>
+            </a:ln>
+          </p:spPr>
+          <p:style>
+            <a:lnRef idx="2">
+              <a:schemeClr val="accent1">
+                <a:shade val="50000"/>
+              </a:schemeClr>
+            </a:lnRef>
+            <a:fillRef idx="1">
+              <a:schemeClr val="accent1"/>
+            </a:fillRef>
+            <a:effectRef idx="0">
+              <a:schemeClr val="accent1"/>
+            </a:effectRef>
+            <a:fontRef idx="minor">
+              <a:schemeClr val="lt1"/>
+            </a:fontRef>
+          </p:style>
+          <p:txBody>
+            <a:bodyPr rtlCol="0" anchor="ctr"/>
+            <a:lstStyle/>
+            <a:p>
+              <a:pPr algn="ctr"/>
+              <a:endParaRPr lang="en-US"/>
+            </a:p>
+          </p:txBody>
+        </p:sp>
+        <p:cxnSp>
+          <p:nvCxnSpPr>
+            <p:cNvPr id="48" name="Straight Arrow Connector 47"/>
+            <p:cNvCxnSpPr/>
+            <p:nvPr/>
+          </p:nvCxnSpPr>
+          <p:spPr>
+            <a:xfrm rot="16200000" flipV="1">
+              <a:off x="3124200" y="3581400"/>
+              <a:ext cx="228600" cy="228600"/>
+            </a:xfrm>
+            <a:prstGeom prst="straightConnector1">
+              <a:avLst/>
+            </a:prstGeom>
+            <a:ln w="19050">
+              <a:solidFill>
+                <a:schemeClr val="tx1"/>
+              </a:solidFill>
+              <a:tailEnd type="arrow"/>
+            </a:ln>
+          </p:spPr>
+          <p:style>
+            <a:lnRef idx="1">
+              <a:schemeClr val="accent1"/>
+            </a:lnRef>
+            <a:fillRef idx="0">
+              <a:schemeClr val="accent1"/>
+            </a:fillRef>
+            <a:effectRef idx="0">
+              <a:schemeClr val="accent1"/>
+            </a:effectRef>
+            <a:fontRef idx="minor">
+              <a:schemeClr val="tx1"/>
+            </a:fontRef>
+          </p:style>
+        </p:cxnSp>
+        <p:sp>
+          <p:nvSpPr>
+            <p:cNvPr id="49" name="TextBox 48"/>
+            <p:cNvSpPr txBox="1"/>
+            <p:nvPr/>
+          </p:nvSpPr>
+          <p:spPr>
+            <a:xfrm rot="2700000">
+              <a:off x="3190333" y="3467910"/>
+              <a:ext cx="365760" cy="338554"/>
+            </a:xfrm>
+            <a:prstGeom prst="rect">
+              <a:avLst/>
+            </a:prstGeom>
+            <a:noFill/>
+          </p:spPr>
+          <p:txBody>
+            <a:bodyPr wrap="square" rtlCol="0">
+              <a:spAutoFit/>
+            </a:bodyPr>
+            <a:lstStyle/>
+            <a:p>
+              <a:pPr algn="ctr"/>
+              <a:r>
+                <a:rPr lang="pl-PL" sz="1600" b="1" dirty="0" smtClean="0"/>
+                <a:t>w</a:t>
+              </a:r>
+              <a:endParaRPr lang="en-US" sz="1600" b="1" dirty="0"/>
+            </a:p>
+          </p:txBody>
+        </p:sp>
+        <p:sp>
+          <p:nvSpPr>
+            <p:cNvPr id="50" name="TextBox 49"/>
+            <p:cNvSpPr txBox="1"/>
+            <p:nvPr/>
+          </p:nvSpPr>
+          <p:spPr>
+            <a:xfrm rot="18900000">
+              <a:off x="4501713" y="2872810"/>
+              <a:ext cx="1371600" cy="338554"/>
+            </a:xfrm>
+            <a:prstGeom prst="rect">
+              <a:avLst/>
+            </a:prstGeom>
+            <a:noFill/>
+          </p:spPr>
+          <p:txBody>
+            <a:bodyPr wrap="square" rtlCol="0">
+              <a:spAutoFit/>
+            </a:bodyPr>
+            <a:lstStyle/>
+            <a:p>
+              <a:r>
+                <a:rPr lang="pl-PL" sz="1600" b="1" dirty="0" smtClean="0"/>
+                <a:t>w</a:t>
+              </a:r>
+              <a:r>
+                <a:rPr lang="pl-PL" sz="1600" dirty="0" smtClean="0"/>
+                <a:t> · </a:t>
+              </a:r>
+              <a:r>
+                <a:rPr lang="pl-PL" sz="1600" b="1" dirty="0" smtClean="0"/>
+                <a:t>x</a:t>
+              </a:r>
+              <a:r>
+                <a:rPr lang="pl-PL" sz="1600" dirty="0" smtClean="0"/>
+                <a:t> – b = -1 </a:t>
+              </a:r>
+              <a:endParaRPr lang="en-US" sz="1600" dirty="0"/>
+            </a:p>
+          </p:txBody>
+        </p:sp>
+        <p:sp>
+          <p:nvSpPr>
+            <p:cNvPr id="51" name="TextBox 50"/>
+            <p:cNvSpPr txBox="1"/>
+            <p:nvPr/>
+          </p:nvSpPr>
+          <p:spPr>
+            <a:xfrm rot="18900000">
+              <a:off x="4044514" y="2427436"/>
+              <a:ext cx="1371600" cy="338554"/>
+            </a:xfrm>
+            <a:prstGeom prst="rect">
+              <a:avLst/>
+            </a:prstGeom>
+            <a:noFill/>
+          </p:spPr>
+          <p:txBody>
+            <a:bodyPr wrap="square" rtlCol="0">
+              <a:spAutoFit/>
+            </a:bodyPr>
+            <a:lstStyle/>
+            <a:p>
+              <a:r>
+                <a:rPr lang="pl-PL" sz="1600" b="1" dirty="0" smtClean="0"/>
+                <a:t>w</a:t>
+              </a:r>
+              <a:r>
+                <a:rPr lang="pl-PL" sz="1600" dirty="0" smtClean="0"/>
+                <a:t> · </a:t>
+              </a:r>
+              <a:r>
+                <a:rPr lang="pl-PL" sz="1600" b="1" dirty="0" smtClean="0"/>
+                <a:t>x</a:t>
+              </a:r>
+              <a:r>
+                <a:rPr lang="pl-PL" sz="1600" dirty="0" smtClean="0"/>
+                <a:t> – b =0</a:t>
+              </a:r>
+              <a:endParaRPr lang="en-US" sz="1600" dirty="0"/>
+            </a:p>
+          </p:txBody>
+        </p:sp>
+        <p:sp>
+          <p:nvSpPr>
+            <p:cNvPr id="52" name="TextBox 51"/>
+            <p:cNvSpPr txBox="1"/>
+            <p:nvPr/>
+          </p:nvSpPr>
+          <p:spPr>
+            <a:xfrm rot="18900000">
+              <a:off x="3587313" y="1958410"/>
+              <a:ext cx="1371600" cy="338554"/>
+            </a:xfrm>
+            <a:prstGeom prst="rect">
+              <a:avLst/>
+            </a:prstGeom>
+            <a:noFill/>
+          </p:spPr>
+          <p:txBody>
+            <a:bodyPr wrap="square" rtlCol="0">
+              <a:spAutoFit/>
+            </a:bodyPr>
+            <a:lstStyle/>
+            <a:p>
+              <a:r>
+                <a:rPr lang="pl-PL" sz="1600" b="1" dirty="0" smtClean="0"/>
+                <a:t>w</a:t>
+              </a:r>
+              <a:r>
+                <a:rPr lang="pl-PL" sz="1600" dirty="0" smtClean="0"/>
+                <a:t> · </a:t>
+              </a:r>
+              <a:r>
+                <a:rPr lang="pl-PL" sz="1600" b="1" dirty="0" smtClean="0"/>
+                <a:t>x</a:t>
+              </a:r>
+              <a:r>
+                <a:rPr lang="pl-PL" sz="1600" dirty="0" smtClean="0"/>
+                <a:t> – b = 1 </a:t>
+              </a:r>
+              <a:endParaRPr lang="en-US" sz="1600" dirty="0"/>
+            </a:p>
+          </p:txBody>
+        </p:sp>
+        <p:grpSp>
+          <p:nvGrpSpPr>
+            <p:cNvPr id="61" name="Group 60"/>
+            <p:cNvGrpSpPr/>
+            <p:nvPr/>
+          </p:nvGrpSpPr>
+          <p:grpSpPr>
+            <a:xfrm rot="2700000">
+              <a:off x="5001466" y="1475534"/>
+              <a:ext cx="762000" cy="609600"/>
+              <a:chOff x="6248400" y="1600200"/>
+              <a:chExt cx="762000" cy="609600"/>
+            </a:xfrm>
+          </p:grpSpPr>
+          <p:sp>
+            <p:nvSpPr>
+              <p:cNvPr id="56" name="TextBox 55"/>
+              <p:cNvSpPr txBox="1"/>
+              <p:nvPr/>
+            </p:nvSpPr>
+            <p:spPr>
+              <a:xfrm>
+                <a:off x="6248400" y="1600200"/>
+                <a:ext cx="758952" cy="338554"/>
+              </a:xfrm>
+              <a:prstGeom prst="rect">
+                <a:avLst/>
+              </a:prstGeom>
+              <a:noFill/>
+            </p:spPr>
+            <p:txBody>
+              <a:bodyPr wrap="square" rtlCol="0">
+                <a:spAutoFit/>
+              </a:bodyPr>
+              <a:lstStyle/>
+              <a:p>
+                <a:pPr algn="ctr"/>
+                <a:r>
+                  <a:rPr lang="pl-PL" sz="1600" dirty="0" smtClean="0"/>
+                  <a:t>2</a:t>
+                </a:r>
+                <a:endParaRPr lang="en-US" sz="1600" dirty="0"/>
+              </a:p>
+            </p:txBody>
+          </p:sp>
+          <p:sp>
+            <p:nvSpPr>
+              <p:cNvPr id="57" name="TextBox 56"/>
+              <p:cNvSpPr txBox="1"/>
+              <p:nvPr/>
+            </p:nvSpPr>
+            <p:spPr>
+              <a:xfrm>
+                <a:off x="6248400" y="1871246"/>
+                <a:ext cx="762000" cy="338554"/>
+              </a:xfrm>
+              <a:prstGeom prst="rect">
+                <a:avLst/>
+              </a:prstGeom>
+              <a:noFill/>
+            </p:spPr>
+            <p:txBody>
+              <a:bodyPr wrap="square" rtlCol="0">
+                <a:spAutoFit/>
+              </a:bodyPr>
+              <a:lstStyle/>
+              <a:p>
+                <a:pPr algn="ctr"/>
+                <a:r>
+                  <a:rPr lang="pl-PL" sz="1600" dirty="0" smtClean="0"/>
+                  <a:t>||</a:t>
+                </a:r>
+                <a:r>
+                  <a:rPr lang="pl-PL" sz="1600" b="1" dirty="0" smtClean="0"/>
+                  <a:t>w</a:t>
+                </a:r>
+                <a:r>
+                  <a:rPr lang="pl-PL" sz="1600" dirty="0" smtClean="0"/>
+                  <a:t>||</a:t>
+                </a:r>
+                <a:endParaRPr lang="en-US" sz="1600" dirty="0"/>
+              </a:p>
+            </p:txBody>
+          </p:sp>
+          <p:cxnSp>
+            <p:nvCxnSpPr>
+              <p:cNvPr id="59" name="Straight Connector 58"/>
+              <p:cNvCxnSpPr/>
+              <p:nvPr/>
+            </p:nvCxnSpPr>
+            <p:spPr>
+              <a:xfrm>
+                <a:off x="6324600" y="1905000"/>
+                <a:ext cx="609600" cy="1588"/>
+              </a:xfrm>
+              <a:prstGeom prst="line">
+                <a:avLst/>
+              </a:prstGeom>
+              <a:ln w="12700">
+                <a:solidFill>
+                  <a:schemeClr val="tx1"/>
+                </a:solidFill>
+              </a:ln>
+            </p:spPr>
+            <p:style>
+              <a:lnRef idx="1">
+                <a:schemeClr val="accent1"/>
+              </a:lnRef>
+              <a:fillRef idx="0">
+                <a:schemeClr val="accent1"/>
+              </a:fillRef>
+              <a:effectRef idx="0">
+                <a:schemeClr val="accent1"/>
+              </a:effectRef>
+              <a:fontRef idx="minor">
+                <a:schemeClr val="tx1"/>
+              </a:fontRef>
+            </p:style>
+          </p:cxnSp>
+        </p:grpSp>
+        <p:grpSp>
+          <p:nvGrpSpPr>
+            <p:cNvPr id="64" name="Group 63"/>
+            <p:cNvGrpSpPr/>
+            <p:nvPr/>
+          </p:nvGrpSpPr>
+          <p:grpSpPr>
+            <a:xfrm>
+              <a:off x="5867400" y="5867400"/>
+              <a:ext cx="304800" cy="381000"/>
+              <a:chOff x="7772400" y="2895600"/>
+              <a:chExt cx="304800" cy="381000"/>
+            </a:xfrm>
+          </p:grpSpPr>
+          <p:sp>
+            <p:nvSpPr>
+              <p:cNvPr id="62" name="TextBox 61"/>
+              <p:cNvSpPr txBox="1"/>
+              <p:nvPr/>
+            </p:nvSpPr>
+            <p:spPr>
+              <a:xfrm>
+                <a:off x="7772400" y="2895600"/>
+                <a:ext cx="228600" cy="369332"/>
+              </a:xfrm>
+              <a:prstGeom prst="rect">
+                <a:avLst/>
+              </a:prstGeom>
+              <a:noFill/>
+            </p:spPr>
+            <p:txBody>
+              <a:bodyPr wrap="square" rtlCol="0">
+                <a:spAutoFit/>
+              </a:bodyPr>
+              <a:lstStyle/>
+              <a:p>
+                <a:r>
+                  <a:rPr lang="pl-PL" b="1" dirty="0" smtClean="0"/>
+                  <a:t>x</a:t>
+                </a:r>
+                <a:endParaRPr lang="en-US" b="1" dirty="0"/>
+              </a:p>
+            </p:txBody>
+          </p:sp>
+          <p:sp>
+            <p:nvSpPr>
+              <p:cNvPr id="63" name="TextBox 62"/>
+              <p:cNvSpPr txBox="1"/>
+              <p:nvPr/>
+            </p:nvSpPr>
+            <p:spPr>
+              <a:xfrm>
+                <a:off x="7924800" y="3014990"/>
+                <a:ext cx="152400" cy="261610"/>
+              </a:xfrm>
+              <a:prstGeom prst="rect">
+                <a:avLst/>
+              </a:prstGeom>
+              <a:noFill/>
+            </p:spPr>
+            <p:txBody>
+              <a:bodyPr wrap="square" rtlCol="0">
+                <a:spAutoFit/>
+              </a:bodyPr>
+              <a:lstStyle/>
+              <a:p>
+                <a:r>
+                  <a:rPr lang="pl-PL" sz="1100" b="1" dirty="0" smtClean="0"/>
+                  <a:t>1</a:t>
+                </a:r>
+                <a:endParaRPr lang="en-US" sz="1200" b="1" dirty="0"/>
+              </a:p>
+            </p:txBody>
+          </p:sp>
+        </p:grpSp>
+        <p:grpSp>
+          <p:nvGrpSpPr>
+            <p:cNvPr id="65" name="Group 64"/>
+            <p:cNvGrpSpPr/>
+            <p:nvPr/>
+          </p:nvGrpSpPr>
+          <p:grpSpPr>
+            <a:xfrm>
+              <a:off x="914400" y="304800"/>
+              <a:ext cx="304800" cy="381000"/>
+              <a:chOff x="7772400" y="2895600"/>
+              <a:chExt cx="304800" cy="381000"/>
+            </a:xfrm>
+          </p:grpSpPr>
+          <p:sp>
+            <p:nvSpPr>
+              <p:cNvPr id="66" name="TextBox 65"/>
+              <p:cNvSpPr txBox="1"/>
+              <p:nvPr/>
+            </p:nvSpPr>
+            <p:spPr>
+              <a:xfrm>
+                <a:off x="7772400" y="2895600"/>
+                <a:ext cx="228600" cy="369332"/>
+              </a:xfrm>
+              <a:prstGeom prst="rect">
+                <a:avLst/>
+              </a:prstGeom>
+              <a:noFill/>
+            </p:spPr>
+            <p:txBody>
+              <a:bodyPr wrap="square" rtlCol="0">
+                <a:spAutoFit/>
+              </a:bodyPr>
+              <a:lstStyle/>
+              <a:p>
+                <a:r>
+                  <a:rPr lang="pl-PL" b="1" dirty="0" smtClean="0"/>
+                  <a:t>x</a:t>
+                </a:r>
+                <a:endParaRPr lang="en-US" b="1" dirty="0"/>
+              </a:p>
+            </p:txBody>
+          </p:sp>
+          <p:sp>
+            <p:nvSpPr>
+              <p:cNvPr id="67" name="TextBox 66"/>
+              <p:cNvSpPr txBox="1"/>
+              <p:nvPr/>
+            </p:nvSpPr>
+            <p:spPr>
+              <a:xfrm>
+                <a:off x="7924800" y="3014990"/>
+                <a:ext cx="152400" cy="261610"/>
+              </a:xfrm>
+              <a:prstGeom prst="rect">
+                <a:avLst/>
+              </a:prstGeom>
+              <a:noFill/>
+            </p:spPr>
+            <p:txBody>
+              <a:bodyPr wrap="square" rtlCol="0">
+                <a:spAutoFit/>
+              </a:bodyPr>
+              <a:lstStyle/>
+              <a:p>
+                <a:r>
+                  <a:rPr lang="pl-PL" sz="1100" b="1" dirty="0" smtClean="0"/>
+                  <a:t>2</a:t>
+                </a:r>
+                <a:endParaRPr lang="en-US" sz="1200" b="1" dirty="0"/>
+              </a:p>
+            </p:txBody>
+          </p:sp>
+        </p:grpSp>
+      </p:grpSp>
+    </p:spTree>
+  </p:cSld>
+  <p:clrMapOvr>
+    <a:masterClrMapping/>
+  </p:clrMapOvr>
+</p:sld>
+</file>
+
+<file path=ppt/slides/slide8.xml><?xml version="1.0" encoding="utf-8"?>
+<p:sld xmlns:a="http://schemas.openxmlformats.org/drawingml/2006/main" xmlns:r="http://schemas.openxmlformats.org/officeDocument/2006/relationships" xmlns:p="http://schemas.openxmlformats.org/presentationml/2006/main">
+  <p:cSld>
+    <p:spTree>
+      <p:nvGrpSpPr>
+        <p:cNvPr id="1" name=""/>
+        <p:cNvGrpSpPr/>
+        <p:nvPr/>
+      </p:nvGrpSpPr>
+      <p:grpSpPr>
+        <a:xfrm>
+          <a:off x="0" y="0"/>
+          <a:ext cx="0" cy="0"/>
+          <a:chOff x="0" y="0"/>
+          <a:chExt cx="0" cy="0"/>
+        </a:xfrm>
+      </p:grpSpPr>
+      <p:sp>
+        <p:nvSpPr>
+          <p:cNvPr id="4" name="Freeform 3"/>
+          <p:cNvSpPr/>
+          <p:nvPr/>
+        </p:nvSpPr>
+        <p:spPr>
+          <a:xfrm>
+            <a:off x="1143000" y="1219200"/>
+            <a:ext cx="1169670" cy="2308860"/>
+          </a:xfrm>
+          <a:custGeom>
+            <a:avLst/>
+            <a:gdLst>
+              <a:gd name="connsiteX0" fmla="*/ 293370 w 1169670"/>
+              <a:gd name="connsiteY0" fmla="*/ 0 h 2308860"/>
+              <a:gd name="connsiteX1" fmla="*/ 590550 w 1169670"/>
+              <a:gd name="connsiteY1" fmla="*/ 251460 h 2308860"/>
+              <a:gd name="connsiteX2" fmla="*/ 643890 w 1169670"/>
+              <a:gd name="connsiteY2" fmla="*/ 693420 h 2308860"/>
+              <a:gd name="connsiteX3" fmla="*/ 148590 w 1169670"/>
+              <a:gd name="connsiteY3" fmla="*/ 1234440 h 2308860"/>
+              <a:gd name="connsiteX4" fmla="*/ 11430 w 1169670"/>
+              <a:gd name="connsiteY4" fmla="*/ 1714500 h 2308860"/>
+              <a:gd name="connsiteX5" fmla="*/ 217170 w 1169670"/>
+              <a:gd name="connsiteY5" fmla="*/ 1981200 h 2308860"/>
+              <a:gd name="connsiteX6" fmla="*/ 849630 w 1169670"/>
+              <a:gd name="connsiteY6" fmla="*/ 1866900 h 2308860"/>
+              <a:gd name="connsiteX7" fmla="*/ 1169670 w 1169670"/>
+              <a:gd name="connsiteY7" fmla="*/ 2308860 h 2308860"/>
+            </a:gdLst>
+            <a:ahLst/>
+            <a:cxnLst>
+              <a:cxn ang="0">
+                <a:pos x="connsiteX0" y="connsiteY0"/>
+              </a:cxn>
+              <a:cxn ang="0">
+                <a:pos x="connsiteX1" y="connsiteY1"/>
+              </a:cxn>
+              <a:cxn ang="0">
+                <a:pos x="connsiteX2" y="connsiteY2"/>
+              </a:cxn>
+              <a:cxn ang="0">
+                <a:pos x="connsiteX3" y="connsiteY3"/>
+              </a:cxn>
+              <a:cxn ang="0">
+                <a:pos x="connsiteX4" y="connsiteY4"/>
+              </a:cxn>
+              <a:cxn ang="0">
+                <a:pos x="connsiteX5" y="connsiteY5"/>
+              </a:cxn>
+              <a:cxn ang="0">
+                <a:pos x="connsiteX6" y="connsiteY6"/>
+              </a:cxn>
+              <a:cxn ang="0">
+                <a:pos x="connsiteX7" y="connsiteY7"/>
+              </a:cxn>
+            </a:cxnLst>
+            <a:rect l="l" t="t" r="r" b="b"/>
+            <a:pathLst>
+              <a:path w="1169670" h="2308860">
+                <a:moveTo>
+                  <a:pt x="293370" y="0"/>
+                </a:moveTo>
+                <a:cubicBezTo>
+                  <a:pt x="412750" y="67945"/>
+                  <a:pt x="532130" y="135890"/>
+                  <a:pt x="590550" y="251460"/>
+                </a:cubicBezTo>
+                <a:cubicBezTo>
+                  <a:pt x="648970" y="367030"/>
+                  <a:pt x="717550" y="529590"/>
+                  <a:pt x="643890" y="693420"/>
+                </a:cubicBezTo>
+                <a:cubicBezTo>
+                  <a:pt x="570230" y="857250"/>
+                  <a:pt x="254000" y="1064260"/>
+                  <a:pt x="148590" y="1234440"/>
+                </a:cubicBezTo>
+                <a:cubicBezTo>
+                  <a:pt x="43180" y="1404620"/>
+                  <a:pt x="0" y="1590040"/>
+                  <a:pt x="11430" y="1714500"/>
+                </a:cubicBezTo>
+                <a:cubicBezTo>
+                  <a:pt x="22860" y="1838960"/>
+                  <a:pt x="77470" y="1955800"/>
+                  <a:pt x="217170" y="1981200"/>
+                </a:cubicBezTo>
+                <a:cubicBezTo>
+                  <a:pt x="356870" y="2006600"/>
+                  <a:pt x="690880" y="1812290"/>
+                  <a:pt x="849630" y="1866900"/>
+                </a:cubicBezTo>
+                <a:cubicBezTo>
+                  <a:pt x="1008380" y="1921510"/>
+                  <a:pt x="1089025" y="2115185"/>
+                  <a:pt x="1169670" y="2308860"/>
+                </a:cubicBezTo>
+              </a:path>
+            </a:pathLst>
+          </a:custGeom>
+        </p:spPr>
+        <p:style>
+          <a:lnRef idx="1">
+            <a:schemeClr val="accent1"/>
+          </a:lnRef>
+          <a:fillRef idx="0">
+            <a:schemeClr val="accent1"/>
+          </a:fillRef>
+          <a:effectRef idx="0">
+            <a:schemeClr val="accent1"/>
+          </a:effectRef>
+          <a:fontRef idx="minor">
+            <a:schemeClr val="tx1"/>
+          </a:fontRef>
+        </p:style>
+        <p:txBody>
+          <a:bodyPr rtlCol="0" anchor="ctr"/>
+          <a:lstStyle/>
+          <a:p>
+            <a:pPr algn="ctr"/>
+            <a:endParaRPr lang="en-US"/>
+          </a:p>
+        </p:txBody>
+      </p:sp>
+      <p:sp>
+        <p:nvSpPr>
+          <p:cNvPr id="6" name="Freeform 5"/>
+          <p:cNvSpPr/>
+          <p:nvPr/>
+        </p:nvSpPr>
+        <p:spPr>
+          <a:xfrm>
+            <a:off x="2362200" y="1219200"/>
+            <a:ext cx="1169670" cy="2308860"/>
+          </a:xfrm>
+          <a:custGeom>
+            <a:avLst/>
+            <a:gdLst>
+              <a:gd name="connsiteX0" fmla="*/ 293370 w 1169670"/>
+              <a:gd name="connsiteY0" fmla="*/ 0 h 2308860"/>
+              <a:gd name="connsiteX1" fmla="*/ 590550 w 1169670"/>
+              <a:gd name="connsiteY1" fmla="*/ 251460 h 2308860"/>
+              <a:gd name="connsiteX2" fmla="*/ 643890 w 1169670"/>
+              <a:gd name="connsiteY2" fmla="*/ 693420 h 2308860"/>
+              <a:gd name="connsiteX3" fmla="*/ 148590 w 1169670"/>
+              <a:gd name="connsiteY3" fmla="*/ 1234440 h 2308860"/>
+              <a:gd name="connsiteX4" fmla="*/ 11430 w 1169670"/>
+              <a:gd name="connsiteY4" fmla="*/ 1714500 h 2308860"/>
+              <a:gd name="connsiteX5" fmla="*/ 217170 w 1169670"/>
+              <a:gd name="connsiteY5" fmla="*/ 1981200 h 2308860"/>
+              <a:gd name="connsiteX6" fmla="*/ 849630 w 1169670"/>
+              <a:gd name="connsiteY6" fmla="*/ 1866900 h 2308860"/>
+              <a:gd name="connsiteX7" fmla="*/ 1169670 w 1169670"/>
+              <a:gd name="connsiteY7" fmla="*/ 2308860 h 2308860"/>
+            </a:gdLst>
+            <a:ahLst/>
+            <a:cxnLst>
+              <a:cxn ang="0">
+                <a:pos x="connsiteX0" y="connsiteY0"/>
+              </a:cxn>
+              <a:cxn ang="0">
+                <a:pos x="connsiteX1" y="connsiteY1"/>
+              </a:cxn>
+              <a:cxn ang="0">
+                <a:pos x="connsiteX2" y="connsiteY2"/>
+              </a:cxn>
+              <a:cxn ang="0">
+                <a:pos x="connsiteX3" y="connsiteY3"/>
+              </a:cxn>
+              <a:cxn ang="0">
+                <a:pos x="connsiteX4" y="connsiteY4"/>
+              </a:cxn>
+              <a:cxn ang="0">
+                <a:pos x="connsiteX5" y="connsiteY5"/>
+              </a:cxn>
+              <a:cxn ang="0">
+                <a:pos x="connsiteX6" y="connsiteY6"/>
+              </a:cxn>
+              <a:cxn ang="0">
+                <a:pos x="connsiteX7" y="connsiteY7"/>
+              </a:cxn>
+            </a:cxnLst>
+            <a:rect l="l" t="t" r="r" b="b"/>
+            <a:pathLst>
+              <a:path w="1169670" h="2308860">
+                <a:moveTo>
+                  <a:pt x="293370" y="0"/>
+                </a:moveTo>
+                <a:cubicBezTo>
+                  <a:pt x="412750" y="67945"/>
+                  <a:pt x="532130" y="135890"/>
+                  <a:pt x="590550" y="251460"/>
+                </a:cubicBezTo>
+                <a:cubicBezTo>
+                  <a:pt x="648970" y="367030"/>
+                  <a:pt x="717550" y="529590"/>
+                  <a:pt x="643890" y="693420"/>
+                </a:cubicBezTo>
+                <a:cubicBezTo>
+                  <a:pt x="570230" y="857250"/>
+                  <a:pt x="254000" y="1064260"/>
+                  <a:pt x="148590" y="1234440"/>
+                </a:cubicBezTo>
+                <a:cubicBezTo>
+                  <a:pt x="43180" y="1404620"/>
+                  <a:pt x="0" y="1590040"/>
+                  <a:pt x="11430" y="1714500"/>
+                </a:cubicBezTo>
+                <a:cubicBezTo>
+                  <a:pt x="22860" y="1838960"/>
+                  <a:pt x="77470" y="1955800"/>
+                  <a:pt x="217170" y="1981200"/>
+                </a:cubicBezTo>
+                <a:cubicBezTo>
+                  <a:pt x="356870" y="2006600"/>
+                  <a:pt x="690880" y="1812290"/>
+                  <a:pt x="849630" y="1866900"/>
+                </a:cubicBezTo>
+                <a:cubicBezTo>
+                  <a:pt x="1008380" y="1921510"/>
+                  <a:pt x="1089025" y="2115185"/>
+                  <a:pt x="1169670" y="2308860"/>
+                </a:cubicBezTo>
+              </a:path>
+            </a:pathLst>
+          </a:custGeom>
+        </p:spPr>
+        <p:style>
+          <a:lnRef idx="1">
+            <a:schemeClr val="accent1"/>
+          </a:lnRef>
+          <a:fillRef idx="0">
+            <a:schemeClr val="accent1"/>
+          </a:fillRef>
+          <a:effectRef idx="0">
+            <a:schemeClr val="accent1"/>
+          </a:effectRef>
+          <a:fontRef idx="minor">
+            <a:schemeClr val="tx1"/>
+          </a:fontRef>
+        </p:style>
+        <p:txBody>
+          <a:bodyPr rtlCol="0" anchor="ctr"/>
+          <a:lstStyle/>
+          <a:p>
+            <a:pPr algn="ctr"/>
+            <a:endParaRPr lang="en-US"/>
+          </a:p>
+        </p:txBody>
+      </p:sp>
+    </p:spTree>
   </p:cSld>
   <p:clrMapOvr>
     <a:masterClrMapping/>

--- a/Praca/PrezentacjaZawierajacaObrazyPracy.pptx
+++ b/Praca/PrezentacjaZawierajacaObrazyPracy.pptx
@@ -369,7 +369,7 @@
     </p:spTree>
     <p:extLst>
       <p:ext uri="{BB962C8B-B14F-4D97-AF65-F5344CB8AC3E}">
-        <p14:creationId xmlns:p14="http://schemas.microsoft.com/office/powerpoint/2010/main" xmlns="" val="4140445158"/>
+        <p14:creationId xmlns:p14="http://schemas.microsoft.com/office/powerpoint/2010/main" val="4140445158"/>
       </p:ext>
     </p:extLst>
   </p:cSld>
@@ -4265,7 +4265,7 @@
             <a:blip r:embed="rId2">
               <a:extLst>
                 <a:ext uri="{28A0092B-C50C-407E-A947-70E740481C1C}">
-                  <a14:useLocalDpi xmlns:a14="http://schemas.microsoft.com/office/drawing/2010/main" xmlns="" val="0"/>
+                  <a14:useLocalDpi xmlns:a14="http://schemas.microsoft.com/office/drawing/2010/main" val="0"/>
                 </a:ext>
               </a:extLst>
             </a:blip>
@@ -4295,7 +4295,7 @@
             <a:blip r:embed="rId3">
               <a:extLst>
                 <a:ext uri="{28A0092B-C50C-407E-A947-70E740481C1C}">
-                  <a14:useLocalDpi xmlns:a14="http://schemas.microsoft.com/office/drawing/2010/main" xmlns="" val="0"/>
+                  <a14:useLocalDpi xmlns:a14="http://schemas.microsoft.com/office/drawing/2010/main" val="0"/>
                 </a:ext>
               </a:extLst>
             </a:blip>
@@ -7465,7 +7465,7 @@
     </p:spTree>
     <p:extLst>
       <p:ext uri="{BB962C8B-B14F-4D97-AF65-F5344CB8AC3E}">
-        <p14:creationId xmlns:p14="http://schemas.microsoft.com/office/powerpoint/2010/main" xmlns="" val="1324388323"/>
+        <p14:creationId xmlns:p14="http://schemas.microsoft.com/office/powerpoint/2010/main" val="1324388323"/>
       </p:ext>
     </p:extLst>
   </p:cSld>
@@ -30509,7 +30509,7 @@
     </p:spTree>
     <p:extLst>
       <p:ext uri="{BB962C8B-B14F-4D97-AF65-F5344CB8AC3E}">
-        <p14:creationId xmlns:p14="http://schemas.microsoft.com/office/powerpoint/2010/main" xmlns="" val="1888592034"/>
+        <p14:creationId xmlns:p14="http://schemas.microsoft.com/office/powerpoint/2010/main" val="1888592034"/>
       </p:ext>
     </p:extLst>
   </p:cSld>
@@ -32482,258 +32482,919 @@
           <a:chExt cx="0" cy="0"/>
         </a:xfrm>
       </p:grpSpPr>
-      <p:sp>
-        <p:nvSpPr>
-          <p:cNvPr id="4" name="Freeform 3"/>
-          <p:cNvSpPr/>
+      <p:grpSp>
+        <p:nvGrpSpPr>
+          <p:cNvPr id="49" name="Group 48"/>
+          <p:cNvGrpSpPr/>
           <p:nvPr/>
-        </p:nvSpPr>
-        <p:spPr>
+        </p:nvGrpSpPr>
+        <p:grpSpPr>
           <a:xfrm>
-            <a:off x="1143000" y="1219200"/>
-            <a:ext cx="1169670" cy="2308860"/>
+            <a:off x="606135" y="435530"/>
+            <a:ext cx="8405810" cy="5910828"/>
+            <a:chOff x="606135" y="435530"/>
+            <a:chExt cx="8405810" cy="5910828"/>
           </a:xfrm>
-          <a:custGeom>
-            <a:avLst/>
-            <a:gdLst>
-              <a:gd name="connsiteX0" fmla="*/ 293370 w 1169670"/>
-              <a:gd name="connsiteY0" fmla="*/ 0 h 2308860"/>
-              <a:gd name="connsiteX1" fmla="*/ 590550 w 1169670"/>
-              <a:gd name="connsiteY1" fmla="*/ 251460 h 2308860"/>
-              <a:gd name="connsiteX2" fmla="*/ 643890 w 1169670"/>
-              <a:gd name="connsiteY2" fmla="*/ 693420 h 2308860"/>
-              <a:gd name="connsiteX3" fmla="*/ 148590 w 1169670"/>
-              <a:gd name="connsiteY3" fmla="*/ 1234440 h 2308860"/>
-              <a:gd name="connsiteX4" fmla="*/ 11430 w 1169670"/>
-              <a:gd name="connsiteY4" fmla="*/ 1714500 h 2308860"/>
-              <a:gd name="connsiteX5" fmla="*/ 217170 w 1169670"/>
-              <a:gd name="connsiteY5" fmla="*/ 1981200 h 2308860"/>
-              <a:gd name="connsiteX6" fmla="*/ 849630 w 1169670"/>
-              <a:gd name="connsiteY6" fmla="*/ 1866900 h 2308860"/>
-              <a:gd name="connsiteX7" fmla="*/ 1169670 w 1169670"/>
-              <a:gd name="connsiteY7" fmla="*/ 2308860 h 2308860"/>
-            </a:gdLst>
-            <a:ahLst/>
-            <a:cxnLst>
-              <a:cxn ang="0">
-                <a:pos x="connsiteX0" y="connsiteY0"/>
-              </a:cxn>
-              <a:cxn ang="0">
-                <a:pos x="connsiteX1" y="connsiteY1"/>
-              </a:cxn>
-              <a:cxn ang="0">
-                <a:pos x="connsiteX2" y="connsiteY2"/>
-              </a:cxn>
-              <a:cxn ang="0">
-                <a:pos x="connsiteX3" y="connsiteY3"/>
-              </a:cxn>
-              <a:cxn ang="0">
-                <a:pos x="connsiteX4" y="connsiteY4"/>
-              </a:cxn>
-              <a:cxn ang="0">
-                <a:pos x="connsiteX5" y="connsiteY5"/>
-              </a:cxn>
-              <a:cxn ang="0">
-                <a:pos x="connsiteX6" y="connsiteY6"/>
-              </a:cxn>
-              <a:cxn ang="0">
-                <a:pos x="connsiteX7" y="connsiteY7"/>
-              </a:cxn>
-            </a:cxnLst>
-            <a:rect l="l" t="t" r="r" b="b"/>
-            <a:pathLst>
-              <a:path w="1169670" h="2308860">
-                <a:moveTo>
-                  <a:pt x="293370" y="0"/>
-                </a:moveTo>
-                <a:cubicBezTo>
-                  <a:pt x="412750" y="67945"/>
-                  <a:pt x="532130" y="135890"/>
-                  <a:pt x="590550" y="251460"/>
-                </a:cubicBezTo>
-                <a:cubicBezTo>
-                  <a:pt x="648970" y="367030"/>
-                  <a:pt x="717550" y="529590"/>
-                  <a:pt x="643890" y="693420"/>
-                </a:cubicBezTo>
-                <a:cubicBezTo>
-                  <a:pt x="570230" y="857250"/>
-                  <a:pt x="254000" y="1064260"/>
-                  <a:pt x="148590" y="1234440"/>
-                </a:cubicBezTo>
-                <a:cubicBezTo>
-                  <a:pt x="43180" y="1404620"/>
-                  <a:pt x="0" y="1590040"/>
-                  <a:pt x="11430" y="1714500"/>
-                </a:cubicBezTo>
-                <a:cubicBezTo>
-                  <a:pt x="22860" y="1838960"/>
-                  <a:pt x="77470" y="1955800"/>
-                  <a:pt x="217170" y="1981200"/>
-                </a:cubicBezTo>
-                <a:cubicBezTo>
-                  <a:pt x="356870" y="2006600"/>
-                  <a:pt x="690880" y="1812290"/>
-                  <a:pt x="849630" y="1866900"/>
-                </a:cubicBezTo>
-                <a:cubicBezTo>
-                  <a:pt x="1008380" y="1921510"/>
-                  <a:pt x="1089025" y="2115185"/>
-                  <a:pt x="1169670" y="2308860"/>
-                </a:cubicBezTo>
-              </a:path>
-            </a:pathLst>
-          </a:custGeom>
-        </p:spPr>
-        <p:style>
-          <a:lnRef idx="1">
-            <a:schemeClr val="accent1"/>
-          </a:lnRef>
-          <a:fillRef idx="0">
-            <a:schemeClr val="accent1"/>
-          </a:fillRef>
-          <a:effectRef idx="0">
-            <a:schemeClr val="accent1"/>
-          </a:effectRef>
-          <a:fontRef idx="minor">
-            <a:schemeClr val="tx1"/>
-          </a:fontRef>
-        </p:style>
-        <p:txBody>
-          <a:bodyPr rtlCol="0" anchor="ctr"/>
-          <a:lstStyle/>
-          <a:p>
-            <a:pPr algn="ctr"/>
-            <a:endParaRPr lang="en-US"/>
-          </a:p>
-        </p:txBody>
-      </p:sp>
-      <p:sp>
-        <p:nvSpPr>
-          <p:cNvPr id="6" name="Freeform 5"/>
-          <p:cNvSpPr/>
-          <p:nvPr/>
-        </p:nvSpPr>
-        <p:spPr>
-          <a:xfrm>
-            <a:off x="2362200" y="1219200"/>
-            <a:ext cx="1169670" cy="2308860"/>
-          </a:xfrm>
-          <a:custGeom>
-            <a:avLst/>
-            <a:gdLst>
-              <a:gd name="connsiteX0" fmla="*/ 293370 w 1169670"/>
-              <a:gd name="connsiteY0" fmla="*/ 0 h 2308860"/>
-              <a:gd name="connsiteX1" fmla="*/ 590550 w 1169670"/>
-              <a:gd name="connsiteY1" fmla="*/ 251460 h 2308860"/>
-              <a:gd name="connsiteX2" fmla="*/ 643890 w 1169670"/>
-              <a:gd name="connsiteY2" fmla="*/ 693420 h 2308860"/>
-              <a:gd name="connsiteX3" fmla="*/ 148590 w 1169670"/>
-              <a:gd name="connsiteY3" fmla="*/ 1234440 h 2308860"/>
-              <a:gd name="connsiteX4" fmla="*/ 11430 w 1169670"/>
-              <a:gd name="connsiteY4" fmla="*/ 1714500 h 2308860"/>
-              <a:gd name="connsiteX5" fmla="*/ 217170 w 1169670"/>
-              <a:gd name="connsiteY5" fmla="*/ 1981200 h 2308860"/>
-              <a:gd name="connsiteX6" fmla="*/ 849630 w 1169670"/>
-              <a:gd name="connsiteY6" fmla="*/ 1866900 h 2308860"/>
-              <a:gd name="connsiteX7" fmla="*/ 1169670 w 1169670"/>
-              <a:gd name="connsiteY7" fmla="*/ 2308860 h 2308860"/>
-            </a:gdLst>
-            <a:ahLst/>
-            <a:cxnLst>
-              <a:cxn ang="0">
-                <a:pos x="connsiteX0" y="connsiteY0"/>
-              </a:cxn>
-              <a:cxn ang="0">
-                <a:pos x="connsiteX1" y="connsiteY1"/>
-              </a:cxn>
-              <a:cxn ang="0">
-                <a:pos x="connsiteX2" y="connsiteY2"/>
-              </a:cxn>
-              <a:cxn ang="0">
-                <a:pos x="connsiteX3" y="connsiteY3"/>
-              </a:cxn>
-              <a:cxn ang="0">
-                <a:pos x="connsiteX4" y="connsiteY4"/>
-              </a:cxn>
-              <a:cxn ang="0">
-                <a:pos x="connsiteX5" y="connsiteY5"/>
-              </a:cxn>
-              <a:cxn ang="0">
-                <a:pos x="connsiteX6" y="connsiteY6"/>
-              </a:cxn>
-              <a:cxn ang="0">
-                <a:pos x="connsiteX7" y="connsiteY7"/>
-              </a:cxn>
-            </a:cxnLst>
-            <a:rect l="l" t="t" r="r" b="b"/>
-            <a:pathLst>
-              <a:path w="1169670" h="2308860">
-                <a:moveTo>
-                  <a:pt x="293370" y="0"/>
-                </a:moveTo>
-                <a:cubicBezTo>
-                  <a:pt x="412750" y="67945"/>
-                  <a:pt x="532130" y="135890"/>
-                  <a:pt x="590550" y="251460"/>
-                </a:cubicBezTo>
-                <a:cubicBezTo>
-                  <a:pt x="648970" y="367030"/>
-                  <a:pt x="717550" y="529590"/>
-                  <a:pt x="643890" y="693420"/>
-                </a:cubicBezTo>
-                <a:cubicBezTo>
-                  <a:pt x="570230" y="857250"/>
-                  <a:pt x="254000" y="1064260"/>
-                  <a:pt x="148590" y="1234440"/>
-                </a:cubicBezTo>
-                <a:cubicBezTo>
-                  <a:pt x="43180" y="1404620"/>
-                  <a:pt x="0" y="1590040"/>
-                  <a:pt x="11430" y="1714500"/>
-                </a:cubicBezTo>
-                <a:cubicBezTo>
-                  <a:pt x="22860" y="1838960"/>
-                  <a:pt x="77470" y="1955800"/>
-                  <a:pt x="217170" y="1981200"/>
-                </a:cubicBezTo>
-                <a:cubicBezTo>
-                  <a:pt x="356870" y="2006600"/>
-                  <a:pt x="690880" y="1812290"/>
-                  <a:pt x="849630" y="1866900"/>
-                </a:cubicBezTo>
-                <a:cubicBezTo>
-                  <a:pt x="1008380" y="1921510"/>
-                  <a:pt x="1089025" y="2115185"/>
-                  <a:pt x="1169670" y="2308860"/>
-                </a:cubicBezTo>
-              </a:path>
-            </a:pathLst>
-          </a:custGeom>
-        </p:spPr>
-        <p:style>
-          <a:lnRef idx="1">
-            <a:schemeClr val="accent1"/>
-          </a:lnRef>
-          <a:fillRef idx="0">
-            <a:schemeClr val="accent1"/>
-          </a:fillRef>
-          <a:effectRef idx="0">
-            <a:schemeClr val="accent1"/>
-          </a:effectRef>
-          <a:fontRef idx="minor">
-            <a:schemeClr val="tx1"/>
-          </a:fontRef>
-        </p:style>
-        <p:txBody>
-          <a:bodyPr rtlCol="0" anchor="ctr"/>
-          <a:lstStyle/>
-          <a:p>
-            <a:pPr algn="ctr"/>
-            <a:endParaRPr lang="en-US"/>
-          </a:p>
-        </p:txBody>
-      </p:sp>
+        </p:grpSpPr>
+        <p:grpSp>
+          <p:nvGrpSpPr>
+            <p:cNvPr id="48" name="Group 47"/>
+            <p:cNvGrpSpPr/>
+            <p:nvPr/>
+          </p:nvGrpSpPr>
+          <p:grpSpPr>
+            <a:xfrm>
+              <a:off x="606135" y="435530"/>
+              <a:ext cx="8405810" cy="5910828"/>
+              <a:chOff x="228601" y="506879"/>
+              <a:chExt cx="8405810" cy="5910828"/>
+            </a:xfrm>
+          </p:grpSpPr>
+          <p:pic>
+            <p:nvPicPr>
+              <p:cNvPr id="1026" name="Picture 2" descr="https://lh4.googleusercontent.com/thw97p5Ug0NfrwjGcjUYYPRLyohXD-4bI3LFHF4osR6u-_Rk9_qPWoia8b1bFfO_xJxFtmAoHWHOY7mAwKvS-QEygwxMUCn2SCvVyS-seaIwv9YcKIZJ7ls8AyCxvNlNcWs5tcfgyG4"/>
+              <p:cNvPicPr>
+                <a:picLocks noChangeAspect="1" noChangeArrowheads="1"/>
+              </p:cNvPicPr>
+              <p:nvPr/>
+            </p:nvPicPr>
+            <p:blipFill>
+              <a:blip r:embed="rId2">
+                <a:extLst>
+                  <a:ext uri="{28A0092B-C50C-407E-A947-70E740481C1C}">
+                    <a14:useLocalDpi xmlns:a14="http://schemas.microsoft.com/office/drawing/2010/main" val="0"/>
+                  </a:ext>
+                </a:extLst>
+              </a:blip>
+              <a:srcRect/>
+              <a:stretch>
+                <a:fillRect/>
+              </a:stretch>
+            </p:blipFill>
+            <p:spPr bwMode="auto">
+              <a:xfrm>
+                <a:off x="228601" y="1014414"/>
+                <a:ext cx="2345742" cy="1228722"/>
+              </a:xfrm>
+              <a:prstGeom prst="rect">
+                <a:avLst/>
+              </a:prstGeom>
+              <a:noFill/>
+              <a:ln w="28575">
+                <a:solidFill>
+                  <a:schemeClr val="tx1"/>
+                </a:solidFill>
+              </a:ln>
+              <a:extLst>
+                <a:ext uri="{909E8E84-426E-40DD-AFC4-6F175D3DCCD1}">
+                  <a14:hiddenFill xmlns:a14="http://schemas.microsoft.com/office/drawing/2010/main">
+                    <a:solidFill>
+                      <a:srgbClr val="FFFFFF"/>
+                    </a:solidFill>
+                  </a14:hiddenFill>
+                </a:ext>
+              </a:extLst>
+            </p:spPr>
+          </p:pic>
+          <p:pic>
+            <p:nvPicPr>
+              <p:cNvPr id="1028" name="Picture 4" descr="https://lh4.googleusercontent.com/yuP7qB2jaonIcZuDCrEWCPWehuf1TjhFqLPhCfVWMFr3PGtJlKwDHqb3Jr7UDjsCwHYMpgm5TLDLTaBHzDvvn9ApUAc7VxPkeXZ5O35KDlly6SD0ZZYMDlzXmWjSv9HlIkg5Dw8FNww"/>
+              <p:cNvPicPr>
+                <a:picLocks noChangeAspect="1" noChangeArrowheads="1"/>
+              </p:cNvPicPr>
+              <p:nvPr/>
+            </p:nvPicPr>
+            <p:blipFill>
+              <a:blip r:embed="rId3">
+                <a:extLst>
+                  <a:ext uri="{28A0092B-C50C-407E-A947-70E740481C1C}">
+                    <a14:useLocalDpi xmlns:a14="http://schemas.microsoft.com/office/drawing/2010/main" val="0"/>
+                  </a:ext>
+                </a:extLst>
+              </a:blip>
+              <a:srcRect/>
+              <a:stretch>
+                <a:fillRect/>
+              </a:stretch>
+            </p:blipFill>
+            <p:spPr bwMode="auto">
+              <a:xfrm>
+                <a:off x="3390900" y="1185862"/>
+                <a:ext cx="1638300" cy="885825"/>
+              </a:xfrm>
+              <a:prstGeom prst="rect">
+                <a:avLst/>
+              </a:prstGeom>
+              <a:noFill/>
+              <a:extLst>
+                <a:ext uri="{909E8E84-426E-40DD-AFC4-6F175D3DCCD1}">
+                  <a14:hiddenFill xmlns:a14="http://schemas.microsoft.com/office/drawing/2010/main">
+                    <a:solidFill>
+                      <a:srgbClr val="FFFFFF"/>
+                    </a:solidFill>
+                  </a14:hiddenFill>
+                </a:ext>
+              </a:extLst>
+            </p:spPr>
+          </p:pic>
+          <p:pic>
+            <p:nvPicPr>
+              <p:cNvPr id="1030" name="Picture 6" descr="https://lh3.googleusercontent.com/l1sp3Kh4QdqTJrJao38iQU5sCqKI9GK1vhMCzzwWczaLyq5-Tayif3ejPsfTEU0p3zbMq7mkR3Nd9LVARDVH6BFZgJ_MzOV43W80HKn9jVTCNdhY2fwV7pnKXHUvRB0oa91XZfuew1U"/>
+              <p:cNvPicPr>
+                <a:picLocks noChangeAspect="1" noChangeArrowheads="1"/>
+              </p:cNvPicPr>
+              <p:nvPr/>
+            </p:nvPicPr>
+            <p:blipFill>
+              <a:blip r:embed="rId4">
+                <a:extLst>
+                  <a:ext uri="{28A0092B-C50C-407E-A947-70E740481C1C}">
+                    <a14:useLocalDpi xmlns:a14="http://schemas.microsoft.com/office/drawing/2010/main" val="0"/>
+                  </a:ext>
+                </a:extLst>
+              </a:blip>
+              <a:srcRect/>
+              <a:stretch>
+                <a:fillRect/>
+              </a:stretch>
+            </p:blipFill>
+            <p:spPr bwMode="auto">
+              <a:xfrm>
+                <a:off x="5576886" y="1349803"/>
+                <a:ext cx="3057525" cy="557943"/>
+              </a:xfrm>
+              <a:prstGeom prst="rect">
+                <a:avLst/>
+              </a:prstGeom>
+              <a:ln>
+                <a:noFill/>
+              </a:ln>
+              <a:effectLst>
+                <a:softEdge rad="112500"/>
+              </a:effectLst>
+              <a:extLst>
+                <a:ext uri="{909E8E84-426E-40DD-AFC4-6F175D3DCCD1}">
+                  <a14:hiddenFill xmlns:a14="http://schemas.microsoft.com/office/drawing/2010/main">
+                    <a:solidFill>
+                      <a:srgbClr val="FFFFFF"/>
+                    </a:solidFill>
+                  </a14:hiddenFill>
+                </a:ext>
+              </a:extLst>
+            </p:spPr>
+          </p:pic>
+          <p:pic>
+            <p:nvPicPr>
+              <p:cNvPr id="1032" name="Picture 8" descr="https://lh6.googleusercontent.com/XsVZkuOrmoUCswyGlixwn3iDXqjClysyVIcfqiLW3Qz0YtLAzw-kEfYIeZRiDUFSBi0TGKMThumiEFkyoh__muRJD0YLKS2L_gW36JXrDNe-cZWURt6lmDZC0-ZEyLdX6gYwHGb66nU"/>
+              <p:cNvPicPr>
+                <a:picLocks noChangeAspect="1" noChangeArrowheads="1"/>
+              </p:cNvPicPr>
+              <p:nvPr/>
+            </p:nvPicPr>
+            <p:blipFill>
+              <a:blip r:embed="rId5" cstate="print">
+                <a:extLst>
+                  <a:ext uri="{28A0092B-C50C-407E-A947-70E740481C1C}">
+                    <a14:useLocalDpi xmlns:a14="http://schemas.microsoft.com/office/drawing/2010/main" val="0"/>
+                  </a:ext>
+                </a:extLst>
+              </a:blip>
+              <a:srcRect/>
+              <a:stretch>
+                <a:fillRect/>
+              </a:stretch>
+            </p:blipFill>
+            <p:spPr bwMode="auto">
+              <a:xfrm>
+                <a:off x="6343650" y="4524375"/>
+                <a:ext cx="1524000" cy="1524000"/>
+              </a:xfrm>
+              <a:prstGeom prst="rect">
+                <a:avLst/>
+              </a:prstGeom>
+              <a:noFill/>
+              <a:extLst>
+                <a:ext uri="{909E8E84-426E-40DD-AFC4-6F175D3DCCD1}">
+                  <a14:hiddenFill xmlns:a14="http://schemas.microsoft.com/office/drawing/2010/main">
+                    <a:solidFill>
+                      <a:srgbClr val="FFFFFF"/>
+                    </a:solidFill>
+                  </a14:hiddenFill>
+                </a:ext>
+              </a:extLst>
+            </p:spPr>
+          </p:pic>
+          <p:pic>
+            <p:nvPicPr>
+              <p:cNvPr id="1034" name="Picture 10" descr="https://lh3.googleusercontent.com/5KgD_GAL-CKO2Gp_HQOUbxOSgXr1eatRuUNb9BX4WMlGzAVOVrjIGX-cqAUglnHIRPSyNKfR4m8w-e6WHIDSyFttP5G67S9Fc9u6hYIQXwdyhrBs6C6KDm0F7xERRjfimbrBtc0jJ_0"/>
+              <p:cNvPicPr>
+                <a:picLocks noChangeAspect="1" noChangeArrowheads="1"/>
+              </p:cNvPicPr>
+              <p:nvPr/>
+            </p:nvPicPr>
+            <p:blipFill>
+              <a:blip r:embed="rId6">
+                <a:extLst>
+                  <a:ext uri="{28A0092B-C50C-407E-A947-70E740481C1C}">
+                    <a14:useLocalDpi xmlns:a14="http://schemas.microsoft.com/office/drawing/2010/main" val="0"/>
+                  </a:ext>
+                </a:extLst>
+              </a:blip>
+              <a:srcRect/>
+              <a:stretch>
+                <a:fillRect/>
+              </a:stretch>
+            </p:blipFill>
+            <p:spPr bwMode="auto">
+              <a:xfrm>
+                <a:off x="664652" y="4410075"/>
+                <a:ext cx="1473639" cy="1752600"/>
+              </a:xfrm>
+              <a:prstGeom prst="rect">
+                <a:avLst/>
+              </a:prstGeom>
+              <a:ln>
+                <a:noFill/>
+              </a:ln>
+              <a:effectLst>
+                <a:softEdge rad="112500"/>
+              </a:effectLst>
+              <a:extLst>
+                <a:ext uri="{909E8E84-426E-40DD-AFC4-6F175D3DCCD1}">
+                  <a14:hiddenFill xmlns:a14="http://schemas.microsoft.com/office/drawing/2010/main">
+                    <a:solidFill>
+                      <a:srgbClr val="FFFFFF"/>
+                    </a:solidFill>
+                  </a14:hiddenFill>
+                </a:ext>
+              </a:extLst>
+            </p:spPr>
+          </p:pic>
+          <p:cxnSp>
+            <p:nvCxnSpPr>
+              <p:cNvPr id="3" name="Straight Arrow Connector 2"/>
+              <p:cNvCxnSpPr>
+                <a:stCxn id="1026" idx="3"/>
+                <a:endCxn id="1028" idx="1"/>
+              </p:cNvCxnSpPr>
+              <p:nvPr/>
+            </p:nvCxnSpPr>
+            <p:spPr>
+              <a:xfrm>
+                <a:off x="2574343" y="1628775"/>
+                <a:ext cx="816557" cy="0"/>
+              </a:xfrm>
+              <a:prstGeom prst="straightConnector1">
+                <a:avLst/>
+              </a:prstGeom>
+              <a:ln w="38100">
+                <a:solidFill>
+                  <a:schemeClr val="tx2">
+                    <a:lumMod val="50000"/>
+                  </a:schemeClr>
+                </a:solidFill>
+                <a:tailEnd type="arrow"/>
+              </a:ln>
+            </p:spPr>
+            <p:style>
+              <a:lnRef idx="1">
+                <a:schemeClr val="accent1"/>
+              </a:lnRef>
+              <a:fillRef idx="0">
+                <a:schemeClr val="accent1"/>
+              </a:fillRef>
+              <a:effectRef idx="0">
+                <a:schemeClr val="accent1"/>
+              </a:effectRef>
+              <a:fontRef idx="minor">
+                <a:schemeClr val="tx1"/>
+              </a:fontRef>
+            </p:style>
+          </p:cxnSp>
+          <p:cxnSp>
+            <p:nvCxnSpPr>
+              <p:cNvPr id="10" name="Straight Arrow Connector 9"/>
+              <p:cNvCxnSpPr>
+                <a:stCxn id="1028" idx="3"/>
+                <a:endCxn id="1030" idx="1"/>
+              </p:cNvCxnSpPr>
+              <p:nvPr/>
+            </p:nvCxnSpPr>
+            <p:spPr>
+              <a:xfrm>
+                <a:off x="5029200" y="1628775"/>
+                <a:ext cx="547686" cy="0"/>
+              </a:xfrm>
+              <a:prstGeom prst="straightConnector1">
+                <a:avLst/>
+              </a:prstGeom>
+              <a:ln w="38100">
+                <a:solidFill>
+                  <a:schemeClr val="tx2">
+                    <a:lumMod val="50000"/>
+                  </a:schemeClr>
+                </a:solidFill>
+                <a:tailEnd type="arrow"/>
+              </a:ln>
+            </p:spPr>
+            <p:style>
+              <a:lnRef idx="1">
+                <a:schemeClr val="accent1"/>
+              </a:lnRef>
+              <a:fillRef idx="0">
+                <a:schemeClr val="accent1"/>
+              </a:fillRef>
+              <a:effectRef idx="0">
+                <a:schemeClr val="accent1"/>
+              </a:effectRef>
+              <a:fontRef idx="minor">
+                <a:schemeClr val="tx1"/>
+              </a:fontRef>
+            </p:style>
+          </p:cxnSp>
+          <p:cxnSp>
+            <p:nvCxnSpPr>
+              <p:cNvPr id="19" name="Straight Arrow Connector 18"/>
+              <p:cNvCxnSpPr>
+                <a:stCxn id="1030" idx="2"/>
+                <a:endCxn id="1032" idx="0"/>
+              </p:cNvCxnSpPr>
+              <p:nvPr/>
+            </p:nvCxnSpPr>
+            <p:spPr>
+              <a:xfrm>
+                <a:off x="7105649" y="1907746"/>
+                <a:ext cx="1" cy="2616629"/>
+              </a:xfrm>
+              <a:prstGeom prst="straightConnector1">
+                <a:avLst/>
+              </a:prstGeom>
+              <a:ln w="38100">
+                <a:solidFill>
+                  <a:schemeClr val="tx2">
+                    <a:lumMod val="50000"/>
+                  </a:schemeClr>
+                </a:solidFill>
+                <a:tailEnd type="arrow"/>
+              </a:ln>
+            </p:spPr>
+            <p:style>
+              <a:lnRef idx="1">
+                <a:schemeClr val="accent1"/>
+              </a:lnRef>
+              <a:fillRef idx="0">
+                <a:schemeClr val="accent1"/>
+              </a:fillRef>
+              <a:effectRef idx="0">
+                <a:schemeClr val="accent1"/>
+              </a:effectRef>
+              <a:fontRef idx="minor">
+                <a:schemeClr val="tx1"/>
+              </a:fontRef>
+            </p:style>
+          </p:cxnSp>
+          <p:sp>
+            <p:nvSpPr>
+              <p:cNvPr id="21" name="Rectangle 20"/>
+              <p:cNvSpPr/>
+              <p:nvPr/>
+            </p:nvSpPr>
+            <p:spPr>
+              <a:xfrm>
+                <a:off x="3200400" y="4933950"/>
+                <a:ext cx="1219200" cy="704850"/>
+              </a:xfrm>
+              <a:prstGeom prst="rect">
+                <a:avLst/>
+              </a:prstGeom>
+              <a:noFill/>
+              <a:ln>
+                <a:solidFill>
+                  <a:schemeClr val="bg1"/>
+                </a:solidFill>
+              </a:ln>
+            </p:spPr>
+            <p:style>
+              <a:lnRef idx="2">
+                <a:schemeClr val="accent1">
+                  <a:shade val="50000"/>
+                </a:schemeClr>
+              </a:lnRef>
+              <a:fillRef idx="1">
+                <a:schemeClr val="accent1"/>
+              </a:fillRef>
+              <a:effectRef idx="0">
+                <a:schemeClr val="accent1"/>
+              </a:effectRef>
+              <a:fontRef idx="minor">
+                <a:schemeClr val="lt1"/>
+              </a:fontRef>
+            </p:style>
+            <p:txBody>
+              <a:bodyPr rtlCol="0" anchor="ctr"/>
+              <a:lstStyle/>
+              <a:p>
+                <a:pPr algn="ctr"/>
+                <a:r>
+                  <a:rPr lang="pl-PL" sz="2800" b="1" dirty="0" smtClean="0">
+                    <a:ln>
+                      <a:solidFill>
+                        <a:schemeClr val="tx1"/>
+                      </a:solidFill>
+                    </a:ln>
+                    <a:solidFill>
+                      <a:schemeClr val="tx1">
+                        <a:lumMod val="95000"/>
+                        <a:lumOff val="5000"/>
+                      </a:schemeClr>
+                    </a:solidFill>
+                  </a:rPr>
+                  <a:t>SVM</a:t>
+                </a:r>
+                <a:endParaRPr lang="pl-PL" b="1" dirty="0">
+                  <a:ln>
+                    <a:solidFill>
+                      <a:schemeClr val="tx1"/>
+                    </a:solidFill>
+                  </a:ln>
+                  <a:solidFill>
+                    <a:schemeClr val="tx1">
+                      <a:lumMod val="95000"/>
+                      <a:lumOff val="5000"/>
+                    </a:schemeClr>
+                  </a:solidFill>
+                </a:endParaRPr>
+              </a:p>
+            </p:txBody>
+          </p:sp>
+          <p:cxnSp>
+            <p:nvCxnSpPr>
+              <p:cNvPr id="23" name="Straight Arrow Connector 22"/>
+              <p:cNvCxnSpPr>
+                <a:stCxn id="1032" idx="1"/>
+                <a:endCxn id="21" idx="3"/>
+              </p:cNvCxnSpPr>
+              <p:nvPr/>
+            </p:nvCxnSpPr>
+            <p:spPr>
+              <a:xfrm flipH="1">
+                <a:off x="4419600" y="5286375"/>
+                <a:ext cx="1924050" cy="0"/>
+              </a:xfrm>
+              <a:prstGeom prst="straightConnector1">
+                <a:avLst/>
+              </a:prstGeom>
+              <a:ln w="38100">
+                <a:solidFill>
+                  <a:schemeClr val="tx2">
+                    <a:lumMod val="50000"/>
+                  </a:schemeClr>
+                </a:solidFill>
+                <a:tailEnd type="arrow"/>
+              </a:ln>
+            </p:spPr>
+            <p:style>
+              <a:lnRef idx="1">
+                <a:schemeClr val="accent1"/>
+              </a:lnRef>
+              <a:fillRef idx="0">
+                <a:schemeClr val="accent1"/>
+              </a:fillRef>
+              <a:effectRef idx="0">
+                <a:schemeClr val="accent1"/>
+              </a:effectRef>
+              <a:fontRef idx="minor">
+                <a:schemeClr val="tx1"/>
+              </a:fontRef>
+            </p:style>
+          </p:cxnSp>
+          <p:cxnSp>
+            <p:nvCxnSpPr>
+              <p:cNvPr id="25" name="Straight Arrow Connector 24"/>
+              <p:cNvCxnSpPr>
+                <a:stCxn id="1034" idx="3"/>
+                <a:endCxn id="21" idx="1"/>
+              </p:cNvCxnSpPr>
+              <p:nvPr/>
+            </p:nvCxnSpPr>
+            <p:spPr>
+              <a:xfrm>
+                <a:off x="2138291" y="5286375"/>
+                <a:ext cx="1062109" cy="0"/>
+              </a:xfrm>
+              <a:prstGeom prst="straightConnector1">
+                <a:avLst/>
+              </a:prstGeom>
+              <a:ln w="38100">
+                <a:solidFill>
+                  <a:schemeClr val="tx2">
+                    <a:lumMod val="50000"/>
+                  </a:schemeClr>
+                </a:solidFill>
+                <a:tailEnd type="arrow"/>
+              </a:ln>
+            </p:spPr>
+            <p:style>
+              <a:lnRef idx="1">
+                <a:schemeClr val="accent1"/>
+              </a:lnRef>
+              <a:fillRef idx="0">
+                <a:schemeClr val="accent1"/>
+              </a:fillRef>
+              <a:effectRef idx="0">
+                <a:schemeClr val="accent1"/>
+              </a:effectRef>
+              <a:fontRef idx="minor">
+                <a:schemeClr val="tx1"/>
+              </a:fontRef>
+            </p:style>
+          </p:cxnSp>
+          <p:sp>
+            <p:nvSpPr>
+              <p:cNvPr id="31" name="Rectangle 30"/>
+              <p:cNvSpPr/>
+              <p:nvPr/>
+            </p:nvSpPr>
+            <p:spPr>
+              <a:xfrm>
+                <a:off x="3081337" y="2971800"/>
+                <a:ext cx="1457325" cy="914400"/>
+              </a:xfrm>
+              <a:prstGeom prst="rect">
+                <a:avLst/>
+              </a:prstGeom>
+              <a:noFill/>
+              <a:ln>
+                <a:solidFill>
+                  <a:schemeClr val="bg1"/>
+                </a:solidFill>
+              </a:ln>
+            </p:spPr>
+            <p:style>
+              <a:lnRef idx="2">
+                <a:schemeClr val="accent1">
+                  <a:shade val="50000"/>
+                </a:schemeClr>
+              </a:lnRef>
+              <a:fillRef idx="1">
+                <a:schemeClr val="accent1"/>
+              </a:fillRef>
+              <a:effectRef idx="0">
+                <a:schemeClr val="accent1"/>
+              </a:effectRef>
+              <a:fontRef idx="minor">
+                <a:schemeClr val="lt1"/>
+              </a:fontRef>
+            </p:style>
+            <p:txBody>
+              <a:bodyPr rtlCol="0" anchor="ctr"/>
+              <a:lstStyle/>
+              <a:p>
+                <a:pPr algn="ctr"/>
+                <a:r>
+                  <a:rPr lang="pl-PL" sz="4800" b="1" dirty="0" smtClean="0">
+                    <a:ln>
+                      <a:solidFill>
+                        <a:schemeClr val="tx1"/>
+                      </a:solidFill>
+                    </a:ln>
+                    <a:solidFill>
+                      <a:srgbClr val="FF0000"/>
+                    </a:solidFill>
+                  </a:rPr>
+                  <a:t>TRZY</a:t>
+                </a:r>
+                <a:endParaRPr lang="pl-PL" b="1" dirty="0">
+                  <a:ln>
+                    <a:solidFill>
+                      <a:schemeClr val="tx1"/>
+                    </a:solidFill>
+                  </a:ln>
+                  <a:solidFill>
+                    <a:srgbClr val="FF0000"/>
+                  </a:solidFill>
+                </a:endParaRPr>
+              </a:p>
+            </p:txBody>
+          </p:sp>
+          <p:cxnSp>
+            <p:nvCxnSpPr>
+              <p:cNvPr id="27" name="Straight Arrow Connector 26"/>
+              <p:cNvCxnSpPr>
+                <a:stCxn id="21" idx="0"/>
+                <a:endCxn id="31" idx="2"/>
+              </p:cNvCxnSpPr>
+              <p:nvPr/>
+            </p:nvCxnSpPr>
+            <p:spPr>
+              <a:xfrm flipV="1">
+                <a:off x="3810000" y="3886200"/>
+                <a:ext cx="0" cy="1047750"/>
+              </a:xfrm>
+              <a:prstGeom prst="straightConnector1">
+                <a:avLst/>
+              </a:prstGeom>
+              <a:ln w="38100">
+                <a:solidFill>
+                  <a:schemeClr val="tx2">
+                    <a:lumMod val="50000"/>
+                  </a:schemeClr>
+                </a:solidFill>
+                <a:tailEnd type="arrow"/>
+              </a:ln>
+            </p:spPr>
+            <p:style>
+              <a:lnRef idx="1">
+                <a:schemeClr val="accent1"/>
+              </a:lnRef>
+              <a:fillRef idx="0">
+                <a:schemeClr val="accent1"/>
+              </a:fillRef>
+              <a:effectRef idx="0">
+                <a:schemeClr val="accent1"/>
+              </a:effectRef>
+              <a:fontRef idx="minor">
+                <a:schemeClr val="tx1"/>
+              </a:fontRef>
+            </p:style>
+          </p:cxnSp>
+          <p:sp>
+            <p:nvSpPr>
+              <p:cNvPr id="46" name="TextBox 45"/>
+              <p:cNvSpPr txBox="1"/>
+              <p:nvPr/>
+            </p:nvSpPr>
+            <p:spPr>
+              <a:xfrm>
+                <a:off x="2312157" y="4800600"/>
+                <a:ext cx="714375" cy="369332"/>
+              </a:xfrm>
+              <a:prstGeom prst="rect">
+                <a:avLst/>
+              </a:prstGeom>
+              <a:noFill/>
+            </p:spPr>
+            <p:txBody>
+              <a:bodyPr wrap="square" rtlCol="0">
+                <a:spAutoFit/>
+              </a:bodyPr>
+              <a:lstStyle/>
+              <a:p>
+                <a:pPr algn="ctr"/>
+                <a:r>
+                  <a:rPr lang="pl-PL" b="1" dirty="0" smtClean="0"/>
+                  <a:t>SURF</a:t>
+                </a:r>
+                <a:endParaRPr lang="pl-PL" b="1" dirty="0"/>
+              </a:p>
+            </p:txBody>
+          </p:sp>
+          <p:sp>
+            <p:nvSpPr>
+              <p:cNvPr id="52" name="TextBox 51"/>
+              <p:cNvSpPr txBox="1"/>
+              <p:nvPr/>
+            </p:nvSpPr>
+            <p:spPr>
+              <a:xfrm>
+                <a:off x="2625433" y="1259443"/>
+                <a:ext cx="714375" cy="369332"/>
+              </a:xfrm>
+              <a:prstGeom prst="rect">
+                <a:avLst/>
+              </a:prstGeom>
+              <a:noFill/>
+            </p:spPr>
+            <p:txBody>
+              <a:bodyPr wrap="square" rtlCol="0">
+                <a:spAutoFit/>
+              </a:bodyPr>
+              <a:lstStyle/>
+              <a:p>
+                <a:pPr algn="ctr"/>
+                <a:r>
+                  <a:rPr lang="pl-PL" b="1" dirty="0" smtClean="0"/>
+                  <a:t>SURF</a:t>
+                </a:r>
+                <a:endParaRPr lang="pl-PL" b="1" dirty="0"/>
+              </a:p>
+            </p:txBody>
+          </p:sp>
+          <p:sp>
+            <p:nvSpPr>
+              <p:cNvPr id="53" name="TextBox 52"/>
+              <p:cNvSpPr txBox="1"/>
+              <p:nvPr/>
+            </p:nvSpPr>
+            <p:spPr>
+              <a:xfrm>
+                <a:off x="6097187" y="506879"/>
+                <a:ext cx="2016922" cy="646331"/>
+              </a:xfrm>
+              <a:prstGeom prst="rect">
+                <a:avLst/>
+              </a:prstGeom>
+              <a:noFill/>
+            </p:spPr>
+            <p:txBody>
+              <a:bodyPr wrap="square" rtlCol="0">
+                <a:spAutoFit/>
+              </a:bodyPr>
+              <a:lstStyle/>
+              <a:p>
+                <a:pPr algn="ctr"/>
+                <a:r>
+                  <a:rPr lang="pl-PL" b="1" dirty="0" smtClean="0"/>
+                  <a:t>Wynik algorytmu </a:t>
+                </a:r>
+                <a:br>
+                  <a:rPr lang="pl-PL" b="1" dirty="0" smtClean="0"/>
+                </a:br>
+                <a:r>
+                  <a:rPr lang="pl-PL" b="1" dirty="0" smtClean="0"/>
+                  <a:t>K-średnich</a:t>
+                </a:r>
+                <a:endParaRPr lang="pl-PL" b="1" dirty="0"/>
+              </a:p>
+            </p:txBody>
+          </p:sp>
+          <p:sp>
+            <p:nvSpPr>
+              <p:cNvPr id="54" name="TextBox 53"/>
+              <p:cNvSpPr txBox="1"/>
+              <p:nvPr/>
+            </p:nvSpPr>
+            <p:spPr>
+              <a:xfrm>
+                <a:off x="3639144" y="506879"/>
+                <a:ext cx="1141811" cy="646331"/>
+              </a:xfrm>
+              <a:prstGeom prst="rect">
+                <a:avLst/>
+              </a:prstGeom>
+              <a:noFill/>
+            </p:spPr>
+            <p:txBody>
+              <a:bodyPr wrap="square" rtlCol="0">
+                <a:spAutoFit/>
+              </a:bodyPr>
+              <a:lstStyle/>
+              <a:p>
+                <a:pPr algn="ctr"/>
+                <a:r>
+                  <a:rPr lang="pl-PL" b="1" dirty="0" smtClean="0"/>
+                  <a:t>Punkty </a:t>
+                </a:r>
+                <a:br>
+                  <a:rPr lang="pl-PL" b="1" dirty="0" smtClean="0"/>
+                </a:br>
+                <a:r>
+                  <a:rPr lang="pl-PL" b="1" dirty="0" smtClean="0"/>
+                  <a:t>kluczowe</a:t>
+                </a:r>
+                <a:endParaRPr lang="pl-PL" b="1" dirty="0"/>
+              </a:p>
+            </p:txBody>
+          </p:sp>
+          <p:sp>
+            <p:nvSpPr>
+              <p:cNvPr id="55" name="TextBox 54"/>
+              <p:cNvSpPr txBox="1"/>
+              <p:nvPr/>
+            </p:nvSpPr>
+            <p:spPr>
+              <a:xfrm>
+                <a:off x="6097189" y="6048375"/>
+                <a:ext cx="2016922" cy="369332"/>
+              </a:xfrm>
+              <a:prstGeom prst="rect">
+                <a:avLst/>
+              </a:prstGeom>
+              <a:noFill/>
+            </p:spPr>
+            <p:txBody>
+              <a:bodyPr wrap="square" rtlCol="0">
+                <a:spAutoFit/>
+              </a:bodyPr>
+              <a:lstStyle/>
+              <a:p>
+                <a:pPr algn="ctr"/>
+                <a:r>
+                  <a:rPr lang="pl-PL" b="1" dirty="0" smtClean="0"/>
+                  <a:t>Baza danych</a:t>
+                </a:r>
+                <a:endParaRPr lang="pl-PL" b="1" dirty="0"/>
+              </a:p>
+            </p:txBody>
+          </p:sp>
+          <p:sp>
+            <p:nvSpPr>
+              <p:cNvPr id="47" name="Rectangle 46"/>
+              <p:cNvSpPr/>
+              <p:nvPr/>
+            </p:nvSpPr>
+            <p:spPr>
+              <a:xfrm>
+                <a:off x="2074149" y="5449669"/>
+                <a:ext cx="1190390" cy="646331"/>
+              </a:xfrm>
+              <a:prstGeom prst="rect">
+                <a:avLst/>
+              </a:prstGeom>
+            </p:spPr>
+            <p:txBody>
+              <a:bodyPr wrap="none">
+                <a:spAutoFit/>
+              </a:bodyPr>
+              <a:lstStyle/>
+              <a:p>
+                <a:pPr algn="ctr"/>
+                <a:r>
+                  <a:rPr lang="pl-PL" b="1" dirty="0" smtClean="0"/>
+                  <a:t>Algorytm</a:t>
+                </a:r>
+                <a:br>
+                  <a:rPr lang="pl-PL" b="1" dirty="0" smtClean="0"/>
+                </a:br>
+                <a:r>
+                  <a:rPr lang="pl-PL" b="1" dirty="0" smtClean="0"/>
+                  <a:t>K-średnich</a:t>
+                </a:r>
+                <a:endParaRPr lang="pl-PL" b="1" dirty="0"/>
+              </a:p>
+            </p:txBody>
+          </p:sp>
+        </p:grpSp>
+        <p:sp>
+          <p:nvSpPr>
+            <p:cNvPr id="58" name="TextBox 57"/>
+            <p:cNvSpPr txBox="1"/>
+            <p:nvPr/>
+          </p:nvSpPr>
+          <p:spPr>
+            <a:xfrm>
+              <a:off x="750305" y="573733"/>
+              <a:ext cx="2057400" cy="369332"/>
+            </a:xfrm>
+            <a:prstGeom prst="rect">
+              <a:avLst/>
+            </a:prstGeom>
+            <a:noFill/>
+          </p:spPr>
+          <p:txBody>
+            <a:bodyPr wrap="square" rtlCol="0">
+              <a:spAutoFit/>
+            </a:bodyPr>
+            <a:lstStyle/>
+            <a:p>
+              <a:pPr algn="ctr"/>
+              <a:r>
+                <a:rPr lang="pl-PL" b="1" dirty="0" smtClean="0"/>
+                <a:t>Próbki uczące</a:t>
+              </a:r>
+              <a:endParaRPr lang="pl-PL" b="1" dirty="0"/>
+            </a:p>
+          </p:txBody>
+        </p:sp>
+        <p:sp>
+          <p:nvSpPr>
+            <p:cNvPr id="59" name="TextBox 58"/>
+            <p:cNvSpPr txBox="1"/>
+            <p:nvPr/>
+          </p:nvSpPr>
+          <p:spPr>
+            <a:xfrm>
+              <a:off x="750306" y="3692394"/>
+              <a:ext cx="2057400" cy="646331"/>
+            </a:xfrm>
+            <a:prstGeom prst="rect">
+              <a:avLst/>
+            </a:prstGeom>
+            <a:noFill/>
+          </p:spPr>
+          <p:txBody>
+            <a:bodyPr wrap="square" rtlCol="0">
+              <a:spAutoFit/>
+            </a:bodyPr>
+            <a:lstStyle/>
+            <a:p>
+              <a:pPr algn="ctr"/>
+              <a:r>
+                <a:rPr lang="pl-PL" b="1" dirty="0" smtClean="0"/>
+                <a:t>Próbka </a:t>
+              </a:r>
+              <a:br>
+                <a:rPr lang="pl-PL" b="1" dirty="0" smtClean="0"/>
+              </a:br>
+              <a:r>
+                <a:rPr lang="pl-PL" b="1" dirty="0" smtClean="0"/>
+                <a:t>testowa</a:t>
+              </a:r>
+              <a:endParaRPr lang="pl-PL" b="1" dirty="0"/>
+            </a:p>
+          </p:txBody>
+        </p:sp>
+      </p:grpSp>
     </p:spTree>
   </p:cSld>
   <p:clrMapOvr>

--- a/Praca/PrezentacjaZawierajacaObrazyPracy.pptx
+++ b/Praca/PrezentacjaZawierajacaObrazyPracy.pptx
@@ -5,7 +5,7 @@
     <p:sldMasterId id="2147483648" r:id="rId1"/>
   </p:sldMasterIdLst>
   <p:notesMasterIdLst>
-    <p:notesMasterId r:id="rId10"/>
+    <p:notesMasterId r:id="rId12"/>
   </p:notesMasterIdLst>
   <p:sldIdLst>
     <p:sldId id="257" r:id="rId2"/>
@@ -16,6 +16,8 @@
     <p:sldId id="262" r:id="rId7"/>
     <p:sldId id="263" r:id="rId8"/>
     <p:sldId id="264" r:id="rId9"/>
+    <p:sldId id="266" r:id="rId10"/>
+    <p:sldId id="265" r:id="rId11"/>
   </p:sldIdLst>
   <p:sldSz cx="9144000" cy="6858000" type="screen4x3"/>
   <p:notesSz cx="6858000" cy="9144000"/>
@@ -200,7 +202,7 @@
             <a:fld id="{40A17DDC-5670-4824-BB94-70ABD52AAC20}" type="datetimeFigureOut">
               <a:rPr lang="pl-PL" smtClean="0"/>
               <a:pPr/>
-              <a:t>13.06.2018</a:t>
+              <a:t>16.06.2018</a:t>
             </a:fld>
             <a:endParaRPr lang="pl-PL"/>
           </a:p>
@@ -651,7 +653,7 @@
             <a:fld id="{92A549DF-A050-4846-87AC-3D2AE01A0CF2}" type="datetimeFigureOut">
               <a:rPr lang="en-US" smtClean="0"/>
               <a:pPr/>
-              <a:t>6/13/2018</a:t>
+              <a:t>6/16/2018</a:t>
             </a:fld>
             <a:endParaRPr lang="en-US"/>
           </a:p>
@@ -818,7 +820,7 @@
             <a:fld id="{92A549DF-A050-4846-87AC-3D2AE01A0CF2}" type="datetimeFigureOut">
               <a:rPr lang="en-US" smtClean="0"/>
               <a:pPr/>
-              <a:t>6/13/2018</a:t>
+              <a:t>6/16/2018</a:t>
             </a:fld>
             <a:endParaRPr lang="en-US"/>
           </a:p>
@@ -995,7 +997,7 @@
             <a:fld id="{92A549DF-A050-4846-87AC-3D2AE01A0CF2}" type="datetimeFigureOut">
               <a:rPr lang="en-US" smtClean="0"/>
               <a:pPr/>
-              <a:t>6/13/2018</a:t>
+              <a:t>6/16/2018</a:t>
             </a:fld>
             <a:endParaRPr lang="en-US"/>
           </a:p>
@@ -1162,7 +1164,7 @@
             <a:fld id="{92A549DF-A050-4846-87AC-3D2AE01A0CF2}" type="datetimeFigureOut">
               <a:rPr lang="en-US" smtClean="0"/>
               <a:pPr/>
-              <a:t>6/13/2018</a:t>
+              <a:t>6/16/2018</a:t>
             </a:fld>
             <a:endParaRPr lang="en-US"/>
           </a:p>
@@ -1405,7 +1407,7 @@
             <a:fld id="{92A549DF-A050-4846-87AC-3D2AE01A0CF2}" type="datetimeFigureOut">
               <a:rPr lang="en-US" smtClean="0"/>
               <a:pPr/>
-              <a:t>6/13/2018</a:t>
+              <a:t>6/16/2018</a:t>
             </a:fld>
             <a:endParaRPr lang="en-US"/>
           </a:p>
@@ -1690,7 +1692,7 @@
             <a:fld id="{92A549DF-A050-4846-87AC-3D2AE01A0CF2}" type="datetimeFigureOut">
               <a:rPr lang="en-US" smtClean="0"/>
               <a:pPr/>
-              <a:t>6/13/2018</a:t>
+              <a:t>6/16/2018</a:t>
             </a:fld>
             <a:endParaRPr lang="en-US"/>
           </a:p>
@@ -2109,7 +2111,7 @@
             <a:fld id="{92A549DF-A050-4846-87AC-3D2AE01A0CF2}" type="datetimeFigureOut">
               <a:rPr lang="en-US" smtClean="0"/>
               <a:pPr/>
-              <a:t>6/13/2018</a:t>
+              <a:t>6/16/2018</a:t>
             </a:fld>
             <a:endParaRPr lang="en-US"/>
           </a:p>
@@ -2224,7 +2226,7 @@
             <a:fld id="{92A549DF-A050-4846-87AC-3D2AE01A0CF2}" type="datetimeFigureOut">
               <a:rPr lang="en-US" smtClean="0"/>
               <a:pPr/>
-              <a:t>6/13/2018</a:t>
+              <a:t>6/16/2018</a:t>
             </a:fld>
             <a:endParaRPr lang="en-US"/>
           </a:p>
@@ -2316,7 +2318,7 @@
             <a:fld id="{92A549DF-A050-4846-87AC-3D2AE01A0CF2}" type="datetimeFigureOut">
               <a:rPr lang="en-US" smtClean="0"/>
               <a:pPr/>
-              <a:t>6/13/2018</a:t>
+              <a:t>6/16/2018</a:t>
             </a:fld>
             <a:endParaRPr lang="en-US"/>
           </a:p>
@@ -2590,7 +2592,7 @@
             <a:fld id="{92A549DF-A050-4846-87AC-3D2AE01A0CF2}" type="datetimeFigureOut">
               <a:rPr lang="en-US" smtClean="0"/>
               <a:pPr/>
-              <a:t>6/13/2018</a:t>
+              <a:t>6/16/2018</a:t>
             </a:fld>
             <a:endParaRPr lang="en-US"/>
           </a:p>
@@ -2840,7 +2842,7 @@
             <a:fld id="{92A549DF-A050-4846-87AC-3D2AE01A0CF2}" type="datetimeFigureOut">
               <a:rPr lang="en-US" smtClean="0"/>
               <a:pPr/>
-              <a:t>6/13/2018</a:t>
+              <a:t>6/16/2018</a:t>
             </a:fld>
             <a:endParaRPr lang="en-US"/>
           </a:p>
@@ -3050,7 +3052,7 @@
             <a:fld id="{92A549DF-A050-4846-87AC-3D2AE01A0CF2}" type="datetimeFigureOut">
               <a:rPr lang="en-US" smtClean="0"/>
               <a:pPr/>
-              <a:t>6/13/2018</a:t>
+              <a:t>6/16/2018</a:t>
             </a:fld>
             <a:endParaRPr lang="en-US"/>
           </a:p>
@@ -3955,6 +3957,1159 @@
         </p:sp>
       </p:grpSp>
     </p:spTree>
+  </p:cSld>
+  <p:clrMapOvr>
+    <a:masterClrMapping/>
+  </p:clrMapOvr>
+</p:sld>
+</file>
+
+<file path=ppt/slides/slide10.xml><?xml version="1.0" encoding="utf-8"?>
+<p:sld xmlns:a="http://schemas.openxmlformats.org/drawingml/2006/main" xmlns:r="http://schemas.openxmlformats.org/officeDocument/2006/relationships" xmlns:p="http://schemas.openxmlformats.org/presentationml/2006/main">
+  <p:cSld>
+    <p:spTree>
+      <p:nvGrpSpPr>
+        <p:cNvPr id="1" name=""/>
+        <p:cNvGrpSpPr/>
+        <p:nvPr/>
+      </p:nvGrpSpPr>
+      <p:grpSpPr>
+        <a:xfrm>
+          <a:off x="0" y="0"/>
+          <a:ext cx="0" cy="0"/>
+          <a:chOff x="0" y="0"/>
+          <a:chExt cx="0" cy="0"/>
+        </a:xfrm>
+      </p:grpSpPr>
+      <p:grpSp>
+        <p:nvGrpSpPr>
+          <p:cNvPr id="110" name="Group 109"/>
+          <p:cNvGrpSpPr/>
+          <p:nvPr/>
+        </p:nvGrpSpPr>
+        <p:grpSpPr>
+          <a:xfrm>
+            <a:off x="152400" y="1211825"/>
+            <a:ext cx="8823600" cy="5202175"/>
+            <a:chOff x="152400" y="1211825"/>
+            <a:chExt cx="8823600" cy="5202175"/>
+          </a:xfrm>
+        </p:grpSpPr>
+        <p:sp>
+          <p:nvSpPr>
+            <p:cNvPr id="75" name="Shape 154"/>
+            <p:cNvSpPr/>
+            <p:nvPr/>
+          </p:nvSpPr>
+          <p:spPr>
+            <a:xfrm>
+              <a:off x="152400" y="1211825"/>
+              <a:ext cx="2880000" cy="1188000"/>
+            </a:xfrm>
+            <a:prstGeom prst="roundRect">
+              <a:avLst>
+                <a:gd name="adj" fmla="val 16667"/>
+              </a:avLst>
+            </a:prstGeom>
+            <a:solidFill>
+              <a:srgbClr val="B6D7A8"/>
+            </a:solidFill>
+            <a:ln w="38100" cap="flat" cmpd="sng">
+              <a:solidFill>
+                <a:srgbClr val="38761D"/>
+              </a:solidFill>
+              <a:prstDash val="solid"/>
+              <a:round/>
+              <a:headEnd type="none" w="sm" len="sm"/>
+              <a:tailEnd type="none" w="sm" len="sm"/>
+            </a:ln>
+          </p:spPr>
+          <p:txBody>
+            <a:bodyPr spcFirstLastPara="1" wrap="square" lIns="91425" tIns="91425" rIns="91425" bIns="91425" anchor="ctr" anchorCtr="0">
+              <a:noAutofit/>
+            </a:bodyPr>
+            <a:lstStyle/>
+            <a:p>
+              <a:pPr marL="0" lvl="0" indent="0">
+                <a:spcBef>
+                  <a:spcPts val="0"/>
+                </a:spcBef>
+                <a:spcAft>
+                  <a:spcPts val="0"/>
+                </a:spcAft>
+                <a:buNone/>
+              </a:pPr>
+              <a:r>
+                <a:rPr lang="en-US" b="1" dirty="0"/>
+                <a:t>View: </a:t>
+              </a:r>
+              <a:r>
+                <a:rPr lang="en-US" b="1" dirty="0" err="1"/>
+                <a:t>Okno</a:t>
+              </a:r>
+              <a:r>
+                <a:rPr lang="en-US" b="1" dirty="0"/>
+                <a:t> </a:t>
+              </a:r>
+              <a:r>
+                <a:rPr lang="en-US" b="1" dirty="0" err="1"/>
+                <a:t>główne</a:t>
+              </a:r>
+              <a:endParaRPr b="1" dirty="0"/>
+            </a:p>
+            <a:p>
+              <a:pPr marL="457200" lvl="0" indent="-317500" rtl="0">
+                <a:spcBef>
+                  <a:spcPts val="0"/>
+                </a:spcBef>
+                <a:spcAft>
+                  <a:spcPts val="0"/>
+                </a:spcAft>
+                <a:buSzPts val="1400"/>
+                <a:buChar char="●"/>
+              </a:pPr>
+              <a:r>
+                <a:rPr lang="en-US" dirty="0" err="1"/>
+                <a:t>Wybrana</a:t>
+              </a:r>
+              <a:r>
+                <a:rPr lang="en-US" dirty="0"/>
+                <a:t> </a:t>
+              </a:r>
+              <a:r>
+                <a:rPr lang="en-US" dirty="0" err="1"/>
+                <a:t>kamera</a:t>
+              </a:r>
+              <a:endParaRPr dirty="0"/>
+            </a:p>
+            <a:p>
+              <a:pPr marL="457200" lvl="0" indent="-317500" rtl="0">
+                <a:spcBef>
+                  <a:spcPts val="0"/>
+                </a:spcBef>
+                <a:spcAft>
+                  <a:spcPts val="0"/>
+                </a:spcAft>
+                <a:buSzPts val="1400"/>
+                <a:buChar char="●"/>
+              </a:pPr>
+              <a:r>
+                <a:rPr lang="en-US" dirty="0" err="1"/>
+                <a:t>Ramka</a:t>
+              </a:r>
+              <a:r>
+                <a:rPr lang="en-US" dirty="0"/>
+                <a:t> </a:t>
+              </a:r>
+              <a:r>
+                <a:rPr lang="en-US" dirty="0" err="1"/>
+                <a:t>Kamery</a:t>
+              </a:r>
+              <a:endParaRPr dirty="0"/>
+            </a:p>
+            <a:p>
+              <a:pPr marL="457200" lvl="0" indent="-317500" rtl="0">
+                <a:spcBef>
+                  <a:spcPts val="0"/>
+                </a:spcBef>
+                <a:spcAft>
+                  <a:spcPts val="0"/>
+                </a:spcAft>
+                <a:buSzPts val="1400"/>
+                <a:buChar char="●"/>
+              </a:pPr>
+              <a:r>
+                <a:rPr lang="en-US" dirty="0" err="1"/>
+                <a:t>Prostokąt</a:t>
+              </a:r>
+              <a:r>
+                <a:rPr lang="en-US" dirty="0"/>
+                <a:t> </a:t>
+              </a:r>
+              <a:r>
+                <a:rPr lang="en-US" dirty="0" err="1"/>
+                <a:t>otaczający</a:t>
+              </a:r>
+              <a:endParaRPr b="1" dirty="0"/>
+            </a:p>
+          </p:txBody>
+        </p:sp>
+        <p:sp>
+          <p:nvSpPr>
+            <p:cNvPr id="76" name="Shape 155"/>
+            <p:cNvSpPr/>
+            <p:nvPr/>
+          </p:nvSpPr>
+          <p:spPr>
+            <a:xfrm>
+              <a:off x="6096000" y="1223500"/>
+              <a:ext cx="2880000" cy="1188000"/>
+            </a:xfrm>
+            <a:prstGeom prst="roundRect">
+              <a:avLst>
+                <a:gd name="adj" fmla="val 16667"/>
+              </a:avLst>
+            </a:prstGeom>
+            <a:solidFill>
+              <a:srgbClr val="B6D7A8"/>
+            </a:solidFill>
+            <a:ln w="38100" cap="flat" cmpd="sng">
+              <a:solidFill>
+                <a:srgbClr val="38761D"/>
+              </a:solidFill>
+              <a:prstDash val="solid"/>
+              <a:round/>
+              <a:headEnd type="none" w="sm" len="sm"/>
+              <a:tailEnd type="none" w="sm" len="sm"/>
+            </a:ln>
+          </p:spPr>
+          <p:txBody>
+            <a:bodyPr spcFirstLastPara="1" wrap="square" lIns="91425" tIns="91425" rIns="91425" bIns="91425" anchor="ctr" anchorCtr="0">
+              <a:noAutofit/>
+            </a:bodyPr>
+            <a:lstStyle/>
+            <a:p>
+              <a:pPr marL="0" lvl="0" indent="0">
+                <a:spcBef>
+                  <a:spcPts val="0"/>
+                </a:spcBef>
+                <a:spcAft>
+                  <a:spcPts val="0"/>
+                </a:spcAft>
+                <a:buNone/>
+              </a:pPr>
+              <a:r>
+                <a:rPr lang="en-US" b="1" dirty="0">
+                  <a:solidFill>
+                    <a:schemeClr val="dk1"/>
+                  </a:solidFill>
+                </a:rPr>
+                <a:t>View</a:t>
+              </a:r>
+              <a:r>
+                <a:rPr lang="en-US" b="1" dirty="0"/>
+                <a:t>: </a:t>
+              </a:r>
+              <a:r>
+                <a:rPr lang="en-US" b="1" dirty="0" err="1"/>
+                <a:t>Okno</a:t>
+              </a:r>
+              <a:r>
+                <a:rPr lang="en-US" b="1" dirty="0"/>
+                <a:t> </a:t>
+              </a:r>
+              <a:r>
+                <a:rPr lang="en-US" b="1" dirty="0" err="1"/>
+                <a:t>bazy</a:t>
+              </a:r>
+              <a:r>
+                <a:rPr lang="en-US" b="1" dirty="0"/>
+                <a:t> </a:t>
+              </a:r>
+              <a:r>
+                <a:rPr lang="en-US" b="1" dirty="0" err="1"/>
+                <a:t>danych</a:t>
+              </a:r>
+              <a:endParaRPr b="1" dirty="0"/>
+            </a:p>
+            <a:p>
+              <a:pPr marL="457200" lvl="0" indent="-317500" rtl="0">
+                <a:lnSpc>
+                  <a:spcPct val="115000"/>
+                </a:lnSpc>
+                <a:spcBef>
+                  <a:spcPts val="0"/>
+                </a:spcBef>
+                <a:spcAft>
+                  <a:spcPts val="0"/>
+                </a:spcAft>
+                <a:buClr>
+                  <a:schemeClr val="dk1"/>
+                </a:buClr>
+                <a:buSzPts val="1400"/>
+                <a:buChar char="●"/>
+              </a:pPr>
+              <a:r>
+                <a:rPr lang="pl-PL" dirty="0"/>
+                <a:t>O</a:t>
+              </a:r>
+              <a:r>
+                <a:rPr lang="en-US" dirty="0" err="1" smtClean="0"/>
+                <a:t>braz</a:t>
+              </a:r>
+              <a:r>
+                <a:rPr lang="en-US" dirty="0" smtClean="0"/>
+                <a:t> </a:t>
+              </a:r>
+              <a:r>
+                <a:rPr lang="en-US" dirty="0" err="1"/>
+                <a:t>gestu</a:t>
+              </a:r>
+              <a:endParaRPr dirty="0"/>
+            </a:p>
+            <a:p>
+              <a:pPr marL="457200" lvl="0" indent="-317500" rtl="0">
+                <a:lnSpc>
+                  <a:spcPct val="115000"/>
+                </a:lnSpc>
+                <a:spcBef>
+                  <a:spcPts val="0"/>
+                </a:spcBef>
+                <a:spcAft>
+                  <a:spcPts val="0"/>
+                </a:spcAft>
+                <a:buSzPts val="1400"/>
+                <a:buChar char="●"/>
+              </a:pPr>
+              <a:r>
+                <a:rPr lang="en-US" dirty="0" err="1"/>
+                <a:t>Wektor</a:t>
+              </a:r>
+              <a:r>
+                <a:rPr lang="en-US" dirty="0"/>
+                <a:t> </a:t>
+              </a:r>
+              <a:r>
+                <a:rPr lang="en-US" dirty="0" err="1"/>
+                <a:t>cech</a:t>
+              </a:r>
+              <a:r>
+                <a:rPr lang="en-US" dirty="0"/>
+                <a:t> </a:t>
+              </a:r>
+              <a:r>
+                <a:rPr lang="en-US" dirty="0" err="1"/>
+                <a:t>obrazu</a:t>
+              </a:r>
+              <a:endParaRPr dirty="0"/>
+            </a:p>
+          </p:txBody>
+        </p:sp>
+        <p:sp>
+          <p:nvSpPr>
+            <p:cNvPr id="77" name="Shape 156"/>
+            <p:cNvSpPr/>
+            <p:nvPr/>
+          </p:nvSpPr>
+          <p:spPr>
+            <a:xfrm>
+              <a:off x="3124200" y="1211825"/>
+              <a:ext cx="2880000" cy="1188000"/>
+            </a:xfrm>
+            <a:prstGeom prst="roundRect">
+              <a:avLst>
+                <a:gd name="adj" fmla="val 16667"/>
+              </a:avLst>
+            </a:prstGeom>
+            <a:solidFill>
+              <a:srgbClr val="B6D7A8"/>
+            </a:solidFill>
+            <a:ln w="38100" cap="flat" cmpd="sng">
+              <a:solidFill>
+                <a:srgbClr val="38761D"/>
+              </a:solidFill>
+              <a:prstDash val="solid"/>
+              <a:round/>
+              <a:headEnd type="none" w="sm" len="sm"/>
+              <a:tailEnd type="none" w="sm" len="sm"/>
+            </a:ln>
+          </p:spPr>
+          <p:txBody>
+            <a:bodyPr spcFirstLastPara="1" wrap="square" lIns="91425" tIns="91425" rIns="91425" bIns="91425" anchor="ctr" anchorCtr="0">
+              <a:noAutofit/>
+            </a:bodyPr>
+            <a:lstStyle/>
+            <a:p>
+              <a:pPr marL="0" lvl="0" indent="0">
+                <a:spcBef>
+                  <a:spcPts val="0"/>
+                </a:spcBef>
+                <a:spcAft>
+                  <a:spcPts val="0"/>
+                </a:spcAft>
+                <a:buNone/>
+              </a:pPr>
+              <a:r>
+                <a:rPr lang="en-US" b="1" dirty="0">
+                  <a:solidFill>
+                    <a:schemeClr val="dk1"/>
+                  </a:solidFill>
+                </a:rPr>
+                <a:t>View</a:t>
+              </a:r>
+              <a:r>
+                <a:rPr lang="en-US" b="1" dirty="0"/>
+                <a:t>: </a:t>
+              </a:r>
+              <a:r>
+                <a:rPr lang="en-US" b="1" dirty="0" err="1"/>
+                <a:t>Okno</a:t>
+              </a:r>
+              <a:r>
+                <a:rPr lang="en-US" b="1" dirty="0"/>
+                <a:t> </a:t>
+              </a:r>
+              <a:r>
+                <a:rPr lang="en-US" b="1" dirty="0" err="1"/>
+                <a:t>filtrowania</a:t>
+              </a:r>
+              <a:endParaRPr b="1" dirty="0"/>
+            </a:p>
+            <a:p>
+              <a:pPr marL="457200" lvl="0" indent="-317500" rtl="0">
+                <a:spcBef>
+                  <a:spcPts val="0"/>
+                </a:spcBef>
+                <a:spcAft>
+                  <a:spcPts val="0"/>
+                </a:spcAft>
+                <a:buClr>
+                  <a:schemeClr val="dk1"/>
+                </a:buClr>
+                <a:buSzPts val="1400"/>
+                <a:buChar char="●"/>
+              </a:pPr>
+              <a:r>
+                <a:rPr lang="en-US" dirty="0" err="1">
+                  <a:solidFill>
+                    <a:schemeClr val="dk1"/>
+                  </a:solidFill>
+                </a:rPr>
+                <a:t>Filtr</a:t>
+              </a:r>
+              <a:r>
+                <a:rPr lang="en-US" dirty="0">
+                  <a:solidFill>
+                    <a:schemeClr val="dk1"/>
+                  </a:solidFill>
+                </a:rPr>
+                <a:t> HSL</a:t>
+              </a:r>
+              <a:endParaRPr dirty="0">
+                <a:solidFill>
+                  <a:schemeClr val="dk1"/>
+                </a:solidFill>
+              </a:endParaRPr>
+            </a:p>
+            <a:p>
+              <a:pPr marL="457200" lvl="0" indent="-317500" rtl="0">
+                <a:spcBef>
+                  <a:spcPts val="0"/>
+                </a:spcBef>
+                <a:spcAft>
+                  <a:spcPts val="0"/>
+                </a:spcAft>
+                <a:buClr>
+                  <a:schemeClr val="dk1"/>
+                </a:buClr>
+                <a:buSzPts val="1400"/>
+                <a:buChar char="●"/>
+              </a:pPr>
+              <a:r>
+                <a:rPr lang="en-US" dirty="0" err="1">
+                  <a:solidFill>
+                    <a:schemeClr val="dk1"/>
+                  </a:solidFill>
+                </a:rPr>
+                <a:t>Ramka</a:t>
+              </a:r>
+              <a:r>
+                <a:rPr lang="en-US" dirty="0">
+                  <a:solidFill>
+                    <a:schemeClr val="dk1"/>
+                  </a:solidFill>
+                </a:rPr>
+                <a:t> </a:t>
+              </a:r>
+              <a:r>
+                <a:rPr lang="en-US" dirty="0" err="1">
+                  <a:solidFill>
+                    <a:schemeClr val="dk1"/>
+                  </a:solidFill>
+                </a:rPr>
+                <a:t>Kamery</a:t>
+              </a:r>
+              <a:endParaRPr dirty="0">
+                <a:solidFill>
+                  <a:schemeClr val="dk1"/>
+                </a:solidFill>
+              </a:endParaRPr>
+            </a:p>
+            <a:p>
+              <a:pPr marL="457200" lvl="0" indent="-317500" rtl="0">
+                <a:spcBef>
+                  <a:spcPts val="0"/>
+                </a:spcBef>
+                <a:spcAft>
+                  <a:spcPts val="0"/>
+                </a:spcAft>
+                <a:buClr>
+                  <a:schemeClr val="dk1"/>
+                </a:buClr>
+                <a:buSzPts val="1400"/>
+                <a:buChar char="●"/>
+              </a:pPr>
+              <a:r>
+                <a:rPr lang="en-US" dirty="0" err="1">
+                  <a:solidFill>
+                    <a:schemeClr val="dk1"/>
+                  </a:solidFill>
+                </a:rPr>
+                <a:t>Prostokąt</a:t>
+              </a:r>
+              <a:r>
+                <a:rPr lang="en-US" dirty="0">
+                  <a:solidFill>
+                    <a:schemeClr val="dk1"/>
+                  </a:solidFill>
+                </a:rPr>
+                <a:t> </a:t>
+              </a:r>
+              <a:r>
+                <a:rPr lang="en-US" dirty="0" err="1">
+                  <a:solidFill>
+                    <a:schemeClr val="dk1"/>
+                  </a:solidFill>
+                </a:rPr>
+                <a:t>otaczający</a:t>
+              </a:r>
+              <a:endParaRPr dirty="0">
+                <a:solidFill>
+                  <a:schemeClr val="dk1"/>
+                </a:solidFill>
+              </a:endParaRPr>
+            </a:p>
+          </p:txBody>
+        </p:sp>
+        <p:sp>
+          <p:nvSpPr>
+            <p:cNvPr id="78" name="Shape 157"/>
+            <p:cNvSpPr/>
+            <p:nvPr/>
+          </p:nvSpPr>
+          <p:spPr>
+            <a:xfrm>
+              <a:off x="584400" y="3496350"/>
+              <a:ext cx="2016000" cy="628800"/>
+            </a:xfrm>
+            <a:prstGeom prst="roundRect">
+              <a:avLst>
+                <a:gd name="adj" fmla="val 16667"/>
+              </a:avLst>
+            </a:prstGeom>
+            <a:solidFill>
+              <a:srgbClr val="EA9999"/>
+            </a:solidFill>
+            <a:ln w="38100" cap="flat" cmpd="sng">
+              <a:solidFill>
+                <a:srgbClr val="990000"/>
+              </a:solidFill>
+              <a:prstDash val="solid"/>
+              <a:round/>
+              <a:headEnd type="none" w="sm" len="sm"/>
+              <a:tailEnd type="none" w="sm" len="sm"/>
+            </a:ln>
+          </p:spPr>
+          <p:txBody>
+            <a:bodyPr spcFirstLastPara="1" wrap="square" lIns="91425" tIns="91425" rIns="91425" bIns="91425" anchor="ctr" anchorCtr="0">
+              <a:noAutofit/>
+            </a:bodyPr>
+            <a:lstStyle/>
+            <a:p>
+              <a:pPr marL="0" lvl="0" indent="0" algn="ctr" rtl="0">
+                <a:spcBef>
+                  <a:spcPts val="0"/>
+                </a:spcBef>
+                <a:spcAft>
+                  <a:spcPts val="0"/>
+                </a:spcAft>
+                <a:buNone/>
+              </a:pPr>
+              <a:r>
+                <a:rPr lang="en-US" b="1" dirty="0" err="1"/>
+                <a:t>ViewModel</a:t>
+              </a:r>
+              <a:r>
+                <a:rPr lang="en-US" b="1" dirty="0"/>
+                <a:t>: </a:t>
+              </a:r>
+              <a:r>
+                <a:rPr lang="pl-PL" b="1" dirty="0" smtClean="0"/>
+                <a:t/>
+              </a:r>
+              <a:br>
+                <a:rPr lang="pl-PL" b="1" dirty="0" smtClean="0"/>
+              </a:br>
+              <a:r>
+                <a:rPr lang="en-US" b="1" dirty="0" err="1" smtClean="0"/>
+                <a:t>Okno</a:t>
+              </a:r>
+              <a:r>
+                <a:rPr lang="en-US" b="1" dirty="0" smtClean="0"/>
+                <a:t> </a:t>
+              </a:r>
+              <a:r>
+                <a:rPr lang="en-US" b="1" dirty="0" err="1"/>
+                <a:t>główne</a:t>
+              </a:r>
+              <a:endParaRPr b="1" dirty="0"/>
+            </a:p>
+          </p:txBody>
+        </p:sp>
+        <p:sp>
+          <p:nvSpPr>
+            <p:cNvPr id="79" name="Shape 158"/>
+            <p:cNvSpPr/>
+            <p:nvPr/>
+          </p:nvSpPr>
+          <p:spPr>
+            <a:xfrm>
+              <a:off x="6528300" y="3429000"/>
+              <a:ext cx="2015400" cy="763500"/>
+            </a:xfrm>
+            <a:prstGeom prst="roundRect">
+              <a:avLst>
+                <a:gd name="adj" fmla="val 16667"/>
+              </a:avLst>
+            </a:prstGeom>
+            <a:solidFill>
+              <a:srgbClr val="EA9999"/>
+            </a:solidFill>
+            <a:ln w="38100" cap="flat" cmpd="sng">
+              <a:solidFill>
+                <a:srgbClr val="990000"/>
+              </a:solidFill>
+              <a:prstDash val="solid"/>
+              <a:round/>
+              <a:headEnd type="none" w="sm" len="sm"/>
+              <a:tailEnd type="none" w="sm" len="sm"/>
+            </a:ln>
+          </p:spPr>
+          <p:txBody>
+            <a:bodyPr spcFirstLastPara="1" wrap="square" lIns="91425" tIns="91425" rIns="91425" bIns="91425" anchor="ctr" anchorCtr="0">
+              <a:noAutofit/>
+            </a:bodyPr>
+            <a:lstStyle/>
+            <a:p>
+              <a:pPr marL="0" lvl="0" indent="0" algn="ctr" rtl="0">
+                <a:spcBef>
+                  <a:spcPts val="0"/>
+                </a:spcBef>
+                <a:spcAft>
+                  <a:spcPts val="0"/>
+                </a:spcAft>
+                <a:buNone/>
+              </a:pPr>
+              <a:r>
+                <a:rPr lang="en-US" b="1" dirty="0" err="1"/>
+                <a:t>ViewModel</a:t>
+              </a:r>
+              <a:r>
+                <a:rPr lang="en-US" b="1" dirty="0"/>
+                <a:t>: </a:t>
+              </a:r>
+              <a:br>
+                <a:rPr lang="en-US" b="1" dirty="0"/>
+              </a:br>
+              <a:r>
+                <a:rPr lang="en-US" b="1" dirty="0" err="1"/>
+                <a:t>Okno</a:t>
+              </a:r>
+              <a:r>
+                <a:rPr lang="en-US" b="1" dirty="0"/>
+                <a:t> </a:t>
+              </a:r>
+              <a:r>
+                <a:rPr lang="en-US" b="1" dirty="0" err="1"/>
+                <a:t>bazy</a:t>
+              </a:r>
+              <a:r>
+                <a:rPr lang="en-US" b="1" dirty="0"/>
+                <a:t> </a:t>
+              </a:r>
+              <a:r>
+                <a:rPr lang="en-US" b="1" dirty="0" err="1"/>
+                <a:t>danych</a:t>
+              </a:r>
+              <a:endParaRPr b="1" dirty="0"/>
+            </a:p>
+          </p:txBody>
+        </p:sp>
+        <p:sp>
+          <p:nvSpPr>
+            <p:cNvPr id="80" name="Shape 159"/>
+            <p:cNvSpPr/>
+            <p:nvPr/>
+          </p:nvSpPr>
+          <p:spPr>
+            <a:xfrm>
+              <a:off x="3556200" y="3429000"/>
+              <a:ext cx="2016000" cy="763500"/>
+            </a:xfrm>
+            <a:prstGeom prst="roundRect">
+              <a:avLst>
+                <a:gd name="adj" fmla="val 16667"/>
+              </a:avLst>
+            </a:prstGeom>
+            <a:solidFill>
+              <a:srgbClr val="EA9999"/>
+            </a:solidFill>
+            <a:ln w="38100" cap="flat" cmpd="sng">
+              <a:solidFill>
+                <a:srgbClr val="990000"/>
+              </a:solidFill>
+              <a:prstDash val="solid"/>
+              <a:round/>
+              <a:headEnd type="none" w="sm" len="sm"/>
+              <a:tailEnd type="none" w="sm" len="sm"/>
+            </a:ln>
+          </p:spPr>
+          <p:txBody>
+            <a:bodyPr spcFirstLastPara="1" wrap="square" lIns="91425" tIns="91425" rIns="91425" bIns="91425" anchor="ctr" anchorCtr="0">
+              <a:noAutofit/>
+            </a:bodyPr>
+            <a:lstStyle/>
+            <a:p>
+              <a:pPr marL="0" lvl="0" indent="0" algn="ctr" rtl="0">
+                <a:spcBef>
+                  <a:spcPts val="0"/>
+                </a:spcBef>
+                <a:spcAft>
+                  <a:spcPts val="0"/>
+                </a:spcAft>
+                <a:buNone/>
+              </a:pPr>
+              <a:r>
+                <a:rPr lang="en-US" b="1" dirty="0" err="1"/>
+                <a:t>ViewModel</a:t>
+              </a:r>
+              <a:r>
+                <a:rPr lang="en-US" b="1" dirty="0"/>
+                <a:t>: </a:t>
+              </a:r>
+              <a:br>
+                <a:rPr lang="en-US" b="1" dirty="0"/>
+              </a:br>
+              <a:r>
+                <a:rPr lang="en-US" b="1" dirty="0" err="1"/>
+                <a:t>Okno</a:t>
+              </a:r>
+              <a:r>
+                <a:rPr lang="en-US" b="1" dirty="0"/>
+                <a:t> </a:t>
+              </a:r>
+              <a:r>
+                <a:rPr lang="en-US" b="1" dirty="0" err="1"/>
+                <a:t>filtrowania</a:t>
+              </a:r>
+              <a:endParaRPr b="1" dirty="0"/>
+            </a:p>
+          </p:txBody>
+        </p:sp>
+        <p:sp>
+          <p:nvSpPr>
+            <p:cNvPr id="81" name="Shape 160"/>
+            <p:cNvSpPr/>
+            <p:nvPr/>
+          </p:nvSpPr>
+          <p:spPr>
+            <a:xfrm>
+              <a:off x="3670200" y="5334000"/>
+              <a:ext cx="1788000" cy="1080000"/>
+            </a:xfrm>
+            <a:prstGeom prst="roundRect">
+              <a:avLst>
+                <a:gd name="adj" fmla="val 16667"/>
+              </a:avLst>
+            </a:prstGeom>
+            <a:solidFill>
+              <a:srgbClr val="A4C2F4"/>
+            </a:solidFill>
+            <a:ln w="38100" cap="flat" cmpd="sng">
+              <a:solidFill>
+                <a:srgbClr val="1155CC"/>
+              </a:solidFill>
+              <a:prstDash val="solid"/>
+              <a:round/>
+              <a:headEnd type="none" w="sm" len="sm"/>
+              <a:tailEnd type="none" w="sm" len="sm"/>
+            </a:ln>
+          </p:spPr>
+          <p:txBody>
+            <a:bodyPr spcFirstLastPara="1" wrap="square" lIns="91425" tIns="91425" rIns="91425" bIns="91425" anchor="ctr" anchorCtr="0">
+              <a:noAutofit/>
+            </a:bodyPr>
+            <a:lstStyle/>
+            <a:p>
+              <a:pPr marL="0" lvl="0" indent="0">
+                <a:spcBef>
+                  <a:spcPts val="0"/>
+                </a:spcBef>
+                <a:spcAft>
+                  <a:spcPts val="0"/>
+                </a:spcAft>
+                <a:buNone/>
+              </a:pPr>
+              <a:r>
+                <a:rPr lang="en-US" b="1" dirty="0"/>
+                <a:t>Model: </a:t>
+              </a:r>
+              <a:r>
+                <a:rPr lang="en-US" b="1" dirty="0" err="1"/>
+                <a:t>Kamera</a:t>
+              </a:r>
+              <a:endParaRPr b="1" dirty="0"/>
+            </a:p>
+            <a:p>
+              <a:pPr marL="0" lvl="0" indent="0" rtl="0">
+                <a:lnSpc>
+                  <a:spcPct val="115000"/>
+                </a:lnSpc>
+                <a:spcBef>
+                  <a:spcPts val="0"/>
+                </a:spcBef>
+                <a:spcAft>
+                  <a:spcPts val="0"/>
+                </a:spcAft>
+                <a:buClr>
+                  <a:schemeClr val="dk1"/>
+                </a:buClr>
+                <a:buSzPts val="1100"/>
+                <a:buFont typeface="Arial"/>
+                <a:buNone/>
+              </a:pPr>
+              <a:r>
+                <a:rPr lang="en-US" dirty="0">
+                  <a:solidFill>
+                    <a:schemeClr val="dk1"/>
+                  </a:solidFill>
+                </a:rPr>
+                <a:t>•</a:t>
+              </a:r>
+              <a:r>
+                <a:rPr lang="en-US" dirty="0" err="1">
+                  <a:solidFill>
+                    <a:schemeClr val="dk1"/>
+                  </a:solidFill>
+                </a:rPr>
+                <a:t>Nazwa</a:t>
+              </a:r>
+              <a:endParaRPr dirty="0">
+                <a:solidFill>
+                  <a:schemeClr val="dk1"/>
+                </a:solidFill>
+              </a:endParaRPr>
+            </a:p>
+            <a:p>
+              <a:pPr marL="0" lvl="0" indent="0" rtl="0">
+                <a:lnSpc>
+                  <a:spcPct val="115000"/>
+                </a:lnSpc>
+                <a:spcBef>
+                  <a:spcPts val="0"/>
+                </a:spcBef>
+                <a:spcAft>
+                  <a:spcPts val="0"/>
+                </a:spcAft>
+                <a:buNone/>
+              </a:pPr>
+              <a:r>
+                <a:rPr lang="en-US" dirty="0">
+                  <a:solidFill>
+                    <a:schemeClr val="dk1"/>
+                  </a:solidFill>
+                </a:rPr>
+                <a:t>•</a:t>
+              </a:r>
+              <a:r>
+                <a:rPr lang="en-US" dirty="0" err="1">
+                  <a:solidFill>
+                    <a:schemeClr val="dk1"/>
+                  </a:solidFill>
+                </a:rPr>
+                <a:t>Ramka</a:t>
+              </a:r>
+              <a:endParaRPr b="1" dirty="0"/>
+            </a:p>
+          </p:txBody>
+        </p:sp>
+        <p:cxnSp>
+          <p:nvCxnSpPr>
+            <p:cNvPr id="82" name="Shape 161"/>
+            <p:cNvCxnSpPr>
+              <a:stCxn id="81" idx="0"/>
+              <a:endCxn id="78" idx="3"/>
+            </p:cNvCxnSpPr>
+            <p:nvPr/>
+          </p:nvCxnSpPr>
+          <p:spPr>
+            <a:xfrm flipH="1" flipV="1">
+              <a:off x="2600400" y="3810750"/>
+              <a:ext cx="1963800" cy="1523250"/>
+            </a:xfrm>
+            <a:prstGeom prst="straightConnector1">
+              <a:avLst/>
+            </a:prstGeom>
+            <a:noFill/>
+            <a:ln w="38100" cap="flat" cmpd="sng">
+              <a:solidFill>
+                <a:schemeClr val="dk2"/>
+              </a:solidFill>
+              <a:prstDash val="solid"/>
+              <a:round/>
+              <a:headEnd type="none" w="med" len="med"/>
+              <a:tailEnd type="triangle" w="med" len="med"/>
+            </a:ln>
+          </p:spPr>
+        </p:cxnSp>
+        <p:cxnSp>
+          <p:nvCxnSpPr>
+            <p:cNvPr id="83" name="Shape 162"/>
+            <p:cNvCxnSpPr>
+              <a:stCxn id="81" idx="0"/>
+              <a:endCxn id="80" idx="2"/>
+            </p:cNvCxnSpPr>
+            <p:nvPr/>
+          </p:nvCxnSpPr>
+          <p:spPr>
+            <a:xfrm flipV="1">
+              <a:off x="4564200" y="4192500"/>
+              <a:ext cx="0" cy="1141500"/>
+            </a:xfrm>
+            <a:prstGeom prst="straightConnector1">
+              <a:avLst/>
+            </a:prstGeom>
+            <a:noFill/>
+            <a:ln w="38100" cap="flat" cmpd="sng">
+              <a:solidFill>
+                <a:schemeClr val="dk2"/>
+              </a:solidFill>
+              <a:prstDash val="solid"/>
+              <a:round/>
+              <a:headEnd type="none" w="med" len="med"/>
+              <a:tailEnd type="triangle" w="med" len="med"/>
+            </a:ln>
+          </p:spPr>
+        </p:cxnSp>
+        <p:cxnSp>
+          <p:nvCxnSpPr>
+            <p:cNvPr id="84" name="Shape 163"/>
+            <p:cNvCxnSpPr>
+              <a:stCxn id="78" idx="2"/>
+              <a:endCxn id="81" idx="1"/>
+            </p:cNvCxnSpPr>
+            <p:nvPr/>
+          </p:nvCxnSpPr>
+          <p:spPr>
+            <a:xfrm>
+              <a:off x="1592400" y="4125150"/>
+              <a:ext cx="2077800" cy="1748850"/>
+            </a:xfrm>
+            <a:prstGeom prst="straightConnector1">
+              <a:avLst/>
+            </a:prstGeom>
+            <a:noFill/>
+            <a:ln w="38100" cap="flat" cmpd="sng">
+              <a:solidFill>
+                <a:schemeClr val="dk2"/>
+              </a:solidFill>
+              <a:prstDash val="solid"/>
+              <a:round/>
+              <a:headEnd type="none" w="med" len="med"/>
+              <a:tailEnd type="triangle" w="med" len="med"/>
+            </a:ln>
+          </p:spPr>
+        </p:cxnSp>
+        <p:cxnSp>
+          <p:nvCxnSpPr>
+            <p:cNvPr id="85" name="Shape 164"/>
+            <p:cNvCxnSpPr>
+              <a:stCxn id="75" idx="2"/>
+              <a:endCxn id="78" idx="0"/>
+            </p:cNvCxnSpPr>
+            <p:nvPr/>
+          </p:nvCxnSpPr>
+          <p:spPr>
+            <a:xfrm>
+              <a:off x="1592400" y="2399825"/>
+              <a:ext cx="0" cy="1096525"/>
+            </a:xfrm>
+            <a:prstGeom prst="straightConnector1">
+              <a:avLst/>
+            </a:prstGeom>
+            <a:noFill/>
+            <a:ln w="38100" cap="flat" cmpd="sng">
+              <a:solidFill>
+                <a:schemeClr val="dk2"/>
+              </a:solidFill>
+              <a:prstDash val="solid"/>
+              <a:round/>
+              <a:headEnd type="none" w="med" len="med"/>
+              <a:tailEnd type="triangle" w="med" len="med"/>
+            </a:ln>
+          </p:spPr>
+        </p:cxnSp>
+        <p:cxnSp>
+          <p:nvCxnSpPr>
+            <p:cNvPr id="86" name="Shape 165"/>
+            <p:cNvCxnSpPr>
+              <a:stCxn id="77" idx="2"/>
+              <a:endCxn id="80" idx="0"/>
+            </p:cNvCxnSpPr>
+            <p:nvPr/>
+          </p:nvCxnSpPr>
+          <p:spPr>
+            <a:xfrm>
+              <a:off x="4564200" y="2399825"/>
+              <a:ext cx="0" cy="1029175"/>
+            </a:xfrm>
+            <a:prstGeom prst="straightConnector1">
+              <a:avLst/>
+            </a:prstGeom>
+            <a:noFill/>
+            <a:ln w="38100" cap="flat" cmpd="sng">
+              <a:solidFill>
+                <a:schemeClr val="dk2"/>
+              </a:solidFill>
+              <a:prstDash val="solid"/>
+              <a:round/>
+              <a:headEnd type="none" w="med" len="med"/>
+              <a:tailEnd type="triangle" w="med" len="med"/>
+            </a:ln>
+          </p:spPr>
+        </p:cxnSp>
+        <p:cxnSp>
+          <p:nvCxnSpPr>
+            <p:cNvPr id="87" name="Shape 166"/>
+            <p:cNvCxnSpPr>
+              <a:stCxn id="76" idx="2"/>
+              <a:endCxn id="79" idx="0"/>
+            </p:cNvCxnSpPr>
+            <p:nvPr/>
+          </p:nvCxnSpPr>
+          <p:spPr>
+            <a:xfrm>
+              <a:off x="7536000" y="2411500"/>
+              <a:ext cx="0" cy="1017500"/>
+            </a:xfrm>
+            <a:prstGeom prst="straightConnector1">
+              <a:avLst/>
+            </a:prstGeom>
+            <a:noFill/>
+            <a:ln w="38100" cap="flat" cmpd="sng">
+              <a:solidFill>
+                <a:schemeClr val="dk2"/>
+              </a:solidFill>
+              <a:prstDash val="solid"/>
+              <a:round/>
+              <a:headEnd type="none" w="med" len="med"/>
+              <a:tailEnd type="triangle" w="med" len="med"/>
+            </a:ln>
+          </p:spPr>
+        </p:cxnSp>
+        <p:sp>
+          <p:nvSpPr>
+            <p:cNvPr id="108" name="Lightning Bolt 107"/>
+            <p:cNvSpPr/>
+            <p:nvPr/>
+          </p:nvSpPr>
+          <p:spPr>
+            <a:xfrm>
+              <a:off x="3581400" y="4466175"/>
+              <a:ext cx="297000" cy="533400"/>
+            </a:xfrm>
+            <a:prstGeom prst="lightningBolt">
+              <a:avLst/>
+            </a:prstGeom>
+            <a:solidFill>
+              <a:srgbClr val="FFFF00"/>
+            </a:solidFill>
+            <a:ln>
+              <a:solidFill>
+                <a:srgbClr val="C00000"/>
+              </a:solidFill>
+            </a:ln>
+          </p:spPr>
+          <p:style>
+            <a:lnRef idx="2">
+              <a:schemeClr val="accent1">
+                <a:shade val="50000"/>
+              </a:schemeClr>
+            </a:lnRef>
+            <a:fillRef idx="1">
+              <a:schemeClr val="accent1"/>
+            </a:fillRef>
+            <a:effectRef idx="0">
+              <a:schemeClr val="accent1"/>
+            </a:effectRef>
+            <a:fontRef idx="minor">
+              <a:schemeClr val="lt1"/>
+            </a:fontRef>
+          </p:style>
+          <p:txBody>
+            <a:bodyPr rtlCol="0" anchor="ctr"/>
+            <a:lstStyle/>
+            <a:p>
+              <a:pPr algn="ctr"/>
+              <a:endParaRPr lang="pl-PL"/>
+            </a:p>
+          </p:txBody>
+        </p:sp>
+        <p:sp>
+          <p:nvSpPr>
+            <p:cNvPr id="109" name="Lightning Bolt 108"/>
+            <p:cNvSpPr/>
+            <p:nvPr/>
+          </p:nvSpPr>
+          <p:spPr>
+            <a:xfrm>
+              <a:off x="4415700" y="4466175"/>
+              <a:ext cx="297000" cy="533400"/>
+            </a:xfrm>
+            <a:prstGeom prst="lightningBolt">
+              <a:avLst/>
+            </a:prstGeom>
+            <a:solidFill>
+              <a:srgbClr val="FFFF00"/>
+            </a:solidFill>
+            <a:ln>
+              <a:solidFill>
+                <a:srgbClr val="C00000"/>
+              </a:solidFill>
+            </a:ln>
+          </p:spPr>
+          <p:style>
+            <a:lnRef idx="2">
+              <a:schemeClr val="accent1">
+                <a:shade val="50000"/>
+              </a:schemeClr>
+            </a:lnRef>
+            <a:fillRef idx="1">
+              <a:schemeClr val="accent1"/>
+            </a:fillRef>
+            <a:effectRef idx="0">
+              <a:schemeClr val="accent1"/>
+            </a:effectRef>
+            <a:fontRef idx="minor">
+              <a:schemeClr val="lt1"/>
+            </a:fontRef>
+          </p:style>
+          <p:txBody>
+            <a:bodyPr rtlCol="0" anchor="ctr"/>
+            <a:lstStyle/>
+            <a:p>
+              <a:pPr algn="ctr"/>
+              <a:endParaRPr lang="pl-PL"/>
+            </a:p>
+          </p:txBody>
+        </p:sp>
+      </p:grpSp>
+    </p:spTree>
+    <p:extLst>
+      <p:ext uri="{BB962C8B-B14F-4D97-AF65-F5344CB8AC3E}">
+        <p14:creationId xmlns:p14="http://schemas.microsoft.com/office/powerpoint/2010/main" val="671893581"/>
+      </p:ext>
+    </p:extLst>
   </p:cSld>
   <p:clrMapOvr>
     <a:masterClrMapping/>
@@ -33403,6 +34558,66 @@
 </p:sld>
 </file>
 
+<file path=ppt/slides/slide9.xml><?xml version="1.0" encoding="utf-8"?>
+<p:sld xmlns:a="http://schemas.openxmlformats.org/drawingml/2006/main" xmlns:r="http://schemas.openxmlformats.org/officeDocument/2006/relationships" xmlns:p="http://schemas.openxmlformats.org/presentationml/2006/main">
+  <p:cSld>
+    <p:spTree>
+      <p:nvGrpSpPr>
+        <p:cNvPr id="1" name=""/>
+        <p:cNvGrpSpPr/>
+        <p:nvPr/>
+      </p:nvGrpSpPr>
+      <p:grpSpPr>
+        <a:xfrm>
+          <a:off x="0" y="0"/>
+          <a:ext cx="0" cy="0"/>
+          <a:chOff x="0" y="0"/>
+          <a:chExt cx="0" cy="0"/>
+        </a:xfrm>
+      </p:grpSpPr>
+      <p:pic>
+        <p:nvPicPr>
+          <p:cNvPr id="15" name="Picture 14"/>
+          <p:cNvPicPr>
+            <a:picLocks noChangeAspect="1"/>
+          </p:cNvPicPr>
+          <p:nvPr/>
+        </p:nvPicPr>
+        <p:blipFill>
+          <a:blip r:embed="rId2">
+            <a:extLst>
+              <a:ext uri="{28A0092B-C50C-407E-A947-70E740481C1C}">
+                <a14:useLocalDpi xmlns:a14="http://schemas.microsoft.com/office/drawing/2010/main" val="0"/>
+              </a:ext>
+            </a:extLst>
+          </a:blip>
+          <a:stretch>
+            <a:fillRect/>
+          </a:stretch>
+        </p:blipFill>
+        <p:spPr>
+          <a:xfrm>
+            <a:off x="152765" y="780507"/>
+            <a:ext cx="8838470" cy="5296986"/>
+          </a:xfrm>
+          <a:prstGeom prst="rect">
+            <a:avLst/>
+          </a:prstGeom>
+        </p:spPr>
+      </p:pic>
+    </p:spTree>
+    <p:extLst>
+      <p:ext uri="{BB962C8B-B14F-4D97-AF65-F5344CB8AC3E}">
+        <p14:creationId xmlns:p14="http://schemas.microsoft.com/office/powerpoint/2010/main" val="1614022121"/>
+      </p:ext>
+    </p:extLst>
+  </p:cSld>
+  <p:clrMapOvr>
+    <a:masterClrMapping/>
+  </p:clrMapOvr>
+</p:sld>
+</file>
+
 <file path=ppt/theme/theme1.xml><?xml version="1.0" encoding="utf-8"?>
 <a:theme xmlns:a="http://schemas.openxmlformats.org/drawingml/2006/main" name="Office Theme">
   <a:themeElements>

--- a/Praca/PrezentacjaZawierajacaObrazyPracy.pptx
+++ b/Praca/PrezentacjaZawierajacaObrazyPracy.pptx
@@ -5,7 +5,7 @@
     <p:sldMasterId id="2147483648" r:id="rId1"/>
   </p:sldMasterIdLst>
   <p:notesMasterIdLst>
-    <p:notesMasterId r:id="rId12"/>
+    <p:notesMasterId r:id="rId13"/>
   </p:notesMasterIdLst>
   <p:sldIdLst>
     <p:sldId id="257" r:id="rId2"/>
@@ -18,6 +18,7 @@
     <p:sldId id="264" r:id="rId9"/>
     <p:sldId id="266" r:id="rId10"/>
     <p:sldId id="265" r:id="rId11"/>
+    <p:sldId id="267" r:id="rId12"/>
   </p:sldIdLst>
   <p:sldSz cx="9144000" cy="6858000" type="screen4x3"/>
   <p:notesSz cx="6858000" cy="9144000"/>
@@ -202,7 +203,7 @@
             <a:fld id="{40A17DDC-5670-4824-BB94-70ABD52AAC20}" type="datetimeFigureOut">
               <a:rPr lang="pl-PL" smtClean="0"/>
               <a:pPr/>
-              <a:t>16.06.2018</a:t>
+              <a:t>25.06.2018</a:t>
             </a:fld>
             <a:endParaRPr lang="pl-PL"/>
           </a:p>
@@ -371,7 +372,7 @@
     </p:spTree>
     <p:extLst>
       <p:ext uri="{BB962C8B-B14F-4D97-AF65-F5344CB8AC3E}">
-        <p14:creationId xmlns:p14="http://schemas.microsoft.com/office/powerpoint/2010/main" val="4140445158"/>
+        <p14:creationId xmlns:p14="http://schemas.microsoft.com/office/powerpoint/2010/main" xmlns="" val="4140445158"/>
       </p:ext>
     </p:extLst>
   </p:cSld>
@@ -653,7 +654,7 @@
             <a:fld id="{92A549DF-A050-4846-87AC-3D2AE01A0CF2}" type="datetimeFigureOut">
               <a:rPr lang="en-US" smtClean="0"/>
               <a:pPr/>
-              <a:t>6/16/2018</a:t>
+              <a:t>6/25/2018</a:t>
             </a:fld>
             <a:endParaRPr lang="en-US"/>
           </a:p>
@@ -820,7 +821,7 @@
             <a:fld id="{92A549DF-A050-4846-87AC-3D2AE01A0CF2}" type="datetimeFigureOut">
               <a:rPr lang="en-US" smtClean="0"/>
               <a:pPr/>
-              <a:t>6/16/2018</a:t>
+              <a:t>6/25/2018</a:t>
             </a:fld>
             <a:endParaRPr lang="en-US"/>
           </a:p>
@@ -997,7 +998,7 @@
             <a:fld id="{92A549DF-A050-4846-87AC-3D2AE01A0CF2}" type="datetimeFigureOut">
               <a:rPr lang="en-US" smtClean="0"/>
               <a:pPr/>
-              <a:t>6/16/2018</a:t>
+              <a:t>6/25/2018</a:t>
             </a:fld>
             <a:endParaRPr lang="en-US"/>
           </a:p>
@@ -1164,7 +1165,7 @@
             <a:fld id="{92A549DF-A050-4846-87AC-3D2AE01A0CF2}" type="datetimeFigureOut">
               <a:rPr lang="en-US" smtClean="0"/>
               <a:pPr/>
-              <a:t>6/16/2018</a:t>
+              <a:t>6/25/2018</a:t>
             </a:fld>
             <a:endParaRPr lang="en-US"/>
           </a:p>
@@ -1407,7 +1408,7 @@
             <a:fld id="{92A549DF-A050-4846-87AC-3D2AE01A0CF2}" type="datetimeFigureOut">
               <a:rPr lang="en-US" smtClean="0"/>
               <a:pPr/>
-              <a:t>6/16/2018</a:t>
+              <a:t>6/25/2018</a:t>
             </a:fld>
             <a:endParaRPr lang="en-US"/>
           </a:p>
@@ -1692,7 +1693,7 @@
             <a:fld id="{92A549DF-A050-4846-87AC-3D2AE01A0CF2}" type="datetimeFigureOut">
               <a:rPr lang="en-US" smtClean="0"/>
               <a:pPr/>
-              <a:t>6/16/2018</a:t>
+              <a:t>6/25/2018</a:t>
             </a:fld>
             <a:endParaRPr lang="en-US"/>
           </a:p>
@@ -2111,7 +2112,7 @@
             <a:fld id="{92A549DF-A050-4846-87AC-3D2AE01A0CF2}" type="datetimeFigureOut">
               <a:rPr lang="en-US" smtClean="0"/>
               <a:pPr/>
-              <a:t>6/16/2018</a:t>
+              <a:t>6/25/2018</a:t>
             </a:fld>
             <a:endParaRPr lang="en-US"/>
           </a:p>
@@ -2226,7 +2227,7 @@
             <a:fld id="{92A549DF-A050-4846-87AC-3D2AE01A0CF2}" type="datetimeFigureOut">
               <a:rPr lang="en-US" smtClean="0"/>
               <a:pPr/>
-              <a:t>6/16/2018</a:t>
+              <a:t>6/25/2018</a:t>
             </a:fld>
             <a:endParaRPr lang="en-US"/>
           </a:p>
@@ -2318,7 +2319,7 @@
             <a:fld id="{92A549DF-A050-4846-87AC-3D2AE01A0CF2}" type="datetimeFigureOut">
               <a:rPr lang="en-US" smtClean="0"/>
               <a:pPr/>
-              <a:t>6/16/2018</a:t>
+              <a:t>6/25/2018</a:t>
             </a:fld>
             <a:endParaRPr lang="en-US"/>
           </a:p>
@@ -2592,7 +2593,7 @@
             <a:fld id="{92A549DF-A050-4846-87AC-3D2AE01A0CF2}" type="datetimeFigureOut">
               <a:rPr lang="en-US" smtClean="0"/>
               <a:pPr/>
-              <a:t>6/16/2018</a:t>
+              <a:t>6/25/2018</a:t>
             </a:fld>
             <a:endParaRPr lang="en-US"/>
           </a:p>
@@ -2842,7 +2843,7 @@
             <a:fld id="{92A549DF-A050-4846-87AC-3D2AE01A0CF2}" type="datetimeFigureOut">
               <a:rPr lang="en-US" smtClean="0"/>
               <a:pPr/>
-              <a:t>6/16/2018</a:t>
+              <a:t>6/25/2018</a:t>
             </a:fld>
             <a:endParaRPr lang="en-US"/>
           </a:p>
@@ -3052,7 +3053,7 @@
             <a:fld id="{92A549DF-A050-4846-87AC-3D2AE01A0CF2}" type="datetimeFigureOut">
               <a:rPr lang="en-US" smtClean="0"/>
               <a:pPr/>
-              <a:t>6/16/2018</a:t>
+              <a:t>6/25/2018</a:t>
             </a:fld>
             <a:endParaRPr lang="en-US"/>
           </a:p>
@@ -5107,7 +5108,37 @@
     </p:spTree>
     <p:extLst>
       <p:ext uri="{BB962C8B-B14F-4D97-AF65-F5344CB8AC3E}">
-        <p14:creationId xmlns:p14="http://schemas.microsoft.com/office/powerpoint/2010/main" val="671893581"/>
+        <p14:creationId xmlns:p14="http://schemas.microsoft.com/office/powerpoint/2010/main" xmlns="" val="671893581"/>
+      </p:ext>
+    </p:extLst>
+  </p:cSld>
+  <p:clrMapOvr>
+    <a:masterClrMapping/>
+  </p:clrMapOvr>
+</p:sld>
+</file>
+
+<file path=ppt/slides/slide11.xml><?xml version="1.0" encoding="utf-8"?>
+<p:sld xmlns:a="http://schemas.openxmlformats.org/drawingml/2006/main" xmlns:r="http://schemas.openxmlformats.org/officeDocument/2006/relationships" xmlns:p="http://schemas.openxmlformats.org/presentationml/2006/main">
+  <p:cSld>
+    <p:spTree>
+      <p:nvGrpSpPr>
+        <p:cNvPr id="1" name=""/>
+        <p:cNvGrpSpPr/>
+        <p:nvPr/>
+      </p:nvGrpSpPr>
+      <p:grpSpPr>
+        <a:xfrm>
+          <a:off x="0" y="0"/>
+          <a:ext cx="0" cy="0"/>
+          <a:chOff x="0" y="0"/>
+          <a:chExt cx="0" cy="0"/>
+        </a:xfrm>
+      </p:grpSpPr>
+    </p:spTree>
+    <p:extLst>
+      <p:ext uri="{BB962C8B-B14F-4D97-AF65-F5344CB8AC3E}">
+        <p14:creationId xmlns:p14="http://schemas.microsoft.com/office/powerpoint/2010/main" xmlns="" val="671893581"/>
       </p:ext>
     </p:extLst>
   </p:cSld>
@@ -5420,7 +5451,7 @@
             <a:blip r:embed="rId2">
               <a:extLst>
                 <a:ext uri="{28A0092B-C50C-407E-A947-70E740481C1C}">
-                  <a14:useLocalDpi xmlns:a14="http://schemas.microsoft.com/office/drawing/2010/main" val="0"/>
+                  <a14:useLocalDpi xmlns:a14="http://schemas.microsoft.com/office/drawing/2010/main" xmlns="" val="0"/>
                 </a:ext>
               </a:extLst>
             </a:blip>
@@ -5450,7 +5481,7 @@
             <a:blip r:embed="rId3">
               <a:extLst>
                 <a:ext uri="{28A0092B-C50C-407E-A947-70E740481C1C}">
-                  <a14:useLocalDpi xmlns:a14="http://schemas.microsoft.com/office/drawing/2010/main" val="0"/>
+                  <a14:useLocalDpi xmlns:a14="http://schemas.microsoft.com/office/drawing/2010/main" xmlns="" val="0"/>
                 </a:ext>
               </a:extLst>
             </a:blip>
@@ -8620,7 +8651,7 @@
     </p:spTree>
     <p:extLst>
       <p:ext uri="{BB962C8B-B14F-4D97-AF65-F5344CB8AC3E}">
-        <p14:creationId xmlns:p14="http://schemas.microsoft.com/office/powerpoint/2010/main" val="1324388323"/>
+        <p14:creationId xmlns:p14="http://schemas.microsoft.com/office/powerpoint/2010/main" xmlns="" val="1324388323"/>
       </p:ext>
     </p:extLst>
   </p:cSld>
@@ -31664,7 +31695,7 @@
     </p:spTree>
     <p:extLst>
       <p:ext uri="{BB962C8B-B14F-4D97-AF65-F5344CB8AC3E}">
-        <p14:creationId xmlns:p14="http://schemas.microsoft.com/office/powerpoint/2010/main" val="1888592034"/>
+        <p14:creationId xmlns:p14="http://schemas.microsoft.com/office/powerpoint/2010/main" xmlns="" val="1888592034"/>
       </p:ext>
     </p:extLst>
   </p:cSld>
@@ -33677,7 +33708,7 @@
               <a:blip r:embed="rId2">
                 <a:extLst>
                   <a:ext uri="{28A0092B-C50C-407E-A947-70E740481C1C}">
-                    <a14:useLocalDpi xmlns:a14="http://schemas.microsoft.com/office/drawing/2010/main" val="0"/>
+                    <a14:useLocalDpi xmlns:a14="http://schemas.microsoft.com/office/drawing/2010/main" xmlns="" val="0"/>
                   </a:ext>
                 </a:extLst>
               </a:blip>
@@ -33702,7 +33733,7 @@
               </a:ln>
               <a:extLst>
                 <a:ext uri="{909E8E84-426E-40DD-AFC4-6F175D3DCCD1}">
-                  <a14:hiddenFill xmlns:a14="http://schemas.microsoft.com/office/drawing/2010/main">
+                  <a14:hiddenFill xmlns:a14="http://schemas.microsoft.com/office/drawing/2010/main" xmlns="">
                     <a:solidFill>
                       <a:srgbClr val="FFFFFF"/>
                     </a:solidFill>
@@ -33723,7 +33754,7 @@
               <a:blip r:embed="rId3">
                 <a:extLst>
                   <a:ext uri="{28A0092B-C50C-407E-A947-70E740481C1C}">
-                    <a14:useLocalDpi xmlns:a14="http://schemas.microsoft.com/office/drawing/2010/main" val="0"/>
+                    <a14:useLocalDpi xmlns:a14="http://schemas.microsoft.com/office/drawing/2010/main" xmlns="" val="0"/>
                   </a:ext>
                 </a:extLst>
               </a:blip>
@@ -33743,7 +33774,7 @@
               <a:noFill/>
               <a:extLst>
                 <a:ext uri="{909E8E84-426E-40DD-AFC4-6F175D3DCCD1}">
-                  <a14:hiddenFill xmlns:a14="http://schemas.microsoft.com/office/drawing/2010/main">
+                  <a14:hiddenFill xmlns:a14="http://schemas.microsoft.com/office/drawing/2010/main" xmlns="">
                     <a:solidFill>
                       <a:srgbClr val="FFFFFF"/>
                     </a:solidFill>
@@ -33764,7 +33795,7 @@
               <a:blip r:embed="rId4">
                 <a:extLst>
                   <a:ext uri="{28A0092B-C50C-407E-A947-70E740481C1C}">
-                    <a14:useLocalDpi xmlns:a14="http://schemas.microsoft.com/office/drawing/2010/main" val="0"/>
+                    <a14:useLocalDpi xmlns:a14="http://schemas.microsoft.com/office/drawing/2010/main" xmlns="" val="0"/>
                   </a:ext>
                 </a:extLst>
               </a:blip>
@@ -33789,7 +33820,7 @@
               </a:effectLst>
               <a:extLst>
                 <a:ext uri="{909E8E84-426E-40DD-AFC4-6F175D3DCCD1}">
-                  <a14:hiddenFill xmlns:a14="http://schemas.microsoft.com/office/drawing/2010/main">
+                  <a14:hiddenFill xmlns:a14="http://schemas.microsoft.com/office/drawing/2010/main" xmlns="">
                     <a:solidFill>
                       <a:srgbClr val="FFFFFF"/>
                     </a:solidFill>
@@ -33810,7 +33841,7 @@
               <a:blip r:embed="rId5" cstate="print">
                 <a:extLst>
                   <a:ext uri="{28A0092B-C50C-407E-A947-70E740481C1C}">
-                    <a14:useLocalDpi xmlns:a14="http://schemas.microsoft.com/office/drawing/2010/main" val="0"/>
+                    <a14:useLocalDpi xmlns:a14="http://schemas.microsoft.com/office/drawing/2010/main" xmlns="" val="0"/>
                   </a:ext>
                 </a:extLst>
               </a:blip>
@@ -33830,7 +33861,7 @@
               <a:noFill/>
               <a:extLst>
                 <a:ext uri="{909E8E84-426E-40DD-AFC4-6F175D3DCCD1}">
-                  <a14:hiddenFill xmlns:a14="http://schemas.microsoft.com/office/drawing/2010/main">
+                  <a14:hiddenFill xmlns:a14="http://schemas.microsoft.com/office/drawing/2010/main" xmlns="">
                     <a:solidFill>
                       <a:srgbClr val="FFFFFF"/>
                     </a:solidFill>
@@ -33851,7 +33882,7 @@
               <a:blip r:embed="rId6">
                 <a:extLst>
                   <a:ext uri="{28A0092B-C50C-407E-A947-70E740481C1C}">
-                    <a14:useLocalDpi xmlns:a14="http://schemas.microsoft.com/office/drawing/2010/main" val="0"/>
+                    <a14:useLocalDpi xmlns:a14="http://schemas.microsoft.com/office/drawing/2010/main" xmlns="" val="0"/>
                   </a:ext>
                 </a:extLst>
               </a:blip>
@@ -33876,7 +33907,7 @@
               </a:effectLst>
               <a:extLst>
                 <a:ext uri="{909E8E84-426E-40DD-AFC4-6F175D3DCCD1}">
-                  <a14:hiddenFill xmlns:a14="http://schemas.microsoft.com/office/drawing/2010/main">
+                  <a14:hiddenFill xmlns:a14="http://schemas.microsoft.com/office/drawing/2010/main" xmlns="">
                     <a:solidFill>
                       <a:srgbClr val="FFFFFF"/>
                     </a:solidFill>
@@ -34587,7 +34618,7 @@
           <a:blip r:embed="rId2">
             <a:extLst>
               <a:ext uri="{28A0092B-C50C-407E-A947-70E740481C1C}">
-                <a14:useLocalDpi xmlns:a14="http://schemas.microsoft.com/office/drawing/2010/main" val="0"/>
+                <a14:useLocalDpi xmlns:a14="http://schemas.microsoft.com/office/drawing/2010/main" xmlns="" val="0"/>
               </a:ext>
             </a:extLst>
           </a:blip>
@@ -34608,7 +34639,7 @@
     </p:spTree>
     <p:extLst>
       <p:ext uri="{BB962C8B-B14F-4D97-AF65-F5344CB8AC3E}">
-        <p14:creationId xmlns:p14="http://schemas.microsoft.com/office/powerpoint/2010/main" val="1614022121"/>
+        <p14:creationId xmlns:p14="http://schemas.microsoft.com/office/powerpoint/2010/main" xmlns="" val="1614022121"/>
       </p:ext>
     </p:extLst>
   </p:cSld>

--- a/Praca/PrezentacjaZawierajacaObrazyPracy.pptx
+++ b/Praca/PrezentacjaZawierajacaObrazyPracy.pptx
@@ -5,7 +5,7 @@
     <p:sldMasterId id="2147483648" r:id="rId1"/>
   </p:sldMasterIdLst>
   <p:notesMasterIdLst>
-    <p:notesMasterId r:id="rId13"/>
+    <p:notesMasterId r:id="rId15"/>
   </p:notesMasterIdLst>
   <p:sldIdLst>
     <p:sldId id="257" r:id="rId2"/>
@@ -18,7 +18,9 @@
     <p:sldId id="264" r:id="rId9"/>
     <p:sldId id="266" r:id="rId10"/>
     <p:sldId id="265" r:id="rId11"/>
-    <p:sldId id="267" r:id="rId12"/>
+    <p:sldId id="268" r:id="rId12"/>
+    <p:sldId id="269" r:id="rId13"/>
+    <p:sldId id="267" r:id="rId14"/>
   </p:sldIdLst>
   <p:sldSz cx="9144000" cy="6858000" type="screen4x3"/>
   <p:notesSz cx="6858000" cy="9144000"/>
@@ -372,7 +374,7 @@
     </p:spTree>
     <p:extLst>
       <p:ext uri="{BB962C8B-B14F-4D97-AF65-F5344CB8AC3E}">
-        <p14:creationId xmlns:p14="http://schemas.microsoft.com/office/powerpoint/2010/main" xmlns="" val="4140445158"/>
+        <p14:creationId xmlns:p14="http://schemas.microsoft.com/office/powerpoint/2010/main" val="4140445158"/>
       </p:ext>
     </p:extLst>
   </p:cSld>
@@ -3982,30 +3984,900 @@
           <a:chExt cx="0" cy="0"/>
         </a:xfrm>
       </p:grpSpPr>
+      <p:sp>
+        <p:nvSpPr>
+          <p:cNvPr id="79" name="Shape 158"/>
+          <p:cNvSpPr/>
+          <p:nvPr/>
+        </p:nvSpPr>
+        <p:spPr>
+          <a:xfrm>
+            <a:off x="4721100" y="3361650"/>
+            <a:ext cx="2015400" cy="763500"/>
+          </a:xfrm>
+          <a:prstGeom prst="roundRect">
+            <a:avLst>
+              <a:gd name="adj" fmla="val 16667"/>
+            </a:avLst>
+          </a:prstGeom>
+          <a:solidFill>
+            <a:srgbClr val="EA9999"/>
+          </a:solidFill>
+          <a:ln w="38100" cap="flat" cmpd="sng">
+            <a:solidFill>
+              <a:srgbClr val="990000"/>
+            </a:solidFill>
+            <a:prstDash val="solid"/>
+            <a:round/>
+            <a:headEnd type="none" w="sm" len="sm"/>
+            <a:tailEnd type="none" w="sm" len="sm"/>
+          </a:ln>
+        </p:spPr>
+        <p:txBody>
+          <a:bodyPr spcFirstLastPara="1" wrap="square" lIns="91425" tIns="91425" rIns="91425" bIns="91425" anchor="ctr" anchorCtr="0">
+            <a:noAutofit/>
+          </a:bodyPr>
+          <a:lstStyle/>
+          <a:p>
+            <a:pPr marL="0" lvl="0" indent="0" algn="ctr" rtl="0">
+              <a:spcBef>
+                <a:spcPts val="0"/>
+              </a:spcBef>
+              <a:spcAft>
+                <a:spcPts val="0"/>
+              </a:spcAft>
+              <a:buNone/>
+            </a:pPr>
+            <a:r>
+              <a:rPr lang="en-US" b="1" dirty="0" err="1"/>
+              <a:t>ViewModel</a:t>
+            </a:r>
+            <a:r>
+              <a:rPr lang="en-US" b="1" dirty="0"/>
+              <a:t>: </a:t>
+            </a:r>
+            <a:br>
+              <a:rPr lang="en-US" b="1" dirty="0"/>
+            </a:br>
+            <a:r>
+              <a:rPr lang="en-US" b="1" dirty="0" err="1"/>
+              <a:t>Okno</a:t>
+            </a:r>
+            <a:r>
+              <a:rPr lang="en-US" b="1" dirty="0"/>
+              <a:t> </a:t>
+            </a:r>
+            <a:r>
+              <a:rPr lang="pl-PL" b="1" dirty="0" err="1"/>
+              <a:t>B</a:t>
+            </a:r>
+            <a:r>
+              <a:rPr lang="en-US" b="1" dirty="0" err="1" smtClean="0"/>
+              <a:t>azy</a:t>
+            </a:r>
+            <a:r>
+              <a:rPr lang="en-US" b="1" dirty="0" smtClean="0"/>
+              <a:t> </a:t>
+            </a:r>
+            <a:r>
+              <a:rPr lang="pl-PL" b="1" dirty="0" err="1"/>
+              <a:t>D</a:t>
+            </a:r>
+            <a:r>
+              <a:rPr lang="en-US" b="1" dirty="0" err="1" smtClean="0"/>
+              <a:t>anych</a:t>
+            </a:r>
+            <a:endParaRPr b="1" dirty="0"/>
+          </a:p>
+        </p:txBody>
+      </p:sp>
+      <p:sp>
+        <p:nvSpPr>
+          <p:cNvPr id="80" name="Shape 159"/>
+          <p:cNvSpPr/>
+          <p:nvPr/>
+        </p:nvSpPr>
+        <p:spPr>
+          <a:xfrm>
+            <a:off x="2400300" y="3361650"/>
+            <a:ext cx="2016000" cy="763500"/>
+          </a:xfrm>
+          <a:prstGeom prst="roundRect">
+            <a:avLst>
+              <a:gd name="adj" fmla="val 16667"/>
+            </a:avLst>
+          </a:prstGeom>
+          <a:solidFill>
+            <a:srgbClr val="EA9999"/>
+          </a:solidFill>
+          <a:ln w="38100" cap="flat" cmpd="sng">
+            <a:solidFill>
+              <a:srgbClr val="990000"/>
+            </a:solidFill>
+            <a:prstDash val="solid"/>
+            <a:round/>
+            <a:headEnd type="none" w="sm" len="sm"/>
+            <a:tailEnd type="none" w="sm" len="sm"/>
+          </a:ln>
+        </p:spPr>
+        <p:txBody>
+          <a:bodyPr spcFirstLastPara="1" wrap="square" lIns="91425" tIns="91425" rIns="91425" bIns="91425" anchor="ctr" anchorCtr="0">
+            <a:noAutofit/>
+          </a:bodyPr>
+          <a:lstStyle/>
+          <a:p>
+            <a:pPr marL="0" lvl="0" indent="0" algn="ctr" rtl="0">
+              <a:spcBef>
+                <a:spcPts val="0"/>
+              </a:spcBef>
+              <a:spcAft>
+                <a:spcPts val="0"/>
+              </a:spcAft>
+              <a:buNone/>
+            </a:pPr>
+            <a:r>
+              <a:rPr lang="en-US" b="1" dirty="0" err="1"/>
+              <a:t>ViewModel</a:t>
+            </a:r>
+            <a:r>
+              <a:rPr lang="en-US" b="1" dirty="0"/>
+              <a:t>: </a:t>
+            </a:r>
+            <a:br>
+              <a:rPr lang="en-US" b="1" dirty="0"/>
+            </a:br>
+            <a:r>
+              <a:rPr lang="en-US" b="1" dirty="0" err="1"/>
+              <a:t>Okno</a:t>
+            </a:r>
+            <a:r>
+              <a:rPr lang="en-US" b="1" dirty="0"/>
+              <a:t> </a:t>
+            </a:r>
+            <a:r>
+              <a:rPr lang="pl-PL" b="1" dirty="0" smtClean="0"/>
+              <a:t>F</a:t>
+            </a:r>
+            <a:r>
+              <a:rPr lang="en-US" b="1" dirty="0" err="1" smtClean="0"/>
+              <a:t>iltrowania</a:t>
+            </a:r>
+            <a:endParaRPr b="1" dirty="0"/>
+          </a:p>
+        </p:txBody>
+      </p:sp>
+      <p:sp>
+        <p:nvSpPr>
+          <p:cNvPr id="81" name="Shape 160"/>
+          <p:cNvSpPr/>
+          <p:nvPr/>
+        </p:nvSpPr>
+        <p:spPr>
+          <a:xfrm>
+            <a:off x="1333200" y="5334000"/>
+            <a:ext cx="1788000" cy="1080000"/>
+          </a:xfrm>
+          <a:prstGeom prst="roundRect">
+            <a:avLst>
+              <a:gd name="adj" fmla="val 16667"/>
+            </a:avLst>
+          </a:prstGeom>
+          <a:solidFill>
+            <a:srgbClr val="A4C2F4"/>
+          </a:solidFill>
+          <a:ln w="38100" cap="flat" cmpd="sng">
+            <a:solidFill>
+              <a:srgbClr val="1155CC"/>
+            </a:solidFill>
+            <a:prstDash val="solid"/>
+            <a:round/>
+            <a:headEnd type="none" w="sm" len="sm"/>
+            <a:tailEnd type="none" w="sm" len="sm"/>
+          </a:ln>
+        </p:spPr>
+        <p:txBody>
+          <a:bodyPr spcFirstLastPara="1" wrap="square" lIns="91425" tIns="91425" rIns="91425" bIns="91425" anchor="ctr" anchorCtr="0">
+            <a:noAutofit/>
+          </a:bodyPr>
+          <a:lstStyle/>
+          <a:p>
+            <a:pPr marL="0" lvl="0" indent="0">
+              <a:spcBef>
+                <a:spcPts val="0"/>
+              </a:spcBef>
+              <a:spcAft>
+                <a:spcPts val="0"/>
+              </a:spcAft>
+              <a:buNone/>
+            </a:pPr>
+            <a:r>
+              <a:rPr lang="en-US" b="1" dirty="0"/>
+              <a:t>Model: </a:t>
+            </a:r>
+            <a:r>
+              <a:rPr lang="en-US" b="1" dirty="0" err="1"/>
+              <a:t>Kamera</a:t>
+            </a:r>
+            <a:endParaRPr b="1" dirty="0"/>
+          </a:p>
+          <a:p>
+            <a:pPr marL="0" lvl="0" indent="0" rtl="0">
+              <a:lnSpc>
+                <a:spcPct val="115000"/>
+              </a:lnSpc>
+              <a:spcBef>
+                <a:spcPts val="0"/>
+              </a:spcBef>
+              <a:spcAft>
+                <a:spcPts val="0"/>
+              </a:spcAft>
+              <a:buClr>
+                <a:schemeClr val="dk1"/>
+              </a:buClr>
+              <a:buSzPts val="1100"/>
+              <a:buFont typeface="Arial"/>
+              <a:buNone/>
+            </a:pPr>
+            <a:r>
+              <a:rPr lang="en-US" dirty="0">
+                <a:solidFill>
+                  <a:schemeClr val="dk1"/>
+                </a:solidFill>
+              </a:rPr>
+              <a:t>•</a:t>
+            </a:r>
+            <a:r>
+              <a:rPr lang="en-US" dirty="0" err="1">
+                <a:solidFill>
+                  <a:schemeClr val="dk1"/>
+                </a:solidFill>
+              </a:rPr>
+              <a:t>Nazwa</a:t>
+            </a:r>
+            <a:endParaRPr dirty="0">
+              <a:solidFill>
+                <a:schemeClr val="dk1"/>
+              </a:solidFill>
+            </a:endParaRPr>
+          </a:p>
+          <a:p>
+            <a:pPr marL="0" lvl="0" indent="0" rtl="0">
+              <a:lnSpc>
+                <a:spcPct val="115000"/>
+              </a:lnSpc>
+              <a:spcBef>
+                <a:spcPts val="0"/>
+              </a:spcBef>
+              <a:spcAft>
+                <a:spcPts val="0"/>
+              </a:spcAft>
+              <a:buNone/>
+            </a:pPr>
+            <a:r>
+              <a:rPr lang="en-US" dirty="0">
+                <a:solidFill>
+                  <a:schemeClr val="dk1"/>
+                </a:solidFill>
+              </a:rPr>
+              <a:t>•</a:t>
+            </a:r>
+            <a:r>
+              <a:rPr lang="en-US" dirty="0" err="1">
+                <a:solidFill>
+                  <a:schemeClr val="dk1"/>
+                </a:solidFill>
+              </a:rPr>
+              <a:t>Ramka</a:t>
+            </a:r>
+            <a:endParaRPr b="1" dirty="0"/>
+          </a:p>
+        </p:txBody>
+      </p:sp>
+      <p:cxnSp>
+        <p:nvCxnSpPr>
+          <p:cNvPr id="83" name="Shape 162"/>
+          <p:cNvCxnSpPr>
+            <a:stCxn id="81" idx="3"/>
+            <a:endCxn id="80" idx="2"/>
+          </p:cNvCxnSpPr>
+          <p:nvPr/>
+        </p:nvCxnSpPr>
+        <p:spPr>
+          <a:xfrm flipV="1">
+            <a:off x="3121200" y="4125150"/>
+            <a:ext cx="287100" cy="1748850"/>
+          </a:xfrm>
+          <a:prstGeom prst="straightConnector1">
+            <a:avLst/>
+          </a:prstGeom>
+          <a:noFill/>
+          <a:ln w="38100" cap="flat" cmpd="sng">
+            <a:solidFill>
+              <a:schemeClr val="dk2"/>
+            </a:solidFill>
+            <a:prstDash val="solid"/>
+            <a:round/>
+            <a:headEnd type="none" w="med" len="med"/>
+            <a:tailEnd type="triangle" w="med" len="med"/>
+          </a:ln>
+        </p:spPr>
+      </p:cxnSp>
+      <p:sp>
+        <p:nvSpPr>
+          <p:cNvPr id="18" name="Shape 159"/>
+          <p:cNvSpPr/>
+          <p:nvPr/>
+        </p:nvSpPr>
+        <p:spPr>
+          <a:xfrm>
+            <a:off x="38100" y="3361650"/>
+            <a:ext cx="2016000" cy="763500"/>
+          </a:xfrm>
+          <a:prstGeom prst="roundRect">
+            <a:avLst>
+              <a:gd name="adj" fmla="val 16667"/>
+            </a:avLst>
+          </a:prstGeom>
+          <a:solidFill>
+            <a:srgbClr val="EA9999"/>
+          </a:solidFill>
+          <a:ln w="38100" cap="flat" cmpd="sng">
+            <a:solidFill>
+              <a:srgbClr val="990000"/>
+            </a:solidFill>
+            <a:prstDash val="solid"/>
+            <a:round/>
+            <a:headEnd type="none" w="sm" len="sm"/>
+            <a:tailEnd type="none" w="sm" len="sm"/>
+          </a:ln>
+        </p:spPr>
+        <p:txBody>
+          <a:bodyPr spcFirstLastPara="1" wrap="square" lIns="91425" tIns="91425" rIns="91425" bIns="91425" anchor="ctr" anchorCtr="0">
+            <a:noAutofit/>
+          </a:bodyPr>
+          <a:lstStyle/>
+          <a:p>
+            <a:pPr marL="0" lvl="0" indent="0" algn="ctr" rtl="0">
+              <a:spcBef>
+                <a:spcPts val="0"/>
+              </a:spcBef>
+              <a:spcAft>
+                <a:spcPts val="0"/>
+              </a:spcAft>
+              <a:buNone/>
+            </a:pPr>
+            <a:r>
+              <a:rPr lang="en-US" b="1" dirty="0" err="1"/>
+              <a:t>ViewModel</a:t>
+            </a:r>
+            <a:r>
+              <a:rPr lang="en-US" b="1" dirty="0"/>
+              <a:t>: </a:t>
+            </a:r>
+            <a:br>
+              <a:rPr lang="en-US" b="1" dirty="0"/>
+            </a:br>
+            <a:r>
+              <a:rPr lang="en-US" b="1" dirty="0" err="1"/>
+              <a:t>Okno</a:t>
+            </a:r>
+            <a:r>
+              <a:rPr lang="en-US" b="1" dirty="0"/>
+              <a:t> </a:t>
+            </a:r>
+            <a:r>
+              <a:rPr lang="pl-PL" b="1" dirty="0" smtClean="0"/>
+              <a:t>G</a:t>
+            </a:r>
+            <a:r>
+              <a:rPr lang="pl-PL" b="1" dirty="0" smtClean="0"/>
+              <a:t>łówne</a:t>
+            </a:r>
+            <a:endParaRPr b="1" dirty="0"/>
+          </a:p>
+        </p:txBody>
+      </p:sp>
+      <p:cxnSp>
+        <p:nvCxnSpPr>
+          <p:cNvPr id="3" name="Straight Arrow Connector 2"/>
+          <p:cNvCxnSpPr>
+            <a:stCxn id="81" idx="1"/>
+            <a:endCxn id="18" idx="2"/>
+          </p:cNvCxnSpPr>
+          <p:nvPr/>
+        </p:nvCxnSpPr>
+        <p:spPr>
+          <a:xfrm flipH="1" flipV="1">
+            <a:off x="1046100" y="4125150"/>
+            <a:ext cx="287100" cy="1748850"/>
+          </a:xfrm>
+          <a:prstGeom prst="straightConnector1">
+            <a:avLst/>
+          </a:prstGeom>
+          <a:noFill/>
+          <a:ln w="38100" cap="flat" cmpd="sng">
+            <a:solidFill>
+              <a:schemeClr val="dk2"/>
+            </a:solidFill>
+            <a:prstDash val="solid"/>
+            <a:round/>
+            <a:headEnd type="none" w="med" len="med"/>
+            <a:tailEnd type="triangle" w="med" len="med"/>
+          </a:ln>
+        </p:spPr>
+      </p:cxnSp>
+      <p:cxnSp>
+        <p:nvCxnSpPr>
+          <p:cNvPr id="5" name="Straight Arrow Connector 4"/>
+          <p:cNvCxnSpPr>
+            <a:stCxn id="18" idx="2"/>
+            <a:endCxn id="81" idx="0"/>
+          </p:cNvCxnSpPr>
+          <p:nvPr/>
+        </p:nvCxnSpPr>
+        <p:spPr>
+          <a:xfrm>
+            <a:off x="1046100" y="4125150"/>
+            <a:ext cx="1181100" cy="1208850"/>
+          </a:xfrm>
+          <a:prstGeom prst="straightConnector1">
+            <a:avLst/>
+          </a:prstGeom>
+          <a:noFill/>
+          <a:ln w="38100" cap="flat" cmpd="sng">
+            <a:solidFill>
+              <a:schemeClr val="dk2"/>
+            </a:solidFill>
+            <a:prstDash val="solid"/>
+            <a:round/>
+            <a:headEnd type="none" w="med" len="med"/>
+            <a:tailEnd type="triangle" w="med" len="med"/>
+          </a:ln>
+        </p:spPr>
+      </p:cxnSp>
+      <p:sp>
+        <p:nvSpPr>
+          <p:cNvPr id="108" name="Lightning Bolt 107"/>
+          <p:cNvSpPr/>
+          <p:nvPr/>
+        </p:nvSpPr>
+        <p:spPr>
+          <a:xfrm>
+            <a:off x="892650" y="5181600"/>
+            <a:ext cx="297000" cy="533400"/>
+          </a:xfrm>
+          <a:prstGeom prst="lightningBolt">
+            <a:avLst/>
+          </a:prstGeom>
+          <a:solidFill>
+            <a:srgbClr val="FFFF00"/>
+          </a:solidFill>
+          <a:ln>
+            <a:solidFill>
+              <a:srgbClr val="C00000"/>
+            </a:solidFill>
+          </a:ln>
+        </p:spPr>
+        <p:style>
+          <a:lnRef idx="2">
+            <a:schemeClr val="accent1">
+              <a:shade val="50000"/>
+            </a:schemeClr>
+          </a:lnRef>
+          <a:fillRef idx="1">
+            <a:schemeClr val="accent1"/>
+          </a:fillRef>
+          <a:effectRef idx="0">
+            <a:schemeClr val="accent1"/>
+          </a:effectRef>
+          <a:fontRef idx="minor">
+            <a:schemeClr val="lt1"/>
+          </a:fontRef>
+        </p:style>
+        <p:txBody>
+          <a:bodyPr rtlCol="0" anchor="ctr"/>
+          <a:lstStyle/>
+          <a:p>
+            <a:pPr algn="ctr"/>
+            <a:endParaRPr lang="pl-PL"/>
+          </a:p>
+        </p:txBody>
+      </p:sp>
+      <p:cxnSp>
+        <p:nvCxnSpPr>
+          <p:cNvPr id="11" name="Straight Connector 10"/>
+          <p:cNvCxnSpPr>
+            <a:stCxn id="18" idx="3"/>
+            <a:endCxn id="80" idx="1"/>
+          </p:cNvCxnSpPr>
+          <p:nvPr/>
+        </p:nvCxnSpPr>
+        <p:spPr>
+          <a:xfrm>
+            <a:off x="2054100" y="3743400"/>
+            <a:ext cx="346200" cy="0"/>
+          </a:xfrm>
+          <a:prstGeom prst="line">
+            <a:avLst/>
+          </a:prstGeom>
+        </p:spPr>
+        <p:style>
+          <a:lnRef idx="1">
+            <a:schemeClr val="accent1"/>
+          </a:lnRef>
+          <a:fillRef idx="0">
+            <a:schemeClr val="accent1"/>
+          </a:fillRef>
+          <a:effectRef idx="0">
+            <a:schemeClr val="accent1"/>
+          </a:effectRef>
+          <a:fontRef idx="minor">
+            <a:schemeClr val="tx1"/>
+          </a:fontRef>
+        </p:style>
+      </p:cxnSp>
+      <p:cxnSp>
+        <p:nvCxnSpPr>
+          <p:cNvPr id="13" name="Straight Connector 12"/>
+          <p:cNvCxnSpPr>
+            <a:stCxn id="80" idx="3"/>
+            <a:endCxn id="79" idx="1"/>
+          </p:cNvCxnSpPr>
+          <p:nvPr/>
+        </p:nvCxnSpPr>
+        <p:spPr>
+          <a:xfrm>
+            <a:off x="4416300" y="3743400"/>
+            <a:ext cx="304800" cy="0"/>
+          </a:xfrm>
+          <a:prstGeom prst="line">
+            <a:avLst/>
+          </a:prstGeom>
+        </p:spPr>
+        <p:style>
+          <a:lnRef idx="1">
+            <a:schemeClr val="accent1"/>
+          </a:lnRef>
+          <a:fillRef idx="0">
+            <a:schemeClr val="accent1"/>
+          </a:fillRef>
+          <a:effectRef idx="0">
+            <a:schemeClr val="accent1"/>
+          </a:effectRef>
+          <a:fontRef idx="minor">
+            <a:schemeClr val="tx1"/>
+          </a:fontRef>
+        </p:style>
+      </p:cxnSp>
+      <p:sp>
+        <p:nvSpPr>
+          <p:cNvPr id="33" name="Shape 158"/>
+          <p:cNvSpPr/>
+          <p:nvPr/>
+        </p:nvSpPr>
+        <p:spPr>
+          <a:xfrm>
+            <a:off x="7083300" y="3361650"/>
+            <a:ext cx="2015400" cy="763500"/>
+          </a:xfrm>
+          <a:prstGeom prst="roundRect">
+            <a:avLst>
+              <a:gd name="adj" fmla="val 16667"/>
+            </a:avLst>
+          </a:prstGeom>
+          <a:solidFill>
+            <a:srgbClr val="EA9999"/>
+          </a:solidFill>
+          <a:ln w="38100" cap="flat" cmpd="sng">
+            <a:solidFill>
+              <a:srgbClr val="990000"/>
+            </a:solidFill>
+            <a:prstDash val="solid"/>
+            <a:round/>
+            <a:headEnd type="none" w="sm" len="sm"/>
+            <a:tailEnd type="none" w="sm" len="sm"/>
+          </a:ln>
+        </p:spPr>
+        <p:txBody>
+          <a:bodyPr spcFirstLastPara="1" wrap="square" lIns="91425" tIns="91425" rIns="91425" bIns="91425" anchor="ctr" anchorCtr="0">
+            <a:noAutofit/>
+          </a:bodyPr>
+          <a:lstStyle/>
+          <a:p>
+            <a:pPr marL="0" lvl="0" indent="0" algn="ctr" rtl="0">
+              <a:spcBef>
+                <a:spcPts val="0"/>
+              </a:spcBef>
+              <a:spcAft>
+                <a:spcPts val="0"/>
+              </a:spcAft>
+              <a:buNone/>
+            </a:pPr>
+            <a:r>
+              <a:rPr lang="en-US" b="1" dirty="0" err="1"/>
+              <a:t>ViewModel</a:t>
+            </a:r>
+            <a:r>
+              <a:rPr lang="en-US" b="1" dirty="0"/>
+              <a:t>: </a:t>
+            </a:r>
+            <a:br>
+              <a:rPr lang="en-US" b="1" dirty="0"/>
+            </a:br>
+            <a:r>
+              <a:rPr lang="pl-PL" b="1" dirty="0"/>
+              <a:t>K</a:t>
+            </a:r>
+            <a:r>
+              <a:rPr lang="pl-PL" b="1" dirty="0" smtClean="0"/>
+              <a:t>onfiguracja BD</a:t>
+            </a:r>
+            <a:endParaRPr b="1" dirty="0"/>
+          </a:p>
+        </p:txBody>
+      </p:sp>
+      <p:cxnSp>
+        <p:nvCxnSpPr>
+          <p:cNvPr id="21" name="Straight Connector 20"/>
+          <p:cNvCxnSpPr>
+            <a:stCxn id="79" idx="3"/>
+            <a:endCxn id="33" idx="1"/>
+          </p:cNvCxnSpPr>
+          <p:nvPr/>
+        </p:nvCxnSpPr>
+        <p:spPr>
+          <a:xfrm>
+            <a:off x="6736500" y="3743400"/>
+            <a:ext cx="346800" cy="0"/>
+          </a:xfrm>
+          <a:prstGeom prst="line">
+            <a:avLst/>
+          </a:prstGeom>
+        </p:spPr>
+        <p:style>
+          <a:lnRef idx="1">
+            <a:schemeClr val="accent1"/>
+          </a:lnRef>
+          <a:fillRef idx="0">
+            <a:schemeClr val="accent1"/>
+          </a:fillRef>
+          <a:effectRef idx="0">
+            <a:schemeClr val="accent1"/>
+          </a:effectRef>
+          <a:fontRef idx="minor">
+            <a:schemeClr val="tx1"/>
+          </a:fontRef>
+        </p:style>
+      </p:cxnSp>
+      <p:sp>
+        <p:nvSpPr>
+          <p:cNvPr id="57" name="Lightning Bolt 56"/>
+          <p:cNvSpPr/>
+          <p:nvPr/>
+        </p:nvSpPr>
+        <p:spPr>
+          <a:xfrm flipH="1">
+            <a:off x="3200400" y="5219700"/>
+            <a:ext cx="297000" cy="533400"/>
+          </a:xfrm>
+          <a:prstGeom prst="lightningBolt">
+            <a:avLst/>
+          </a:prstGeom>
+          <a:solidFill>
+            <a:srgbClr val="FFFF00"/>
+          </a:solidFill>
+          <a:ln>
+            <a:solidFill>
+              <a:srgbClr val="C00000"/>
+            </a:solidFill>
+          </a:ln>
+        </p:spPr>
+        <p:style>
+          <a:lnRef idx="2">
+            <a:schemeClr val="accent1">
+              <a:shade val="50000"/>
+            </a:schemeClr>
+          </a:lnRef>
+          <a:fillRef idx="1">
+            <a:schemeClr val="accent1"/>
+          </a:fillRef>
+          <a:effectRef idx="0">
+            <a:schemeClr val="accent1"/>
+          </a:effectRef>
+          <a:fontRef idx="minor">
+            <a:schemeClr val="lt1"/>
+          </a:fontRef>
+        </p:style>
+        <p:txBody>
+          <a:bodyPr rtlCol="0" anchor="ctr"/>
+          <a:lstStyle/>
+          <a:p>
+            <a:pPr algn="ctr"/>
+            <a:endParaRPr lang="pl-PL"/>
+          </a:p>
+        </p:txBody>
+      </p:sp>
+      <p:sp>
+        <p:nvSpPr>
+          <p:cNvPr id="58" name="Shape 160"/>
+          <p:cNvSpPr/>
+          <p:nvPr/>
+        </p:nvSpPr>
+        <p:spPr>
+          <a:xfrm>
+            <a:off x="5842500" y="5172075"/>
+            <a:ext cx="1788000" cy="1080000"/>
+          </a:xfrm>
+          <a:prstGeom prst="roundRect">
+            <a:avLst>
+              <a:gd name="adj" fmla="val 16667"/>
+            </a:avLst>
+          </a:prstGeom>
+          <a:solidFill>
+            <a:srgbClr val="A4C2F4"/>
+          </a:solidFill>
+          <a:ln w="38100" cap="flat" cmpd="sng">
+            <a:solidFill>
+              <a:srgbClr val="1155CC"/>
+            </a:solidFill>
+            <a:prstDash val="solid"/>
+            <a:round/>
+            <a:headEnd type="none" w="sm" len="sm"/>
+            <a:tailEnd type="none" w="sm" len="sm"/>
+          </a:ln>
+        </p:spPr>
+        <p:txBody>
+          <a:bodyPr spcFirstLastPara="1" wrap="square" lIns="91425" tIns="91425" rIns="91425" bIns="91425" anchor="ctr" anchorCtr="0">
+            <a:noAutofit/>
+          </a:bodyPr>
+          <a:lstStyle/>
+          <a:p>
+            <a:pPr marL="0" lvl="0" indent="0">
+              <a:spcBef>
+                <a:spcPts val="0"/>
+              </a:spcBef>
+              <a:spcAft>
+                <a:spcPts val="0"/>
+              </a:spcAft>
+              <a:buNone/>
+            </a:pPr>
+            <a:r>
+              <a:rPr lang="en-US" b="1" dirty="0"/>
+              <a:t>Model: </a:t>
+            </a:r>
+            <a:r>
+              <a:rPr lang="en-US" b="1" dirty="0" err="1"/>
+              <a:t>Kamera</a:t>
+            </a:r>
+            <a:endParaRPr b="1" dirty="0"/>
+          </a:p>
+          <a:p>
+            <a:pPr marL="0" lvl="0" indent="0" rtl="0">
+              <a:lnSpc>
+                <a:spcPct val="115000"/>
+              </a:lnSpc>
+              <a:spcBef>
+                <a:spcPts val="0"/>
+              </a:spcBef>
+              <a:spcAft>
+                <a:spcPts val="0"/>
+              </a:spcAft>
+              <a:buClr>
+                <a:schemeClr val="dk1"/>
+              </a:buClr>
+              <a:buSzPts val="1100"/>
+              <a:buFont typeface="Arial"/>
+              <a:buNone/>
+            </a:pPr>
+            <a:r>
+              <a:rPr lang="en-US" dirty="0">
+                <a:solidFill>
+                  <a:schemeClr val="dk1"/>
+                </a:solidFill>
+              </a:rPr>
+              <a:t>•</a:t>
+            </a:r>
+            <a:r>
+              <a:rPr lang="en-US" dirty="0" err="1">
+                <a:solidFill>
+                  <a:schemeClr val="dk1"/>
+                </a:solidFill>
+              </a:rPr>
+              <a:t>Nazwa</a:t>
+            </a:r>
+            <a:endParaRPr dirty="0">
+              <a:solidFill>
+                <a:schemeClr val="dk1"/>
+              </a:solidFill>
+            </a:endParaRPr>
+          </a:p>
+          <a:p>
+            <a:pPr marL="0" lvl="0" indent="0" rtl="0">
+              <a:lnSpc>
+                <a:spcPct val="115000"/>
+              </a:lnSpc>
+              <a:spcBef>
+                <a:spcPts val="0"/>
+              </a:spcBef>
+              <a:spcAft>
+                <a:spcPts val="0"/>
+              </a:spcAft>
+              <a:buNone/>
+            </a:pPr>
+            <a:r>
+              <a:rPr lang="en-US" dirty="0">
+                <a:solidFill>
+                  <a:schemeClr val="dk1"/>
+                </a:solidFill>
+              </a:rPr>
+              <a:t>•</a:t>
+            </a:r>
+            <a:r>
+              <a:rPr lang="en-US" dirty="0" err="1">
+                <a:solidFill>
+                  <a:schemeClr val="dk1"/>
+                </a:solidFill>
+              </a:rPr>
+              <a:t>Ramka</a:t>
+            </a:r>
+            <a:endParaRPr b="1" dirty="0"/>
+          </a:p>
+        </p:txBody>
+      </p:sp>
+    </p:spTree>
+    <p:extLst>
+      <p:ext uri="{BB962C8B-B14F-4D97-AF65-F5344CB8AC3E}">
+        <p14:creationId xmlns:p14="http://schemas.microsoft.com/office/powerpoint/2010/main" val="671893581"/>
+      </p:ext>
+    </p:extLst>
+  </p:cSld>
+  <p:clrMapOvr>
+    <a:masterClrMapping/>
+  </p:clrMapOvr>
+</p:sld>
+</file>
+
+<file path=ppt/slides/slide11.xml><?xml version="1.0" encoding="utf-8"?>
+<p:sld xmlns:a="http://schemas.openxmlformats.org/drawingml/2006/main" xmlns:r="http://schemas.openxmlformats.org/officeDocument/2006/relationships" xmlns:p="http://schemas.openxmlformats.org/presentationml/2006/main">
+  <p:cSld>
+    <p:spTree>
+      <p:nvGrpSpPr>
+        <p:cNvPr id="1" name=""/>
+        <p:cNvGrpSpPr/>
+        <p:nvPr/>
+      </p:nvGrpSpPr>
+      <p:grpSpPr>
+        <a:xfrm>
+          <a:off x="0" y="0"/>
+          <a:ext cx="0" cy="0"/>
+          <a:chOff x="0" y="0"/>
+          <a:chExt cx="0" cy="0"/>
+        </a:xfrm>
+      </p:grpSpPr>
       <p:grpSp>
         <p:nvGrpSpPr>
-          <p:cNvPr id="110" name="Group 109"/>
+          <p:cNvPr id="39" name="Group 38"/>
           <p:cNvGrpSpPr/>
           <p:nvPr/>
         </p:nvGrpSpPr>
         <p:grpSpPr>
           <a:xfrm>
-            <a:off x="152400" y="1211825"/>
-            <a:ext cx="8823600" cy="5202175"/>
-            <a:chOff x="152400" y="1211825"/>
-            <a:chExt cx="8823600" cy="5202175"/>
+            <a:off x="304800" y="1836825"/>
+            <a:ext cx="8458200" cy="3260550"/>
+            <a:chOff x="304800" y="1836825"/>
+            <a:chExt cx="8458200" cy="3260550"/>
           </a:xfrm>
         </p:grpSpPr>
         <p:sp>
           <p:nvSpPr>
-            <p:cNvPr id="75" name="Shape 154"/>
+            <p:cNvPr id="58" name="Shape 160"/>
             <p:cNvSpPr/>
             <p:nvPr/>
           </p:nvSpPr>
           <p:spPr>
             <a:xfrm>
-              <a:off x="152400" y="1211825"/>
-              <a:ext cx="2880000" cy="1188000"/>
+              <a:off x="6573600" y="2261063"/>
+              <a:ext cx="2189400" cy="1286624"/>
             </a:xfrm>
             <a:prstGeom prst="roundRect">
               <a:avLst>
@@ -4013,11 +4885,11 @@
               </a:avLst>
             </a:prstGeom>
             <a:solidFill>
-              <a:srgbClr val="B6D7A8"/>
+              <a:srgbClr val="A4C2F4"/>
             </a:solidFill>
             <a:ln w="38100" cap="flat" cmpd="sng">
               <a:solidFill>
-                <a:srgbClr val="38761D"/>
+                <a:srgbClr val="1155CC"/>
               </a:solidFill>
               <a:prstDash val="solid"/>
               <a:round/>
@@ -4031,7 +4903,7 @@
             </a:bodyPr>
             <a:lstStyle/>
             <a:p>
-              <a:pPr marL="0" lvl="0" indent="0">
+              <a:pPr marL="0" lvl="0" indent="0" algn="ctr">
                 <a:spcBef>
                   <a:spcPts val="0"/>
                 </a:spcBef>
@@ -4042,109 +4914,84 @@
               </a:pPr>
               <a:r>
                 <a:rPr lang="en-US" b="1" dirty="0"/>
-                <a:t>View: </a:t>
+                <a:t>Model: </a:t>
               </a:r>
               <a:r>
-                <a:rPr lang="en-US" b="1" dirty="0" err="1"/>
-                <a:t>Okno</a:t>
-              </a:r>
-              <a:r>
-                <a:rPr lang="en-US" b="1" dirty="0"/>
-                <a:t> </a:t>
-              </a:r>
-              <a:r>
-                <a:rPr lang="en-US" b="1" dirty="0" err="1"/>
-                <a:t>główne</a:t>
+                <a:rPr lang="pl-PL" b="1" dirty="0" smtClean="0"/>
+                <a:t>Gest</a:t>
               </a:r>
               <a:endParaRPr b="1" dirty="0"/>
             </a:p>
             <a:p>
-              <a:pPr marL="457200" lvl="0" indent="-317500" rtl="0">
+              <a:pPr marL="285750" lvl="0" indent="-285750" rtl="0">
+                <a:lnSpc>
+                  <a:spcPct val="115000"/>
+                </a:lnSpc>
                 <a:spcBef>
                   <a:spcPts val="0"/>
                 </a:spcBef>
                 <a:spcAft>
                   <a:spcPts val="0"/>
                 </a:spcAft>
-                <a:buSzPts val="1400"/>
-                <a:buChar char="●"/>
+                <a:buFont typeface="Arial" pitchFamily="34" charset="0"/>
+                <a:buChar char="•"/>
               </a:pPr>
               <a:r>
-                <a:rPr lang="en-US" dirty="0" err="1"/>
-                <a:t>Wybrana</a:t>
+                <a:rPr lang="pl-PL" b="1" dirty="0" smtClean="0"/>
+                <a:t>Nazwa</a:t>
               </a:r>
-              <a:r>
-                <a:rPr lang="en-US" dirty="0"/>
-                <a:t> </a:t>
-              </a:r>
-              <a:r>
-                <a:rPr lang="en-US" dirty="0" err="1"/>
-                <a:t>kamera</a:t>
-              </a:r>
-              <a:endParaRPr dirty="0"/>
             </a:p>
             <a:p>
-              <a:pPr marL="457200" lvl="0" indent="-317500" rtl="0">
+              <a:pPr marL="285750" lvl="0" indent="-285750" rtl="0">
+                <a:lnSpc>
+                  <a:spcPct val="115000"/>
+                </a:lnSpc>
                 <a:spcBef>
                   <a:spcPts val="0"/>
                 </a:spcBef>
                 <a:spcAft>
                   <a:spcPts val="0"/>
                 </a:spcAft>
-                <a:buSzPts val="1400"/>
-                <a:buChar char="●"/>
+                <a:buFont typeface="Arial" pitchFamily="34" charset="0"/>
+                <a:buChar char="•"/>
               </a:pPr>
               <a:r>
-                <a:rPr lang="en-US" dirty="0" err="1"/>
-                <a:t>Ramka</a:t>
+                <a:rPr lang="pl-PL" b="1" dirty="0" smtClean="0"/>
+                <a:t>Etykieta</a:t>
               </a:r>
-              <a:r>
-                <a:rPr lang="en-US" dirty="0"/>
-                <a:t> </a:t>
-              </a:r>
-              <a:r>
-                <a:rPr lang="en-US" dirty="0" err="1"/>
-                <a:t>Kamery</a:t>
-              </a:r>
-              <a:endParaRPr dirty="0"/>
             </a:p>
             <a:p>
-              <a:pPr marL="457200" lvl="0" indent="-317500" rtl="0">
+              <a:pPr marL="285750" lvl="0" indent="-285750" rtl="0">
+                <a:lnSpc>
+                  <a:spcPct val="115000"/>
+                </a:lnSpc>
                 <a:spcBef>
                   <a:spcPts val="0"/>
                 </a:spcBef>
                 <a:spcAft>
                   <a:spcPts val="0"/>
                 </a:spcAft>
-                <a:buSzPts val="1400"/>
-                <a:buChar char="●"/>
+                <a:buFont typeface="Arial" pitchFamily="34" charset="0"/>
+                <a:buChar char="•"/>
               </a:pPr>
               <a:r>
-                <a:rPr lang="en-US" dirty="0" err="1"/>
-                <a:t>Prostokąt</a:t>
+                <a:rPr lang="pl-PL" b="1" dirty="0" smtClean="0"/>
+                <a:t>Lista obrazów</a:t>
               </a:r>
-              <a:r>
-                <a:rPr lang="en-US" dirty="0"/>
-                <a:t> </a:t>
-              </a:r>
-              <a:r>
-                <a:rPr lang="en-US" dirty="0" err="1"/>
-                <a:t>otaczający</a:t>
-              </a:r>
-              <a:endParaRPr b="1" dirty="0"/>
+              <a:endParaRPr lang="pl-PL" b="1" dirty="0"/>
             </a:p>
           </p:txBody>
         </p:sp>
         <p:sp>
           <p:nvSpPr>
-            <p:cNvPr id="76" name="Shape 155"/>
+            <p:cNvPr id="22" name="Shape 160"/>
             <p:cNvSpPr/>
             <p:nvPr/>
           </p:nvSpPr>
           <p:spPr>
             <a:xfrm>
-              <a:off x="6096000" y="1223500"/>
-              <a:ext cx="2880000" cy="1188000"/>
+              <a:off x="4592400" y="3810000"/>
+              <a:ext cx="2189400" cy="1287375"/>
             </a:xfrm>
             <a:prstGeom prst="roundRect">
               <a:avLst>
@@ -4152,11 +4999,11 @@
               </a:avLst>
             </a:prstGeom>
             <a:solidFill>
-              <a:srgbClr val="B6D7A8"/>
+              <a:srgbClr val="A4C2F4"/>
             </a:solidFill>
             <a:ln w="38100" cap="flat" cmpd="sng">
               <a:solidFill>
-                <a:srgbClr val="38761D"/>
+                <a:srgbClr val="1155CC"/>
               </a:solidFill>
               <a:prstDash val="solid"/>
               <a:round/>
@@ -4170,7 +5017,7 @@
             </a:bodyPr>
             <a:lstStyle/>
             <a:p>
-              <a:pPr marL="0" lvl="0" indent="0">
+              <a:pPr marL="0" lvl="0" indent="0" algn="ctr">
                 <a:spcBef>
                   <a:spcPts val="0"/>
                 </a:spcBef>
@@ -4180,122 +5027,59 @@
                 <a:buNone/>
               </a:pPr>
               <a:r>
-                <a:rPr lang="en-US" b="1" dirty="0">
-                  <a:solidFill>
-                    <a:schemeClr val="dk1"/>
-                  </a:solidFill>
-                </a:rPr>
-                <a:t>View</a:t>
+                <a:rPr lang="en-US" b="1" dirty="0"/>
+                <a:t>Model: </a:t>
               </a:r>
               <a:r>
-                <a:rPr lang="en-US" b="1" dirty="0"/>
-                <a:t>: </a:t>
+                <a:rPr lang="pl-PL" b="1" dirty="0" smtClean="0"/>
+                <a:t>Klasyfikator</a:t>
               </a:r>
-              <a:r>
-                <a:rPr lang="en-US" b="1" dirty="0" err="1"/>
-                <a:t>Okno</a:t>
-              </a:r>
-              <a:r>
-                <a:rPr lang="en-US" b="1" dirty="0"/>
-                <a:t> </a:t>
-              </a:r>
-              <a:r>
-                <a:rPr lang="en-US" b="1" dirty="0" err="1"/>
-                <a:t>bazy</a:t>
-              </a:r>
-              <a:r>
-                <a:rPr lang="en-US" b="1" dirty="0"/>
-                <a:t> </a:t>
-              </a:r>
-              <a:r>
-                <a:rPr lang="en-US" b="1" dirty="0" err="1"/>
-                <a:t>danych</a:t>
-              </a:r>
-              <a:endParaRPr b="1" dirty="0"/>
             </a:p>
             <a:p>
-              <a:pPr marL="457200" lvl="0" indent="-317500" rtl="0">
-                <a:lnSpc>
-                  <a:spcPct val="115000"/>
-                </a:lnSpc>
+              <a:pPr marL="285750" lvl="0" indent="-285750">
                 <a:spcBef>
                   <a:spcPts val="0"/>
                 </a:spcBef>
                 <a:spcAft>
                   <a:spcPts val="0"/>
                 </a:spcAft>
-                <a:buClr>
-                  <a:schemeClr val="dk1"/>
-                </a:buClr>
-                <a:buSzPts val="1400"/>
-                <a:buChar char="●"/>
+                <a:buFont typeface="Arial" pitchFamily="34" charset="0"/>
+                <a:buChar char="•"/>
               </a:pPr>
               <a:r>
-                <a:rPr lang="pl-PL" dirty="0"/>
-                <a:t>O</a:t>
+                <a:rPr lang="pl-PL" b="1" dirty="0" smtClean="0"/>
+                <a:t>Ilość klastrów</a:t>
               </a:r>
-              <a:r>
-                <a:rPr lang="en-US" dirty="0" err="1" smtClean="0"/>
-                <a:t>braz</a:t>
-              </a:r>
-              <a:r>
-                <a:rPr lang="en-US" dirty="0" smtClean="0"/>
-                <a:t> </a:t>
-              </a:r>
-              <a:r>
-                <a:rPr lang="en-US" dirty="0" err="1"/>
-                <a:t>gestu</a:t>
-              </a:r>
-              <a:endParaRPr dirty="0"/>
             </a:p>
             <a:p>
-              <a:pPr marL="457200" lvl="0" indent="-317500" rtl="0">
-                <a:lnSpc>
-                  <a:spcPct val="115000"/>
-                </a:lnSpc>
+              <a:pPr marL="285750" lvl="0" indent="-285750">
                 <a:spcBef>
                   <a:spcPts val="0"/>
                 </a:spcBef>
                 <a:spcAft>
                   <a:spcPts val="0"/>
                 </a:spcAft>
-                <a:buSzPts val="1400"/>
-                <a:buChar char="●"/>
+                <a:buFont typeface="Arial" pitchFamily="34" charset="0"/>
+                <a:buChar char="•"/>
               </a:pPr>
               <a:r>
-                <a:rPr lang="en-US" dirty="0" err="1"/>
-                <a:t>Wektor</a:t>
+                <a:rPr lang="pl-PL" b="1" dirty="0" smtClean="0"/>
+                <a:t>Parametry</a:t>
               </a:r>
-              <a:r>
-                <a:rPr lang="en-US" dirty="0"/>
-                <a:t> </a:t>
-              </a:r>
-              <a:r>
-                <a:rPr lang="en-US" dirty="0" err="1"/>
-                <a:t>cech</a:t>
-              </a:r>
-              <a:r>
-                <a:rPr lang="en-US" dirty="0"/>
-                <a:t> </a:t>
-              </a:r>
-              <a:r>
-                <a:rPr lang="en-US" dirty="0" err="1"/>
-                <a:t>obrazu</a:t>
-              </a:r>
-              <a:endParaRPr dirty="0"/>
+              <a:endParaRPr b="1" dirty="0"/>
             </a:p>
           </p:txBody>
         </p:sp>
         <p:sp>
           <p:nvSpPr>
-            <p:cNvPr id="77" name="Shape 156"/>
+            <p:cNvPr id="81" name="Shape 160"/>
             <p:cNvSpPr/>
             <p:nvPr/>
           </p:nvSpPr>
           <p:spPr>
             <a:xfrm>
-              <a:off x="3124200" y="1211825"/>
-              <a:ext cx="2880000" cy="1188000"/>
+              <a:off x="304800" y="2358674"/>
+              <a:ext cx="2189400" cy="1003800"/>
             </a:xfrm>
             <a:prstGeom prst="roundRect">
               <a:avLst>
@@ -4303,11 +5087,11 @@
               </a:avLst>
             </a:prstGeom>
             <a:solidFill>
-              <a:srgbClr val="B6D7A8"/>
+              <a:srgbClr val="A4C2F4"/>
             </a:solidFill>
             <a:ln w="38100" cap="flat" cmpd="sng">
               <a:solidFill>
-                <a:srgbClr val="38761D"/>
+                <a:srgbClr val="1155CC"/>
               </a:solidFill>
               <a:prstDash val="solid"/>
               <a:round/>
@@ -4321,7 +5105,7 @@
             </a:bodyPr>
             <a:lstStyle/>
             <a:p>
-              <a:pPr marL="0" lvl="0" indent="0">
+              <a:pPr marL="0" lvl="0" indent="0" algn="ctr">
                 <a:spcBef>
                   <a:spcPts val="0"/>
                 </a:spcBef>
@@ -4331,227 +5115,45 @@
                 <a:buNone/>
               </a:pPr>
               <a:r>
-                <a:rPr lang="en-US" b="1" dirty="0">
-                  <a:solidFill>
-                    <a:schemeClr val="dk1"/>
-                  </a:solidFill>
-                </a:rPr>
-                <a:t>View</a:t>
+                <a:rPr lang="en-US" b="1" dirty="0"/>
+                <a:t>Model: </a:t>
               </a:r>
               <a:r>
-                <a:rPr lang="en-US" b="1" dirty="0"/>
-                <a:t>: </a:t>
+                <a:rPr lang="en-US" b="1" dirty="0" err="1" smtClean="0"/>
+                <a:t>Kamera</a:t>
               </a:r>
-              <a:r>
-                <a:rPr lang="en-US" b="1" dirty="0" err="1"/>
-                <a:t>Okno</a:t>
-              </a:r>
-              <a:r>
-                <a:rPr lang="en-US" b="1" dirty="0"/>
-                <a:t> </a:t>
-              </a:r>
-              <a:r>
-                <a:rPr lang="en-US" b="1" dirty="0" err="1"/>
-                <a:t>filtrowania</a:t>
-              </a:r>
-              <a:endParaRPr b="1" dirty="0"/>
+              <a:endParaRPr lang="pl-PL" b="1" dirty="0" smtClean="0"/>
             </a:p>
             <a:p>
-              <a:pPr marL="457200" lvl="0" indent="-317500" rtl="0">
+              <a:pPr marL="285750" lvl="0" indent="-285750">
                 <a:spcBef>
                   <a:spcPts val="0"/>
                 </a:spcBef>
                 <a:spcAft>
                   <a:spcPts val="0"/>
                 </a:spcAft>
-                <a:buClr>
-                  <a:schemeClr val="dk1"/>
-                </a:buClr>
-                <a:buSzPts val="1400"/>
-                <a:buChar char="●"/>
+                <a:buFont typeface="Arial" pitchFamily="34" charset="0"/>
+                <a:buChar char="•"/>
               </a:pPr>
               <a:r>
-                <a:rPr lang="en-US" dirty="0" err="1">
-                  <a:solidFill>
-                    <a:schemeClr val="dk1"/>
-                  </a:solidFill>
-                </a:rPr>
-                <a:t>Filtr</a:t>
+                <a:rPr lang="pl-PL" b="1" dirty="0" smtClean="0"/>
+                <a:t>Nazwa</a:t>
               </a:r>
-              <a:r>
-                <a:rPr lang="en-US" dirty="0">
-                  <a:solidFill>
-                    <a:schemeClr val="dk1"/>
-                  </a:solidFill>
-                </a:rPr>
-                <a:t> HSL</a:t>
-              </a:r>
-              <a:endParaRPr dirty="0">
-                <a:solidFill>
-                  <a:schemeClr val="dk1"/>
-                </a:solidFill>
-              </a:endParaRPr>
             </a:p>
             <a:p>
-              <a:pPr marL="457200" lvl="0" indent="-317500" rtl="0">
+              <a:pPr marL="285750" lvl="0" indent="-285750">
                 <a:spcBef>
                   <a:spcPts val="0"/>
                 </a:spcBef>
                 <a:spcAft>
                   <a:spcPts val="0"/>
                 </a:spcAft>
-                <a:buClr>
-                  <a:schemeClr val="dk1"/>
-                </a:buClr>
-                <a:buSzPts val="1400"/>
-                <a:buChar char="●"/>
+                <a:buFont typeface="Arial" pitchFamily="34" charset="0"/>
+                <a:buChar char="•"/>
               </a:pPr>
               <a:r>
-                <a:rPr lang="en-US" dirty="0" err="1">
-                  <a:solidFill>
-                    <a:schemeClr val="dk1"/>
-                  </a:solidFill>
-                </a:rPr>
+                <a:rPr lang="pl-PL" b="1" dirty="0" smtClean="0"/>
                 <a:t>Ramka</a:t>
-              </a:r>
-              <a:r>
-                <a:rPr lang="en-US" dirty="0">
-                  <a:solidFill>
-                    <a:schemeClr val="dk1"/>
-                  </a:solidFill>
-                </a:rPr>
-                <a:t> </a:t>
-              </a:r>
-              <a:r>
-                <a:rPr lang="en-US" dirty="0" err="1">
-                  <a:solidFill>
-                    <a:schemeClr val="dk1"/>
-                  </a:solidFill>
-                </a:rPr>
-                <a:t>Kamery</a:t>
-              </a:r>
-              <a:endParaRPr dirty="0">
-                <a:solidFill>
-                  <a:schemeClr val="dk1"/>
-                </a:solidFill>
-              </a:endParaRPr>
-            </a:p>
-            <a:p>
-              <a:pPr marL="457200" lvl="0" indent="-317500" rtl="0">
-                <a:spcBef>
-                  <a:spcPts val="0"/>
-                </a:spcBef>
-                <a:spcAft>
-                  <a:spcPts val="0"/>
-                </a:spcAft>
-                <a:buClr>
-                  <a:schemeClr val="dk1"/>
-                </a:buClr>
-                <a:buSzPts val="1400"/>
-                <a:buChar char="●"/>
-              </a:pPr>
-              <a:r>
-                <a:rPr lang="en-US" dirty="0" err="1">
-                  <a:solidFill>
-                    <a:schemeClr val="dk1"/>
-                  </a:solidFill>
-                </a:rPr>
-                <a:t>Prostokąt</a:t>
-              </a:r>
-              <a:r>
-                <a:rPr lang="en-US" dirty="0">
-                  <a:solidFill>
-                    <a:schemeClr val="dk1"/>
-                  </a:solidFill>
-                </a:rPr>
-                <a:t> </a:t>
-              </a:r>
-              <a:r>
-                <a:rPr lang="en-US" dirty="0" err="1">
-                  <a:solidFill>
-                    <a:schemeClr val="dk1"/>
-                  </a:solidFill>
-                </a:rPr>
-                <a:t>otaczający</a:t>
-              </a:r>
-              <a:endParaRPr dirty="0">
-                <a:solidFill>
-                  <a:schemeClr val="dk1"/>
-                </a:solidFill>
-              </a:endParaRPr>
-            </a:p>
-          </p:txBody>
-        </p:sp>
-        <p:sp>
-          <p:nvSpPr>
-            <p:cNvPr id="78" name="Shape 157"/>
-            <p:cNvSpPr/>
-            <p:nvPr/>
-          </p:nvSpPr>
-          <p:spPr>
-            <a:xfrm>
-              <a:off x="584400" y="3496350"/>
-              <a:ext cx="2016000" cy="628800"/>
-            </a:xfrm>
-            <a:prstGeom prst="roundRect">
-              <a:avLst>
-                <a:gd name="adj" fmla="val 16667"/>
-              </a:avLst>
-            </a:prstGeom>
-            <a:solidFill>
-              <a:srgbClr val="EA9999"/>
-            </a:solidFill>
-            <a:ln w="38100" cap="flat" cmpd="sng">
-              <a:solidFill>
-                <a:srgbClr val="990000"/>
-              </a:solidFill>
-              <a:prstDash val="solid"/>
-              <a:round/>
-              <a:headEnd type="none" w="sm" len="sm"/>
-              <a:tailEnd type="none" w="sm" len="sm"/>
-            </a:ln>
-          </p:spPr>
-          <p:txBody>
-            <a:bodyPr spcFirstLastPara="1" wrap="square" lIns="91425" tIns="91425" rIns="91425" bIns="91425" anchor="ctr" anchorCtr="0">
-              <a:noAutofit/>
-            </a:bodyPr>
-            <a:lstStyle/>
-            <a:p>
-              <a:pPr marL="0" lvl="0" indent="0" algn="ctr" rtl="0">
-                <a:spcBef>
-                  <a:spcPts val="0"/>
-                </a:spcBef>
-                <a:spcAft>
-                  <a:spcPts val="0"/>
-                </a:spcAft>
-                <a:buNone/>
-              </a:pPr>
-              <a:r>
-                <a:rPr lang="en-US" b="1" dirty="0" err="1"/>
-                <a:t>ViewModel</a:t>
-              </a:r>
-              <a:r>
-                <a:rPr lang="en-US" b="1" dirty="0"/>
-                <a:t>: </a:t>
-              </a:r>
-              <a:r>
-                <a:rPr lang="pl-PL" b="1" dirty="0" smtClean="0"/>
-                <a:t/>
-              </a:r>
-              <a:br>
-                <a:rPr lang="pl-PL" b="1" dirty="0" smtClean="0"/>
-              </a:br>
-              <a:r>
-                <a:rPr lang="en-US" b="1" dirty="0" err="1" smtClean="0"/>
-                <a:t>Okno</a:t>
-              </a:r>
-              <a:r>
-                <a:rPr lang="en-US" b="1" dirty="0" smtClean="0"/>
-                <a:t> </a:t>
-              </a:r>
-              <a:r>
-                <a:rPr lang="en-US" b="1" dirty="0" err="1"/>
-                <a:t>główne</a:t>
               </a:r>
               <a:endParaRPr b="1" dirty="0"/>
             </a:p>
@@ -4565,7 +5167,7 @@
           </p:nvSpPr>
           <p:spPr>
             <a:xfrm>
-              <a:off x="6528300" y="3429000"/>
+              <a:off x="4682625" y="3206925"/>
               <a:ext cx="2015400" cy="763500"/>
             </a:xfrm>
             <a:prstGeom prst="roundRect">
@@ -4621,16 +5223,24 @@
                 <a:t> </a:t>
               </a:r>
               <a:r>
-                <a:rPr lang="en-US" b="1" dirty="0" err="1"/>
-                <a:t>bazy</a:t>
+                <a:rPr lang="pl-PL" b="1" dirty="0" err="1"/>
+                <a:t>B</a:t>
               </a:r>
               <a:r>
-                <a:rPr lang="en-US" b="1" dirty="0"/>
+                <a:rPr lang="en-US" b="1" dirty="0" err="1" smtClean="0"/>
+                <a:t>azy</a:t>
+              </a:r>
+              <a:r>
+                <a:rPr lang="en-US" b="1" dirty="0" smtClean="0"/>
                 <a:t> </a:t>
               </a:r>
               <a:r>
-                <a:rPr lang="en-US" b="1" dirty="0" err="1"/>
-                <a:t>danych</a:t>
+                <a:rPr lang="pl-PL" b="1" dirty="0" err="1"/>
+                <a:t>D</a:t>
+              </a:r>
+              <a:r>
+                <a:rPr lang="en-US" b="1" dirty="0" err="1" smtClean="0"/>
+                <a:t>anych</a:t>
               </a:r>
               <a:endParaRPr b="1" dirty="0"/>
             </a:p>
@@ -4644,7 +5254,7 @@
           </p:nvSpPr>
           <p:spPr>
             <a:xfrm>
-              <a:off x="3556200" y="3429000"/>
+              <a:off x="2286000" y="1836825"/>
               <a:ext cx="2016000" cy="763500"/>
             </a:xfrm>
             <a:prstGeom prst="roundRect">
@@ -4700,8 +5310,12 @@
                 <a:t> </a:t>
               </a:r>
               <a:r>
-                <a:rPr lang="en-US" b="1" dirty="0" err="1"/>
-                <a:t>filtrowania</a:t>
+                <a:rPr lang="pl-PL" b="1" dirty="0" smtClean="0"/>
+                <a:t>F</a:t>
+              </a:r>
+              <a:r>
+                <a:rPr lang="en-US" b="1" dirty="0" err="1" smtClean="0"/>
+                <a:t>iltrowania</a:t>
               </a:r>
               <a:endParaRPr b="1" dirty="0"/>
             </a:p>
@@ -4709,14 +5323,14 @@
         </p:sp>
         <p:sp>
           <p:nvSpPr>
-            <p:cNvPr id="81" name="Shape 160"/>
+            <p:cNvPr id="18" name="Shape 159"/>
             <p:cNvSpPr/>
             <p:nvPr/>
           </p:nvSpPr>
           <p:spPr>
             <a:xfrm>
-              <a:off x="3670200" y="5334000"/>
-              <a:ext cx="1788000" cy="1080000"/>
+              <a:off x="2286000" y="3206925"/>
+              <a:ext cx="2016000" cy="763500"/>
             </a:xfrm>
             <a:prstGeom prst="roundRect">
               <a:avLst>
@@ -4724,11 +5338,11 @@
               </a:avLst>
             </a:prstGeom>
             <a:solidFill>
-              <a:srgbClr val="A4C2F4"/>
+              <a:srgbClr val="EA9999"/>
             </a:solidFill>
             <a:ln w="38100" cap="flat" cmpd="sng">
               <a:solidFill>
-                <a:srgbClr val="1155CC"/>
+                <a:srgbClr val="990000"/>
               </a:solidFill>
               <a:prstDash val="solid"/>
               <a:round/>
@@ -4742,7 +5356,7 @@
             </a:bodyPr>
             <a:lstStyle/>
             <a:p>
-              <a:pPr marL="0" lvl="0" indent="0">
+              <a:pPr marL="0" lvl="0" indent="0" algn="ctr" rtl="0">
                 <a:spcBef>
                   <a:spcPts val="0"/>
                 </a:spcBef>
@@ -4752,60 +5366,72 @@
                 <a:buNone/>
               </a:pPr>
               <a:r>
-                <a:rPr lang="en-US" b="1" dirty="0"/>
-                <a:t>Model: </a:t>
+                <a:rPr lang="en-US" b="1" dirty="0" err="1"/>
+                <a:t>ViewModel</a:t>
               </a:r>
               <a:r>
+                <a:rPr lang="en-US" b="1" dirty="0"/>
+                <a:t>: </a:t>
+              </a:r>
+              <a:br>
+                <a:rPr lang="en-US" b="1" dirty="0"/>
+              </a:br>
+              <a:r>
                 <a:rPr lang="en-US" b="1" dirty="0" err="1"/>
-                <a:t>Kamera</a:t>
+                <a:t>Okno</a:t>
+              </a:r>
+              <a:r>
+                <a:rPr lang="en-US" b="1" dirty="0"/>
+                <a:t> </a:t>
+              </a:r>
+              <a:r>
+                <a:rPr lang="pl-PL" b="1" dirty="0" smtClean="0"/>
+                <a:t>G</a:t>
+              </a:r>
+              <a:r>
+                <a:rPr lang="pl-PL" b="1" dirty="0" smtClean="0"/>
+                <a:t>łówne</a:t>
               </a:r>
               <a:endParaRPr b="1" dirty="0"/>
             </a:p>
+          </p:txBody>
+        </p:sp>
+        <p:sp>
+          <p:nvSpPr>
+            <p:cNvPr id="33" name="Shape 158"/>
+            <p:cNvSpPr/>
+            <p:nvPr/>
+          </p:nvSpPr>
+          <p:spPr>
+            <a:xfrm>
+              <a:off x="4682625" y="1836825"/>
+              <a:ext cx="2015400" cy="763500"/>
+            </a:xfrm>
+            <a:prstGeom prst="roundRect">
+              <a:avLst>
+                <a:gd name="adj" fmla="val 16667"/>
+              </a:avLst>
+            </a:prstGeom>
+            <a:solidFill>
+              <a:srgbClr val="EA9999"/>
+            </a:solidFill>
+            <a:ln w="38100" cap="flat" cmpd="sng">
+              <a:solidFill>
+                <a:srgbClr val="990000"/>
+              </a:solidFill>
+              <a:prstDash val="solid"/>
+              <a:round/>
+              <a:headEnd type="none" w="sm" len="sm"/>
+              <a:tailEnd type="none" w="sm" len="sm"/>
+            </a:ln>
+          </p:spPr>
+          <p:txBody>
+            <a:bodyPr spcFirstLastPara="1" wrap="square" lIns="91425" tIns="91425" rIns="91425" bIns="91425" anchor="ctr" anchorCtr="0">
+              <a:noAutofit/>
+            </a:bodyPr>
+            <a:lstStyle/>
             <a:p>
-              <a:pPr marL="0" lvl="0" indent="0" rtl="0">
-                <a:lnSpc>
-                  <a:spcPct val="115000"/>
-                </a:lnSpc>
-                <a:spcBef>
-                  <a:spcPts val="0"/>
-                </a:spcBef>
-                <a:spcAft>
-                  <a:spcPts val="0"/>
-                </a:spcAft>
-                <a:buClr>
-                  <a:schemeClr val="dk1"/>
-                </a:buClr>
-                <a:buSzPts val="1100"/>
-                <a:buFont typeface="Arial"/>
-                <a:buNone/>
-              </a:pPr>
-              <a:r>
-                <a:rPr lang="en-US" dirty="0">
-                  <a:solidFill>
-                    <a:schemeClr val="dk1"/>
-                  </a:solidFill>
-                </a:rPr>
-                <a:t>•</a:t>
-              </a:r>
-              <a:r>
-                <a:rPr lang="en-US" dirty="0" err="1">
-                  <a:solidFill>
-                    <a:schemeClr val="dk1"/>
-                  </a:solidFill>
-                </a:rPr>
-                <a:t>Nazwa</a:t>
-              </a:r>
-              <a:endParaRPr dirty="0">
-                <a:solidFill>
-                  <a:schemeClr val="dk1"/>
-                </a:solidFill>
-              </a:endParaRPr>
-            </a:p>
-            <a:p>
-              <a:pPr marL="0" lvl="0" indent="0" rtl="0">
-                <a:lnSpc>
-                  <a:spcPct val="115000"/>
-                </a:lnSpc>
+              <a:pPr marL="0" lvl="0" indent="0" algn="ctr" rtl="0">
                 <a:spcBef>
                   <a:spcPts val="0"/>
                 </a:spcBef>
@@ -4815,208 +5441,37 @@
                 <a:buNone/>
               </a:pPr>
               <a:r>
-                <a:rPr lang="en-US" dirty="0">
-                  <a:solidFill>
-                    <a:schemeClr val="dk1"/>
-                  </a:solidFill>
-                </a:rPr>
-                <a:t>•</a:t>
+                <a:rPr lang="en-US" b="1" dirty="0" err="1"/>
+                <a:t>ViewModel</a:t>
               </a:r>
               <a:r>
-                <a:rPr lang="en-US" dirty="0" err="1">
-                  <a:solidFill>
-                    <a:schemeClr val="dk1"/>
-                  </a:solidFill>
-                </a:rPr>
-                <a:t>Ramka</a:t>
+                <a:rPr lang="en-US" b="1" dirty="0"/>
+                <a:t>: </a:t>
+              </a:r>
+              <a:br>
+                <a:rPr lang="en-US" b="1" dirty="0"/>
+              </a:br>
+              <a:r>
+                <a:rPr lang="pl-PL" b="1" dirty="0"/>
+                <a:t>K</a:t>
+              </a:r>
+              <a:r>
+                <a:rPr lang="pl-PL" b="1" dirty="0" smtClean="0"/>
+                <a:t>onfiguracja BD</a:t>
               </a:r>
               <a:endParaRPr b="1" dirty="0"/>
             </a:p>
           </p:txBody>
         </p:sp>
-        <p:cxnSp>
-          <p:nvCxnSpPr>
-            <p:cNvPr id="82" name="Shape 161"/>
-            <p:cNvCxnSpPr>
-              <a:stCxn id="81" idx="0"/>
-              <a:endCxn id="78" idx="3"/>
-            </p:cNvCxnSpPr>
-            <p:nvPr/>
-          </p:nvCxnSpPr>
-          <p:spPr>
-            <a:xfrm flipH="1" flipV="1">
-              <a:off x="2600400" y="3810750"/>
-              <a:ext cx="1963800" cy="1523250"/>
-            </a:xfrm>
-            <a:prstGeom prst="straightConnector1">
-              <a:avLst/>
-            </a:prstGeom>
-            <a:noFill/>
-            <a:ln w="38100" cap="flat" cmpd="sng">
-              <a:solidFill>
-                <a:schemeClr val="dk2"/>
-              </a:solidFill>
-              <a:prstDash val="solid"/>
-              <a:round/>
-              <a:headEnd type="none" w="med" len="med"/>
-              <a:tailEnd type="triangle" w="med" len="med"/>
-            </a:ln>
-          </p:spPr>
-        </p:cxnSp>
-        <p:cxnSp>
-          <p:nvCxnSpPr>
-            <p:cNvPr id="83" name="Shape 162"/>
-            <p:cNvCxnSpPr>
-              <a:stCxn id="81" idx="0"/>
-              <a:endCxn id="80" idx="2"/>
-            </p:cNvCxnSpPr>
-            <p:nvPr/>
-          </p:nvCxnSpPr>
-          <p:spPr>
-            <a:xfrm flipV="1">
-              <a:off x="4564200" y="4192500"/>
-              <a:ext cx="0" cy="1141500"/>
-            </a:xfrm>
-            <a:prstGeom prst="straightConnector1">
-              <a:avLst/>
-            </a:prstGeom>
-            <a:noFill/>
-            <a:ln w="38100" cap="flat" cmpd="sng">
-              <a:solidFill>
-                <a:schemeClr val="dk2"/>
-              </a:solidFill>
-              <a:prstDash val="solid"/>
-              <a:round/>
-              <a:headEnd type="none" w="med" len="med"/>
-              <a:tailEnd type="triangle" w="med" len="med"/>
-            </a:ln>
-          </p:spPr>
-        </p:cxnSp>
-        <p:cxnSp>
-          <p:nvCxnSpPr>
-            <p:cNvPr id="84" name="Shape 163"/>
-            <p:cNvCxnSpPr>
-              <a:stCxn id="78" idx="2"/>
-              <a:endCxn id="81" idx="1"/>
-            </p:cNvCxnSpPr>
-            <p:nvPr/>
-          </p:nvCxnSpPr>
-          <p:spPr>
-            <a:xfrm>
-              <a:off x="1592400" y="4125150"/>
-              <a:ext cx="2077800" cy="1748850"/>
-            </a:xfrm>
-            <a:prstGeom prst="straightConnector1">
-              <a:avLst/>
-            </a:prstGeom>
-            <a:noFill/>
-            <a:ln w="38100" cap="flat" cmpd="sng">
-              <a:solidFill>
-                <a:schemeClr val="dk2"/>
-              </a:solidFill>
-              <a:prstDash val="solid"/>
-              <a:round/>
-              <a:headEnd type="none" w="med" len="med"/>
-              <a:tailEnd type="triangle" w="med" len="med"/>
-            </a:ln>
-          </p:spPr>
-        </p:cxnSp>
-        <p:cxnSp>
-          <p:nvCxnSpPr>
-            <p:cNvPr id="85" name="Shape 164"/>
-            <p:cNvCxnSpPr>
-              <a:stCxn id="75" idx="2"/>
-              <a:endCxn id="78" idx="0"/>
-            </p:cNvCxnSpPr>
-            <p:nvPr/>
-          </p:nvCxnSpPr>
-          <p:spPr>
-            <a:xfrm>
-              <a:off x="1592400" y="2399825"/>
-              <a:ext cx="0" cy="1096525"/>
-            </a:xfrm>
-            <a:prstGeom prst="straightConnector1">
-              <a:avLst/>
-            </a:prstGeom>
-            <a:noFill/>
-            <a:ln w="38100" cap="flat" cmpd="sng">
-              <a:solidFill>
-                <a:schemeClr val="dk2"/>
-              </a:solidFill>
-              <a:prstDash val="solid"/>
-              <a:round/>
-              <a:headEnd type="none" w="med" len="med"/>
-              <a:tailEnd type="triangle" w="med" len="med"/>
-            </a:ln>
-          </p:spPr>
-        </p:cxnSp>
-        <p:cxnSp>
-          <p:nvCxnSpPr>
-            <p:cNvPr id="86" name="Shape 165"/>
-            <p:cNvCxnSpPr>
-              <a:stCxn id="77" idx="2"/>
-              <a:endCxn id="80" idx="0"/>
-            </p:cNvCxnSpPr>
-            <p:nvPr/>
-          </p:nvCxnSpPr>
-          <p:spPr>
-            <a:xfrm>
-              <a:off x="4564200" y="2399825"/>
-              <a:ext cx="0" cy="1029175"/>
-            </a:xfrm>
-            <a:prstGeom prst="straightConnector1">
-              <a:avLst/>
-            </a:prstGeom>
-            <a:noFill/>
-            <a:ln w="38100" cap="flat" cmpd="sng">
-              <a:solidFill>
-                <a:schemeClr val="dk2"/>
-              </a:solidFill>
-              <a:prstDash val="solid"/>
-              <a:round/>
-              <a:headEnd type="none" w="med" len="med"/>
-              <a:tailEnd type="triangle" w="med" len="med"/>
-            </a:ln>
-          </p:spPr>
-        </p:cxnSp>
-        <p:cxnSp>
-          <p:nvCxnSpPr>
-            <p:cNvPr id="87" name="Shape 166"/>
-            <p:cNvCxnSpPr>
-              <a:stCxn id="76" idx="2"/>
-              <a:endCxn id="79" idx="0"/>
-            </p:cNvCxnSpPr>
-            <p:nvPr/>
-          </p:nvCxnSpPr>
-          <p:spPr>
-            <a:xfrm>
-              <a:off x="7536000" y="2411500"/>
-              <a:ext cx="0" cy="1017500"/>
-            </a:xfrm>
-            <a:prstGeom prst="straightConnector1">
-              <a:avLst/>
-            </a:prstGeom>
-            <a:noFill/>
-            <a:ln w="38100" cap="flat" cmpd="sng">
-              <a:solidFill>
-                <a:schemeClr val="dk2"/>
-              </a:solidFill>
-              <a:prstDash val="solid"/>
-              <a:round/>
-              <a:headEnd type="none" w="med" len="med"/>
-              <a:tailEnd type="triangle" w="med" len="med"/>
-            </a:ln>
-          </p:spPr>
-        </p:cxnSp>
         <p:sp>
           <p:nvSpPr>
-            <p:cNvPr id="108" name="Lightning Bolt 107"/>
+            <p:cNvPr id="57" name="Lightning Bolt 56"/>
             <p:cNvSpPr/>
             <p:nvPr/>
           </p:nvSpPr>
           <p:spPr>
-            <a:xfrm>
-              <a:off x="3581400" y="4466175"/>
+            <a:xfrm flipH="1">
+              <a:off x="2266950" y="2643450"/>
               <a:ext cx="297000" cy="533400"/>
             </a:xfrm>
             <a:prstGeom prst="lightningBolt">
@@ -5058,24 +5513,487 @@
         </p:sp>
         <p:sp>
           <p:nvSpPr>
-            <p:cNvPr id="109" name="Lightning Bolt 108"/>
+            <p:cNvPr id="34" name="Shape 159"/>
             <p:cNvSpPr/>
             <p:nvPr/>
           </p:nvSpPr>
           <p:spPr>
             <a:xfrm>
-              <a:off x="4415700" y="4466175"/>
-              <a:ext cx="297000" cy="533400"/>
+              <a:off x="3470100" y="2522625"/>
+              <a:ext cx="2016000" cy="763500"/>
             </a:xfrm>
-            <a:prstGeom prst="lightningBolt">
+            <a:prstGeom prst="roundRect">
+              <a:avLst>
+                <a:gd name="adj" fmla="val 16667"/>
+              </a:avLst>
+            </a:prstGeom>
+            <a:solidFill>
+              <a:srgbClr val="FFC000"/>
+            </a:solidFill>
+            <a:ln w="38100" cap="flat" cmpd="sng">
+              <a:solidFill>
+                <a:srgbClr val="FF0000"/>
+              </a:solidFill>
+              <a:prstDash val="solid"/>
+              <a:round/>
+              <a:headEnd type="none" w="sm" len="sm"/>
+              <a:tailEnd type="none" w="sm" len="sm"/>
+            </a:ln>
+          </p:spPr>
+          <p:txBody>
+            <a:bodyPr spcFirstLastPara="1" wrap="square" lIns="91425" tIns="91425" rIns="91425" bIns="91425" anchor="ctr" anchorCtr="0">
+              <a:noAutofit/>
+            </a:bodyPr>
+            <a:lstStyle/>
+            <a:p>
+              <a:pPr marL="0" lvl="0" indent="0" algn="ctr" rtl="0">
+                <a:spcBef>
+                  <a:spcPts val="0"/>
+                </a:spcBef>
+                <a:spcAft>
+                  <a:spcPts val="0"/>
+                </a:spcAft>
+                <a:buNone/>
+              </a:pPr>
+              <a:r>
+                <a:rPr lang="pl-PL" b="1" dirty="0" smtClean="0"/>
+                <a:t>Mediator</a:t>
+              </a:r>
+              <a:endParaRPr b="1" dirty="0"/>
+            </a:p>
+          </p:txBody>
+        </p:sp>
+      </p:grpSp>
+    </p:spTree>
+    <p:extLst>
+      <p:ext uri="{BB962C8B-B14F-4D97-AF65-F5344CB8AC3E}">
+        <p14:creationId xmlns:p14="http://schemas.microsoft.com/office/powerpoint/2010/main" val="2969317156"/>
+      </p:ext>
+    </p:extLst>
+  </p:cSld>
+  <p:clrMapOvr>
+    <a:masterClrMapping/>
+  </p:clrMapOvr>
+</p:sld>
+</file>
+
+<file path=ppt/slides/slide12.xml><?xml version="1.0" encoding="utf-8"?>
+<p:sld xmlns:a="http://schemas.openxmlformats.org/drawingml/2006/main" xmlns:r="http://schemas.openxmlformats.org/officeDocument/2006/relationships" xmlns:p="http://schemas.openxmlformats.org/presentationml/2006/main">
+  <p:cSld>
+    <p:spTree>
+      <p:nvGrpSpPr>
+        <p:cNvPr id="1" name=""/>
+        <p:cNvGrpSpPr/>
+        <p:nvPr/>
+      </p:nvGrpSpPr>
+      <p:grpSpPr>
+        <a:xfrm>
+          <a:off x="0" y="0"/>
+          <a:ext cx="0" cy="0"/>
+          <a:chOff x="0" y="0"/>
+          <a:chExt cx="0" cy="0"/>
+        </a:xfrm>
+      </p:grpSpPr>
+      <p:grpSp>
+        <p:nvGrpSpPr>
+          <p:cNvPr id="25" name="Group 24"/>
+          <p:cNvGrpSpPr/>
+          <p:nvPr/>
+        </p:nvGrpSpPr>
+        <p:grpSpPr>
+          <a:xfrm>
+            <a:off x="362550" y="725400"/>
+            <a:ext cx="8143275" cy="5827800"/>
+            <a:chOff x="362550" y="725400"/>
+            <a:chExt cx="8143275" cy="5827800"/>
+          </a:xfrm>
+        </p:grpSpPr>
+        <p:sp>
+          <p:nvSpPr>
+            <p:cNvPr id="79" name="Shape 158"/>
+            <p:cNvSpPr/>
+            <p:nvPr/>
+          </p:nvSpPr>
+          <p:spPr>
+            <a:xfrm>
+              <a:off x="409125" y="4075200"/>
+              <a:ext cx="2015400" cy="763500"/>
+            </a:xfrm>
+            <a:prstGeom prst="roundRect">
+              <a:avLst>
+                <a:gd name="adj" fmla="val 16667"/>
+              </a:avLst>
+            </a:prstGeom>
+            <a:solidFill>
+              <a:srgbClr val="EA9999"/>
+            </a:solidFill>
+            <a:ln w="38100" cap="flat" cmpd="sng">
+              <a:solidFill>
+                <a:srgbClr val="990000"/>
+              </a:solidFill>
+              <a:prstDash val="solid"/>
+              <a:round/>
+              <a:headEnd type="none" w="sm" len="sm"/>
+              <a:tailEnd type="none" w="sm" len="sm"/>
+            </a:ln>
+          </p:spPr>
+          <p:txBody>
+            <a:bodyPr spcFirstLastPara="1" wrap="square" lIns="91425" tIns="91425" rIns="91425" bIns="91425" anchor="ctr" anchorCtr="0">
+              <a:noAutofit/>
+            </a:bodyPr>
+            <a:lstStyle/>
+            <a:p>
+              <a:pPr marL="0" lvl="0" indent="0" algn="ctr" rtl="0">
+                <a:spcBef>
+                  <a:spcPts val="0"/>
+                </a:spcBef>
+                <a:spcAft>
+                  <a:spcPts val="0"/>
+                </a:spcAft>
+                <a:buNone/>
+              </a:pPr>
+              <a:r>
+                <a:rPr lang="en-US" b="1" dirty="0" err="1"/>
+                <a:t>ViewModel</a:t>
+              </a:r>
+              <a:r>
+                <a:rPr lang="en-US" b="1" dirty="0"/>
+                <a:t>: </a:t>
+              </a:r>
+              <a:br>
+                <a:rPr lang="en-US" b="1" dirty="0"/>
+              </a:br>
+              <a:r>
+                <a:rPr lang="en-US" b="1" dirty="0" err="1"/>
+                <a:t>Okno</a:t>
+              </a:r>
+              <a:r>
+                <a:rPr lang="en-US" b="1" dirty="0"/>
+                <a:t> </a:t>
+              </a:r>
+              <a:r>
+                <a:rPr lang="pl-PL" b="1" dirty="0" err="1"/>
+                <a:t>B</a:t>
+              </a:r>
+              <a:r>
+                <a:rPr lang="en-US" b="1" dirty="0" err="1" smtClean="0"/>
+                <a:t>azy</a:t>
+              </a:r>
+              <a:r>
+                <a:rPr lang="en-US" b="1" dirty="0" smtClean="0"/>
+                <a:t> </a:t>
+              </a:r>
+              <a:r>
+                <a:rPr lang="pl-PL" b="1" dirty="0" err="1"/>
+                <a:t>D</a:t>
+              </a:r>
+              <a:r>
+                <a:rPr lang="en-US" b="1" dirty="0" err="1" smtClean="0"/>
+                <a:t>anych</a:t>
+              </a:r>
+              <a:endParaRPr b="1" dirty="0"/>
+            </a:p>
+          </p:txBody>
+        </p:sp>
+        <p:sp>
+          <p:nvSpPr>
+            <p:cNvPr id="80" name="Shape 159"/>
+            <p:cNvSpPr/>
+            <p:nvPr/>
+          </p:nvSpPr>
+          <p:spPr>
+            <a:xfrm>
+              <a:off x="362550" y="2391900"/>
+              <a:ext cx="2016000" cy="763500"/>
+            </a:xfrm>
+            <a:prstGeom prst="roundRect">
+              <a:avLst>
+                <a:gd name="adj" fmla="val 16667"/>
+              </a:avLst>
+            </a:prstGeom>
+            <a:solidFill>
+              <a:srgbClr val="EA9999"/>
+            </a:solidFill>
+            <a:ln w="38100" cap="flat" cmpd="sng">
+              <a:solidFill>
+                <a:srgbClr val="990000"/>
+              </a:solidFill>
+              <a:prstDash val="solid"/>
+              <a:round/>
+              <a:headEnd type="none" w="sm" len="sm"/>
+              <a:tailEnd type="none" w="sm" len="sm"/>
+            </a:ln>
+          </p:spPr>
+          <p:txBody>
+            <a:bodyPr spcFirstLastPara="1" wrap="square" lIns="91425" tIns="91425" rIns="91425" bIns="91425" anchor="ctr" anchorCtr="0">
+              <a:noAutofit/>
+            </a:bodyPr>
+            <a:lstStyle/>
+            <a:p>
+              <a:pPr marL="0" lvl="0" indent="0" algn="ctr" rtl="0">
+                <a:spcBef>
+                  <a:spcPts val="0"/>
+                </a:spcBef>
+                <a:spcAft>
+                  <a:spcPts val="0"/>
+                </a:spcAft>
+                <a:buNone/>
+              </a:pPr>
+              <a:r>
+                <a:rPr lang="en-US" b="1" dirty="0" err="1"/>
+                <a:t>ViewModel</a:t>
+              </a:r>
+              <a:r>
+                <a:rPr lang="en-US" b="1" dirty="0"/>
+                <a:t>: </a:t>
+              </a:r>
+              <a:br>
+                <a:rPr lang="en-US" b="1" dirty="0"/>
+              </a:br>
+              <a:r>
+                <a:rPr lang="en-US" b="1" dirty="0" err="1"/>
+                <a:t>Okno</a:t>
+              </a:r>
+              <a:r>
+                <a:rPr lang="en-US" b="1" dirty="0"/>
+                <a:t> </a:t>
+              </a:r>
+              <a:r>
+                <a:rPr lang="pl-PL" b="1" dirty="0" smtClean="0"/>
+                <a:t>F</a:t>
+              </a:r>
+              <a:r>
+                <a:rPr lang="en-US" b="1" dirty="0" err="1" smtClean="0"/>
+                <a:t>iltrowania</a:t>
+              </a:r>
+              <a:endParaRPr b="1" dirty="0"/>
+            </a:p>
+          </p:txBody>
+        </p:sp>
+        <p:sp>
+          <p:nvSpPr>
+            <p:cNvPr id="18" name="Shape 159"/>
+            <p:cNvSpPr/>
+            <p:nvPr/>
+          </p:nvSpPr>
+          <p:spPr>
+            <a:xfrm>
+              <a:off x="380400" y="800850"/>
+              <a:ext cx="2016000" cy="763500"/>
+            </a:xfrm>
+            <a:prstGeom prst="roundRect">
+              <a:avLst>
+                <a:gd name="adj" fmla="val 16667"/>
+              </a:avLst>
+            </a:prstGeom>
+            <a:solidFill>
+              <a:srgbClr val="EA9999"/>
+            </a:solidFill>
+            <a:ln w="38100" cap="flat" cmpd="sng">
+              <a:solidFill>
+                <a:srgbClr val="990000"/>
+              </a:solidFill>
+              <a:prstDash val="solid"/>
+              <a:round/>
+              <a:headEnd type="none" w="sm" len="sm"/>
+              <a:tailEnd type="none" w="sm" len="sm"/>
+            </a:ln>
+          </p:spPr>
+          <p:txBody>
+            <a:bodyPr spcFirstLastPara="1" wrap="square" lIns="91425" tIns="91425" rIns="91425" bIns="91425" anchor="ctr" anchorCtr="0">
+              <a:noAutofit/>
+            </a:bodyPr>
+            <a:lstStyle/>
+            <a:p>
+              <a:pPr marL="0" lvl="0" indent="0" algn="ctr" rtl="0">
+                <a:spcBef>
+                  <a:spcPts val="0"/>
+                </a:spcBef>
+                <a:spcAft>
+                  <a:spcPts val="0"/>
+                </a:spcAft>
+                <a:buNone/>
+              </a:pPr>
+              <a:r>
+                <a:rPr lang="en-US" b="1" dirty="0" err="1"/>
+                <a:t>ViewModel</a:t>
+              </a:r>
+              <a:r>
+                <a:rPr lang="en-US" b="1" dirty="0"/>
+                <a:t>: </a:t>
+              </a:r>
+              <a:br>
+                <a:rPr lang="en-US" b="1" dirty="0"/>
+              </a:br>
+              <a:r>
+                <a:rPr lang="en-US" b="1" dirty="0" err="1"/>
+                <a:t>Okno</a:t>
+              </a:r>
+              <a:r>
+                <a:rPr lang="en-US" b="1" dirty="0"/>
+                <a:t> </a:t>
+              </a:r>
+              <a:r>
+                <a:rPr lang="pl-PL" b="1" dirty="0" smtClean="0"/>
+                <a:t>G</a:t>
+              </a:r>
+              <a:r>
+                <a:rPr lang="pl-PL" b="1" dirty="0" smtClean="0"/>
+                <a:t>łówne</a:t>
+              </a:r>
+              <a:endParaRPr b="1" dirty="0"/>
+            </a:p>
+          </p:txBody>
+        </p:sp>
+        <p:sp>
+          <p:nvSpPr>
+            <p:cNvPr id="33" name="Shape 158"/>
+            <p:cNvSpPr/>
+            <p:nvPr/>
+          </p:nvSpPr>
+          <p:spPr>
+            <a:xfrm>
+              <a:off x="363150" y="5714250"/>
+              <a:ext cx="2015400" cy="763500"/>
+            </a:xfrm>
+            <a:prstGeom prst="roundRect">
+              <a:avLst>
+                <a:gd name="adj" fmla="val 16667"/>
+              </a:avLst>
+            </a:prstGeom>
+            <a:solidFill>
+              <a:srgbClr val="EA9999"/>
+            </a:solidFill>
+            <a:ln w="38100" cap="flat" cmpd="sng">
+              <a:solidFill>
+                <a:srgbClr val="990000"/>
+              </a:solidFill>
+              <a:prstDash val="solid"/>
+              <a:round/>
+              <a:headEnd type="none" w="sm" len="sm"/>
+              <a:tailEnd type="none" w="sm" len="sm"/>
+            </a:ln>
+          </p:spPr>
+          <p:txBody>
+            <a:bodyPr spcFirstLastPara="1" wrap="square" lIns="91425" tIns="91425" rIns="91425" bIns="91425" anchor="ctr" anchorCtr="0">
+              <a:noAutofit/>
+            </a:bodyPr>
+            <a:lstStyle/>
+            <a:p>
+              <a:pPr marL="0" lvl="0" indent="0" algn="ctr" rtl="0">
+                <a:spcBef>
+                  <a:spcPts val="0"/>
+                </a:spcBef>
+                <a:spcAft>
+                  <a:spcPts val="0"/>
+                </a:spcAft>
+                <a:buNone/>
+              </a:pPr>
+              <a:r>
+                <a:rPr lang="en-US" b="1" dirty="0" err="1"/>
+                <a:t>ViewModel</a:t>
+              </a:r>
+              <a:r>
+                <a:rPr lang="en-US" b="1" dirty="0"/>
+                <a:t>: </a:t>
+              </a:r>
+              <a:br>
+                <a:rPr lang="en-US" b="1" dirty="0"/>
+              </a:br>
+              <a:r>
+                <a:rPr lang="pl-PL" b="1" dirty="0"/>
+                <a:t>K</a:t>
+              </a:r>
+              <a:r>
+                <a:rPr lang="pl-PL" b="1" dirty="0" smtClean="0"/>
+                <a:t>onfiguracja BD</a:t>
+              </a:r>
+              <a:endParaRPr b="1" dirty="0"/>
+            </a:p>
+          </p:txBody>
+        </p:sp>
+        <p:sp>
+          <p:nvSpPr>
+            <p:cNvPr id="34" name="Shape 159"/>
+            <p:cNvSpPr/>
+            <p:nvPr/>
+          </p:nvSpPr>
+          <p:spPr>
+            <a:xfrm>
+              <a:off x="3124200" y="1828800"/>
+              <a:ext cx="1940100" cy="3505950"/>
+            </a:xfrm>
+            <a:prstGeom prst="roundRect">
+              <a:avLst>
+                <a:gd name="adj" fmla="val 16667"/>
+              </a:avLst>
+            </a:prstGeom>
+            <a:solidFill>
+              <a:schemeClr val="accent5">
+                <a:lumMod val="60000"/>
+                <a:lumOff val="40000"/>
+              </a:schemeClr>
+            </a:solidFill>
+            <a:ln w="38100" cap="flat" cmpd="sng">
+              <a:solidFill>
+                <a:schemeClr val="accent5">
+                  <a:lumMod val="50000"/>
+                </a:schemeClr>
+              </a:solidFill>
+              <a:prstDash val="solid"/>
+              <a:round/>
+              <a:headEnd type="none" w="sm" len="sm"/>
+              <a:tailEnd type="none" w="sm" len="sm"/>
+            </a:ln>
+          </p:spPr>
+          <p:txBody>
+            <a:bodyPr spcFirstLastPara="1" wrap="square" lIns="91425" tIns="91425" rIns="91425" bIns="91425" anchor="ctr" anchorCtr="0">
+              <a:noAutofit/>
+            </a:bodyPr>
+            <a:lstStyle/>
+            <a:p>
+              <a:pPr marL="0" lvl="0" indent="0" algn="ctr" rtl="0">
+                <a:spcBef>
+                  <a:spcPts val="0"/>
+                </a:spcBef>
+                <a:spcAft>
+                  <a:spcPts val="0"/>
+                </a:spcAft>
+                <a:buNone/>
+              </a:pPr>
+              <a:r>
+                <a:rPr lang="pl-PL" b="1" i="1" dirty="0" smtClean="0"/>
+                <a:t>View Model Locator</a:t>
+              </a:r>
+              <a:endParaRPr b="1" i="1" dirty="0"/>
+            </a:p>
+          </p:txBody>
+        </p:sp>
+        <p:sp>
+          <p:nvSpPr>
+            <p:cNvPr id="2" name="Rounded Rectangle 1"/>
+            <p:cNvSpPr/>
+            <p:nvPr/>
+          </p:nvSpPr>
+          <p:spPr>
+            <a:xfrm>
+              <a:off x="5705475" y="725400"/>
+              <a:ext cx="2800350" cy="914400"/>
+            </a:xfrm>
+            <a:prstGeom prst="roundRect">
               <a:avLst/>
             </a:prstGeom>
             <a:solidFill>
-              <a:srgbClr val="FFFF00"/>
+              <a:schemeClr val="accent3">
+                <a:lumMod val="60000"/>
+                <a:lumOff val="40000"/>
+              </a:schemeClr>
             </a:solidFill>
             <a:ln>
               <a:solidFill>
-                <a:srgbClr val="C00000"/>
+                <a:schemeClr val="accent3">
+                  <a:lumMod val="50000"/>
+                </a:schemeClr>
               </a:solidFill>
             </a:ln>
           </p:spPr>
@@ -5100,15 +6018,669 @@
             <a:lstStyle/>
             <a:p>
               <a:pPr algn="ctr"/>
-              <a:endParaRPr lang="pl-PL"/>
+              <a:r>
+                <a:rPr lang="pl-PL" b="1" dirty="0" smtClean="0">
+                  <a:solidFill>
+                    <a:schemeClr val="tx1"/>
+                  </a:solidFill>
+                </a:rPr>
+                <a:t>View: Okno Główne</a:t>
+              </a:r>
+            </a:p>
+            <a:p>
+              <a:pPr marL="285750" indent="-285750">
+                <a:buFont typeface="Arial" pitchFamily="34" charset="0"/>
+                <a:buChar char="•"/>
+              </a:pPr>
+              <a:r>
+                <a:rPr lang="pl-PL" b="1" dirty="0" smtClean="0">
+                  <a:solidFill>
+                    <a:schemeClr val="tx1"/>
+                  </a:solidFill>
+                </a:rPr>
+                <a:t>Wybrana kamera</a:t>
+              </a:r>
+            </a:p>
+            <a:p>
+              <a:pPr marL="285750" indent="-285750">
+                <a:buFont typeface="Arial" pitchFamily="34" charset="0"/>
+                <a:buChar char="•"/>
+              </a:pPr>
+              <a:r>
+                <a:rPr lang="pl-PL" b="1" dirty="0" smtClean="0">
+                  <a:solidFill>
+                    <a:schemeClr val="tx1"/>
+                  </a:solidFill>
+                </a:rPr>
+                <a:t>Ramka Kamery</a:t>
+              </a:r>
+              <a:endParaRPr lang="pl-PL" b="1" dirty="0">
+                <a:solidFill>
+                  <a:schemeClr val="tx1"/>
+                </a:solidFill>
+              </a:endParaRPr>
             </a:p>
           </p:txBody>
         </p:sp>
+        <p:sp>
+          <p:nvSpPr>
+            <p:cNvPr id="14" name="Rounded Rectangle 13"/>
+            <p:cNvSpPr/>
+            <p:nvPr/>
+          </p:nvSpPr>
+          <p:spPr>
+            <a:xfrm>
+              <a:off x="5705475" y="2202525"/>
+              <a:ext cx="2800350" cy="1142250"/>
+            </a:xfrm>
+            <a:prstGeom prst="roundRect">
+              <a:avLst/>
+            </a:prstGeom>
+            <a:solidFill>
+              <a:schemeClr val="accent3">
+                <a:lumMod val="60000"/>
+                <a:lumOff val="40000"/>
+              </a:schemeClr>
+            </a:solidFill>
+            <a:ln>
+              <a:solidFill>
+                <a:schemeClr val="accent3">
+                  <a:lumMod val="50000"/>
+                </a:schemeClr>
+              </a:solidFill>
+            </a:ln>
+          </p:spPr>
+          <p:style>
+            <a:lnRef idx="2">
+              <a:schemeClr val="accent1">
+                <a:shade val="50000"/>
+              </a:schemeClr>
+            </a:lnRef>
+            <a:fillRef idx="1">
+              <a:schemeClr val="accent1"/>
+            </a:fillRef>
+            <a:effectRef idx="0">
+              <a:schemeClr val="accent1"/>
+            </a:effectRef>
+            <a:fontRef idx="minor">
+              <a:schemeClr val="lt1"/>
+            </a:fontRef>
+          </p:style>
+          <p:txBody>
+            <a:bodyPr rtlCol="0" anchor="ctr"/>
+            <a:lstStyle/>
+            <a:p>
+              <a:pPr algn="ctr"/>
+              <a:r>
+                <a:rPr lang="pl-PL" b="1" dirty="0">
+                  <a:solidFill>
+                    <a:schemeClr val="tx1"/>
+                  </a:solidFill>
+                </a:rPr>
+                <a:t>View: Okno Filtorwania</a:t>
+              </a:r>
+            </a:p>
+            <a:p>
+              <a:pPr marL="285750" indent="-285750">
+                <a:buFont typeface="Arial" pitchFamily="34" charset="0"/>
+                <a:buChar char="•"/>
+              </a:pPr>
+              <a:r>
+                <a:rPr lang="pl-PL" b="1" dirty="0">
+                  <a:solidFill>
+                    <a:schemeClr val="tx1"/>
+                  </a:solidFill>
+                </a:rPr>
+                <a:t>Filtr HSL</a:t>
+              </a:r>
+            </a:p>
+            <a:p>
+              <a:pPr marL="285750" indent="-285750">
+                <a:buFont typeface="Arial" pitchFamily="34" charset="0"/>
+                <a:buChar char="•"/>
+              </a:pPr>
+              <a:r>
+                <a:rPr lang="pl-PL" b="1" dirty="0">
+                  <a:solidFill>
+                    <a:schemeClr val="tx1"/>
+                  </a:solidFill>
+                </a:rPr>
+                <a:t>Ramka Kamery</a:t>
+              </a:r>
+            </a:p>
+            <a:p>
+              <a:pPr marL="285750" indent="-285750">
+                <a:buFont typeface="Arial" pitchFamily="34" charset="0"/>
+                <a:buChar char="•"/>
+              </a:pPr>
+              <a:r>
+                <a:rPr lang="pl-PL" b="1" dirty="0">
+                  <a:solidFill>
+                    <a:schemeClr val="tx1"/>
+                  </a:solidFill>
+                </a:rPr>
+                <a:t>Prostokąt otaczający</a:t>
+              </a:r>
+            </a:p>
+          </p:txBody>
+        </p:sp>
+        <p:sp>
+          <p:nvSpPr>
+            <p:cNvPr id="15" name="Rounded Rectangle 14"/>
+            <p:cNvSpPr/>
+            <p:nvPr/>
+          </p:nvSpPr>
+          <p:spPr>
+            <a:xfrm>
+              <a:off x="5705475" y="3886200"/>
+              <a:ext cx="2800350" cy="1141500"/>
+            </a:xfrm>
+            <a:prstGeom prst="roundRect">
+              <a:avLst/>
+            </a:prstGeom>
+            <a:solidFill>
+              <a:schemeClr val="accent3">
+                <a:lumMod val="60000"/>
+                <a:lumOff val="40000"/>
+              </a:schemeClr>
+            </a:solidFill>
+            <a:ln>
+              <a:solidFill>
+                <a:schemeClr val="accent3">
+                  <a:lumMod val="50000"/>
+                </a:schemeClr>
+              </a:solidFill>
+            </a:ln>
+          </p:spPr>
+          <p:style>
+            <a:lnRef idx="2">
+              <a:schemeClr val="accent1">
+                <a:shade val="50000"/>
+              </a:schemeClr>
+            </a:lnRef>
+            <a:fillRef idx="1">
+              <a:schemeClr val="accent1"/>
+            </a:fillRef>
+            <a:effectRef idx="0">
+              <a:schemeClr val="accent1"/>
+            </a:effectRef>
+            <a:fontRef idx="minor">
+              <a:schemeClr val="lt1"/>
+            </a:fontRef>
+          </p:style>
+          <p:txBody>
+            <a:bodyPr rtlCol="0" anchor="ctr"/>
+            <a:lstStyle/>
+            <a:p>
+              <a:pPr algn="ctr"/>
+              <a:r>
+                <a:rPr lang="pl-PL" b="1" dirty="0">
+                  <a:solidFill>
+                    <a:schemeClr val="tx1"/>
+                  </a:solidFill>
+                </a:rPr>
+                <a:t>View: Okno Bazy Danych</a:t>
+              </a:r>
+            </a:p>
+            <a:p>
+              <a:pPr marL="285750" indent="-285750">
+                <a:buFont typeface="Arial" pitchFamily="34" charset="0"/>
+                <a:buChar char="•"/>
+              </a:pPr>
+              <a:r>
+                <a:rPr lang="pl-PL" b="1" dirty="0">
+                  <a:solidFill>
+                    <a:schemeClr val="tx1"/>
+                  </a:solidFill>
+                </a:rPr>
+                <a:t>Obrazy Gestu</a:t>
+              </a:r>
+            </a:p>
+            <a:p>
+              <a:pPr marL="285750" indent="-285750">
+                <a:buFont typeface="Arial" pitchFamily="34" charset="0"/>
+                <a:buChar char="•"/>
+              </a:pPr>
+              <a:r>
+                <a:rPr lang="pl-PL" b="1" dirty="0">
+                  <a:solidFill>
+                    <a:schemeClr val="tx1"/>
+                  </a:solidFill>
+                </a:rPr>
+                <a:t>Parametry Klasyfikatora</a:t>
+              </a:r>
+            </a:p>
+          </p:txBody>
+        </p:sp>
+        <p:sp>
+          <p:nvSpPr>
+            <p:cNvPr id="16" name="Rounded Rectangle 15"/>
+            <p:cNvSpPr/>
+            <p:nvPr/>
+          </p:nvSpPr>
+          <p:spPr>
+            <a:xfrm>
+              <a:off x="5705475" y="5638800"/>
+              <a:ext cx="2800350" cy="914400"/>
+            </a:xfrm>
+            <a:prstGeom prst="roundRect">
+              <a:avLst/>
+            </a:prstGeom>
+            <a:solidFill>
+              <a:schemeClr val="accent3">
+                <a:lumMod val="60000"/>
+                <a:lumOff val="40000"/>
+              </a:schemeClr>
+            </a:solidFill>
+            <a:ln>
+              <a:solidFill>
+                <a:schemeClr val="accent3">
+                  <a:lumMod val="50000"/>
+                </a:schemeClr>
+              </a:solidFill>
+            </a:ln>
+          </p:spPr>
+          <p:style>
+            <a:lnRef idx="2">
+              <a:schemeClr val="accent1">
+                <a:shade val="50000"/>
+              </a:schemeClr>
+            </a:lnRef>
+            <a:fillRef idx="1">
+              <a:schemeClr val="accent1"/>
+            </a:fillRef>
+            <a:effectRef idx="0">
+              <a:schemeClr val="accent1"/>
+            </a:effectRef>
+            <a:fontRef idx="minor">
+              <a:schemeClr val="lt1"/>
+            </a:fontRef>
+          </p:style>
+          <p:txBody>
+            <a:bodyPr rtlCol="0" anchor="ctr"/>
+            <a:lstStyle/>
+            <a:p>
+              <a:pPr algn="ctr"/>
+              <a:r>
+                <a:rPr lang="pl-PL" b="1" dirty="0">
+                  <a:solidFill>
+                    <a:schemeClr val="tx1"/>
+                  </a:solidFill>
+                </a:rPr>
+                <a:t>View: Konfiguracja BD</a:t>
+              </a:r>
+            </a:p>
+            <a:p>
+              <a:pPr marL="285750" indent="-285750">
+                <a:buFont typeface="Arial" pitchFamily="34" charset="0"/>
+                <a:buChar char="•"/>
+              </a:pPr>
+              <a:r>
+                <a:rPr lang="pl-PL" b="1" dirty="0">
+                  <a:solidFill>
+                    <a:schemeClr val="tx1"/>
+                  </a:solidFill>
+                </a:rPr>
+                <a:t>Dodanie Gestu</a:t>
+              </a:r>
+            </a:p>
+            <a:p>
+              <a:pPr marL="285750" indent="-285750">
+                <a:buFont typeface="Arial" pitchFamily="34" charset="0"/>
+                <a:buChar char="•"/>
+              </a:pPr>
+              <a:r>
+                <a:rPr lang="pl-PL" b="1" dirty="0">
+                  <a:solidFill>
+                    <a:schemeClr val="tx1"/>
+                  </a:solidFill>
+                </a:rPr>
+                <a:t>Testowanie Gestu</a:t>
+              </a:r>
+            </a:p>
+          </p:txBody>
+        </p:sp>
+        <p:cxnSp>
+          <p:nvCxnSpPr>
+            <p:cNvPr id="4" name="Straight Connector 3"/>
+            <p:cNvCxnSpPr>
+              <a:stCxn id="18" idx="3"/>
+              <a:endCxn id="34" idx="1"/>
+            </p:cNvCxnSpPr>
+            <p:nvPr/>
+          </p:nvCxnSpPr>
+          <p:spPr>
+            <a:xfrm>
+              <a:off x="2396400" y="1182600"/>
+              <a:ext cx="727800" cy="2399175"/>
+            </a:xfrm>
+            <a:prstGeom prst="line">
+              <a:avLst/>
+            </a:prstGeom>
+            <a:ln w="38100">
+              <a:solidFill>
+                <a:schemeClr val="accent2">
+                  <a:lumMod val="75000"/>
+                </a:schemeClr>
+              </a:solidFill>
+              <a:headEnd type="oval" w="med" len="med"/>
+              <a:tailEnd type="oval" w="med" len="med"/>
+            </a:ln>
+          </p:spPr>
+          <p:style>
+            <a:lnRef idx="1">
+              <a:schemeClr val="accent1"/>
+            </a:lnRef>
+            <a:fillRef idx="0">
+              <a:schemeClr val="accent1"/>
+            </a:fillRef>
+            <a:effectRef idx="0">
+              <a:schemeClr val="accent1"/>
+            </a:effectRef>
+            <a:fontRef idx="minor">
+              <a:schemeClr val="tx1"/>
+            </a:fontRef>
+          </p:style>
+        </p:cxnSp>
+        <p:cxnSp>
+          <p:nvCxnSpPr>
+            <p:cNvPr id="6" name="Straight Connector 5"/>
+            <p:cNvCxnSpPr>
+              <a:stCxn id="80" idx="3"/>
+              <a:endCxn id="34" idx="1"/>
+            </p:cNvCxnSpPr>
+            <p:nvPr/>
+          </p:nvCxnSpPr>
+          <p:spPr>
+            <a:xfrm>
+              <a:off x="2378550" y="2773650"/>
+              <a:ext cx="745650" cy="808125"/>
+            </a:xfrm>
+            <a:prstGeom prst="line">
+              <a:avLst/>
+            </a:prstGeom>
+            <a:ln w="38100">
+              <a:solidFill>
+                <a:schemeClr val="accent2">
+                  <a:lumMod val="75000"/>
+                </a:schemeClr>
+              </a:solidFill>
+              <a:headEnd type="oval" w="med" len="med"/>
+              <a:tailEnd type="oval" w="med" len="med"/>
+            </a:ln>
+          </p:spPr>
+          <p:style>
+            <a:lnRef idx="1">
+              <a:schemeClr val="accent1"/>
+            </a:lnRef>
+            <a:fillRef idx="0">
+              <a:schemeClr val="accent1"/>
+            </a:fillRef>
+            <a:effectRef idx="0">
+              <a:schemeClr val="accent1"/>
+            </a:effectRef>
+            <a:fontRef idx="minor">
+              <a:schemeClr val="tx1"/>
+            </a:fontRef>
+          </p:style>
+        </p:cxnSp>
+        <p:cxnSp>
+          <p:nvCxnSpPr>
+            <p:cNvPr id="8" name="Straight Connector 7"/>
+            <p:cNvCxnSpPr>
+              <a:stCxn id="34" idx="1"/>
+              <a:endCxn id="79" idx="3"/>
+            </p:cNvCxnSpPr>
+            <p:nvPr/>
+          </p:nvCxnSpPr>
+          <p:spPr>
+            <a:xfrm flipH="1">
+              <a:off x="2424525" y="3581775"/>
+              <a:ext cx="699675" cy="875175"/>
+            </a:xfrm>
+            <a:prstGeom prst="line">
+              <a:avLst/>
+            </a:prstGeom>
+            <a:ln w="38100">
+              <a:solidFill>
+                <a:schemeClr val="accent2">
+                  <a:lumMod val="75000"/>
+                </a:schemeClr>
+              </a:solidFill>
+              <a:headEnd type="oval" w="med" len="med"/>
+              <a:tailEnd type="oval" w="med" len="med"/>
+            </a:ln>
+          </p:spPr>
+          <p:style>
+            <a:lnRef idx="1">
+              <a:schemeClr val="accent1"/>
+            </a:lnRef>
+            <a:fillRef idx="0">
+              <a:schemeClr val="accent1"/>
+            </a:fillRef>
+            <a:effectRef idx="0">
+              <a:schemeClr val="accent1"/>
+            </a:effectRef>
+            <a:fontRef idx="minor">
+              <a:schemeClr val="tx1"/>
+            </a:fontRef>
+          </p:style>
+        </p:cxnSp>
+        <p:cxnSp>
+          <p:nvCxnSpPr>
+            <p:cNvPr id="10" name="Straight Connector 9"/>
+            <p:cNvCxnSpPr>
+              <a:stCxn id="34" idx="1"/>
+              <a:endCxn id="33" idx="3"/>
+            </p:cNvCxnSpPr>
+            <p:nvPr/>
+          </p:nvCxnSpPr>
+          <p:spPr>
+            <a:xfrm flipH="1">
+              <a:off x="2378550" y="3581775"/>
+              <a:ext cx="745650" cy="2514225"/>
+            </a:xfrm>
+            <a:prstGeom prst="line">
+              <a:avLst/>
+            </a:prstGeom>
+            <a:ln w="38100">
+              <a:solidFill>
+                <a:schemeClr val="accent2">
+                  <a:lumMod val="75000"/>
+                </a:schemeClr>
+              </a:solidFill>
+              <a:headEnd type="oval" w="med" len="med"/>
+              <a:tailEnd type="oval" w="med" len="med"/>
+            </a:ln>
+          </p:spPr>
+          <p:style>
+            <a:lnRef idx="1">
+              <a:schemeClr val="accent1"/>
+            </a:lnRef>
+            <a:fillRef idx="0">
+              <a:schemeClr val="accent1"/>
+            </a:fillRef>
+            <a:effectRef idx="0">
+              <a:schemeClr val="accent1"/>
+            </a:effectRef>
+            <a:fontRef idx="minor">
+              <a:schemeClr val="tx1"/>
+            </a:fontRef>
+          </p:style>
+        </p:cxnSp>
+        <p:cxnSp>
+          <p:nvCxnSpPr>
+            <p:cNvPr id="13" name="Straight Connector 12"/>
+            <p:cNvCxnSpPr>
+              <a:stCxn id="2" idx="1"/>
+              <a:endCxn id="34" idx="3"/>
+            </p:cNvCxnSpPr>
+            <p:nvPr/>
+          </p:nvCxnSpPr>
+          <p:spPr>
+            <a:xfrm flipH="1">
+              <a:off x="5064300" y="1182600"/>
+              <a:ext cx="641175" cy="2399175"/>
+            </a:xfrm>
+            <a:prstGeom prst="line">
+              <a:avLst/>
+            </a:prstGeom>
+            <a:ln w="38100">
+              <a:solidFill>
+                <a:schemeClr val="accent2">
+                  <a:lumMod val="75000"/>
+                </a:schemeClr>
+              </a:solidFill>
+              <a:headEnd type="oval" w="med" len="med"/>
+              <a:tailEnd type="oval" w="med" len="med"/>
+            </a:ln>
+          </p:spPr>
+          <p:style>
+            <a:lnRef idx="1">
+              <a:schemeClr val="accent1"/>
+            </a:lnRef>
+            <a:fillRef idx="0">
+              <a:schemeClr val="accent1"/>
+            </a:fillRef>
+            <a:effectRef idx="0">
+              <a:schemeClr val="accent1"/>
+            </a:effectRef>
+            <a:fontRef idx="minor">
+              <a:schemeClr val="tx1"/>
+            </a:fontRef>
+          </p:style>
+        </p:cxnSp>
+        <p:cxnSp>
+          <p:nvCxnSpPr>
+            <p:cNvPr id="19" name="Straight Connector 18"/>
+            <p:cNvCxnSpPr>
+              <a:stCxn id="14" idx="1"/>
+              <a:endCxn id="34" idx="3"/>
+            </p:cNvCxnSpPr>
+            <p:nvPr/>
+          </p:nvCxnSpPr>
+          <p:spPr>
+            <a:xfrm flipH="1">
+              <a:off x="5064300" y="2773650"/>
+              <a:ext cx="641175" cy="808125"/>
+            </a:xfrm>
+            <a:prstGeom prst="line">
+              <a:avLst/>
+            </a:prstGeom>
+            <a:ln w="38100">
+              <a:solidFill>
+                <a:schemeClr val="accent2">
+                  <a:lumMod val="75000"/>
+                </a:schemeClr>
+              </a:solidFill>
+              <a:headEnd type="oval" w="med" len="med"/>
+              <a:tailEnd type="oval" w="med" len="med"/>
+            </a:ln>
+          </p:spPr>
+          <p:style>
+            <a:lnRef idx="1">
+              <a:schemeClr val="accent1"/>
+            </a:lnRef>
+            <a:fillRef idx="0">
+              <a:schemeClr val="accent1"/>
+            </a:fillRef>
+            <a:effectRef idx="0">
+              <a:schemeClr val="accent1"/>
+            </a:effectRef>
+            <a:fontRef idx="minor">
+              <a:schemeClr val="tx1"/>
+            </a:fontRef>
+          </p:style>
+        </p:cxnSp>
+        <p:cxnSp>
+          <p:nvCxnSpPr>
+            <p:cNvPr id="21" name="Straight Connector 20"/>
+            <p:cNvCxnSpPr>
+              <a:stCxn id="15" idx="1"/>
+              <a:endCxn id="34" idx="3"/>
+            </p:cNvCxnSpPr>
+            <p:nvPr/>
+          </p:nvCxnSpPr>
+          <p:spPr>
+            <a:xfrm flipH="1" flipV="1">
+              <a:off x="5064300" y="3581775"/>
+              <a:ext cx="641175" cy="875175"/>
+            </a:xfrm>
+            <a:prstGeom prst="line">
+              <a:avLst/>
+            </a:prstGeom>
+            <a:ln w="38100">
+              <a:solidFill>
+                <a:schemeClr val="accent2">
+                  <a:lumMod val="75000"/>
+                </a:schemeClr>
+              </a:solidFill>
+              <a:headEnd type="oval" w="med" len="med"/>
+              <a:tailEnd type="oval" w="med" len="med"/>
+            </a:ln>
+          </p:spPr>
+          <p:style>
+            <a:lnRef idx="1">
+              <a:schemeClr val="accent1"/>
+            </a:lnRef>
+            <a:fillRef idx="0">
+              <a:schemeClr val="accent1"/>
+            </a:fillRef>
+            <a:effectRef idx="0">
+              <a:schemeClr val="accent1"/>
+            </a:effectRef>
+            <a:fontRef idx="minor">
+              <a:schemeClr val="tx1"/>
+            </a:fontRef>
+          </p:style>
+        </p:cxnSp>
+        <p:cxnSp>
+          <p:nvCxnSpPr>
+            <p:cNvPr id="24" name="Straight Connector 23"/>
+            <p:cNvCxnSpPr>
+              <a:stCxn id="16" idx="1"/>
+              <a:endCxn id="34" idx="3"/>
+            </p:cNvCxnSpPr>
+            <p:nvPr/>
+          </p:nvCxnSpPr>
+          <p:spPr>
+            <a:xfrm flipH="1" flipV="1">
+              <a:off x="5064300" y="3581775"/>
+              <a:ext cx="641175" cy="2514225"/>
+            </a:xfrm>
+            <a:prstGeom prst="line">
+              <a:avLst/>
+            </a:prstGeom>
+            <a:ln w="38100">
+              <a:solidFill>
+                <a:schemeClr val="accent2">
+                  <a:lumMod val="75000"/>
+                </a:schemeClr>
+              </a:solidFill>
+              <a:headEnd type="oval" w="med" len="med"/>
+              <a:tailEnd type="oval" w="med" len="med"/>
+            </a:ln>
+          </p:spPr>
+          <p:style>
+            <a:lnRef idx="1">
+              <a:schemeClr val="accent1"/>
+            </a:lnRef>
+            <a:fillRef idx="0">
+              <a:schemeClr val="accent1"/>
+            </a:fillRef>
+            <a:effectRef idx="0">
+              <a:schemeClr val="accent1"/>
+            </a:effectRef>
+            <a:fontRef idx="minor">
+              <a:schemeClr val="tx1"/>
+            </a:fontRef>
+          </p:style>
+        </p:cxnSp>
       </p:grpSp>
     </p:spTree>
     <p:extLst>
       <p:ext uri="{BB962C8B-B14F-4D97-AF65-F5344CB8AC3E}">
-        <p14:creationId xmlns:p14="http://schemas.microsoft.com/office/powerpoint/2010/main" xmlns="" val="671893581"/>
+        <p14:creationId xmlns:p14="http://schemas.microsoft.com/office/powerpoint/2010/main" val="3108212610"/>
       </p:ext>
     </p:extLst>
   </p:cSld>
@@ -5118,7 +6690,7 @@
 </p:sld>
 </file>
 
-<file path=ppt/slides/slide11.xml><?xml version="1.0" encoding="utf-8"?>
+<file path=ppt/slides/slide13.xml><?xml version="1.0" encoding="utf-8"?>
 <p:sld xmlns:a="http://schemas.openxmlformats.org/drawingml/2006/main" xmlns:r="http://schemas.openxmlformats.org/officeDocument/2006/relationships" xmlns:p="http://schemas.openxmlformats.org/presentationml/2006/main">
   <p:cSld>
     <p:spTree>
@@ -5135,10 +6707,651 @@
           <a:chExt cx="0" cy="0"/>
         </a:xfrm>
       </p:grpSpPr>
+      <p:grpSp>
+        <p:nvGrpSpPr>
+          <p:cNvPr id="13" name="Group 12"/>
+          <p:cNvGrpSpPr/>
+          <p:nvPr/>
+        </p:nvGrpSpPr>
+        <p:grpSpPr>
+          <a:xfrm>
+            <a:off x="230832" y="1066800"/>
+            <a:ext cx="8007698" cy="4819655"/>
+            <a:chOff x="298102" y="352423"/>
+            <a:chExt cx="8007698" cy="4819655"/>
+          </a:xfrm>
+        </p:grpSpPr>
+        <p:pic>
+          <p:nvPicPr>
+            <p:cNvPr id="1026" name="Picture 2" descr="C:\Users\Kamil\Documents\Praca-Magisterska\HandGestureDatabases\Cambridge Hand Gesture Database\Set1\0000\0000\frame-0000.jpg"/>
+            <p:cNvPicPr>
+              <a:picLocks noChangeAspect="1" noChangeArrowheads="1"/>
+            </p:cNvPicPr>
+            <p:nvPr/>
+          </p:nvPicPr>
+          <p:blipFill>
+            <a:blip r:embed="rId2">
+              <a:extLst>
+                <a:ext uri="{28A0092B-C50C-407E-A947-70E740481C1C}">
+                  <a14:useLocalDpi xmlns:a14="http://schemas.microsoft.com/office/drawing/2010/main" val="0"/>
+                </a:ext>
+              </a:extLst>
+            </a:blip>
+            <a:srcRect/>
+            <a:stretch>
+              <a:fillRect/>
+            </a:stretch>
+          </p:blipFill>
+          <p:spPr bwMode="auto">
+            <a:xfrm>
+              <a:off x="990600" y="1057275"/>
+              <a:ext cx="1828800" cy="1371600"/>
+            </a:xfrm>
+            <a:prstGeom prst="rect">
+              <a:avLst/>
+            </a:prstGeom>
+            <a:noFill/>
+            <a:extLst>
+              <a:ext uri="{909E8E84-426E-40DD-AFC4-6F175D3DCCD1}">
+                <a14:hiddenFill xmlns:a14="http://schemas.microsoft.com/office/drawing/2010/main">
+                  <a:solidFill>
+                    <a:srgbClr val="FFFFFF"/>
+                  </a:solidFill>
+                </a14:hiddenFill>
+              </a:ext>
+            </a:extLst>
+          </p:spPr>
+        </p:pic>
+        <p:pic>
+          <p:nvPicPr>
+            <p:cNvPr id="1028" name="Picture 4" descr="C:\Users\Kamil\Documents\Praca-Magisterska\HandGestureDatabases\Cambridge Hand Gesture Database\Set3\0000\0000\frame-0000.jpg"/>
+            <p:cNvPicPr>
+              <a:picLocks noChangeAspect="1" noChangeArrowheads="1"/>
+            </p:cNvPicPr>
+            <p:nvPr/>
+          </p:nvPicPr>
+          <p:blipFill>
+            <a:blip r:embed="rId3">
+              <a:extLst>
+                <a:ext uri="{28A0092B-C50C-407E-A947-70E740481C1C}">
+                  <a14:useLocalDpi xmlns:a14="http://schemas.microsoft.com/office/drawing/2010/main" val="0"/>
+                </a:ext>
+              </a:extLst>
+            </a:blip>
+            <a:srcRect/>
+            <a:stretch>
+              <a:fillRect/>
+            </a:stretch>
+          </p:blipFill>
+          <p:spPr bwMode="auto">
+            <a:xfrm>
+              <a:off x="4648200" y="1057275"/>
+              <a:ext cx="1828800" cy="1371600"/>
+            </a:xfrm>
+            <a:prstGeom prst="rect">
+              <a:avLst/>
+            </a:prstGeom>
+            <a:noFill/>
+            <a:extLst>
+              <a:ext uri="{909E8E84-426E-40DD-AFC4-6F175D3DCCD1}">
+                <a14:hiddenFill xmlns:a14="http://schemas.microsoft.com/office/drawing/2010/main">
+                  <a:solidFill>
+                    <a:srgbClr val="FFFFFF"/>
+                  </a:solidFill>
+                </a14:hiddenFill>
+              </a:ext>
+            </a:extLst>
+          </p:spPr>
+        </p:pic>
+        <p:pic>
+          <p:nvPicPr>
+            <p:cNvPr id="1027" name="Picture 3" descr="C:\Users\Kamil\Documents\Praca-Magisterska\HandGestureDatabases\Cambridge Hand Gesture Database\Set2\0000\0000\frame-0000.jpg"/>
+            <p:cNvPicPr>
+              <a:picLocks noChangeAspect="1" noChangeArrowheads="1"/>
+            </p:cNvPicPr>
+            <p:nvPr/>
+          </p:nvPicPr>
+          <p:blipFill>
+            <a:blip r:embed="rId4">
+              <a:extLst>
+                <a:ext uri="{28A0092B-C50C-407E-A947-70E740481C1C}">
+                  <a14:useLocalDpi xmlns:a14="http://schemas.microsoft.com/office/drawing/2010/main" val="0"/>
+                </a:ext>
+              </a:extLst>
+            </a:blip>
+            <a:srcRect/>
+            <a:stretch>
+              <a:fillRect/>
+            </a:stretch>
+          </p:blipFill>
+          <p:spPr bwMode="auto">
+            <a:xfrm>
+              <a:off x="2819400" y="1057275"/>
+              <a:ext cx="1828800" cy="1371600"/>
+            </a:xfrm>
+            <a:prstGeom prst="rect">
+              <a:avLst/>
+            </a:prstGeom>
+            <a:noFill/>
+            <a:extLst>
+              <a:ext uri="{909E8E84-426E-40DD-AFC4-6F175D3DCCD1}">
+                <a14:hiddenFill xmlns:a14="http://schemas.microsoft.com/office/drawing/2010/main">
+                  <a:solidFill>
+                    <a:srgbClr val="FFFFFF"/>
+                  </a:solidFill>
+                </a14:hiddenFill>
+              </a:ext>
+            </a:extLst>
+          </p:spPr>
+        </p:pic>
+        <p:pic>
+          <p:nvPicPr>
+            <p:cNvPr id="1029" name="Picture 5" descr="C:\Users\Kamil\Documents\Praca-Magisterska\HandGestureDatabases\Cambridge Hand Gesture Database\Set4\0000\0000\frame-0000.jpg"/>
+            <p:cNvPicPr>
+              <a:picLocks noChangeAspect="1" noChangeArrowheads="1"/>
+            </p:cNvPicPr>
+            <p:nvPr/>
+          </p:nvPicPr>
+          <p:blipFill>
+            <a:blip r:embed="rId5">
+              <a:extLst>
+                <a:ext uri="{28A0092B-C50C-407E-A947-70E740481C1C}">
+                  <a14:useLocalDpi xmlns:a14="http://schemas.microsoft.com/office/drawing/2010/main" val="0"/>
+                </a:ext>
+              </a:extLst>
+            </a:blip>
+            <a:srcRect/>
+            <a:stretch>
+              <a:fillRect/>
+            </a:stretch>
+          </p:blipFill>
+          <p:spPr bwMode="auto">
+            <a:xfrm>
+              <a:off x="6477000" y="1057275"/>
+              <a:ext cx="1828800" cy="1371600"/>
+            </a:xfrm>
+            <a:prstGeom prst="rect">
+              <a:avLst/>
+            </a:prstGeom>
+            <a:noFill/>
+            <a:extLst>
+              <a:ext uri="{909E8E84-426E-40DD-AFC4-6F175D3DCCD1}">
+                <a14:hiddenFill xmlns:a14="http://schemas.microsoft.com/office/drawing/2010/main">
+                  <a:solidFill>
+                    <a:srgbClr val="FFFFFF"/>
+                  </a:solidFill>
+                </a14:hiddenFill>
+              </a:ext>
+            </a:extLst>
+          </p:spPr>
+        </p:pic>
+        <p:pic>
+          <p:nvPicPr>
+            <p:cNvPr id="1033" name="Picture 9" descr="C:\Users\Kamil\Documents\Praca-Magisterska\HandGestureDatabases\Cambridge Hand Gesture Database\Set1\0000\0000\frame-0041.jpg"/>
+            <p:cNvPicPr>
+              <a:picLocks noChangeAspect="1" noChangeArrowheads="1"/>
+            </p:cNvPicPr>
+            <p:nvPr/>
+          </p:nvPicPr>
+          <p:blipFill>
+            <a:blip r:embed="rId6">
+              <a:extLst>
+                <a:ext uri="{28A0092B-C50C-407E-A947-70E740481C1C}">
+                  <a14:useLocalDpi xmlns:a14="http://schemas.microsoft.com/office/drawing/2010/main" val="0"/>
+                </a:ext>
+              </a:extLst>
+            </a:blip>
+            <a:srcRect/>
+            <a:stretch>
+              <a:fillRect/>
+            </a:stretch>
+          </p:blipFill>
+          <p:spPr bwMode="auto">
+            <a:xfrm>
+              <a:off x="990600" y="2428875"/>
+              <a:ext cx="1828800" cy="1371600"/>
+            </a:xfrm>
+            <a:prstGeom prst="rect">
+              <a:avLst/>
+            </a:prstGeom>
+            <a:noFill/>
+            <a:extLst>
+              <a:ext uri="{909E8E84-426E-40DD-AFC4-6F175D3DCCD1}">
+                <a14:hiddenFill xmlns:a14="http://schemas.microsoft.com/office/drawing/2010/main">
+                  <a:solidFill>
+                    <a:srgbClr val="FFFFFF"/>
+                  </a:solidFill>
+                </a14:hiddenFill>
+              </a:ext>
+            </a:extLst>
+          </p:spPr>
+        </p:pic>
+        <p:pic>
+          <p:nvPicPr>
+            <p:cNvPr id="1034" name="Picture 10" descr="C:\Users\Kamil\Documents\Praca-Magisterska\HandGestureDatabases\Cambridge Hand Gesture Database\Set1\0000\0000\frame-0060.jpg"/>
+            <p:cNvPicPr>
+              <a:picLocks noChangeAspect="1" noChangeArrowheads="1"/>
+            </p:cNvPicPr>
+            <p:nvPr/>
+          </p:nvPicPr>
+          <p:blipFill>
+            <a:blip r:embed="rId7">
+              <a:extLst>
+                <a:ext uri="{28A0092B-C50C-407E-A947-70E740481C1C}">
+                  <a14:useLocalDpi xmlns:a14="http://schemas.microsoft.com/office/drawing/2010/main" val="0"/>
+                </a:ext>
+              </a:extLst>
+            </a:blip>
+            <a:srcRect/>
+            <a:stretch>
+              <a:fillRect/>
+            </a:stretch>
+          </p:blipFill>
+          <p:spPr bwMode="auto">
+            <a:xfrm>
+              <a:off x="990600" y="3800475"/>
+              <a:ext cx="1828800" cy="1371600"/>
+            </a:xfrm>
+            <a:prstGeom prst="rect">
+              <a:avLst/>
+            </a:prstGeom>
+            <a:noFill/>
+            <a:extLst>
+              <a:ext uri="{909E8E84-426E-40DD-AFC4-6F175D3DCCD1}">
+                <a14:hiddenFill xmlns:a14="http://schemas.microsoft.com/office/drawing/2010/main">
+                  <a:solidFill>
+                    <a:srgbClr val="FFFFFF"/>
+                  </a:solidFill>
+                </a14:hiddenFill>
+              </a:ext>
+            </a:extLst>
+          </p:spPr>
+        </p:pic>
+        <p:pic>
+          <p:nvPicPr>
+            <p:cNvPr id="1035" name="Picture 11" descr="C:\Users\Kamil\Documents\Praca-Magisterska\HandGestureDatabases\Cambridge Hand Gesture Database\Set2\0000\0000\frame-0079.jpg"/>
+            <p:cNvPicPr>
+              <a:picLocks noChangeAspect="1" noChangeArrowheads="1"/>
+            </p:cNvPicPr>
+            <p:nvPr/>
+          </p:nvPicPr>
+          <p:blipFill>
+            <a:blip r:embed="rId8">
+              <a:extLst>
+                <a:ext uri="{28A0092B-C50C-407E-A947-70E740481C1C}">
+                  <a14:useLocalDpi xmlns:a14="http://schemas.microsoft.com/office/drawing/2010/main" val="0"/>
+                </a:ext>
+              </a:extLst>
+            </a:blip>
+            <a:srcRect/>
+            <a:stretch>
+              <a:fillRect/>
+            </a:stretch>
+          </p:blipFill>
+          <p:spPr bwMode="auto">
+            <a:xfrm>
+              <a:off x="2819400" y="3800475"/>
+              <a:ext cx="1828800" cy="1371600"/>
+            </a:xfrm>
+            <a:prstGeom prst="rect">
+              <a:avLst/>
+            </a:prstGeom>
+            <a:noFill/>
+            <a:extLst>
+              <a:ext uri="{909E8E84-426E-40DD-AFC4-6F175D3DCCD1}">
+                <a14:hiddenFill xmlns:a14="http://schemas.microsoft.com/office/drawing/2010/main">
+                  <a:solidFill>
+                    <a:srgbClr val="FFFFFF"/>
+                  </a:solidFill>
+                </a14:hiddenFill>
+              </a:ext>
+            </a:extLst>
+          </p:spPr>
+        </p:pic>
+        <p:pic>
+          <p:nvPicPr>
+            <p:cNvPr id="1036" name="Picture 12" descr="C:\Users\Kamil\Documents\Praca-Magisterska\HandGestureDatabases\Cambridge Hand Gesture Database\Set2\0000\0000\frame-0048.jpg"/>
+            <p:cNvPicPr>
+              <a:picLocks noChangeAspect="1" noChangeArrowheads="1"/>
+            </p:cNvPicPr>
+            <p:nvPr/>
+          </p:nvPicPr>
+          <p:blipFill>
+            <a:blip r:embed="rId9">
+              <a:extLst>
+                <a:ext uri="{28A0092B-C50C-407E-A947-70E740481C1C}">
+                  <a14:useLocalDpi xmlns:a14="http://schemas.microsoft.com/office/drawing/2010/main" val="0"/>
+                </a:ext>
+              </a:extLst>
+            </a:blip>
+            <a:srcRect/>
+            <a:stretch>
+              <a:fillRect/>
+            </a:stretch>
+          </p:blipFill>
+          <p:spPr bwMode="auto">
+            <a:xfrm>
+              <a:off x="2819400" y="2428875"/>
+              <a:ext cx="1828800" cy="1371600"/>
+            </a:xfrm>
+            <a:prstGeom prst="rect">
+              <a:avLst/>
+            </a:prstGeom>
+            <a:noFill/>
+            <a:extLst>
+              <a:ext uri="{909E8E84-426E-40DD-AFC4-6F175D3DCCD1}">
+                <a14:hiddenFill xmlns:a14="http://schemas.microsoft.com/office/drawing/2010/main">
+                  <a:solidFill>
+                    <a:srgbClr val="FFFFFF"/>
+                  </a:solidFill>
+                </a14:hiddenFill>
+              </a:ext>
+            </a:extLst>
+          </p:spPr>
+        </p:pic>
+        <p:pic>
+          <p:nvPicPr>
+            <p:cNvPr id="1037" name="Picture 13" descr="C:\Users\Kamil\Documents\Praca-Magisterska\HandGestureDatabases\Cambridge Hand Gesture Database\Set3\0000\0000\frame-0048.jpg"/>
+            <p:cNvPicPr>
+              <a:picLocks noChangeAspect="1" noChangeArrowheads="1"/>
+            </p:cNvPicPr>
+            <p:nvPr/>
+          </p:nvPicPr>
+          <p:blipFill>
+            <a:blip r:embed="rId10">
+              <a:extLst>
+                <a:ext uri="{28A0092B-C50C-407E-A947-70E740481C1C}">
+                  <a14:useLocalDpi xmlns:a14="http://schemas.microsoft.com/office/drawing/2010/main" val="0"/>
+                </a:ext>
+              </a:extLst>
+            </a:blip>
+            <a:srcRect/>
+            <a:stretch>
+              <a:fillRect/>
+            </a:stretch>
+          </p:blipFill>
+          <p:spPr bwMode="auto">
+            <a:xfrm>
+              <a:off x="4648200" y="2428875"/>
+              <a:ext cx="1828800" cy="1371600"/>
+            </a:xfrm>
+            <a:prstGeom prst="rect">
+              <a:avLst/>
+            </a:prstGeom>
+            <a:noFill/>
+            <a:extLst>
+              <a:ext uri="{909E8E84-426E-40DD-AFC4-6F175D3DCCD1}">
+                <a14:hiddenFill xmlns:a14="http://schemas.microsoft.com/office/drawing/2010/main">
+                  <a:solidFill>
+                    <a:srgbClr val="FFFFFF"/>
+                  </a:solidFill>
+                </a14:hiddenFill>
+              </a:ext>
+            </a:extLst>
+          </p:spPr>
+        </p:pic>
+        <p:pic>
+          <p:nvPicPr>
+            <p:cNvPr id="1038" name="Picture 14" descr="C:\Users\Kamil\Documents\Praca-Magisterska\HandGestureDatabases\Cambridge Hand Gesture Database\Set3\0000\0000\frame-0069.jpg"/>
+            <p:cNvPicPr>
+              <a:picLocks noChangeAspect="1" noChangeArrowheads="1"/>
+            </p:cNvPicPr>
+            <p:nvPr/>
+          </p:nvPicPr>
+          <p:blipFill>
+            <a:blip r:embed="rId11">
+              <a:extLst>
+                <a:ext uri="{28A0092B-C50C-407E-A947-70E740481C1C}">
+                  <a14:useLocalDpi xmlns:a14="http://schemas.microsoft.com/office/drawing/2010/main" val="0"/>
+                </a:ext>
+              </a:extLst>
+            </a:blip>
+            <a:srcRect/>
+            <a:stretch>
+              <a:fillRect/>
+            </a:stretch>
+          </p:blipFill>
+          <p:spPr bwMode="auto">
+            <a:xfrm>
+              <a:off x="4648200" y="3800475"/>
+              <a:ext cx="1828800" cy="1371600"/>
+            </a:xfrm>
+            <a:prstGeom prst="rect">
+              <a:avLst/>
+            </a:prstGeom>
+            <a:noFill/>
+            <a:extLst>
+              <a:ext uri="{909E8E84-426E-40DD-AFC4-6F175D3DCCD1}">
+                <a14:hiddenFill xmlns:a14="http://schemas.microsoft.com/office/drawing/2010/main">
+                  <a:solidFill>
+                    <a:srgbClr val="FFFFFF"/>
+                  </a:solidFill>
+                </a14:hiddenFill>
+              </a:ext>
+            </a:extLst>
+          </p:spPr>
+        </p:pic>
+        <p:pic>
+          <p:nvPicPr>
+            <p:cNvPr id="1039" name="Picture 15" descr="C:\Users\Kamil\Documents\Praca-Magisterska\HandGestureDatabases\Cambridge Hand Gesture Database\Set4\0000\0000\frame-0027.jpg"/>
+            <p:cNvPicPr>
+              <a:picLocks noChangeAspect="1" noChangeArrowheads="1"/>
+            </p:cNvPicPr>
+            <p:nvPr/>
+          </p:nvPicPr>
+          <p:blipFill>
+            <a:blip r:embed="rId12">
+              <a:extLst>
+                <a:ext uri="{28A0092B-C50C-407E-A947-70E740481C1C}">
+                  <a14:useLocalDpi xmlns:a14="http://schemas.microsoft.com/office/drawing/2010/main" val="0"/>
+                </a:ext>
+              </a:extLst>
+            </a:blip>
+            <a:srcRect/>
+            <a:stretch>
+              <a:fillRect/>
+            </a:stretch>
+          </p:blipFill>
+          <p:spPr bwMode="auto">
+            <a:xfrm>
+              <a:off x="6477000" y="2428875"/>
+              <a:ext cx="1828800" cy="1371600"/>
+            </a:xfrm>
+            <a:prstGeom prst="rect">
+              <a:avLst/>
+            </a:prstGeom>
+            <a:noFill/>
+            <a:extLst>
+              <a:ext uri="{909E8E84-426E-40DD-AFC4-6F175D3DCCD1}">
+                <a14:hiddenFill xmlns:a14="http://schemas.microsoft.com/office/drawing/2010/main">
+                  <a:solidFill>
+                    <a:srgbClr val="FFFFFF"/>
+                  </a:solidFill>
+                </a14:hiddenFill>
+              </a:ext>
+            </a:extLst>
+          </p:spPr>
+        </p:pic>
+        <p:pic>
+          <p:nvPicPr>
+            <p:cNvPr id="1040" name="Picture 16" descr="C:\Users\Kamil\Documents\Praca-Magisterska\HandGestureDatabases\Cambridge Hand Gesture Database\Set4\0000\0000\frame-0055.jpg"/>
+            <p:cNvPicPr>
+              <a:picLocks noChangeAspect="1" noChangeArrowheads="1"/>
+            </p:cNvPicPr>
+            <p:nvPr/>
+          </p:nvPicPr>
+          <p:blipFill>
+            <a:blip r:embed="rId13">
+              <a:extLst>
+                <a:ext uri="{28A0092B-C50C-407E-A947-70E740481C1C}">
+                  <a14:useLocalDpi xmlns:a14="http://schemas.microsoft.com/office/drawing/2010/main" val="0"/>
+                </a:ext>
+              </a:extLst>
+            </a:blip>
+            <a:srcRect/>
+            <a:stretch>
+              <a:fillRect/>
+            </a:stretch>
+          </p:blipFill>
+          <p:spPr bwMode="auto">
+            <a:xfrm>
+              <a:off x="6477000" y="3800475"/>
+              <a:ext cx="1828800" cy="1371600"/>
+            </a:xfrm>
+            <a:prstGeom prst="rect">
+              <a:avLst/>
+            </a:prstGeom>
+            <a:noFill/>
+            <a:extLst>
+              <a:ext uri="{909E8E84-426E-40DD-AFC4-6F175D3DCCD1}">
+                <a14:hiddenFill xmlns:a14="http://schemas.microsoft.com/office/drawing/2010/main">
+                  <a:solidFill>
+                    <a:srgbClr val="FFFFFF"/>
+                  </a:solidFill>
+                </a14:hiddenFill>
+              </a:ext>
+            </a:extLst>
+          </p:spPr>
+        </p:pic>
+        <p:cxnSp>
+          <p:nvCxnSpPr>
+            <p:cNvPr id="6" name="Straight Arrow Connector 5"/>
+            <p:cNvCxnSpPr/>
+            <p:nvPr/>
+          </p:nvCxnSpPr>
+          <p:spPr>
+            <a:xfrm>
+              <a:off x="838200" y="1057275"/>
+              <a:ext cx="0" cy="4114800"/>
+            </a:xfrm>
+            <a:prstGeom prst="straightConnector1">
+              <a:avLst/>
+            </a:prstGeom>
+            <a:ln w="57150">
+              <a:solidFill>
+                <a:srgbClr val="FF0000"/>
+              </a:solidFill>
+              <a:tailEnd type="arrow"/>
+            </a:ln>
+          </p:spPr>
+          <p:style>
+            <a:lnRef idx="1">
+              <a:schemeClr val="accent1"/>
+            </a:lnRef>
+            <a:fillRef idx="0">
+              <a:schemeClr val="accent1"/>
+            </a:fillRef>
+            <a:effectRef idx="0">
+              <a:schemeClr val="accent1"/>
+            </a:effectRef>
+            <a:fontRef idx="minor">
+              <a:schemeClr val="tx1"/>
+            </a:fontRef>
+          </p:style>
+        </p:cxnSp>
+        <p:cxnSp>
+          <p:nvCxnSpPr>
+            <p:cNvPr id="10" name="Straight Arrow Connector 9"/>
+            <p:cNvCxnSpPr/>
+            <p:nvPr/>
+          </p:nvCxnSpPr>
+          <p:spPr>
+            <a:xfrm>
+              <a:off x="990600" y="914400"/>
+              <a:ext cx="7315200" cy="0"/>
+            </a:xfrm>
+            <a:prstGeom prst="straightConnector1">
+              <a:avLst/>
+            </a:prstGeom>
+            <a:ln w="57150">
+              <a:solidFill>
+                <a:srgbClr val="FF0000"/>
+              </a:solidFill>
+              <a:tailEnd type="arrow"/>
+            </a:ln>
+          </p:spPr>
+          <p:style>
+            <a:lnRef idx="1">
+              <a:schemeClr val="accent1"/>
+            </a:lnRef>
+            <a:fillRef idx="0">
+              <a:schemeClr val="accent1"/>
+            </a:fillRef>
+            <a:effectRef idx="0">
+              <a:schemeClr val="accent1"/>
+            </a:effectRef>
+            <a:fontRef idx="minor">
+              <a:schemeClr val="tx1"/>
+            </a:fontRef>
+          </p:style>
+        </p:cxnSp>
+        <p:sp>
+          <p:nvSpPr>
+            <p:cNvPr id="11" name="TextBox 10"/>
+            <p:cNvSpPr txBox="1"/>
+            <p:nvPr/>
+          </p:nvSpPr>
+          <p:spPr>
+            <a:xfrm>
+              <a:off x="2781300" y="352423"/>
+              <a:ext cx="3733800" cy="461665"/>
+            </a:xfrm>
+            <a:prstGeom prst="rect">
+              <a:avLst/>
+            </a:prstGeom>
+            <a:noFill/>
+          </p:spPr>
+          <p:txBody>
+            <a:bodyPr wrap="square" rtlCol="0">
+              <a:spAutoFit/>
+            </a:bodyPr>
+            <a:lstStyle/>
+            <a:p>
+              <a:pPr algn="ctr"/>
+              <a:r>
+                <a:rPr lang="pl-PL" sz="2400" b="1" dirty="0" smtClean="0"/>
+                <a:t>WARUNKI OŚWIETLENIOWE</a:t>
+              </a:r>
+              <a:endParaRPr lang="pl-PL" sz="2400" b="1" dirty="0"/>
+            </a:p>
+          </p:txBody>
+        </p:sp>
+        <p:sp>
+          <p:nvSpPr>
+            <p:cNvPr id="12" name="TextBox 11"/>
+            <p:cNvSpPr txBox="1"/>
+            <p:nvPr/>
+          </p:nvSpPr>
+          <p:spPr>
+            <a:xfrm rot="5400000">
+              <a:off x="-1528466" y="2883845"/>
+              <a:ext cx="4114801" cy="461665"/>
+            </a:xfrm>
+            <a:prstGeom prst="rect">
+              <a:avLst/>
+            </a:prstGeom>
+            <a:noFill/>
+          </p:spPr>
+          <p:txBody>
+            <a:bodyPr wrap="square" rtlCol="0">
+              <a:spAutoFit/>
+            </a:bodyPr>
+            <a:lstStyle/>
+            <a:p>
+              <a:pPr algn="ctr"/>
+              <a:r>
+                <a:rPr lang="pl-PL" sz="2400" b="1" dirty="0"/>
+                <a:t>ROTACJA</a:t>
+              </a:r>
+              <a:endParaRPr lang="pl-PL" sz="2400" b="1" dirty="0"/>
+            </a:p>
+          </p:txBody>
+        </p:sp>
+      </p:grpSp>
     </p:spTree>
     <p:extLst>
       <p:ext uri="{BB962C8B-B14F-4D97-AF65-F5344CB8AC3E}">
-        <p14:creationId xmlns:p14="http://schemas.microsoft.com/office/powerpoint/2010/main" xmlns="" val="671893581"/>
+        <p14:creationId xmlns:p14="http://schemas.microsoft.com/office/powerpoint/2010/main" val="671893581"/>
       </p:ext>
     </p:extLst>
   </p:cSld>
@@ -5451,7 +7664,7 @@
             <a:blip r:embed="rId2">
               <a:extLst>
                 <a:ext uri="{28A0092B-C50C-407E-A947-70E740481C1C}">
-                  <a14:useLocalDpi xmlns:a14="http://schemas.microsoft.com/office/drawing/2010/main" xmlns="" val="0"/>
+                  <a14:useLocalDpi xmlns:a14="http://schemas.microsoft.com/office/drawing/2010/main" val="0"/>
                 </a:ext>
               </a:extLst>
             </a:blip>
@@ -5481,7 +7694,7 @@
             <a:blip r:embed="rId3">
               <a:extLst>
                 <a:ext uri="{28A0092B-C50C-407E-A947-70E740481C1C}">
-                  <a14:useLocalDpi xmlns:a14="http://schemas.microsoft.com/office/drawing/2010/main" xmlns="" val="0"/>
+                  <a14:useLocalDpi xmlns:a14="http://schemas.microsoft.com/office/drawing/2010/main" val="0"/>
                 </a:ext>
               </a:extLst>
             </a:blip>
@@ -8651,7 +10864,7 @@
     </p:spTree>
     <p:extLst>
       <p:ext uri="{BB962C8B-B14F-4D97-AF65-F5344CB8AC3E}">
-        <p14:creationId xmlns:p14="http://schemas.microsoft.com/office/powerpoint/2010/main" xmlns="" val="1324388323"/>
+        <p14:creationId xmlns:p14="http://schemas.microsoft.com/office/powerpoint/2010/main" val="1324388323"/>
       </p:ext>
     </p:extLst>
   </p:cSld>
@@ -31695,7 +33908,7 @@
     </p:spTree>
     <p:extLst>
       <p:ext uri="{BB962C8B-B14F-4D97-AF65-F5344CB8AC3E}">
-        <p14:creationId xmlns:p14="http://schemas.microsoft.com/office/powerpoint/2010/main" xmlns="" val="1888592034"/>
+        <p14:creationId xmlns:p14="http://schemas.microsoft.com/office/powerpoint/2010/main" val="1888592034"/>
       </p:ext>
     </p:extLst>
   </p:cSld>
@@ -33708,7 +35921,7 @@
               <a:blip r:embed="rId2">
                 <a:extLst>
                   <a:ext uri="{28A0092B-C50C-407E-A947-70E740481C1C}">
-                    <a14:useLocalDpi xmlns:a14="http://schemas.microsoft.com/office/drawing/2010/main" xmlns="" val="0"/>
+                    <a14:useLocalDpi xmlns:a14="http://schemas.microsoft.com/office/drawing/2010/main" val="0"/>
                   </a:ext>
                 </a:extLst>
               </a:blip>
@@ -33733,7 +35946,7 @@
               </a:ln>
               <a:extLst>
                 <a:ext uri="{909E8E84-426E-40DD-AFC4-6F175D3DCCD1}">
-                  <a14:hiddenFill xmlns:a14="http://schemas.microsoft.com/office/drawing/2010/main" xmlns="">
+                  <a14:hiddenFill xmlns:a14="http://schemas.microsoft.com/office/drawing/2010/main">
                     <a:solidFill>
                       <a:srgbClr val="FFFFFF"/>
                     </a:solidFill>
@@ -33754,7 +35967,7 @@
               <a:blip r:embed="rId3">
                 <a:extLst>
                   <a:ext uri="{28A0092B-C50C-407E-A947-70E740481C1C}">
-                    <a14:useLocalDpi xmlns:a14="http://schemas.microsoft.com/office/drawing/2010/main" xmlns="" val="0"/>
+                    <a14:useLocalDpi xmlns:a14="http://schemas.microsoft.com/office/drawing/2010/main" val="0"/>
                   </a:ext>
                 </a:extLst>
               </a:blip>
@@ -33774,7 +35987,7 @@
               <a:noFill/>
               <a:extLst>
                 <a:ext uri="{909E8E84-426E-40DD-AFC4-6F175D3DCCD1}">
-                  <a14:hiddenFill xmlns:a14="http://schemas.microsoft.com/office/drawing/2010/main" xmlns="">
+                  <a14:hiddenFill xmlns:a14="http://schemas.microsoft.com/office/drawing/2010/main">
                     <a:solidFill>
                       <a:srgbClr val="FFFFFF"/>
                     </a:solidFill>
@@ -33795,7 +36008,7 @@
               <a:blip r:embed="rId4">
                 <a:extLst>
                   <a:ext uri="{28A0092B-C50C-407E-A947-70E740481C1C}">
-                    <a14:useLocalDpi xmlns:a14="http://schemas.microsoft.com/office/drawing/2010/main" xmlns="" val="0"/>
+                    <a14:useLocalDpi xmlns:a14="http://schemas.microsoft.com/office/drawing/2010/main" val="0"/>
                   </a:ext>
                 </a:extLst>
               </a:blip>
@@ -33820,7 +36033,7 @@
               </a:effectLst>
               <a:extLst>
                 <a:ext uri="{909E8E84-426E-40DD-AFC4-6F175D3DCCD1}">
-                  <a14:hiddenFill xmlns:a14="http://schemas.microsoft.com/office/drawing/2010/main" xmlns="">
+                  <a14:hiddenFill xmlns:a14="http://schemas.microsoft.com/office/drawing/2010/main">
                     <a:solidFill>
                       <a:srgbClr val="FFFFFF"/>
                     </a:solidFill>
@@ -33841,7 +36054,7 @@
               <a:blip r:embed="rId5" cstate="print">
                 <a:extLst>
                   <a:ext uri="{28A0092B-C50C-407E-A947-70E740481C1C}">
-                    <a14:useLocalDpi xmlns:a14="http://schemas.microsoft.com/office/drawing/2010/main" xmlns="" val="0"/>
+                    <a14:useLocalDpi xmlns:a14="http://schemas.microsoft.com/office/drawing/2010/main" val="0"/>
                   </a:ext>
                 </a:extLst>
               </a:blip>
@@ -33861,7 +36074,7 @@
               <a:noFill/>
               <a:extLst>
                 <a:ext uri="{909E8E84-426E-40DD-AFC4-6F175D3DCCD1}">
-                  <a14:hiddenFill xmlns:a14="http://schemas.microsoft.com/office/drawing/2010/main" xmlns="">
+                  <a14:hiddenFill xmlns:a14="http://schemas.microsoft.com/office/drawing/2010/main">
                     <a:solidFill>
                       <a:srgbClr val="FFFFFF"/>
                     </a:solidFill>
@@ -33882,7 +36095,7 @@
               <a:blip r:embed="rId6">
                 <a:extLst>
                   <a:ext uri="{28A0092B-C50C-407E-A947-70E740481C1C}">
-                    <a14:useLocalDpi xmlns:a14="http://schemas.microsoft.com/office/drawing/2010/main" xmlns="" val="0"/>
+                    <a14:useLocalDpi xmlns:a14="http://schemas.microsoft.com/office/drawing/2010/main" val="0"/>
                   </a:ext>
                 </a:extLst>
               </a:blip>
@@ -33907,7 +36120,7 @@
               </a:effectLst>
               <a:extLst>
                 <a:ext uri="{909E8E84-426E-40DD-AFC4-6F175D3DCCD1}">
-                  <a14:hiddenFill xmlns:a14="http://schemas.microsoft.com/office/drawing/2010/main" xmlns="">
+                  <a14:hiddenFill xmlns:a14="http://schemas.microsoft.com/office/drawing/2010/main">
                     <a:solidFill>
                       <a:srgbClr val="FFFFFF"/>
                     </a:solidFill>
@@ -34618,7 +36831,7 @@
           <a:blip r:embed="rId2">
             <a:extLst>
               <a:ext uri="{28A0092B-C50C-407E-A947-70E740481C1C}">
-                <a14:useLocalDpi xmlns:a14="http://schemas.microsoft.com/office/drawing/2010/main" xmlns="" val="0"/>
+                <a14:useLocalDpi xmlns:a14="http://schemas.microsoft.com/office/drawing/2010/main" val="0"/>
               </a:ext>
             </a:extLst>
           </a:blip>
@@ -34639,7 +36852,7 @@
     </p:spTree>
     <p:extLst>
       <p:ext uri="{BB962C8B-B14F-4D97-AF65-F5344CB8AC3E}">
-        <p14:creationId xmlns:p14="http://schemas.microsoft.com/office/powerpoint/2010/main" xmlns="" val="1614022121"/>
+        <p14:creationId xmlns:p14="http://schemas.microsoft.com/office/powerpoint/2010/main" val="1614022121"/>
       </p:ext>
     </p:extLst>
   </p:cSld>

--- a/Praca/PrezentacjaZawierajacaObrazyPracy.pptx
+++ b/Praca/PrezentacjaZawierajacaObrazyPracy.pptx
@@ -5,7 +5,7 @@
     <p:sldMasterId id="2147483648" r:id="rId1"/>
   </p:sldMasterIdLst>
   <p:notesMasterIdLst>
-    <p:notesMasterId r:id="rId15"/>
+    <p:notesMasterId r:id="rId18"/>
   </p:notesMasterIdLst>
   <p:sldIdLst>
     <p:sldId id="257" r:id="rId2"/>
@@ -21,6 +21,9 @@
     <p:sldId id="268" r:id="rId12"/>
     <p:sldId id="269" r:id="rId13"/>
     <p:sldId id="267" r:id="rId14"/>
+    <p:sldId id="270" r:id="rId15"/>
+    <p:sldId id="271" r:id="rId16"/>
+    <p:sldId id="272" r:id="rId17"/>
   </p:sldIdLst>
   <p:sldSz cx="9144000" cy="6858000" type="screen4x3"/>
   <p:notesSz cx="6858000" cy="9144000"/>
@@ -205,7 +208,7 @@
             <a:fld id="{40A17DDC-5670-4824-BB94-70ABD52AAC20}" type="datetimeFigureOut">
               <a:rPr lang="pl-PL" smtClean="0"/>
               <a:pPr/>
-              <a:t>25.06.2018</a:t>
+              <a:t>04.07.2018</a:t>
             </a:fld>
             <a:endParaRPr lang="pl-PL"/>
           </a:p>
@@ -656,7 +659,7 @@
             <a:fld id="{92A549DF-A050-4846-87AC-3D2AE01A0CF2}" type="datetimeFigureOut">
               <a:rPr lang="en-US" smtClean="0"/>
               <a:pPr/>
-              <a:t>6/25/2018</a:t>
+              <a:t>7/4/2018</a:t>
             </a:fld>
             <a:endParaRPr lang="en-US"/>
           </a:p>
@@ -823,7 +826,7 @@
             <a:fld id="{92A549DF-A050-4846-87AC-3D2AE01A0CF2}" type="datetimeFigureOut">
               <a:rPr lang="en-US" smtClean="0"/>
               <a:pPr/>
-              <a:t>6/25/2018</a:t>
+              <a:t>7/4/2018</a:t>
             </a:fld>
             <a:endParaRPr lang="en-US"/>
           </a:p>
@@ -1000,7 +1003,7 @@
             <a:fld id="{92A549DF-A050-4846-87AC-3D2AE01A0CF2}" type="datetimeFigureOut">
               <a:rPr lang="en-US" smtClean="0"/>
               <a:pPr/>
-              <a:t>6/25/2018</a:t>
+              <a:t>7/4/2018</a:t>
             </a:fld>
             <a:endParaRPr lang="en-US"/>
           </a:p>
@@ -1167,7 +1170,7 @@
             <a:fld id="{92A549DF-A050-4846-87AC-3D2AE01A0CF2}" type="datetimeFigureOut">
               <a:rPr lang="en-US" smtClean="0"/>
               <a:pPr/>
-              <a:t>6/25/2018</a:t>
+              <a:t>7/4/2018</a:t>
             </a:fld>
             <a:endParaRPr lang="en-US"/>
           </a:p>
@@ -1410,7 +1413,7 @@
             <a:fld id="{92A549DF-A050-4846-87AC-3D2AE01A0CF2}" type="datetimeFigureOut">
               <a:rPr lang="en-US" smtClean="0"/>
               <a:pPr/>
-              <a:t>6/25/2018</a:t>
+              <a:t>7/4/2018</a:t>
             </a:fld>
             <a:endParaRPr lang="en-US"/>
           </a:p>
@@ -1695,7 +1698,7 @@
             <a:fld id="{92A549DF-A050-4846-87AC-3D2AE01A0CF2}" type="datetimeFigureOut">
               <a:rPr lang="en-US" smtClean="0"/>
               <a:pPr/>
-              <a:t>6/25/2018</a:t>
+              <a:t>7/4/2018</a:t>
             </a:fld>
             <a:endParaRPr lang="en-US"/>
           </a:p>
@@ -2114,7 +2117,7 @@
             <a:fld id="{92A549DF-A050-4846-87AC-3D2AE01A0CF2}" type="datetimeFigureOut">
               <a:rPr lang="en-US" smtClean="0"/>
               <a:pPr/>
-              <a:t>6/25/2018</a:t>
+              <a:t>7/4/2018</a:t>
             </a:fld>
             <a:endParaRPr lang="en-US"/>
           </a:p>
@@ -2229,7 +2232,7 @@
             <a:fld id="{92A549DF-A050-4846-87AC-3D2AE01A0CF2}" type="datetimeFigureOut">
               <a:rPr lang="en-US" smtClean="0"/>
               <a:pPr/>
-              <a:t>6/25/2018</a:t>
+              <a:t>7/4/2018</a:t>
             </a:fld>
             <a:endParaRPr lang="en-US"/>
           </a:p>
@@ -2321,7 +2324,7 @@
             <a:fld id="{92A549DF-A050-4846-87AC-3D2AE01A0CF2}" type="datetimeFigureOut">
               <a:rPr lang="en-US" smtClean="0"/>
               <a:pPr/>
-              <a:t>6/25/2018</a:t>
+              <a:t>7/4/2018</a:t>
             </a:fld>
             <a:endParaRPr lang="en-US"/>
           </a:p>
@@ -2595,7 +2598,7 @@
             <a:fld id="{92A549DF-A050-4846-87AC-3D2AE01A0CF2}" type="datetimeFigureOut">
               <a:rPr lang="en-US" smtClean="0"/>
               <a:pPr/>
-              <a:t>6/25/2018</a:t>
+              <a:t>7/4/2018</a:t>
             </a:fld>
             <a:endParaRPr lang="en-US"/>
           </a:p>
@@ -2845,7 +2848,7 @@
             <a:fld id="{92A549DF-A050-4846-87AC-3D2AE01A0CF2}" type="datetimeFigureOut">
               <a:rPr lang="en-US" smtClean="0"/>
               <a:pPr/>
-              <a:t>6/25/2018</a:t>
+              <a:t>7/4/2018</a:t>
             </a:fld>
             <a:endParaRPr lang="en-US"/>
           </a:p>
@@ -3055,7 +3058,7 @@
             <a:fld id="{92A549DF-A050-4846-87AC-3D2AE01A0CF2}" type="datetimeFigureOut">
               <a:rPr lang="en-US" smtClean="0"/>
               <a:pPr/>
-              <a:t>6/25/2018</a:t>
+              <a:t>7/4/2018</a:t>
             </a:fld>
             <a:endParaRPr lang="en-US"/>
           </a:p>
@@ -4367,11 +4370,7 @@
             </a:r>
             <a:r>
               <a:rPr lang="pl-PL" b="1" dirty="0" smtClean="0"/>
-              <a:t>G</a:t>
-            </a:r>
-            <a:r>
-              <a:rPr lang="pl-PL" b="1" dirty="0" smtClean="0"/>
-              <a:t>łówne</a:t>
+              <a:t>Główne</a:t>
             </a:r>
             <a:endParaRPr b="1" dirty="0"/>
           </a:p>
@@ -5386,11 +5385,7 @@
               </a:r>
               <a:r>
                 <a:rPr lang="pl-PL" b="1" dirty="0" smtClean="0"/>
-                <a:t>G</a:t>
-              </a:r>
-              <a:r>
-                <a:rPr lang="pl-PL" b="1" dirty="0" smtClean="0"/>
-                <a:t>łówne</a:t>
+                <a:t>Główne</a:t>
               </a:r>
               <a:endParaRPr b="1" dirty="0"/>
             </a:p>
@@ -5835,11 +5830,7 @@
               </a:r>
               <a:r>
                 <a:rPr lang="pl-PL" b="1" dirty="0" smtClean="0"/>
-                <a:t>G</a:t>
-              </a:r>
-              <a:r>
-                <a:rPr lang="pl-PL" b="1" dirty="0" smtClean="0"/>
-                <a:t>łówne</a:t>
+                <a:t>Główne</a:t>
               </a:r>
               <a:endParaRPr b="1" dirty="0"/>
             </a:p>
@@ -7343,7 +7334,6 @@
                 <a:rPr lang="pl-PL" sz="2400" b="1" dirty="0"/>
                 <a:t>ROTACJA</a:t>
               </a:r>
-              <a:endParaRPr lang="pl-PL" sz="2400" b="1" dirty="0"/>
             </a:p>
           </p:txBody>
         </p:sp>
@@ -7352,6 +7342,1001 @@
     <p:extLst>
       <p:ext uri="{BB962C8B-B14F-4D97-AF65-F5344CB8AC3E}">
         <p14:creationId xmlns:p14="http://schemas.microsoft.com/office/powerpoint/2010/main" val="671893581"/>
+      </p:ext>
+    </p:extLst>
+  </p:cSld>
+  <p:clrMapOvr>
+    <a:masterClrMapping/>
+  </p:clrMapOvr>
+</p:sld>
+</file>
+
+<file path=ppt/slides/slide14.xml><?xml version="1.0" encoding="utf-8"?>
+<p:sld xmlns:a="http://schemas.openxmlformats.org/drawingml/2006/main" xmlns:r="http://schemas.openxmlformats.org/officeDocument/2006/relationships" xmlns:p="http://schemas.openxmlformats.org/presentationml/2006/main">
+  <p:cSld>
+    <p:spTree>
+      <p:nvGrpSpPr>
+        <p:cNvPr id="1" name=""/>
+        <p:cNvGrpSpPr/>
+        <p:nvPr/>
+      </p:nvGrpSpPr>
+      <p:grpSpPr>
+        <a:xfrm>
+          <a:off x="0" y="0"/>
+          <a:ext cx="0" cy="0"/>
+          <a:chOff x="0" y="0"/>
+          <a:chExt cx="0" cy="0"/>
+        </a:xfrm>
+      </p:grpSpPr>
+      <p:grpSp>
+        <p:nvGrpSpPr>
+          <p:cNvPr id="12" name="Group 11"/>
+          <p:cNvGrpSpPr/>
+          <p:nvPr/>
+        </p:nvGrpSpPr>
+        <p:grpSpPr>
+          <a:xfrm>
+            <a:off x="1299705" y="604443"/>
+            <a:ext cx="6544589" cy="5649114"/>
+            <a:chOff x="1299705" y="604443"/>
+            <a:chExt cx="6544589" cy="5649114"/>
+          </a:xfrm>
+        </p:grpSpPr>
+        <p:grpSp>
+          <p:nvGrpSpPr>
+            <p:cNvPr id="10" name="Group 9"/>
+            <p:cNvGrpSpPr/>
+            <p:nvPr/>
+          </p:nvGrpSpPr>
+          <p:grpSpPr>
+            <a:xfrm>
+              <a:off x="1299705" y="604443"/>
+              <a:ext cx="6544589" cy="5649114"/>
+              <a:chOff x="1299705" y="604443"/>
+              <a:chExt cx="6544589" cy="5649114"/>
+            </a:xfrm>
+          </p:grpSpPr>
+          <p:pic>
+            <p:nvPicPr>
+              <p:cNvPr id="2" name="Picture 1"/>
+              <p:cNvPicPr>
+                <a:picLocks noChangeAspect="1"/>
+              </p:cNvPicPr>
+              <p:nvPr/>
+            </p:nvPicPr>
+            <p:blipFill>
+              <a:blip r:embed="rId2">
+                <a:extLst>
+                  <a:ext uri="{28A0092B-C50C-407E-A947-70E740481C1C}">
+                    <a14:useLocalDpi xmlns:a14="http://schemas.microsoft.com/office/drawing/2010/main" val="0"/>
+                  </a:ext>
+                </a:extLst>
+              </a:blip>
+              <a:stretch>
+                <a:fillRect/>
+              </a:stretch>
+            </p:blipFill>
+            <p:spPr>
+              <a:xfrm>
+                <a:off x="1299705" y="604443"/>
+                <a:ext cx="6544589" cy="5649114"/>
+              </a:xfrm>
+              <a:prstGeom prst="rect">
+                <a:avLst/>
+              </a:prstGeom>
+            </p:spPr>
+          </p:pic>
+          <p:sp>
+            <p:nvSpPr>
+              <p:cNvPr id="3" name="TextBox 2"/>
+              <p:cNvSpPr txBox="1"/>
+              <p:nvPr/>
+            </p:nvSpPr>
+            <p:spPr>
+              <a:xfrm>
+                <a:off x="2590800" y="1066800"/>
+                <a:ext cx="228600" cy="369332"/>
+              </a:xfrm>
+              <a:prstGeom prst="rect">
+                <a:avLst/>
+              </a:prstGeom>
+              <a:noFill/>
+            </p:spPr>
+            <p:txBody>
+              <a:bodyPr wrap="square" rtlCol="0">
+                <a:spAutoFit/>
+              </a:bodyPr>
+              <a:lstStyle/>
+              <a:p>
+                <a:r>
+                  <a:rPr lang="pl-PL" b="1" dirty="0" smtClean="0">
+                    <a:solidFill>
+                      <a:srgbClr val="FF0000"/>
+                    </a:solidFill>
+                  </a:rPr>
+                  <a:t>2</a:t>
+                </a:r>
+                <a:endParaRPr lang="pl-PL" b="1" dirty="0">
+                  <a:solidFill>
+                    <a:srgbClr val="FF0000"/>
+                  </a:solidFill>
+                </a:endParaRPr>
+              </a:p>
+            </p:txBody>
+          </p:sp>
+          <p:sp>
+            <p:nvSpPr>
+              <p:cNvPr id="4" name="TextBox 3"/>
+              <p:cNvSpPr txBox="1"/>
+              <p:nvPr/>
+            </p:nvSpPr>
+            <p:spPr>
+              <a:xfrm>
+                <a:off x="2590800" y="1403866"/>
+                <a:ext cx="228600" cy="369332"/>
+              </a:xfrm>
+              <a:prstGeom prst="rect">
+                <a:avLst/>
+              </a:prstGeom>
+              <a:noFill/>
+            </p:spPr>
+            <p:txBody>
+              <a:bodyPr wrap="square" rtlCol="0">
+                <a:spAutoFit/>
+              </a:bodyPr>
+              <a:lstStyle/>
+              <a:p>
+                <a:r>
+                  <a:rPr lang="pl-PL" b="1" dirty="0" smtClean="0">
+                    <a:solidFill>
+                      <a:srgbClr val="FF0000"/>
+                    </a:solidFill>
+                  </a:rPr>
+                  <a:t>3</a:t>
+                </a:r>
+                <a:endParaRPr lang="pl-PL" b="1" dirty="0">
+                  <a:solidFill>
+                    <a:srgbClr val="FF0000"/>
+                  </a:solidFill>
+                </a:endParaRPr>
+              </a:p>
+            </p:txBody>
+          </p:sp>
+          <p:sp>
+            <p:nvSpPr>
+              <p:cNvPr id="5" name="TextBox 4"/>
+              <p:cNvSpPr txBox="1"/>
+              <p:nvPr/>
+            </p:nvSpPr>
+            <p:spPr>
+              <a:xfrm>
+                <a:off x="4876800" y="1219200"/>
+                <a:ext cx="228600" cy="369332"/>
+              </a:xfrm>
+              <a:prstGeom prst="rect">
+                <a:avLst/>
+              </a:prstGeom>
+              <a:noFill/>
+            </p:spPr>
+            <p:txBody>
+              <a:bodyPr wrap="square" rtlCol="0">
+                <a:spAutoFit/>
+              </a:bodyPr>
+              <a:lstStyle/>
+              <a:p>
+                <a:r>
+                  <a:rPr lang="pl-PL" b="1" dirty="0" smtClean="0">
+                    <a:solidFill>
+                      <a:srgbClr val="FF0000"/>
+                    </a:solidFill>
+                  </a:rPr>
+                  <a:t>4</a:t>
+                </a:r>
+                <a:endParaRPr lang="pl-PL" b="1" dirty="0">
+                  <a:solidFill>
+                    <a:srgbClr val="FF0000"/>
+                  </a:solidFill>
+                </a:endParaRPr>
+              </a:p>
+            </p:txBody>
+          </p:sp>
+          <p:sp>
+            <p:nvSpPr>
+              <p:cNvPr id="6" name="TextBox 5"/>
+              <p:cNvSpPr txBox="1"/>
+              <p:nvPr/>
+            </p:nvSpPr>
+            <p:spPr>
+              <a:xfrm>
+                <a:off x="2743200" y="2667000"/>
+                <a:ext cx="533400" cy="646331"/>
+              </a:xfrm>
+              <a:prstGeom prst="rect">
+                <a:avLst/>
+              </a:prstGeom>
+              <a:noFill/>
+            </p:spPr>
+            <p:txBody>
+              <a:bodyPr wrap="square" rtlCol="0">
+                <a:spAutoFit/>
+              </a:bodyPr>
+              <a:lstStyle/>
+              <a:p>
+                <a:r>
+                  <a:rPr lang="pl-PL" sz="3600" b="1" dirty="0" smtClean="0">
+                    <a:solidFill>
+                      <a:srgbClr val="FF0000"/>
+                    </a:solidFill>
+                  </a:rPr>
+                  <a:t>1</a:t>
+                </a:r>
+                <a:endParaRPr lang="pl-PL" sz="3600" b="1" dirty="0">
+                  <a:solidFill>
+                    <a:srgbClr val="FF0000"/>
+                  </a:solidFill>
+                </a:endParaRPr>
+              </a:p>
+            </p:txBody>
+          </p:sp>
+          <p:sp>
+            <p:nvSpPr>
+              <p:cNvPr id="7" name="TextBox 6"/>
+              <p:cNvSpPr txBox="1"/>
+              <p:nvPr/>
+            </p:nvSpPr>
+            <p:spPr>
+              <a:xfrm>
+                <a:off x="6477000" y="1441450"/>
+                <a:ext cx="228600" cy="369332"/>
+              </a:xfrm>
+              <a:prstGeom prst="rect">
+                <a:avLst/>
+              </a:prstGeom>
+              <a:noFill/>
+            </p:spPr>
+            <p:txBody>
+              <a:bodyPr wrap="square" rtlCol="0">
+                <a:spAutoFit/>
+              </a:bodyPr>
+              <a:lstStyle/>
+              <a:p>
+                <a:r>
+                  <a:rPr lang="pl-PL" b="1" dirty="0" smtClean="0">
+                    <a:solidFill>
+                      <a:srgbClr val="FF0000"/>
+                    </a:solidFill>
+                  </a:rPr>
+                  <a:t>5</a:t>
+                </a:r>
+                <a:endParaRPr lang="pl-PL" b="1" dirty="0">
+                  <a:solidFill>
+                    <a:srgbClr val="FF0000"/>
+                  </a:solidFill>
+                </a:endParaRPr>
+              </a:p>
+            </p:txBody>
+          </p:sp>
+          <p:sp>
+            <p:nvSpPr>
+              <p:cNvPr id="8" name="TextBox 7"/>
+              <p:cNvSpPr txBox="1"/>
+              <p:nvPr/>
+            </p:nvSpPr>
+            <p:spPr>
+              <a:xfrm>
+                <a:off x="7543800" y="1066800"/>
+                <a:ext cx="228600" cy="369332"/>
+              </a:xfrm>
+              <a:prstGeom prst="rect">
+                <a:avLst/>
+              </a:prstGeom>
+              <a:noFill/>
+            </p:spPr>
+            <p:txBody>
+              <a:bodyPr wrap="square" rtlCol="0">
+                <a:spAutoFit/>
+              </a:bodyPr>
+              <a:lstStyle/>
+              <a:p>
+                <a:r>
+                  <a:rPr lang="pl-PL" b="1" dirty="0" smtClean="0">
+                    <a:solidFill>
+                      <a:srgbClr val="FF0000"/>
+                    </a:solidFill>
+                  </a:rPr>
+                  <a:t>6</a:t>
+                </a:r>
+                <a:endParaRPr lang="pl-PL" b="1" dirty="0">
+                  <a:solidFill>
+                    <a:srgbClr val="FF0000"/>
+                  </a:solidFill>
+                </a:endParaRPr>
+              </a:p>
+            </p:txBody>
+          </p:sp>
+          <p:sp>
+            <p:nvSpPr>
+              <p:cNvPr id="9" name="TextBox 8"/>
+              <p:cNvSpPr txBox="1"/>
+              <p:nvPr/>
+            </p:nvSpPr>
+            <p:spPr>
+              <a:xfrm>
+                <a:off x="6019800" y="849868"/>
+                <a:ext cx="228600" cy="369332"/>
+              </a:xfrm>
+              <a:prstGeom prst="rect">
+                <a:avLst/>
+              </a:prstGeom>
+              <a:noFill/>
+            </p:spPr>
+            <p:txBody>
+              <a:bodyPr wrap="square" rtlCol="0">
+                <a:spAutoFit/>
+              </a:bodyPr>
+              <a:lstStyle/>
+              <a:p>
+                <a:r>
+                  <a:rPr lang="pl-PL" b="1" dirty="0" smtClean="0">
+                    <a:solidFill>
+                      <a:srgbClr val="FF0000"/>
+                    </a:solidFill>
+                  </a:rPr>
+                  <a:t>7</a:t>
+                </a:r>
+                <a:endParaRPr lang="pl-PL" b="1" dirty="0">
+                  <a:solidFill>
+                    <a:srgbClr val="FF0000"/>
+                  </a:solidFill>
+                </a:endParaRPr>
+              </a:p>
+            </p:txBody>
+          </p:sp>
+        </p:grpSp>
+        <p:sp>
+          <p:nvSpPr>
+            <p:cNvPr id="11" name="TextBox 10"/>
+            <p:cNvSpPr txBox="1"/>
+            <p:nvPr/>
+          </p:nvSpPr>
+          <p:spPr>
+            <a:xfrm>
+              <a:off x="2667000" y="5715000"/>
+              <a:ext cx="228600" cy="369332"/>
+            </a:xfrm>
+            <a:prstGeom prst="rect">
+              <a:avLst/>
+            </a:prstGeom>
+            <a:noFill/>
+          </p:spPr>
+          <p:txBody>
+            <a:bodyPr wrap="square" rtlCol="0">
+              <a:spAutoFit/>
+            </a:bodyPr>
+            <a:lstStyle/>
+            <a:p>
+              <a:r>
+                <a:rPr lang="pl-PL" b="1" dirty="0" smtClean="0">
+                  <a:solidFill>
+                    <a:srgbClr val="FF0000"/>
+                  </a:solidFill>
+                </a:rPr>
+                <a:t>8</a:t>
+              </a:r>
+              <a:endParaRPr lang="pl-PL" b="1" dirty="0">
+                <a:solidFill>
+                  <a:srgbClr val="FF0000"/>
+                </a:solidFill>
+              </a:endParaRPr>
+            </a:p>
+          </p:txBody>
+        </p:sp>
+      </p:grpSp>
+    </p:spTree>
+    <p:extLst>
+      <p:ext uri="{BB962C8B-B14F-4D97-AF65-F5344CB8AC3E}">
+        <p14:creationId xmlns:p14="http://schemas.microsoft.com/office/powerpoint/2010/main" val="3539712684"/>
+      </p:ext>
+    </p:extLst>
+  </p:cSld>
+  <p:clrMapOvr>
+    <a:masterClrMapping/>
+  </p:clrMapOvr>
+</p:sld>
+</file>
+
+<file path=ppt/slides/slide15.xml><?xml version="1.0" encoding="utf-8"?>
+<p:sld xmlns:a="http://schemas.openxmlformats.org/drawingml/2006/main" xmlns:r="http://schemas.openxmlformats.org/officeDocument/2006/relationships" xmlns:p="http://schemas.openxmlformats.org/presentationml/2006/main">
+  <p:cSld>
+    <p:spTree>
+      <p:nvGrpSpPr>
+        <p:cNvPr id="1" name=""/>
+        <p:cNvGrpSpPr/>
+        <p:nvPr/>
+      </p:nvGrpSpPr>
+      <p:grpSpPr>
+        <a:xfrm>
+          <a:off x="0" y="0"/>
+          <a:ext cx="0" cy="0"/>
+          <a:chOff x="0" y="0"/>
+          <a:chExt cx="0" cy="0"/>
+        </a:xfrm>
+      </p:grpSpPr>
+      <p:grpSp>
+        <p:nvGrpSpPr>
+          <p:cNvPr id="10" name="Group 9"/>
+          <p:cNvGrpSpPr/>
+          <p:nvPr/>
+        </p:nvGrpSpPr>
+        <p:grpSpPr>
+          <a:xfrm>
+            <a:off x="1171100" y="161467"/>
+            <a:ext cx="6801800" cy="6535063"/>
+            <a:chOff x="1171100" y="161467"/>
+            <a:chExt cx="6801800" cy="6535063"/>
+          </a:xfrm>
+        </p:grpSpPr>
+        <p:pic>
+          <p:nvPicPr>
+            <p:cNvPr id="2" name="Picture 1"/>
+            <p:cNvPicPr>
+              <a:picLocks noChangeAspect="1"/>
+            </p:cNvPicPr>
+            <p:nvPr/>
+          </p:nvPicPr>
+          <p:blipFill>
+            <a:blip r:embed="rId2">
+              <a:extLst>
+                <a:ext uri="{28A0092B-C50C-407E-A947-70E740481C1C}">
+                  <a14:useLocalDpi xmlns:a14="http://schemas.microsoft.com/office/drawing/2010/main" val="0"/>
+                </a:ext>
+              </a:extLst>
+            </a:blip>
+            <a:stretch>
+              <a:fillRect/>
+            </a:stretch>
+          </p:blipFill>
+          <p:spPr>
+            <a:xfrm>
+              <a:off x="1171100" y="161467"/>
+              <a:ext cx="6801800" cy="6535063"/>
+            </a:xfrm>
+            <a:prstGeom prst="rect">
+              <a:avLst/>
+            </a:prstGeom>
+          </p:spPr>
+        </p:pic>
+        <p:sp>
+          <p:nvSpPr>
+            <p:cNvPr id="3" name="TextBox 2"/>
+            <p:cNvSpPr txBox="1"/>
+            <p:nvPr/>
+          </p:nvSpPr>
+          <p:spPr>
+            <a:xfrm>
+              <a:off x="5105400" y="420469"/>
+              <a:ext cx="228600" cy="646331"/>
+            </a:xfrm>
+            <a:prstGeom prst="rect">
+              <a:avLst/>
+            </a:prstGeom>
+            <a:noFill/>
+          </p:spPr>
+          <p:txBody>
+            <a:bodyPr wrap="square" rtlCol="0">
+              <a:spAutoFit/>
+            </a:bodyPr>
+            <a:lstStyle/>
+            <a:p>
+              <a:r>
+                <a:rPr lang="pl-PL" sz="3600" b="1" dirty="0" smtClean="0">
+                  <a:solidFill>
+                    <a:srgbClr val="FF0000"/>
+                  </a:solidFill>
+                </a:rPr>
+                <a:t>1</a:t>
+              </a:r>
+              <a:endParaRPr lang="pl-PL" sz="3600" b="1" dirty="0">
+                <a:solidFill>
+                  <a:srgbClr val="FF0000"/>
+                </a:solidFill>
+              </a:endParaRPr>
+            </a:p>
+          </p:txBody>
+        </p:sp>
+        <p:sp>
+          <p:nvSpPr>
+            <p:cNvPr id="4" name="TextBox 3"/>
+            <p:cNvSpPr txBox="1"/>
+            <p:nvPr/>
+          </p:nvSpPr>
+          <p:spPr>
+            <a:xfrm>
+              <a:off x="7315200" y="1143000"/>
+              <a:ext cx="228600" cy="584775"/>
+            </a:xfrm>
+            <a:prstGeom prst="rect">
+              <a:avLst/>
+            </a:prstGeom>
+            <a:noFill/>
+          </p:spPr>
+          <p:txBody>
+            <a:bodyPr wrap="square" rtlCol="0">
+              <a:spAutoFit/>
+            </a:bodyPr>
+            <a:lstStyle/>
+            <a:p>
+              <a:r>
+                <a:rPr lang="pl-PL" sz="3200" b="1" dirty="0" smtClean="0">
+                  <a:solidFill>
+                    <a:srgbClr val="FF0000"/>
+                  </a:solidFill>
+                </a:rPr>
+                <a:t>3</a:t>
+              </a:r>
+              <a:endParaRPr lang="pl-PL" sz="2400" b="1" dirty="0">
+                <a:solidFill>
+                  <a:srgbClr val="FF0000"/>
+                </a:solidFill>
+              </a:endParaRPr>
+            </a:p>
+          </p:txBody>
+        </p:sp>
+        <p:sp>
+          <p:nvSpPr>
+            <p:cNvPr id="5" name="TextBox 4"/>
+            <p:cNvSpPr txBox="1"/>
+            <p:nvPr/>
+          </p:nvSpPr>
+          <p:spPr>
+            <a:xfrm>
+              <a:off x="5791200" y="457200"/>
+              <a:ext cx="228600" cy="584775"/>
+            </a:xfrm>
+            <a:prstGeom prst="rect">
+              <a:avLst/>
+            </a:prstGeom>
+            <a:noFill/>
+          </p:spPr>
+          <p:txBody>
+            <a:bodyPr wrap="square" rtlCol="0">
+              <a:spAutoFit/>
+            </a:bodyPr>
+            <a:lstStyle/>
+            <a:p>
+              <a:r>
+                <a:rPr lang="pl-PL" sz="3200" b="1" dirty="0" smtClean="0">
+                  <a:solidFill>
+                    <a:srgbClr val="FF0000"/>
+                  </a:solidFill>
+                </a:rPr>
+                <a:t>2</a:t>
+              </a:r>
+              <a:endParaRPr lang="pl-PL" sz="3200" b="1" dirty="0">
+                <a:solidFill>
+                  <a:srgbClr val="FF0000"/>
+                </a:solidFill>
+              </a:endParaRPr>
+            </a:p>
+          </p:txBody>
+        </p:sp>
+        <p:sp>
+          <p:nvSpPr>
+            <p:cNvPr id="6" name="TextBox 5"/>
+            <p:cNvSpPr txBox="1"/>
+            <p:nvPr/>
+          </p:nvSpPr>
+          <p:spPr>
+            <a:xfrm>
+              <a:off x="7315200" y="3072825"/>
+              <a:ext cx="228600" cy="584775"/>
+            </a:xfrm>
+            <a:prstGeom prst="rect">
+              <a:avLst/>
+            </a:prstGeom>
+            <a:noFill/>
+          </p:spPr>
+          <p:txBody>
+            <a:bodyPr wrap="square" rtlCol="0">
+              <a:spAutoFit/>
+            </a:bodyPr>
+            <a:lstStyle/>
+            <a:p>
+              <a:r>
+                <a:rPr lang="pl-PL" sz="3200" b="1" dirty="0" smtClean="0">
+                  <a:solidFill>
+                    <a:srgbClr val="FF0000"/>
+                  </a:solidFill>
+                </a:rPr>
+                <a:t>4</a:t>
+              </a:r>
+              <a:endParaRPr lang="pl-PL" sz="3200" b="1" dirty="0">
+                <a:solidFill>
+                  <a:srgbClr val="FF0000"/>
+                </a:solidFill>
+              </a:endParaRPr>
+            </a:p>
+          </p:txBody>
+        </p:sp>
+        <p:sp>
+          <p:nvSpPr>
+            <p:cNvPr id="7" name="TextBox 6"/>
+            <p:cNvSpPr txBox="1"/>
+            <p:nvPr/>
+          </p:nvSpPr>
+          <p:spPr>
+            <a:xfrm>
+              <a:off x="7239000" y="5334000"/>
+              <a:ext cx="228600" cy="584775"/>
+            </a:xfrm>
+            <a:prstGeom prst="rect">
+              <a:avLst/>
+            </a:prstGeom>
+            <a:noFill/>
+          </p:spPr>
+          <p:txBody>
+            <a:bodyPr wrap="square" rtlCol="0">
+              <a:spAutoFit/>
+            </a:bodyPr>
+            <a:lstStyle/>
+            <a:p>
+              <a:r>
+                <a:rPr lang="pl-PL" sz="3200" b="1" dirty="0" smtClean="0">
+                  <a:solidFill>
+                    <a:srgbClr val="FF0000"/>
+                  </a:solidFill>
+                </a:rPr>
+                <a:t>6</a:t>
+              </a:r>
+              <a:endParaRPr lang="pl-PL" sz="3200" b="1" dirty="0">
+                <a:solidFill>
+                  <a:srgbClr val="FF0000"/>
+                </a:solidFill>
+              </a:endParaRPr>
+            </a:p>
+          </p:txBody>
+        </p:sp>
+        <p:sp>
+          <p:nvSpPr>
+            <p:cNvPr id="8" name="TextBox 7"/>
+            <p:cNvSpPr txBox="1"/>
+            <p:nvPr/>
+          </p:nvSpPr>
+          <p:spPr>
+            <a:xfrm>
+              <a:off x="5791200" y="4977825"/>
+              <a:ext cx="228600" cy="584775"/>
+            </a:xfrm>
+            <a:prstGeom prst="rect">
+              <a:avLst/>
+            </a:prstGeom>
+            <a:noFill/>
+          </p:spPr>
+          <p:txBody>
+            <a:bodyPr wrap="square" rtlCol="0">
+              <a:spAutoFit/>
+            </a:bodyPr>
+            <a:lstStyle/>
+            <a:p>
+              <a:r>
+                <a:rPr lang="pl-PL" sz="3200" b="1" dirty="0" smtClean="0">
+                  <a:solidFill>
+                    <a:srgbClr val="FF0000"/>
+                  </a:solidFill>
+                </a:rPr>
+                <a:t>5</a:t>
+              </a:r>
+              <a:endParaRPr lang="pl-PL" sz="3200" b="1" dirty="0">
+                <a:solidFill>
+                  <a:srgbClr val="FF0000"/>
+                </a:solidFill>
+              </a:endParaRPr>
+            </a:p>
+          </p:txBody>
+        </p:sp>
+        <p:sp>
+          <p:nvSpPr>
+            <p:cNvPr id="9" name="TextBox 8"/>
+            <p:cNvSpPr txBox="1"/>
+            <p:nvPr/>
+          </p:nvSpPr>
+          <p:spPr>
+            <a:xfrm>
+              <a:off x="7162800" y="5943600"/>
+              <a:ext cx="228600" cy="584775"/>
+            </a:xfrm>
+            <a:prstGeom prst="rect">
+              <a:avLst/>
+            </a:prstGeom>
+            <a:noFill/>
+          </p:spPr>
+          <p:txBody>
+            <a:bodyPr wrap="square" rtlCol="0">
+              <a:spAutoFit/>
+            </a:bodyPr>
+            <a:lstStyle/>
+            <a:p>
+              <a:r>
+                <a:rPr lang="pl-PL" sz="3200" b="1" dirty="0">
+                  <a:solidFill>
+                    <a:srgbClr val="FF0000"/>
+                  </a:solidFill>
+                </a:rPr>
+                <a:t>7</a:t>
+              </a:r>
+            </a:p>
+          </p:txBody>
+        </p:sp>
+      </p:grpSp>
+    </p:spTree>
+    <p:extLst>
+      <p:ext uri="{BB962C8B-B14F-4D97-AF65-F5344CB8AC3E}">
+        <p14:creationId xmlns:p14="http://schemas.microsoft.com/office/powerpoint/2010/main" val="1395727299"/>
+      </p:ext>
+    </p:extLst>
+  </p:cSld>
+  <p:clrMapOvr>
+    <a:masterClrMapping/>
+  </p:clrMapOvr>
+</p:sld>
+</file>
+
+<file path=ppt/slides/slide16.xml><?xml version="1.0" encoding="utf-8"?>
+<p:sld xmlns:a="http://schemas.openxmlformats.org/drawingml/2006/main" xmlns:r="http://schemas.openxmlformats.org/officeDocument/2006/relationships" xmlns:p="http://schemas.openxmlformats.org/presentationml/2006/main">
+  <p:cSld>
+    <p:spTree>
+      <p:nvGrpSpPr>
+        <p:cNvPr id="1" name=""/>
+        <p:cNvGrpSpPr/>
+        <p:nvPr/>
+      </p:nvGrpSpPr>
+      <p:grpSpPr>
+        <a:xfrm>
+          <a:off x="0" y="0"/>
+          <a:ext cx="0" cy="0"/>
+          <a:chOff x="0" y="0"/>
+          <a:chExt cx="0" cy="0"/>
+        </a:xfrm>
+      </p:grpSpPr>
+      <p:grpSp>
+        <p:nvGrpSpPr>
+          <p:cNvPr id="8" name="Group 7"/>
+          <p:cNvGrpSpPr/>
+          <p:nvPr/>
+        </p:nvGrpSpPr>
+        <p:grpSpPr>
+          <a:xfrm>
+            <a:off x="2099917" y="1015425"/>
+            <a:ext cx="4944165" cy="4780868"/>
+            <a:chOff x="2099917" y="1015425"/>
+            <a:chExt cx="4944165" cy="4780868"/>
+          </a:xfrm>
+        </p:grpSpPr>
+        <p:pic>
+          <p:nvPicPr>
+            <p:cNvPr id="2" name="Picture 1"/>
+            <p:cNvPicPr>
+              <a:picLocks noChangeAspect="1"/>
+            </p:cNvPicPr>
+            <p:nvPr/>
+          </p:nvPicPr>
+          <p:blipFill>
+            <a:blip r:embed="rId2">
+              <a:extLst>
+                <a:ext uri="{28A0092B-C50C-407E-A947-70E740481C1C}">
+                  <a14:useLocalDpi xmlns:a14="http://schemas.microsoft.com/office/drawing/2010/main" val="0"/>
+                </a:ext>
+              </a:extLst>
+            </a:blip>
+            <a:stretch>
+              <a:fillRect/>
+            </a:stretch>
+          </p:blipFill>
+          <p:spPr>
+            <a:xfrm>
+              <a:off x="2099917" y="1061707"/>
+              <a:ext cx="4944165" cy="4734586"/>
+            </a:xfrm>
+            <a:prstGeom prst="rect">
+              <a:avLst/>
+            </a:prstGeom>
+          </p:spPr>
+        </p:pic>
+        <p:sp>
+          <p:nvSpPr>
+            <p:cNvPr id="3" name="TextBox 2"/>
+            <p:cNvSpPr txBox="1"/>
+            <p:nvPr/>
+          </p:nvSpPr>
+          <p:spPr>
+            <a:xfrm>
+              <a:off x="3276600" y="1015425"/>
+              <a:ext cx="228600" cy="646331"/>
+            </a:xfrm>
+            <a:prstGeom prst="rect">
+              <a:avLst/>
+            </a:prstGeom>
+            <a:noFill/>
+          </p:spPr>
+          <p:txBody>
+            <a:bodyPr wrap="square" rtlCol="0">
+              <a:spAutoFit/>
+            </a:bodyPr>
+            <a:lstStyle/>
+            <a:p>
+              <a:r>
+                <a:rPr lang="pl-PL" sz="3600" b="1" dirty="0" smtClean="0">
+                  <a:solidFill>
+                    <a:srgbClr val="FF0000"/>
+                  </a:solidFill>
+                </a:rPr>
+                <a:t>1</a:t>
+              </a:r>
+              <a:endParaRPr lang="pl-PL" sz="3600" b="1" dirty="0">
+                <a:solidFill>
+                  <a:srgbClr val="FF0000"/>
+                </a:solidFill>
+              </a:endParaRPr>
+            </a:p>
+          </p:txBody>
+        </p:sp>
+        <p:sp>
+          <p:nvSpPr>
+            <p:cNvPr id="4" name="TextBox 3"/>
+            <p:cNvSpPr txBox="1"/>
+            <p:nvPr/>
+          </p:nvSpPr>
+          <p:spPr>
+            <a:xfrm>
+              <a:off x="5029200" y="1334869"/>
+              <a:ext cx="228600" cy="646331"/>
+            </a:xfrm>
+            <a:prstGeom prst="rect">
+              <a:avLst/>
+            </a:prstGeom>
+            <a:noFill/>
+          </p:spPr>
+          <p:txBody>
+            <a:bodyPr wrap="square" rtlCol="0">
+              <a:spAutoFit/>
+            </a:bodyPr>
+            <a:lstStyle/>
+            <a:p>
+              <a:r>
+                <a:rPr lang="pl-PL" sz="3600" b="1" dirty="0" smtClean="0">
+                  <a:solidFill>
+                    <a:srgbClr val="FF0000"/>
+                  </a:solidFill>
+                </a:rPr>
+                <a:t>2</a:t>
+              </a:r>
+              <a:endParaRPr lang="pl-PL" sz="3600" b="1" dirty="0">
+                <a:solidFill>
+                  <a:srgbClr val="FF0000"/>
+                </a:solidFill>
+              </a:endParaRPr>
+            </a:p>
+          </p:txBody>
+        </p:sp>
+        <p:sp>
+          <p:nvSpPr>
+            <p:cNvPr id="5" name="TextBox 4"/>
+            <p:cNvSpPr txBox="1"/>
+            <p:nvPr/>
+          </p:nvSpPr>
+          <p:spPr>
+            <a:xfrm>
+              <a:off x="6629400" y="2133600"/>
+              <a:ext cx="228600" cy="646331"/>
+            </a:xfrm>
+            <a:prstGeom prst="rect">
+              <a:avLst/>
+            </a:prstGeom>
+            <a:noFill/>
+          </p:spPr>
+          <p:txBody>
+            <a:bodyPr wrap="square" rtlCol="0">
+              <a:spAutoFit/>
+            </a:bodyPr>
+            <a:lstStyle/>
+            <a:p>
+              <a:r>
+                <a:rPr lang="pl-PL" sz="3600" b="1" dirty="0" smtClean="0">
+                  <a:solidFill>
+                    <a:srgbClr val="FF0000"/>
+                  </a:solidFill>
+                </a:rPr>
+                <a:t>3</a:t>
+              </a:r>
+              <a:endParaRPr lang="pl-PL" sz="3600" b="1" dirty="0">
+                <a:solidFill>
+                  <a:srgbClr val="FF0000"/>
+                </a:solidFill>
+              </a:endParaRPr>
+            </a:p>
+          </p:txBody>
+        </p:sp>
+        <p:sp>
+          <p:nvSpPr>
+            <p:cNvPr id="6" name="TextBox 5"/>
+            <p:cNvSpPr txBox="1"/>
+            <p:nvPr/>
+          </p:nvSpPr>
+          <p:spPr>
+            <a:xfrm>
+              <a:off x="6629400" y="3276600"/>
+              <a:ext cx="228600" cy="646331"/>
+            </a:xfrm>
+            <a:prstGeom prst="rect">
+              <a:avLst/>
+            </a:prstGeom>
+            <a:noFill/>
+          </p:spPr>
+          <p:txBody>
+            <a:bodyPr wrap="square" rtlCol="0">
+              <a:spAutoFit/>
+            </a:bodyPr>
+            <a:lstStyle/>
+            <a:p>
+              <a:r>
+                <a:rPr lang="pl-PL" sz="3600" b="1" dirty="0" smtClean="0">
+                  <a:solidFill>
+                    <a:srgbClr val="FF0000"/>
+                  </a:solidFill>
+                </a:rPr>
+                <a:t>4</a:t>
+              </a:r>
+              <a:endParaRPr lang="pl-PL" sz="3600" b="1" dirty="0">
+                <a:solidFill>
+                  <a:srgbClr val="FF0000"/>
+                </a:solidFill>
+              </a:endParaRPr>
+            </a:p>
+          </p:txBody>
+        </p:sp>
+        <p:sp>
+          <p:nvSpPr>
+            <p:cNvPr id="7" name="TextBox 6"/>
+            <p:cNvSpPr txBox="1"/>
+            <p:nvPr/>
+          </p:nvSpPr>
+          <p:spPr>
+            <a:xfrm>
+              <a:off x="6248400" y="4343400"/>
+              <a:ext cx="228600" cy="646331"/>
+            </a:xfrm>
+            <a:prstGeom prst="rect">
+              <a:avLst/>
+            </a:prstGeom>
+            <a:noFill/>
+          </p:spPr>
+          <p:txBody>
+            <a:bodyPr wrap="square" rtlCol="0">
+              <a:spAutoFit/>
+            </a:bodyPr>
+            <a:lstStyle/>
+            <a:p>
+              <a:r>
+                <a:rPr lang="pl-PL" sz="3600" b="1" dirty="0" smtClean="0">
+                  <a:solidFill>
+                    <a:srgbClr val="FF0000"/>
+                  </a:solidFill>
+                </a:rPr>
+                <a:t>5</a:t>
+              </a:r>
+              <a:endParaRPr lang="pl-PL" sz="3600" b="1" dirty="0">
+                <a:solidFill>
+                  <a:srgbClr val="FF0000"/>
+                </a:solidFill>
+              </a:endParaRPr>
+            </a:p>
+          </p:txBody>
+        </p:sp>
+      </p:grpSp>
+    </p:spTree>
+    <p:extLst>
+      <p:ext uri="{BB962C8B-B14F-4D97-AF65-F5344CB8AC3E}">
+        <p14:creationId xmlns:p14="http://schemas.microsoft.com/office/powerpoint/2010/main" val="3067575541"/>
       </p:ext>
     </p:extLst>
   </p:cSld>

--- a/Praca/PrezentacjaZawierajacaObrazyPracy.pptx
+++ b/Praca/PrezentacjaZawierajacaObrazyPracy.pptx
@@ -5,7 +5,7 @@
     <p:sldMasterId id="2147483648" r:id="rId1"/>
   </p:sldMasterIdLst>
   <p:notesMasterIdLst>
-    <p:notesMasterId r:id="rId18"/>
+    <p:notesMasterId r:id="rId20"/>
   </p:notesMasterIdLst>
   <p:sldIdLst>
     <p:sldId id="257" r:id="rId2"/>
@@ -16,14 +16,16 @@
     <p:sldId id="262" r:id="rId7"/>
     <p:sldId id="263" r:id="rId8"/>
     <p:sldId id="264" r:id="rId9"/>
-    <p:sldId id="266" r:id="rId10"/>
-    <p:sldId id="265" r:id="rId11"/>
-    <p:sldId id="268" r:id="rId12"/>
-    <p:sldId id="269" r:id="rId13"/>
-    <p:sldId id="267" r:id="rId14"/>
-    <p:sldId id="270" r:id="rId15"/>
-    <p:sldId id="271" r:id="rId16"/>
-    <p:sldId id="272" r:id="rId17"/>
+    <p:sldId id="273" r:id="rId10"/>
+    <p:sldId id="266" r:id="rId11"/>
+    <p:sldId id="265" r:id="rId12"/>
+    <p:sldId id="268" r:id="rId13"/>
+    <p:sldId id="269" r:id="rId14"/>
+    <p:sldId id="267" r:id="rId15"/>
+    <p:sldId id="270" r:id="rId16"/>
+    <p:sldId id="271" r:id="rId17"/>
+    <p:sldId id="272" r:id="rId18"/>
+    <p:sldId id="274" r:id="rId19"/>
   </p:sldIdLst>
   <p:sldSz cx="9144000" cy="6858000" type="screen4x3"/>
   <p:notesSz cx="6858000" cy="9144000"/>
@@ -208,7 +210,7 @@
             <a:fld id="{40A17DDC-5670-4824-BB94-70ABD52AAC20}" type="datetimeFigureOut">
               <a:rPr lang="pl-PL" smtClean="0"/>
               <a:pPr/>
-              <a:t>04.07.2018</a:t>
+              <a:t>05.07.2018</a:t>
             </a:fld>
             <a:endParaRPr lang="pl-PL"/>
           </a:p>
@@ -377,7 +379,7 @@
     </p:spTree>
     <p:extLst>
       <p:ext uri="{BB962C8B-B14F-4D97-AF65-F5344CB8AC3E}">
-        <p14:creationId xmlns:p14="http://schemas.microsoft.com/office/powerpoint/2010/main" val="4140445158"/>
+        <p14:creationId xmlns:p14="http://schemas.microsoft.com/office/powerpoint/2010/main" xmlns="" val="4140445158"/>
       </p:ext>
     </p:extLst>
   </p:cSld>
@@ -659,7 +661,7 @@
             <a:fld id="{92A549DF-A050-4846-87AC-3D2AE01A0CF2}" type="datetimeFigureOut">
               <a:rPr lang="en-US" smtClean="0"/>
               <a:pPr/>
-              <a:t>7/4/2018</a:t>
+              <a:t>7/5/2018</a:t>
             </a:fld>
             <a:endParaRPr lang="en-US"/>
           </a:p>
@@ -826,7 +828,7 @@
             <a:fld id="{92A549DF-A050-4846-87AC-3D2AE01A0CF2}" type="datetimeFigureOut">
               <a:rPr lang="en-US" smtClean="0"/>
               <a:pPr/>
-              <a:t>7/4/2018</a:t>
+              <a:t>7/5/2018</a:t>
             </a:fld>
             <a:endParaRPr lang="en-US"/>
           </a:p>
@@ -1003,7 +1005,7 @@
             <a:fld id="{92A549DF-A050-4846-87AC-3D2AE01A0CF2}" type="datetimeFigureOut">
               <a:rPr lang="en-US" smtClean="0"/>
               <a:pPr/>
-              <a:t>7/4/2018</a:t>
+              <a:t>7/5/2018</a:t>
             </a:fld>
             <a:endParaRPr lang="en-US"/>
           </a:p>
@@ -1170,7 +1172,7 @@
             <a:fld id="{92A549DF-A050-4846-87AC-3D2AE01A0CF2}" type="datetimeFigureOut">
               <a:rPr lang="en-US" smtClean="0"/>
               <a:pPr/>
-              <a:t>7/4/2018</a:t>
+              <a:t>7/5/2018</a:t>
             </a:fld>
             <a:endParaRPr lang="en-US"/>
           </a:p>
@@ -1413,7 +1415,7 @@
             <a:fld id="{92A549DF-A050-4846-87AC-3D2AE01A0CF2}" type="datetimeFigureOut">
               <a:rPr lang="en-US" smtClean="0"/>
               <a:pPr/>
-              <a:t>7/4/2018</a:t>
+              <a:t>7/5/2018</a:t>
             </a:fld>
             <a:endParaRPr lang="en-US"/>
           </a:p>
@@ -1698,7 +1700,7 @@
             <a:fld id="{92A549DF-A050-4846-87AC-3D2AE01A0CF2}" type="datetimeFigureOut">
               <a:rPr lang="en-US" smtClean="0"/>
               <a:pPr/>
-              <a:t>7/4/2018</a:t>
+              <a:t>7/5/2018</a:t>
             </a:fld>
             <a:endParaRPr lang="en-US"/>
           </a:p>
@@ -2117,7 +2119,7 @@
             <a:fld id="{92A549DF-A050-4846-87AC-3D2AE01A0CF2}" type="datetimeFigureOut">
               <a:rPr lang="en-US" smtClean="0"/>
               <a:pPr/>
-              <a:t>7/4/2018</a:t>
+              <a:t>7/5/2018</a:t>
             </a:fld>
             <a:endParaRPr lang="en-US"/>
           </a:p>
@@ -2232,7 +2234,7 @@
             <a:fld id="{92A549DF-A050-4846-87AC-3D2AE01A0CF2}" type="datetimeFigureOut">
               <a:rPr lang="en-US" smtClean="0"/>
               <a:pPr/>
-              <a:t>7/4/2018</a:t>
+              <a:t>7/5/2018</a:t>
             </a:fld>
             <a:endParaRPr lang="en-US"/>
           </a:p>
@@ -2324,7 +2326,7 @@
             <a:fld id="{92A549DF-A050-4846-87AC-3D2AE01A0CF2}" type="datetimeFigureOut">
               <a:rPr lang="en-US" smtClean="0"/>
               <a:pPr/>
-              <a:t>7/4/2018</a:t>
+              <a:t>7/5/2018</a:t>
             </a:fld>
             <a:endParaRPr lang="en-US"/>
           </a:p>
@@ -2598,7 +2600,7 @@
             <a:fld id="{92A549DF-A050-4846-87AC-3D2AE01A0CF2}" type="datetimeFigureOut">
               <a:rPr lang="en-US" smtClean="0"/>
               <a:pPr/>
-              <a:t>7/4/2018</a:t>
+              <a:t>7/5/2018</a:t>
             </a:fld>
             <a:endParaRPr lang="en-US"/>
           </a:p>
@@ -2848,7 +2850,7 @@
             <a:fld id="{92A549DF-A050-4846-87AC-3D2AE01A0CF2}" type="datetimeFigureOut">
               <a:rPr lang="en-US" smtClean="0"/>
               <a:pPr/>
-              <a:t>7/4/2018</a:t>
+              <a:t>7/5/2018</a:t>
             </a:fld>
             <a:endParaRPr lang="en-US"/>
           </a:p>
@@ -3058,7 +3060,7 @@
             <a:fld id="{92A549DF-A050-4846-87AC-3D2AE01A0CF2}" type="datetimeFigureOut">
               <a:rPr lang="en-US" smtClean="0"/>
               <a:pPr/>
-              <a:t>7/4/2018</a:t>
+              <a:t>7/5/2018</a:t>
             </a:fld>
             <a:endParaRPr lang="en-US"/>
           </a:p>
@@ -3987,6 +3989,66 @@
           <a:chExt cx="0" cy="0"/>
         </a:xfrm>
       </p:grpSpPr>
+      <p:pic>
+        <p:nvPicPr>
+          <p:cNvPr id="15" name="Picture 14"/>
+          <p:cNvPicPr>
+            <a:picLocks noChangeAspect="1"/>
+          </p:cNvPicPr>
+          <p:nvPr/>
+        </p:nvPicPr>
+        <p:blipFill>
+          <a:blip r:embed="rId2">
+            <a:extLst>
+              <a:ext uri="{28A0092B-C50C-407E-A947-70E740481C1C}">
+                <a14:useLocalDpi xmlns:a14="http://schemas.microsoft.com/office/drawing/2010/main" xmlns="" val="0"/>
+              </a:ext>
+            </a:extLst>
+          </a:blip>
+          <a:stretch>
+            <a:fillRect/>
+          </a:stretch>
+        </p:blipFill>
+        <p:spPr>
+          <a:xfrm>
+            <a:off x="152765" y="780507"/>
+            <a:ext cx="8838470" cy="5296986"/>
+          </a:xfrm>
+          <a:prstGeom prst="rect">
+            <a:avLst/>
+          </a:prstGeom>
+        </p:spPr>
+      </p:pic>
+    </p:spTree>
+    <p:extLst>
+      <p:ext uri="{BB962C8B-B14F-4D97-AF65-F5344CB8AC3E}">
+        <p14:creationId xmlns:p14="http://schemas.microsoft.com/office/powerpoint/2010/main" xmlns="" val="1614022121"/>
+      </p:ext>
+    </p:extLst>
+  </p:cSld>
+  <p:clrMapOvr>
+    <a:masterClrMapping/>
+  </p:clrMapOvr>
+</p:sld>
+</file>
+
+<file path=ppt/slides/slide11.xml><?xml version="1.0" encoding="utf-8"?>
+<p:sld xmlns:a="http://schemas.openxmlformats.org/drawingml/2006/main" xmlns:r="http://schemas.openxmlformats.org/officeDocument/2006/relationships" xmlns:p="http://schemas.openxmlformats.org/presentationml/2006/main">
+  <p:cSld>
+    <p:spTree>
+      <p:nvGrpSpPr>
+        <p:cNvPr id="1" name=""/>
+        <p:cNvGrpSpPr/>
+        <p:nvPr/>
+      </p:nvGrpSpPr>
+      <p:grpSpPr>
+        <a:xfrm>
+          <a:off x="0" y="0"/>
+          <a:ext cx="0" cy="0"/>
+          <a:chOff x="0" y="0"/>
+          <a:chExt cx="0" cy="0"/>
+        </a:xfrm>
+      </p:grpSpPr>
       <p:sp>
         <p:nvSpPr>
           <p:cNvPr id="79" name="Shape 158"/>
@@ -4826,7 +4888,7 @@
     </p:spTree>
     <p:extLst>
       <p:ext uri="{BB962C8B-B14F-4D97-AF65-F5344CB8AC3E}">
-        <p14:creationId xmlns:p14="http://schemas.microsoft.com/office/powerpoint/2010/main" val="671893581"/>
+        <p14:creationId xmlns:p14="http://schemas.microsoft.com/office/powerpoint/2010/main" xmlns="" val="671893581"/>
       </p:ext>
     </p:extLst>
   </p:cSld>
@@ -4836,7 +4898,7 @@
 </p:sld>
 </file>
 
-<file path=ppt/slides/slide11.xml><?xml version="1.0" encoding="utf-8"?>
+<file path=ppt/slides/slide12.xml><?xml version="1.0" encoding="utf-8"?>
 <p:sld xmlns:a="http://schemas.openxmlformats.org/drawingml/2006/main" xmlns:r="http://schemas.openxmlformats.org/officeDocument/2006/relationships" xmlns:p="http://schemas.openxmlformats.org/presentationml/2006/main">
   <p:cSld>
     <p:spTree>
@@ -5562,7 +5624,7 @@
     </p:spTree>
     <p:extLst>
       <p:ext uri="{BB962C8B-B14F-4D97-AF65-F5344CB8AC3E}">
-        <p14:creationId xmlns:p14="http://schemas.microsoft.com/office/powerpoint/2010/main" val="2969317156"/>
+        <p14:creationId xmlns:p14="http://schemas.microsoft.com/office/powerpoint/2010/main" xmlns="" val="2969317156"/>
       </p:ext>
     </p:extLst>
   </p:cSld>
@@ -5572,7 +5634,7 @@
 </p:sld>
 </file>
 
-<file path=ppt/slides/slide12.xml><?xml version="1.0" encoding="utf-8"?>
+<file path=ppt/slides/slide13.xml><?xml version="1.0" encoding="utf-8"?>
 <p:sld xmlns:a="http://schemas.openxmlformats.org/drawingml/2006/main" xmlns:r="http://schemas.openxmlformats.org/officeDocument/2006/relationships" xmlns:p="http://schemas.openxmlformats.org/presentationml/2006/main">
   <p:cSld>
     <p:spTree>
@@ -6671,7 +6733,7 @@
     </p:spTree>
     <p:extLst>
       <p:ext uri="{BB962C8B-B14F-4D97-AF65-F5344CB8AC3E}">
-        <p14:creationId xmlns:p14="http://schemas.microsoft.com/office/powerpoint/2010/main" val="3108212610"/>
+        <p14:creationId xmlns:p14="http://schemas.microsoft.com/office/powerpoint/2010/main" xmlns="" val="3108212610"/>
       </p:ext>
     </p:extLst>
   </p:cSld>
@@ -6681,7 +6743,7 @@
 </p:sld>
 </file>
 
-<file path=ppt/slides/slide13.xml><?xml version="1.0" encoding="utf-8"?>
+<file path=ppt/slides/slide14.xml><?xml version="1.0" encoding="utf-8"?>
 <p:sld xmlns:a="http://schemas.openxmlformats.org/drawingml/2006/main" xmlns:r="http://schemas.openxmlformats.org/officeDocument/2006/relationships" xmlns:p="http://schemas.openxmlformats.org/presentationml/2006/main">
   <p:cSld>
     <p:spTree>
@@ -6724,7 +6786,7 @@
             <a:blip r:embed="rId2">
               <a:extLst>
                 <a:ext uri="{28A0092B-C50C-407E-A947-70E740481C1C}">
-                  <a14:useLocalDpi xmlns:a14="http://schemas.microsoft.com/office/drawing/2010/main" val="0"/>
+                  <a14:useLocalDpi xmlns:a14="http://schemas.microsoft.com/office/drawing/2010/main" xmlns="" val="0"/>
                 </a:ext>
               </a:extLst>
             </a:blip>
@@ -6744,7 +6806,7 @@
             <a:noFill/>
             <a:extLst>
               <a:ext uri="{909E8E84-426E-40DD-AFC4-6F175D3DCCD1}">
-                <a14:hiddenFill xmlns:a14="http://schemas.microsoft.com/office/drawing/2010/main">
+                <a14:hiddenFill xmlns:a14="http://schemas.microsoft.com/office/drawing/2010/main" xmlns="">
                   <a:solidFill>
                     <a:srgbClr val="FFFFFF"/>
                   </a:solidFill>
@@ -6765,7 +6827,7 @@
             <a:blip r:embed="rId3">
               <a:extLst>
                 <a:ext uri="{28A0092B-C50C-407E-A947-70E740481C1C}">
-                  <a14:useLocalDpi xmlns:a14="http://schemas.microsoft.com/office/drawing/2010/main" val="0"/>
+                  <a14:useLocalDpi xmlns:a14="http://schemas.microsoft.com/office/drawing/2010/main" xmlns="" val="0"/>
                 </a:ext>
               </a:extLst>
             </a:blip>
@@ -6785,7 +6847,7 @@
             <a:noFill/>
             <a:extLst>
               <a:ext uri="{909E8E84-426E-40DD-AFC4-6F175D3DCCD1}">
-                <a14:hiddenFill xmlns:a14="http://schemas.microsoft.com/office/drawing/2010/main">
+                <a14:hiddenFill xmlns:a14="http://schemas.microsoft.com/office/drawing/2010/main" xmlns="">
                   <a:solidFill>
                     <a:srgbClr val="FFFFFF"/>
                   </a:solidFill>
@@ -6806,7 +6868,7 @@
             <a:blip r:embed="rId4">
               <a:extLst>
                 <a:ext uri="{28A0092B-C50C-407E-A947-70E740481C1C}">
-                  <a14:useLocalDpi xmlns:a14="http://schemas.microsoft.com/office/drawing/2010/main" val="0"/>
+                  <a14:useLocalDpi xmlns:a14="http://schemas.microsoft.com/office/drawing/2010/main" xmlns="" val="0"/>
                 </a:ext>
               </a:extLst>
             </a:blip>
@@ -6826,7 +6888,7 @@
             <a:noFill/>
             <a:extLst>
               <a:ext uri="{909E8E84-426E-40DD-AFC4-6F175D3DCCD1}">
-                <a14:hiddenFill xmlns:a14="http://schemas.microsoft.com/office/drawing/2010/main">
+                <a14:hiddenFill xmlns:a14="http://schemas.microsoft.com/office/drawing/2010/main" xmlns="">
                   <a:solidFill>
                     <a:srgbClr val="FFFFFF"/>
                   </a:solidFill>
@@ -6847,7 +6909,7 @@
             <a:blip r:embed="rId5">
               <a:extLst>
                 <a:ext uri="{28A0092B-C50C-407E-A947-70E740481C1C}">
-                  <a14:useLocalDpi xmlns:a14="http://schemas.microsoft.com/office/drawing/2010/main" val="0"/>
+                  <a14:useLocalDpi xmlns:a14="http://schemas.microsoft.com/office/drawing/2010/main" xmlns="" val="0"/>
                 </a:ext>
               </a:extLst>
             </a:blip>
@@ -6867,7 +6929,7 @@
             <a:noFill/>
             <a:extLst>
               <a:ext uri="{909E8E84-426E-40DD-AFC4-6F175D3DCCD1}">
-                <a14:hiddenFill xmlns:a14="http://schemas.microsoft.com/office/drawing/2010/main">
+                <a14:hiddenFill xmlns:a14="http://schemas.microsoft.com/office/drawing/2010/main" xmlns="">
                   <a:solidFill>
                     <a:srgbClr val="FFFFFF"/>
                   </a:solidFill>
@@ -6888,7 +6950,7 @@
             <a:blip r:embed="rId6">
               <a:extLst>
                 <a:ext uri="{28A0092B-C50C-407E-A947-70E740481C1C}">
-                  <a14:useLocalDpi xmlns:a14="http://schemas.microsoft.com/office/drawing/2010/main" val="0"/>
+                  <a14:useLocalDpi xmlns:a14="http://schemas.microsoft.com/office/drawing/2010/main" xmlns="" val="0"/>
                 </a:ext>
               </a:extLst>
             </a:blip>
@@ -6908,7 +6970,7 @@
             <a:noFill/>
             <a:extLst>
               <a:ext uri="{909E8E84-426E-40DD-AFC4-6F175D3DCCD1}">
-                <a14:hiddenFill xmlns:a14="http://schemas.microsoft.com/office/drawing/2010/main">
+                <a14:hiddenFill xmlns:a14="http://schemas.microsoft.com/office/drawing/2010/main" xmlns="">
                   <a:solidFill>
                     <a:srgbClr val="FFFFFF"/>
                   </a:solidFill>
@@ -6929,7 +6991,7 @@
             <a:blip r:embed="rId7">
               <a:extLst>
                 <a:ext uri="{28A0092B-C50C-407E-A947-70E740481C1C}">
-                  <a14:useLocalDpi xmlns:a14="http://schemas.microsoft.com/office/drawing/2010/main" val="0"/>
+                  <a14:useLocalDpi xmlns:a14="http://schemas.microsoft.com/office/drawing/2010/main" xmlns="" val="0"/>
                 </a:ext>
               </a:extLst>
             </a:blip>
@@ -6949,7 +7011,7 @@
             <a:noFill/>
             <a:extLst>
               <a:ext uri="{909E8E84-426E-40DD-AFC4-6F175D3DCCD1}">
-                <a14:hiddenFill xmlns:a14="http://schemas.microsoft.com/office/drawing/2010/main">
+                <a14:hiddenFill xmlns:a14="http://schemas.microsoft.com/office/drawing/2010/main" xmlns="">
                   <a:solidFill>
                     <a:srgbClr val="FFFFFF"/>
                   </a:solidFill>
@@ -6970,7 +7032,7 @@
             <a:blip r:embed="rId8">
               <a:extLst>
                 <a:ext uri="{28A0092B-C50C-407E-A947-70E740481C1C}">
-                  <a14:useLocalDpi xmlns:a14="http://schemas.microsoft.com/office/drawing/2010/main" val="0"/>
+                  <a14:useLocalDpi xmlns:a14="http://schemas.microsoft.com/office/drawing/2010/main" xmlns="" val="0"/>
                 </a:ext>
               </a:extLst>
             </a:blip>
@@ -6990,7 +7052,7 @@
             <a:noFill/>
             <a:extLst>
               <a:ext uri="{909E8E84-426E-40DD-AFC4-6F175D3DCCD1}">
-                <a14:hiddenFill xmlns:a14="http://schemas.microsoft.com/office/drawing/2010/main">
+                <a14:hiddenFill xmlns:a14="http://schemas.microsoft.com/office/drawing/2010/main" xmlns="">
                   <a:solidFill>
                     <a:srgbClr val="FFFFFF"/>
                   </a:solidFill>
@@ -7011,7 +7073,7 @@
             <a:blip r:embed="rId9">
               <a:extLst>
                 <a:ext uri="{28A0092B-C50C-407E-A947-70E740481C1C}">
-                  <a14:useLocalDpi xmlns:a14="http://schemas.microsoft.com/office/drawing/2010/main" val="0"/>
+                  <a14:useLocalDpi xmlns:a14="http://schemas.microsoft.com/office/drawing/2010/main" xmlns="" val="0"/>
                 </a:ext>
               </a:extLst>
             </a:blip>
@@ -7031,7 +7093,7 @@
             <a:noFill/>
             <a:extLst>
               <a:ext uri="{909E8E84-426E-40DD-AFC4-6F175D3DCCD1}">
-                <a14:hiddenFill xmlns:a14="http://schemas.microsoft.com/office/drawing/2010/main">
+                <a14:hiddenFill xmlns:a14="http://schemas.microsoft.com/office/drawing/2010/main" xmlns="">
                   <a:solidFill>
                     <a:srgbClr val="FFFFFF"/>
                   </a:solidFill>
@@ -7052,7 +7114,7 @@
             <a:blip r:embed="rId10">
               <a:extLst>
                 <a:ext uri="{28A0092B-C50C-407E-A947-70E740481C1C}">
-                  <a14:useLocalDpi xmlns:a14="http://schemas.microsoft.com/office/drawing/2010/main" val="0"/>
+                  <a14:useLocalDpi xmlns:a14="http://schemas.microsoft.com/office/drawing/2010/main" xmlns="" val="0"/>
                 </a:ext>
               </a:extLst>
             </a:blip>
@@ -7072,7 +7134,7 @@
             <a:noFill/>
             <a:extLst>
               <a:ext uri="{909E8E84-426E-40DD-AFC4-6F175D3DCCD1}">
-                <a14:hiddenFill xmlns:a14="http://schemas.microsoft.com/office/drawing/2010/main">
+                <a14:hiddenFill xmlns:a14="http://schemas.microsoft.com/office/drawing/2010/main" xmlns="">
                   <a:solidFill>
                     <a:srgbClr val="FFFFFF"/>
                   </a:solidFill>
@@ -7093,7 +7155,7 @@
             <a:blip r:embed="rId11">
               <a:extLst>
                 <a:ext uri="{28A0092B-C50C-407E-A947-70E740481C1C}">
-                  <a14:useLocalDpi xmlns:a14="http://schemas.microsoft.com/office/drawing/2010/main" val="0"/>
+                  <a14:useLocalDpi xmlns:a14="http://schemas.microsoft.com/office/drawing/2010/main" xmlns="" val="0"/>
                 </a:ext>
               </a:extLst>
             </a:blip>
@@ -7113,7 +7175,7 @@
             <a:noFill/>
             <a:extLst>
               <a:ext uri="{909E8E84-426E-40DD-AFC4-6F175D3DCCD1}">
-                <a14:hiddenFill xmlns:a14="http://schemas.microsoft.com/office/drawing/2010/main">
+                <a14:hiddenFill xmlns:a14="http://schemas.microsoft.com/office/drawing/2010/main" xmlns="">
                   <a:solidFill>
                     <a:srgbClr val="FFFFFF"/>
                   </a:solidFill>
@@ -7134,7 +7196,7 @@
             <a:blip r:embed="rId12">
               <a:extLst>
                 <a:ext uri="{28A0092B-C50C-407E-A947-70E740481C1C}">
-                  <a14:useLocalDpi xmlns:a14="http://schemas.microsoft.com/office/drawing/2010/main" val="0"/>
+                  <a14:useLocalDpi xmlns:a14="http://schemas.microsoft.com/office/drawing/2010/main" xmlns="" val="0"/>
                 </a:ext>
               </a:extLst>
             </a:blip>
@@ -7154,7 +7216,7 @@
             <a:noFill/>
             <a:extLst>
               <a:ext uri="{909E8E84-426E-40DD-AFC4-6F175D3DCCD1}">
-                <a14:hiddenFill xmlns:a14="http://schemas.microsoft.com/office/drawing/2010/main">
+                <a14:hiddenFill xmlns:a14="http://schemas.microsoft.com/office/drawing/2010/main" xmlns="">
                   <a:solidFill>
                     <a:srgbClr val="FFFFFF"/>
                   </a:solidFill>
@@ -7175,7 +7237,7 @@
             <a:blip r:embed="rId13">
               <a:extLst>
                 <a:ext uri="{28A0092B-C50C-407E-A947-70E740481C1C}">
-                  <a14:useLocalDpi xmlns:a14="http://schemas.microsoft.com/office/drawing/2010/main" val="0"/>
+                  <a14:useLocalDpi xmlns:a14="http://schemas.microsoft.com/office/drawing/2010/main" xmlns="" val="0"/>
                 </a:ext>
               </a:extLst>
             </a:blip>
@@ -7195,7 +7257,7 @@
             <a:noFill/>
             <a:extLst>
               <a:ext uri="{909E8E84-426E-40DD-AFC4-6F175D3DCCD1}">
-                <a14:hiddenFill xmlns:a14="http://schemas.microsoft.com/office/drawing/2010/main">
+                <a14:hiddenFill xmlns:a14="http://schemas.microsoft.com/office/drawing/2010/main" xmlns="">
                   <a:solidFill>
                     <a:srgbClr val="FFFFFF"/>
                   </a:solidFill>
@@ -7341,7 +7403,7 @@
     </p:spTree>
     <p:extLst>
       <p:ext uri="{BB962C8B-B14F-4D97-AF65-F5344CB8AC3E}">
-        <p14:creationId xmlns:p14="http://schemas.microsoft.com/office/powerpoint/2010/main" val="671893581"/>
+        <p14:creationId xmlns:p14="http://schemas.microsoft.com/office/powerpoint/2010/main" xmlns="" val="671893581"/>
       </p:ext>
     </p:extLst>
   </p:cSld>
@@ -7351,7 +7413,7 @@
 </p:sld>
 </file>
 
-<file path=ppt/slides/slide14.xml><?xml version="1.0" encoding="utf-8"?>
+<file path=ppt/slides/slide15.xml><?xml version="1.0" encoding="utf-8"?>
 <p:sld xmlns:a="http://schemas.openxmlformats.org/drawingml/2006/main" xmlns:r="http://schemas.openxmlformats.org/officeDocument/2006/relationships" xmlns:p="http://schemas.openxmlformats.org/presentationml/2006/main">
   <p:cSld>
     <p:spTree>
@@ -7408,7 +7470,7 @@
               <a:blip r:embed="rId2">
                 <a:extLst>
                   <a:ext uri="{28A0092B-C50C-407E-A947-70E740481C1C}">
-                    <a14:useLocalDpi xmlns:a14="http://schemas.microsoft.com/office/drawing/2010/main" val="0"/>
+                    <a14:useLocalDpi xmlns:a14="http://schemas.microsoft.com/office/drawing/2010/main" xmlns="" val="0"/>
                   </a:ext>
                 </a:extLst>
               </a:blip>
@@ -7735,7 +7797,7 @@
     </p:spTree>
     <p:extLst>
       <p:ext uri="{BB962C8B-B14F-4D97-AF65-F5344CB8AC3E}">
-        <p14:creationId xmlns:p14="http://schemas.microsoft.com/office/powerpoint/2010/main" val="3539712684"/>
+        <p14:creationId xmlns:p14="http://schemas.microsoft.com/office/powerpoint/2010/main" xmlns="" val="3539712684"/>
       </p:ext>
     </p:extLst>
   </p:cSld>
@@ -7745,7 +7807,7 @@
 </p:sld>
 </file>
 
-<file path=ppt/slides/slide15.xml><?xml version="1.0" encoding="utf-8"?>
+<file path=ppt/slides/slide16.xml><?xml version="1.0" encoding="utf-8"?>
 <p:sld xmlns:a="http://schemas.openxmlformats.org/drawingml/2006/main" xmlns:r="http://schemas.openxmlformats.org/officeDocument/2006/relationships" xmlns:p="http://schemas.openxmlformats.org/presentationml/2006/main">
   <p:cSld>
     <p:spTree>
@@ -7788,7 +7850,7 @@
             <a:blip r:embed="rId2">
               <a:extLst>
                 <a:ext uri="{28A0092B-C50C-407E-A947-70E740481C1C}">
-                  <a14:useLocalDpi xmlns:a14="http://schemas.microsoft.com/office/drawing/2010/main" val="0"/>
+                  <a14:useLocalDpi xmlns:a14="http://schemas.microsoft.com/office/drawing/2010/main" xmlns="" val="0"/>
                 </a:ext>
               </a:extLst>
             </a:blip>
@@ -8071,7 +8133,7 @@
     </p:spTree>
     <p:extLst>
       <p:ext uri="{BB962C8B-B14F-4D97-AF65-F5344CB8AC3E}">
-        <p14:creationId xmlns:p14="http://schemas.microsoft.com/office/powerpoint/2010/main" val="1395727299"/>
+        <p14:creationId xmlns:p14="http://schemas.microsoft.com/office/powerpoint/2010/main" xmlns="" val="1395727299"/>
       </p:ext>
     </p:extLst>
   </p:cSld>
@@ -8081,7 +8143,7 @@
 </p:sld>
 </file>
 
-<file path=ppt/slides/slide16.xml><?xml version="1.0" encoding="utf-8"?>
+<file path=ppt/slides/slide17.xml><?xml version="1.0" encoding="utf-8"?>
 <p:sld xmlns:a="http://schemas.openxmlformats.org/drawingml/2006/main" xmlns:r="http://schemas.openxmlformats.org/officeDocument/2006/relationships" xmlns:p="http://schemas.openxmlformats.org/presentationml/2006/main">
   <p:cSld>
     <p:spTree>
@@ -8124,7 +8186,7 @@
             <a:blip r:embed="rId2">
               <a:extLst>
                 <a:ext uri="{28A0092B-C50C-407E-A947-70E740481C1C}">
-                  <a14:useLocalDpi xmlns:a14="http://schemas.microsoft.com/office/drawing/2010/main" val="0"/>
+                  <a14:useLocalDpi xmlns:a14="http://schemas.microsoft.com/office/drawing/2010/main" xmlns="" val="0"/>
                 </a:ext>
               </a:extLst>
             </a:blip>
@@ -8336,9 +8398,259 @@
     </p:spTree>
     <p:extLst>
       <p:ext uri="{BB962C8B-B14F-4D97-AF65-F5344CB8AC3E}">
-        <p14:creationId xmlns:p14="http://schemas.microsoft.com/office/powerpoint/2010/main" val="3067575541"/>
+        <p14:creationId xmlns:p14="http://schemas.microsoft.com/office/powerpoint/2010/main" xmlns="" val="3067575541"/>
       </p:ext>
     </p:extLst>
+  </p:cSld>
+  <p:clrMapOvr>
+    <a:masterClrMapping/>
+  </p:clrMapOvr>
+</p:sld>
+</file>
+
+<file path=ppt/slides/slide18.xml><?xml version="1.0" encoding="utf-8"?>
+<p:sld xmlns:a="http://schemas.openxmlformats.org/drawingml/2006/main" xmlns:r="http://schemas.openxmlformats.org/officeDocument/2006/relationships" xmlns:p="http://schemas.openxmlformats.org/presentationml/2006/main">
+  <p:cSld>
+    <p:spTree>
+      <p:nvGrpSpPr>
+        <p:cNvPr id="1" name=""/>
+        <p:cNvGrpSpPr/>
+        <p:nvPr/>
+      </p:nvGrpSpPr>
+      <p:grpSpPr>
+        <a:xfrm>
+          <a:off x="0" y="0"/>
+          <a:ext cx="0" cy="0"/>
+          <a:chOff x="0" y="0"/>
+          <a:chExt cx="0" cy="0"/>
+        </a:xfrm>
+      </p:grpSpPr>
+      <p:sp>
+        <p:nvSpPr>
+          <p:cNvPr id="3" name="Shape 159"/>
+          <p:cNvSpPr/>
+          <p:nvPr/>
+        </p:nvSpPr>
+        <p:spPr>
+          <a:xfrm>
+            <a:off x="5410200" y="3429000"/>
+            <a:ext cx="2016000" cy="763500"/>
+          </a:xfrm>
+          <a:prstGeom prst="roundRect">
+            <a:avLst>
+              <a:gd name="adj" fmla="val 16667"/>
+            </a:avLst>
+          </a:prstGeom>
+          <a:solidFill>
+            <a:srgbClr val="EA9999"/>
+          </a:solidFill>
+          <a:ln w="38100" cap="flat" cmpd="sng">
+            <a:solidFill>
+              <a:srgbClr val="990000"/>
+            </a:solidFill>
+            <a:prstDash val="solid"/>
+            <a:round/>
+            <a:headEnd type="none" w="sm" len="sm"/>
+            <a:tailEnd type="none" w="sm" len="sm"/>
+          </a:ln>
+        </p:spPr>
+        <p:txBody>
+          <a:bodyPr spcFirstLastPara="1" wrap="square" lIns="91425" tIns="91425" rIns="91425" bIns="91425" anchor="ctr" anchorCtr="0">
+            <a:noAutofit/>
+          </a:bodyPr>
+          <a:lstStyle/>
+          <a:p>
+            <a:pPr marL="0" lvl="0" indent="0" algn="ctr" rtl="0">
+              <a:spcBef>
+                <a:spcPts val="0"/>
+              </a:spcBef>
+              <a:spcAft>
+                <a:spcPts val="0"/>
+              </a:spcAft>
+              <a:buNone/>
+            </a:pPr>
+            <a:r>
+              <a:rPr lang="en-US" b="1" dirty="0" err="1"/>
+              <a:t>ViewModel</a:t>
+            </a:r>
+            <a:r>
+              <a:rPr lang="en-US" b="1" dirty="0"/>
+              <a:t>: </a:t>
+            </a:r>
+            <a:br>
+              <a:rPr lang="en-US" b="1" dirty="0"/>
+            </a:br>
+            <a:r>
+              <a:rPr lang="en-US" b="1" dirty="0" err="1"/>
+              <a:t>Okno</a:t>
+            </a:r>
+            <a:r>
+              <a:rPr lang="en-US" b="1" dirty="0"/>
+              <a:t> </a:t>
+            </a:r>
+            <a:r>
+              <a:rPr lang="pl-PL" b="1" dirty="0" smtClean="0"/>
+              <a:t>F</a:t>
+            </a:r>
+            <a:r>
+              <a:rPr lang="en-US" b="1" dirty="0" err="1" smtClean="0"/>
+              <a:t>iltrowania</a:t>
+            </a:r>
+            <a:endParaRPr b="1" dirty="0"/>
+          </a:p>
+        </p:txBody>
+      </p:sp>
+      <p:sp>
+        <p:nvSpPr>
+          <p:cNvPr id="4" name="Shape 159"/>
+          <p:cNvSpPr/>
+          <p:nvPr/>
+        </p:nvSpPr>
+        <p:spPr>
+          <a:xfrm>
+            <a:off x="1905000" y="2286000"/>
+            <a:ext cx="2016000" cy="763500"/>
+          </a:xfrm>
+          <a:prstGeom prst="roundRect">
+            <a:avLst>
+              <a:gd name="adj" fmla="val 16667"/>
+            </a:avLst>
+          </a:prstGeom>
+          <a:solidFill>
+            <a:srgbClr val="EA9999"/>
+          </a:solidFill>
+          <a:ln w="38100" cap="flat" cmpd="sng">
+            <a:solidFill>
+              <a:srgbClr val="990000"/>
+            </a:solidFill>
+            <a:prstDash val="solid"/>
+            <a:round/>
+            <a:headEnd type="none" w="sm" len="sm"/>
+            <a:tailEnd type="none" w="sm" len="sm"/>
+          </a:ln>
+        </p:spPr>
+        <p:txBody>
+          <a:bodyPr spcFirstLastPara="1" wrap="square" lIns="91425" tIns="91425" rIns="91425" bIns="91425" anchor="ctr" anchorCtr="0">
+            <a:noAutofit/>
+          </a:bodyPr>
+          <a:lstStyle/>
+          <a:p>
+            <a:pPr marL="0" lvl="0" indent="0" algn="ctr" rtl="0">
+              <a:spcBef>
+                <a:spcPts val="0"/>
+              </a:spcBef>
+              <a:spcAft>
+                <a:spcPts val="0"/>
+              </a:spcAft>
+              <a:buNone/>
+            </a:pPr>
+            <a:r>
+              <a:rPr lang="en-US" b="1" dirty="0" err="1"/>
+              <a:t>ViewModel</a:t>
+            </a:r>
+            <a:r>
+              <a:rPr lang="en-US" b="1" dirty="0"/>
+              <a:t>: </a:t>
+            </a:r>
+            <a:br>
+              <a:rPr lang="en-US" b="1" dirty="0"/>
+            </a:br>
+            <a:r>
+              <a:rPr lang="en-US" b="1" dirty="0" err="1"/>
+              <a:t>Okno</a:t>
+            </a:r>
+            <a:r>
+              <a:rPr lang="en-US" b="1" dirty="0"/>
+              <a:t> </a:t>
+            </a:r>
+            <a:r>
+              <a:rPr lang="pl-PL" b="1" dirty="0" smtClean="0"/>
+              <a:t>F</a:t>
+            </a:r>
+            <a:r>
+              <a:rPr lang="en-US" b="1" dirty="0" err="1" smtClean="0"/>
+              <a:t>iltrowania</a:t>
+            </a:r>
+            <a:endParaRPr b="1" dirty="0"/>
+          </a:p>
+        </p:txBody>
+      </p:sp>
+      <p:sp>
+        <p:nvSpPr>
+          <p:cNvPr id="5" name="Shape 159"/>
+          <p:cNvSpPr/>
+          <p:nvPr/>
+        </p:nvSpPr>
+        <p:spPr>
+          <a:xfrm>
+            <a:off x="5410200" y="1295400"/>
+            <a:ext cx="2016000" cy="763500"/>
+          </a:xfrm>
+          <a:prstGeom prst="roundRect">
+            <a:avLst>
+              <a:gd name="adj" fmla="val 16667"/>
+            </a:avLst>
+          </a:prstGeom>
+          <a:solidFill>
+            <a:srgbClr val="EA9999"/>
+          </a:solidFill>
+          <a:ln w="38100" cap="flat" cmpd="sng">
+            <a:solidFill>
+              <a:srgbClr val="990000"/>
+            </a:solidFill>
+            <a:prstDash val="solid"/>
+            <a:round/>
+            <a:headEnd type="none" w="sm" len="sm"/>
+            <a:tailEnd type="none" w="sm" len="sm"/>
+          </a:ln>
+        </p:spPr>
+        <p:txBody>
+          <a:bodyPr spcFirstLastPara="1" wrap="square" lIns="91425" tIns="91425" rIns="91425" bIns="91425" anchor="ctr" anchorCtr="0">
+            <a:noAutofit/>
+          </a:bodyPr>
+          <a:lstStyle/>
+          <a:p>
+            <a:pPr marL="0" lvl="0" indent="0" algn="ctr" rtl="0">
+              <a:spcBef>
+                <a:spcPts val="0"/>
+              </a:spcBef>
+              <a:spcAft>
+                <a:spcPts val="0"/>
+              </a:spcAft>
+              <a:buNone/>
+            </a:pPr>
+            <a:r>
+              <a:rPr lang="en-US" b="1" dirty="0" err="1"/>
+              <a:t>ViewModel</a:t>
+            </a:r>
+            <a:r>
+              <a:rPr lang="en-US" b="1" dirty="0"/>
+              <a:t>: </a:t>
+            </a:r>
+            <a:br>
+              <a:rPr lang="en-US" b="1" dirty="0"/>
+            </a:br>
+            <a:r>
+              <a:rPr lang="en-US" b="1" dirty="0" err="1"/>
+              <a:t>Okno</a:t>
+            </a:r>
+            <a:r>
+              <a:rPr lang="en-US" b="1" dirty="0"/>
+              <a:t> </a:t>
+            </a:r>
+            <a:r>
+              <a:rPr lang="pl-PL" b="1" dirty="0" smtClean="0"/>
+              <a:t>F</a:t>
+            </a:r>
+            <a:r>
+              <a:rPr lang="en-US" b="1" dirty="0" err="1" smtClean="0"/>
+              <a:t>iltrowania</a:t>
+            </a:r>
+            <a:endParaRPr b="1" dirty="0"/>
+          </a:p>
+        </p:txBody>
+      </p:sp>
+    </p:spTree>
   </p:cSld>
   <p:clrMapOvr>
     <a:masterClrMapping/>
@@ -8649,7 +8961,7 @@
             <a:blip r:embed="rId2">
               <a:extLst>
                 <a:ext uri="{28A0092B-C50C-407E-A947-70E740481C1C}">
-                  <a14:useLocalDpi xmlns:a14="http://schemas.microsoft.com/office/drawing/2010/main" val="0"/>
+                  <a14:useLocalDpi xmlns:a14="http://schemas.microsoft.com/office/drawing/2010/main" xmlns="" val="0"/>
                 </a:ext>
               </a:extLst>
             </a:blip>
@@ -8679,7 +8991,7 @@
             <a:blip r:embed="rId3">
               <a:extLst>
                 <a:ext uri="{28A0092B-C50C-407E-A947-70E740481C1C}">
-                  <a14:useLocalDpi xmlns:a14="http://schemas.microsoft.com/office/drawing/2010/main" val="0"/>
+                  <a14:useLocalDpi xmlns:a14="http://schemas.microsoft.com/office/drawing/2010/main" xmlns="" val="0"/>
                 </a:ext>
               </a:extLst>
             </a:blip>
@@ -11849,7 +12161,7 @@
     </p:spTree>
     <p:extLst>
       <p:ext uri="{BB962C8B-B14F-4D97-AF65-F5344CB8AC3E}">
-        <p14:creationId xmlns:p14="http://schemas.microsoft.com/office/powerpoint/2010/main" val="1324388323"/>
+        <p14:creationId xmlns:p14="http://schemas.microsoft.com/office/powerpoint/2010/main" xmlns="" val="1324388323"/>
       </p:ext>
     </p:extLst>
   </p:cSld>
@@ -34893,7 +35205,7 @@
     </p:spTree>
     <p:extLst>
       <p:ext uri="{BB962C8B-B14F-4D97-AF65-F5344CB8AC3E}">
-        <p14:creationId xmlns:p14="http://schemas.microsoft.com/office/powerpoint/2010/main" val="1888592034"/>
+        <p14:creationId xmlns:p14="http://schemas.microsoft.com/office/powerpoint/2010/main" xmlns="" val="1888592034"/>
       </p:ext>
     </p:extLst>
   </p:cSld>
@@ -36906,7 +37218,7 @@
               <a:blip r:embed="rId2">
                 <a:extLst>
                   <a:ext uri="{28A0092B-C50C-407E-A947-70E740481C1C}">
-                    <a14:useLocalDpi xmlns:a14="http://schemas.microsoft.com/office/drawing/2010/main" val="0"/>
+                    <a14:useLocalDpi xmlns:a14="http://schemas.microsoft.com/office/drawing/2010/main" xmlns="" val="0"/>
                   </a:ext>
                 </a:extLst>
               </a:blip>
@@ -36931,7 +37243,7 @@
               </a:ln>
               <a:extLst>
                 <a:ext uri="{909E8E84-426E-40DD-AFC4-6F175D3DCCD1}">
-                  <a14:hiddenFill xmlns:a14="http://schemas.microsoft.com/office/drawing/2010/main">
+                  <a14:hiddenFill xmlns:a14="http://schemas.microsoft.com/office/drawing/2010/main" xmlns="">
                     <a:solidFill>
                       <a:srgbClr val="FFFFFF"/>
                     </a:solidFill>
@@ -36952,7 +37264,7 @@
               <a:blip r:embed="rId3">
                 <a:extLst>
                   <a:ext uri="{28A0092B-C50C-407E-A947-70E740481C1C}">
-                    <a14:useLocalDpi xmlns:a14="http://schemas.microsoft.com/office/drawing/2010/main" val="0"/>
+                    <a14:useLocalDpi xmlns:a14="http://schemas.microsoft.com/office/drawing/2010/main" xmlns="" val="0"/>
                   </a:ext>
                 </a:extLst>
               </a:blip>
@@ -36972,7 +37284,7 @@
               <a:noFill/>
               <a:extLst>
                 <a:ext uri="{909E8E84-426E-40DD-AFC4-6F175D3DCCD1}">
-                  <a14:hiddenFill xmlns:a14="http://schemas.microsoft.com/office/drawing/2010/main">
+                  <a14:hiddenFill xmlns:a14="http://schemas.microsoft.com/office/drawing/2010/main" xmlns="">
                     <a:solidFill>
                       <a:srgbClr val="FFFFFF"/>
                     </a:solidFill>
@@ -36993,7 +37305,7 @@
               <a:blip r:embed="rId4">
                 <a:extLst>
                   <a:ext uri="{28A0092B-C50C-407E-A947-70E740481C1C}">
-                    <a14:useLocalDpi xmlns:a14="http://schemas.microsoft.com/office/drawing/2010/main" val="0"/>
+                    <a14:useLocalDpi xmlns:a14="http://schemas.microsoft.com/office/drawing/2010/main" xmlns="" val="0"/>
                   </a:ext>
                 </a:extLst>
               </a:blip>
@@ -37018,7 +37330,7 @@
               </a:effectLst>
               <a:extLst>
                 <a:ext uri="{909E8E84-426E-40DD-AFC4-6F175D3DCCD1}">
-                  <a14:hiddenFill xmlns:a14="http://schemas.microsoft.com/office/drawing/2010/main">
+                  <a14:hiddenFill xmlns:a14="http://schemas.microsoft.com/office/drawing/2010/main" xmlns="">
                     <a:solidFill>
                       <a:srgbClr val="FFFFFF"/>
                     </a:solidFill>
@@ -37039,7 +37351,7 @@
               <a:blip r:embed="rId5" cstate="print">
                 <a:extLst>
                   <a:ext uri="{28A0092B-C50C-407E-A947-70E740481C1C}">
-                    <a14:useLocalDpi xmlns:a14="http://schemas.microsoft.com/office/drawing/2010/main" val="0"/>
+                    <a14:useLocalDpi xmlns:a14="http://schemas.microsoft.com/office/drawing/2010/main" xmlns="" val="0"/>
                   </a:ext>
                 </a:extLst>
               </a:blip>
@@ -37059,7 +37371,7 @@
               <a:noFill/>
               <a:extLst>
                 <a:ext uri="{909E8E84-426E-40DD-AFC4-6F175D3DCCD1}">
-                  <a14:hiddenFill xmlns:a14="http://schemas.microsoft.com/office/drawing/2010/main">
+                  <a14:hiddenFill xmlns:a14="http://schemas.microsoft.com/office/drawing/2010/main" xmlns="">
                     <a:solidFill>
                       <a:srgbClr val="FFFFFF"/>
                     </a:solidFill>
@@ -37080,7 +37392,7 @@
               <a:blip r:embed="rId6">
                 <a:extLst>
                   <a:ext uri="{28A0092B-C50C-407E-A947-70E740481C1C}">
-                    <a14:useLocalDpi xmlns:a14="http://schemas.microsoft.com/office/drawing/2010/main" val="0"/>
+                    <a14:useLocalDpi xmlns:a14="http://schemas.microsoft.com/office/drawing/2010/main" xmlns="" val="0"/>
                   </a:ext>
                 </a:extLst>
               </a:blip>
@@ -37105,7 +37417,7 @@
               </a:effectLst>
               <a:extLst>
                 <a:ext uri="{909E8E84-426E-40DD-AFC4-6F175D3DCCD1}">
-                  <a14:hiddenFill xmlns:a14="http://schemas.microsoft.com/office/drawing/2010/main">
+                  <a14:hiddenFill xmlns:a14="http://schemas.microsoft.com/office/drawing/2010/main" xmlns="">
                     <a:solidFill>
                       <a:srgbClr val="FFFFFF"/>
                     </a:solidFill>
@@ -37804,42 +38116,841 @@
           <a:chExt cx="0" cy="0"/>
         </a:xfrm>
       </p:grpSpPr>
-      <p:pic>
-        <p:nvPicPr>
-          <p:cNvPr id="15" name="Picture 14"/>
-          <p:cNvPicPr>
-            <a:picLocks noChangeAspect="1"/>
-          </p:cNvPicPr>
+      <p:grpSp>
+        <p:nvGrpSpPr>
+          <p:cNvPr id="38" name="Group 37"/>
+          <p:cNvGrpSpPr/>
           <p:nvPr/>
-        </p:nvPicPr>
-        <p:blipFill>
-          <a:blip r:embed="rId2">
-            <a:extLst>
-              <a:ext uri="{28A0092B-C50C-407E-A947-70E740481C1C}">
-                <a14:useLocalDpi xmlns:a14="http://schemas.microsoft.com/office/drawing/2010/main" val="0"/>
-              </a:ext>
-            </a:extLst>
-          </a:blip>
-          <a:stretch>
-            <a:fillRect/>
-          </a:stretch>
-        </p:blipFill>
-        <p:spPr>
+        </p:nvGrpSpPr>
+        <p:grpSpPr>
           <a:xfrm>
-            <a:off x="152765" y="780507"/>
-            <a:ext cx="8838470" cy="5296986"/>
+            <a:off x="457200" y="435530"/>
+            <a:ext cx="8554745" cy="5910828"/>
+            <a:chOff x="457200" y="435530"/>
+            <a:chExt cx="8554745" cy="5910828"/>
           </a:xfrm>
-          <a:prstGeom prst="rect">
-            <a:avLst/>
-          </a:prstGeom>
-        </p:spPr>
-      </p:pic>
+        </p:grpSpPr>
+        <p:grpSp>
+          <p:nvGrpSpPr>
+            <p:cNvPr id="2" name="Group 48"/>
+            <p:cNvGrpSpPr/>
+            <p:nvPr/>
+          </p:nvGrpSpPr>
+          <p:grpSpPr>
+            <a:xfrm>
+              <a:off x="457200" y="435530"/>
+              <a:ext cx="8554745" cy="5910828"/>
+              <a:chOff x="457200" y="435530"/>
+              <a:chExt cx="8554745" cy="5910828"/>
+            </a:xfrm>
+          </p:grpSpPr>
+          <p:grpSp>
+            <p:nvGrpSpPr>
+              <p:cNvPr id="4" name="Group 47"/>
+              <p:cNvGrpSpPr/>
+              <p:nvPr/>
+            </p:nvGrpSpPr>
+            <p:grpSpPr>
+              <a:xfrm>
+                <a:off x="606135" y="435530"/>
+                <a:ext cx="8405810" cy="5910828"/>
+                <a:chOff x="228601" y="506879"/>
+                <a:chExt cx="8405810" cy="5910828"/>
+              </a:xfrm>
+            </p:grpSpPr>
+            <p:pic>
+              <p:nvPicPr>
+                <p:cNvPr id="1026" name="Picture 2" descr="https://lh4.googleusercontent.com/thw97p5Ug0NfrwjGcjUYYPRLyohXD-4bI3LFHF4osR6u-_Rk9_qPWoia8b1bFfO_xJxFtmAoHWHOY7mAwKvS-QEygwxMUCn2SCvVyS-seaIwv9YcKIZJ7ls8AyCxvNlNcWs5tcfgyG4"/>
+                <p:cNvPicPr>
+                  <a:picLocks noChangeAspect="1" noChangeArrowheads="1"/>
+                </p:cNvPicPr>
+                <p:nvPr/>
+              </p:nvPicPr>
+              <p:blipFill>
+                <a:blip r:embed="rId2">
+                  <a:extLst>
+                    <a:ext uri="{28A0092B-C50C-407E-A947-70E740481C1C}">
+                      <a14:useLocalDpi xmlns:a14="http://schemas.microsoft.com/office/drawing/2010/main" xmlns="" val="0"/>
+                    </a:ext>
+                  </a:extLst>
+                </a:blip>
+                <a:srcRect/>
+                <a:stretch>
+                  <a:fillRect/>
+                </a:stretch>
+              </p:blipFill>
+              <p:spPr bwMode="auto">
+                <a:xfrm>
+                  <a:off x="228601" y="1014414"/>
+                  <a:ext cx="2345742" cy="1228722"/>
+                </a:xfrm>
+                <a:prstGeom prst="rect">
+                  <a:avLst/>
+                </a:prstGeom>
+                <a:noFill/>
+                <a:ln w="28575">
+                  <a:solidFill>
+                    <a:schemeClr val="tx1"/>
+                  </a:solidFill>
+                </a:ln>
+                <a:extLst>
+                  <a:ext uri="{909E8E84-426E-40DD-AFC4-6F175D3DCCD1}">
+                    <a14:hiddenFill xmlns:a14="http://schemas.microsoft.com/office/drawing/2010/main" xmlns="">
+                      <a:solidFill>
+                        <a:srgbClr val="FFFFFF"/>
+                      </a:solidFill>
+                    </a14:hiddenFill>
+                  </a:ext>
+                </a:extLst>
+              </p:spPr>
+            </p:pic>
+            <p:pic>
+              <p:nvPicPr>
+                <p:cNvPr id="1030" name="Picture 6" descr="https://lh3.googleusercontent.com/l1sp3Kh4QdqTJrJao38iQU5sCqKI9GK1vhMCzzwWczaLyq5-Tayif3ejPsfTEU0p3zbMq7mkR3Nd9LVARDVH6BFZgJ_MzOV43W80HKn9jVTCNdhY2fwV7pnKXHUvRB0oa91XZfuew1U"/>
+                <p:cNvPicPr>
+                  <a:picLocks noChangeAspect="1" noChangeArrowheads="1"/>
+                </p:cNvPicPr>
+                <p:nvPr/>
+              </p:nvPicPr>
+              <p:blipFill>
+                <a:blip r:embed="rId3">
+                  <a:extLst>
+                    <a:ext uri="{28A0092B-C50C-407E-A947-70E740481C1C}">
+                      <a14:useLocalDpi xmlns:a14="http://schemas.microsoft.com/office/drawing/2010/main" xmlns="" val="0"/>
+                    </a:ext>
+                  </a:extLst>
+                </a:blip>
+                <a:srcRect/>
+                <a:stretch>
+                  <a:fillRect/>
+                </a:stretch>
+              </p:blipFill>
+              <p:spPr bwMode="auto">
+                <a:xfrm>
+                  <a:off x="5576886" y="1349803"/>
+                  <a:ext cx="3057525" cy="557943"/>
+                </a:xfrm>
+                <a:prstGeom prst="rect">
+                  <a:avLst/>
+                </a:prstGeom>
+                <a:ln>
+                  <a:noFill/>
+                </a:ln>
+                <a:effectLst>
+                  <a:softEdge rad="112500"/>
+                </a:effectLst>
+                <a:extLst>
+                  <a:ext uri="{909E8E84-426E-40DD-AFC4-6F175D3DCCD1}">
+                    <a14:hiddenFill xmlns:a14="http://schemas.microsoft.com/office/drawing/2010/main" xmlns="">
+                      <a:solidFill>
+                        <a:srgbClr val="FFFFFF"/>
+                      </a:solidFill>
+                    </a14:hiddenFill>
+                  </a:ext>
+                </a:extLst>
+              </p:spPr>
+            </p:pic>
+            <p:pic>
+              <p:nvPicPr>
+                <p:cNvPr id="1032" name="Picture 8" descr="https://lh6.googleusercontent.com/XsVZkuOrmoUCswyGlixwn3iDXqjClysyVIcfqiLW3Qz0YtLAzw-kEfYIeZRiDUFSBi0TGKMThumiEFkyoh__muRJD0YLKS2L_gW36JXrDNe-cZWURt6lmDZC0-ZEyLdX6gYwHGb66nU"/>
+                <p:cNvPicPr>
+                  <a:picLocks noChangeAspect="1" noChangeArrowheads="1"/>
+                </p:cNvPicPr>
+                <p:nvPr/>
+              </p:nvPicPr>
+              <p:blipFill>
+                <a:blip r:embed="rId4" cstate="print">
+                  <a:extLst>
+                    <a:ext uri="{28A0092B-C50C-407E-A947-70E740481C1C}">
+                      <a14:useLocalDpi xmlns:a14="http://schemas.microsoft.com/office/drawing/2010/main" xmlns="" val="0"/>
+                    </a:ext>
+                  </a:extLst>
+                </a:blip>
+                <a:srcRect/>
+                <a:stretch>
+                  <a:fillRect/>
+                </a:stretch>
+              </p:blipFill>
+              <p:spPr bwMode="auto">
+                <a:xfrm>
+                  <a:off x="6343650" y="4524375"/>
+                  <a:ext cx="1524000" cy="1524000"/>
+                </a:xfrm>
+                <a:prstGeom prst="rect">
+                  <a:avLst/>
+                </a:prstGeom>
+                <a:noFill/>
+                <a:extLst>
+                  <a:ext uri="{909E8E84-426E-40DD-AFC4-6F175D3DCCD1}">
+                    <a14:hiddenFill xmlns:a14="http://schemas.microsoft.com/office/drawing/2010/main" xmlns="">
+                      <a:solidFill>
+                        <a:srgbClr val="FFFFFF"/>
+                      </a:solidFill>
+                    </a14:hiddenFill>
+                  </a:ext>
+                </a:extLst>
+              </p:spPr>
+            </p:pic>
+            <p:pic>
+              <p:nvPicPr>
+                <p:cNvPr id="1034" name="Picture 10" descr="https://lh3.googleusercontent.com/5KgD_GAL-CKO2Gp_HQOUbxOSgXr1eatRuUNb9BX4WMlGzAVOVrjIGX-cqAUglnHIRPSyNKfR4m8w-e6WHIDSyFttP5G67S9Fc9u6hYIQXwdyhrBs6C6KDm0F7xERRjfimbrBtc0jJ_0"/>
+                <p:cNvPicPr>
+                  <a:picLocks noChangeAspect="1" noChangeArrowheads="1"/>
+                </p:cNvPicPr>
+                <p:nvPr/>
+              </p:nvPicPr>
+              <p:blipFill>
+                <a:blip r:embed="rId5">
+                  <a:extLst>
+                    <a:ext uri="{28A0092B-C50C-407E-A947-70E740481C1C}">
+                      <a14:useLocalDpi xmlns:a14="http://schemas.microsoft.com/office/drawing/2010/main" xmlns="" val="0"/>
+                    </a:ext>
+                  </a:extLst>
+                </a:blip>
+                <a:srcRect/>
+                <a:stretch>
+                  <a:fillRect/>
+                </a:stretch>
+              </p:blipFill>
+              <p:spPr bwMode="auto">
+                <a:xfrm>
+                  <a:off x="384466" y="4410075"/>
+                  <a:ext cx="1473639" cy="1752600"/>
+                </a:xfrm>
+                <a:prstGeom prst="rect">
+                  <a:avLst/>
+                </a:prstGeom>
+                <a:ln>
+                  <a:noFill/>
+                </a:ln>
+                <a:effectLst>
+                  <a:softEdge rad="112500"/>
+                </a:effectLst>
+                <a:extLst>
+                  <a:ext uri="{909E8E84-426E-40DD-AFC4-6F175D3DCCD1}">
+                    <a14:hiddenFill xmlns:a14="http://schemas.microsoft.com/office/drawing/2010/main" xmlns="">
+                      <a:solidFill>
+                        <a:srgbClr val="FFFFFF"/>
+                      </a:solidFill>
+                    </a14:hiddenFill>
+                  </a:ext>
+                </a:extLst>
+              </p:spPr>
+            </p:pic>
+            <p:cxnSp>
+              <p:nvCxnSpPr>
+                <p:cNvPr id="3" name="Straight Arrow Connector 2"/>
+                <p:cNvCxnSpPr>
+                  <a:stCxn id="1026" idx="3"/>
+                  <a:endCxn id="1030" idx="1"/>
+                </p:cNvCxnSpPr>
+                <p:nvPr/>
+              </p:nvCxnSpPr>
+              <p:spPr>
+                <a:xfrm>
+                  <a:off x="2574343" y="1628775"/>
+                  <a:ext cx="3002543" cy="1588"/>
+                </a:xfrm>
+                <a:prstGeom prst="straightConnector1">
+                  <a:avLst/>
+                </a:prstGeom>
+                <a:ln w="38100">
+                  <a:solidFill>
+                    <a:schemeClr val="tx2">
+                      <a:lumMod val="50000"/>
+                    </a:schemeClr>
+                  </a:solidFill>
+                  <a:tailEnd type="arrow"/>
+                </a:ln>
+              </p:spPr>
+              <p:style>
+                <a:lnRef idx="1">
+                  <a:schemeClr val="accent1"/>
+                </a:lnRef>
+                <a:fillRef idx="0">
+                  <a:schemeClr val="accent1"/>
+                </a:fillRef>
+                <a:effectRef idx="0">
+                  <a:schemeClr val="accent1"/>
+                </a:effectRef>
+                <a:fontRef idx="minor">
+                  <a:schemeClr val="tx1"/>
+                </a:fontRef>
+              </p:style>
+            </p:cxnSp>
+            <p:cxnSp>
+              <p:nvCxnSpPr>
+                <p:cNvPr id="19" name="Straight Arrow Connector 18"/>
+                <p:cNvCxnSpPr>
+                  <a:stCxn id="1030" idx="2"/>
+                  <a:endCxn id="1032" idx="0"/>
+                </p:cNvCxnSpPr>
+                <p:nvPr/>
+              </p:nvCxnSpPr>
+              <p:spPr>
+                <a:xfrm>
+                  <a:off x="7105649" y="1907746"/>
+                  <a:ext cx="1" cy="2616629"/>
+                </a:xfrm>
+                <a:prstGeom prst="straightConnector1">
+                  <a:avLst/>
+                </a:prstGeom>
+                <a:ln w="38100">
+                  <a:solidFill>
+                    <a:schemeClr val="tx2">
+                      <a:lumMod val="50000"/>
+                    </a:schemeClr>
+                  </a:solidFill>
+                  <a:tailEnd type="arrow"/>
+                </a:ln>
+              </p:spPr>
+              <p:style>
+                <a:lnRef idx="1">
+                  <a:schemeClr val="accent1"/>
+                </a:lnRef>
+                <a:fillRef idx="0">
+                  <a:schemeClr val="accent1"/>
+                </a:fillRef>
+                <a:effectRef idx="0">
+                  <a:schemeClr val="accent1"/>
+                </a:effectRef>
+                <a:fontRef idx="minor">
+                  <a:schemeClr val="tx1"/>
+                </a:fontRef>
+              </p:style>
+            </p:cxnSp>
+            <p:sp>
+              <p:nvSpPr>
+                <p:cNvPr id="21" name="Rectangle 20"/>
+                <p:cNvSpPr/>
+                <p:nvPr/>
+              </p:nvSpPr>
+              <p:spPr>
+                <a:xfrm>
+                  <a:off x="3127666" y="4933950"/>
+                  <a:ext cx="1981200" cy="704850"/>
+                </a:xfrm>
+                <a:prstGeom prst="rect">
+                  <a:avLst/>
+                </a:prstGeom>
+                <a:noFill/>
+                <a:ln>
+                  <a:solidFill>
+                    <a:schemeClr val="bg1"/>
+                  </a:solidFill>
+                </a:ln>
+              </p:spPr>
+              <p:style>
+                <a:lnRef idx="2">
+                  <a:schemeClr val="accent1">
+                    <a:shade val="50000"/>
+                  </a:schemeClr>
+                </a:lnRef>
+                <a:fillRef idx="1">
+                  <a:schemeClr val="accent1"/>
+                </a:fillRef>
+                <a:effectRef idx="0">
+                  <a:schemeClr val="accent1"/>
+                </a:effectRef>
+                <a:fontRef idx="minor">
+                  <a:schemeClr val="lt1"/>
+                </a:fontRef>
+              </p:style>
+              <p:txBody>
+                <a:bodyPr rtlCol="0" anchor="ctr"/>
+                <a:lstStyle/>
+                <a:p>
+                  <a:pPr algn="ctr"/>
+                  <a:r>
+                    <a:rPr lang="pl-PL" sz="2800" b="1" dirty="0" smtClean="0">
+                      <a:ln>
+                        <a:solidFill>
+                          <a:schemeClr val="tx1"/>
+                        </a:solidFill>
+                      </a:ln>
+                      <a:solidFill>
+                        <a:schemeClr val="tx1">
+                          <a:lumMod val="95000"/>
+                          <a:lumOff val="5000"/>
+                        </a:schemeClr>
+                      </a:solidFill>
+                    </a:rPr>
+                    <a:t>Klasyfikator</a:t>
+                  </a:r>
+                  <a:endParaRPr lang="pl-PL" b="1" dirty="0">
+                    <a:ln>
+                      <a:solidFill>
+                        <a:schemeClr val="tx1"/>
+                      </a:solidFill>
+                    </a:ln>
+                    <a:solidFill>
+                      <a:schemeClr val="tx1">
+                        <a:lumMod val="95000"/>
+                        <a:lumOff val="5000"/>
+                      </a:schemeClr>
+                    </a:solidFill>
+                  </a:endParaRPr>
+                </a:p>
+              </p:txBody>
+            </p:sp>
+            <p:cxnSp>
+              <p:nvCxnSpPr>
+                <p:cNvPr id="23" name="Straight Arrow Connector 22"/>
+                <p:cNvCxnSpPr>
+                  <a:stCxn id="1032" idx="1"/>
+                  <a:endCxn id="21" idx="3"/>
+                </p:cNvCxnSpPr>
+                <p:nvPr/>
+              </p:nvCxnSpPr>
+              <p:spPr>
+                <a:xfrm rot="10800000">
+                  <a:off x="5108866" y="5286375"/>
+                  <a:ext cx="1234784" cy="1588"/>
+                </a:xfrm>
+                <a:prstGeom prst="straightConnector1">
+                  <a:avLst/>
+                </a:prstGeom>
+                <a:ln w="38100">
+                  <a:solidFill>
+                    <a:schemeClr val="tx2">
+                      <a:lumMod val="50000"/>
+                    </a:schemeClr>
+                  </a:solidFill>
+                  <a:tailEnd type="arrow"/>
+                </a:ln>
+              </p:spPr>
+              <p:style>
+                <a:lnRef idx="1">
+                  <a:schemeClr val="accent1"/>
+                </a:lnRef>
+                <a:fillRef idx="0">
+                  <a:schemeClr val="accent1"/>
+                </a:fillRef>
+                <a:effectRef idx="0">
+                  <a:schemeClr val="accent1"/>
+                </a:effectRef>
+                <a:fontRef idx="minor">
+                  <a:schemeClr val="tx1"/>
+                </a:fontRef>
+              </p:style>
+            </p:cxnSp>
+            <p:cxnSp>
+              <p:nvCxnSpPr>
+                <p:cNvPr id="25" name="Straight Arrow Connector 24"/>
+                <p:cNvCxnSpPr>
+                  <a:stCxn id="1034" idx="3"/>
+                  <a:endCxn id="21" idx="1"/>
+                </p:cNvCxnSpPr>
+                <p:nvPr/>
+              </p:nvCxnSpPr>
+              <p:spPr>
+                <a:xfrm>
+                  <a:off x="1858105" y="5286375"/>
+                  <a:ext cx="1269561" cy="1588"/>
+                </a:xfrm>
+                <a:prstGeom prst="straightConnector1">
+                  <a:avLst/>
+                </a:prstGeom>
+                <a:ln w="38100">
+                  <a:solidFill>
+                    <a:schemeClr val="tx2">
+                      <a:lumMod val="50000"/>
+                    </a:schemeClr>
+                  </a:solidFill>
+                  <a:tailEnd type="arrow"/>
+                </a:ln>
+              </p:spPr>
+              <p:style>
+                <a:lnRef idx="1">
+                  <a:schemeClr val="accent1"/>
+                </a:lnRef>
+                <a:fillRef idx="0">
+                  <a:schemeClr val="accent1"/>
+                </a:fillRef>
+                <a:effectRef idx="0">
+                  <a:schemeClr val="accent1"/>
+                </a:effectRef>
+                <a:fontRef idx="minor">
+                  <a:schemeClr val="tx1"/>
+                </a:fontRef>
+              </p:style>
+            </p:cxnSp>
+            <p:sp>
+              <p:nvSpPr>
+                <p:cNvPr id="31" name="Rectangle 30"/>
+                <p:cNvSpPr/>
+                <p:nvPr/>
+              </p:nvSpPr>
+              <p:spPr>
+                <a:xfrm>
+                  <a:off x="3127666" y="2662149"/>
+                  <a:ext cx="1984248" cy="914400"/>
+                </a:xfrm>
+                <a:prstGeom prst="rect">
+                  <a:avLst/>
+                </a:prstGeom>
+                <a:noFill/>
+                <a:ln>
+                  <a:solidFill>
+                    <a:schemeClr val="bg1"/>
+                  </a:solidFill>
+                </a:ln>
+              </p:spPr>
+              <p:style>
+                <a:lnRef idx="2">
+                  <a:schemeClr val="accent1">
+                    <a:shade val="50000"/>
+                  </a:schemeClr>
+                </a:lnRef>
+                <a:fillRef idx="1">
+                  <a:schemeClr val="accent1"/>
+                </a:fillRef>
+                <a:effectRef idx="0">
+                  <a:schemeClr val="accent1"/>
+                </a:effectRef>
+                <a:fontRef idx="minor">
+                  <a:schemeClr val="lt1"/>
+                </a:fontRef>
+              </p:style>
+              <p:txBody>
+                <a:bodyPr rtlCol="0" anchor="ctr"/>
+                <a:lstStyle/>
+                <a:p>
+                  <a:pPr algn="ctr"/>
+                  <a:r>
+                    <a:rPr lang="pl-PL" sz="4800" b="1" dirty="0" smtClean="0">
+                      <a:ln>
+                        <a:solidFill>
+                          <a:schemeClr val="tx1"/>
+                        </a:solidFill>
+                      </a:ln>
+                      <a:solidFill>
+                        <a:srgbClr val="FF0000"/>
+                      </a:solidFill>
+                    </a:rPr>
+                    <a:t>TRZY</a:t>
+                  </a:r>
+                  <a:endParaRPr lang="pl-PL" b="1" dirty="0">
+                    <a:ln>
+                      <a:solidFill>
+                        <a:schemeClr val="tx1"/>
+                      </a:solidFill>
+                    </a:ln>
+                    <a:solidFill>
+                      <a:srgbClr val="FF0000"/>
+                    </a:solidFill>
+                  </a:endParaRPr>
+                </a:p>
+              </p:txBody>
+            </p:sp>
+            <p:cxnSp>
+              <p:nvCxnSpPr>
+                <p:cNvPr id="27" name="Straight Arrow Connector 26"/>
+                <p:cNvCxnSpPr>
+                  <a:stCxn id="21" idx="0"/>
+                  <a:endCxn id="31" idx="2"/>
+                </p:cNvCxnSpPr>
+                <p:nvPr/>
+              </p:nvCxnSpPr>
+              <p:spPr>
+                <a:xfrm rot="5400000" flipH="1" flipV="1">
+                  <a:off x="3440328" y="4254488"/>
+                  <a:ext cx="1357401" cy="1524"/>
+                </a:xfrm>
+                <a:prstGeom prst="straightConnector1">
+                  <a:avLst/>
+                </a:prstGeom>
+                <a:ln w="38100">
+                  <a:solidFill>
+                    <a:schemeClr val="tx2">
+                      <a:lumMod val="50000"/>
+                    </a:schemeClr>
+                  </a:solidFill>
+                  <a:tailEnd type="arrow"/>
+                </a:ln>
+              </p:spPr>
+              <p:style>
+                <a:lnRef idx="1">
+                  <a:schemeClr val="accent1"/>
+                </a:lnRef>
+                <a:fillRef idx="0">
+                  <a:schemeClr val="accent1"/>
+                </a:fillRef>
+                <a:effectRef idx="0">
+                  <a:schemeClr val="accent1"/>
+                </a:effectRef>
+                <a:fontRef idx="minor">
+                  <a:schemeClr val="tx1"/>
+                </a:fontRef>
+              </p:style>
+            </p:cxnSp>
+            <p:sp>
+              <p:nvSpPr>
+                <p:cNvPr id="46" name="TextBox 45"/>
+                <p:cNvSpPr txBox="1"/>
+                <p:nvPr/>
+              </p:nvSpPr>
+              <p:spPr>
+                <a:xfrm>
+                  <a:off x="1933400" y="4863019"/>
+                  <a:ext cx="1118066" cy="923330"/>
+                </a:xfrm>
+                <a:prstGeom prst="rect">
+                  <a:avLst/>
+                </a:prstGeom>
+                <a:noFill/>
+              </p:spPr>
+              <p:txBody>
+                <a:bodyPr wrap="square" rtlCol="0">
+                  <a:spAutoFit/>
+                </a:bodyPr>
+                <a:lstStyle/>
+                <a:p>
+                  <a:pPr algn="ctr"/>
+                  <a:r>
+                    <a:rPr lang="pl-PL" b="1" dirty="0" smtClean="0"/>
+                    <a:t>Opis</a:t>
+                  </a:r>
+                  <a:br>
+                    <a:rPr lang="pl-PL" b="1" dirty="0" smtClean="0"/>
+                  </a:br>
+                  <a:r>
+                    <a:rPr lang="pl-PL" b="1" dirty="0" smtClean="0"/>
+                    <a:t/>
+                  </a:r>
+                  <a:br>
+                    <a:rPr lang="pl-PL" b="1" dirty="0" smtClean="0"/>
+                  </a:br>
+                  <a:r>
+                    <a:rPr lang="pl-PL" b="1" dirty="0" smtClean="0"/>
+                    <a:t>Detekcja</a:t>
+                  </a:r>
+                  <a:endParaRPr lang="pl-PL" b="1" dirty="0"/>
+                </a:p>
+              </p:txBody>
+            </p:sp>
+            <p:sp>
+              <p:nvSpPr>
+                <p:cNvPr id="53" name="TextBox 52"/>
+                <p:cNvSpPr txBox="1"/>
+                <p:nvPr/>
+              </p:nvSpPr>
+              <p:spPr>
+                <a:xfrm>
+                  <a:off x="6097187" y="506879"/>
+                  <a:ext cx="2016922" cy="923330"/>
+                </a:xfrm>
+                <a:prstGeom prst="rect">
+                  <a:avLst/>
+                </a:prstGeom>
+                <a:noFill/>
+              </p:spPr>
+              <p:txBody>
+                <a:bodyPr wrap="square" rtlCol="0">
+                  <a:spAutoFit/>
+                </a:bodyPr>
+                <a:lstStyle/>
+                <a:p>
+                  <a:pPr algn="ctr"/>
+                  <a:r>
+                    <a:rPr lang="pl-PL" b="1" dirty="0" smtClean="0"/>
+                    <a:t>W</a:t>
+                  </a:r>
+                  <a:r>
+                    <a:rPr lang="pl-PL" b="1" dirty="0" smtClean="0"/>
+                    <a:t>ektory </a:t>
+                  </a:r>
+                  <a:br>
+                    <a:rPr lang="pl-PL" b="1" dirty="0" smtClean="0"/>
+                  </a:br>
+                  <a:r>
+                    <a:rPr lang="pl-PL" b="1" dirty="0" smtClean="0"/>
+                    <a:t>opisujące każdy </a:t>
+                  </a:r>
+                  <a:br>
+                    <a:rPr lang="pl-PL" b="1" dirty="0" smtClean="0"/>
+                  </a:br>
+                  <a:r>
+                    <a:rPr lang="pl-PL" b="1" dirty="0" smtClean="0"/>
+                    <a:t>z gestów</a:t>
+                  </a:r>
+                  <a:endParaRPr lang="pl-PL" b="1" dirty="0"/>
+                </a:p>
+              </p:txBody>
+            </p:sp>
+            <p:sp>
+              <p:nvSpPr>
+                <p:cNvPr id="55" name="TextBox 54"/>
+                <p:cNvSpPr txBox="1"/>
+                <p:nvPr/>
+              </p:nvSpPr>
+              <p:spPr>
+                <a:xfrm>
+                  <a:off x="6097189" y="6048375"/>
+                  <a:ext cx="2016922" cy="369332"/>
+                </a:xfrm>
+                <a:prstGeom prst="rect">
+                  <a:avLst/>
+                </a:prstGeom>
+                <a:noFill/>
+              </p:spPr>
+              <p:txBody>
+                <a:bodyPr wrap="square" rtlCol="0">
+                  <a:spAutoFit/>
+                </a:bodyPr>
+                <a:lstStyle/>
+                <a:p>
+                  <a:pPr algn="ctr"/>
+                  <a:r>
+                    <a:rPr lang="pl-PL" b="1" dirty="0" smtClean="0"/>
+                    <a:t>Baza danych</a:t>
+                  </a:r>
+                  <a:endParaRPr lang="pl-PL" b="1" dirty="0"/>
+                </a:p>
+              </p:txBody>
+            </p:sp>
+          </p:grpSp>
+          <p:sp>
+            <p:nvSpPr>
+              <p:cNvPr id="58" name="TextBox 57"/>
+              <p:cNvSpPr txBox="1"/>
+              <p:nvPr/>
+            </p:nvSpPr>
+            <p:spPr>
+              <a:xfrm>
+                <a:off x="750305" y="573733"/>
+                <a:ext cx="2057400" cy="369332"/>
+              </a:xfrm>
+              <a:prstGeom prst="rect">
+                <a:avLst/>
+              </a:prstGeom>
+              <a:noFill/>
+            </p:spPr>
+            <p:txBody>
+              <a:bodyPr wrap="square" rtlCol="0">
+                <a:spAutoFit/>
+              </a:bodyPr>
+              <a:lstStyle/>
+              <a:p>
+                <a:pPr algn="ctr"/>
+                <a:r>
+                  <a:rPr lang="pl-PL" b="1" dirty="0" smtClean="0"/>
+                  <a:t>Próbki uczące</a:t>
+                </a:r>
+                <a:endParaRPr lang="pl-PL" b="1" dirty="0"/>
+              </a:p>
+            </p:txBody>
+          </p:sp>
+          <p:sp>
+            <p:nvSpPr>
+              <p:cNvPr id="59" name="TextBox 58"/>
+              <p:cNvSpPr txBox="1"/>
+              <p:nvPr/>
+            </p:nvSpPr>
+            <p:spPr>
+              <a:xfrm>
+                <a:off x="457200" y="3692394"/>
+                <a:ext cx="2057400" cy="646331"/>
+              </a:xfrm>
+              <a:prstGeom prst="rect">
+                <a:avLst/>
+              </a:prstGeom>
+              <a:noFill/>
+            </p:spPr>
+            <p:txBody>
+              <a:bodyPr wrap="square" rtlCol="0">
+                <a:spAutoFit/>
+              </a:bodyPr>
+              <a:lstStyle/>
+              <a:p>
+                <a:pPr algn="ctr"/>
+                <a:r>
+                  <a:rPr lang="pl-PL" b="1" dirty="0" smtClean="0"/>
+                  <a:t>Próbka </a:t>
+                </a:r>
+                <a:br>
+                  <a:rPr lang="pl-PL" b="1" dirty="0" smtClean="0"/>
+                </a:br>
+                <a:r>
+                  <a:rPr lang="pl-PL" b="1" dirty="0" smtClean="0"/>
+                  <a:t>testowa</a:t>
+                </a:r>
+                <a:endParaRPr lang="pl-PL" b="1" dirty="0"/>
+              </a:p>
+            </p:txBody>
+          </p:sp>
+        </p:grpSp>
+        <p:sp>
+          <p:nvSpPr>
+            <p:cNvPr id="29" name="TextBox 28"/>
+            <p:cNvSpPr txBox="1"/>
+            <p:nvPr/>
+          </p:nvSpPr>
+          <p:spPr>
+            <a:xfrm>
+              <a:off x="3200400" y="609600"/>
+              <a:ext cx="2514600" cy="923330"/>
+            </a:xfrm>
+            <a:prstGeom prst="rect">
+              <a:avLst/>
+            </a:prstGeom>
+            <a:noFill/>
+          </p:spPr>
+          <p:txBody>
+            <a:bodyPr wrap="square" rtlCol="0">
+              <a:spAutoFit/>
+            </a:bodyPr>
+            <a:lstStyle/>
+            <a:p>
+              <a:pPr algn="ctr"/>
+              <a:r>
+                <a:rPr lang="pl-PL" b="1" dirty="0" smtClean="0"/>
+                <a:t>Metoda służąca do detekcji oraz opisu punktów kluczowych </a:t>
+              </a:r>
+              <a:endParaRPr lang="pl-PL" b="1" dirty="0"/>
+            </a:p>
+          </p:txBody>
+        </p:sp>
+        <p:sp>
+          <p:nvSpPr>
+            <p:cNvPr id="30" name="TextBox 29"/>
+            <p:cNvSpPr txBox="1"/>
+            <p:nvPr/>
+          </p:nvSpPr>
+          <p:spPr>
+            <a:xfrm>
+              <a:off x="5486400" y="4535269"/>
+              <a:ext cx="1219200" cy="646331"/>
+            </a:xfrm>
+            <a:prstGeom prst="rect">
+              <a:avLst/>
+            </a:prstGeom>
+            <a:noFill/>
+          </p:spPr>
+          <p:txBody>
+            <a:bodyPr wrap="square" rtlCol="0">
+              <a:spAutoFit/>
+            </a:bodyPr>
+            <a:lstStyle/>
+            <a:p>
+              <a:pPr algn="ctr"/>
+              <a:r>
+                <a:rPr lang="pl-PL" b="1" dirty="0" smtClean="0"/>
+                <a:t>Uczenie </a:t>
+              </a:r>
+              <a:br>
+                <a:rPr lang="pl-PL" b="1" dirty="0" smtClean="0"/>
+              </a:br>
+              <a:r>
+                <a:rPr lang="pl-PL" b="1" dirty="0" smtClean="0"/>
+                <a:t>modelu</a:t>
+              </a:r>
+              <a:endParaRPr lang="pl-PL" b="1" dirty="0"/>
+            </a:p>
+          </p:txBody>
+        </p:sp>
+      </p:grpSp>
     </p:spTree>
-    <p:extLst>
-      <p:ext uri="{BB962C8B-B14F-4D97-AF65-F5344CB8AC3E}">
-        <p14:creationId xmlns:p14="http://schemas.microsoft.com/office/powerpoint/2010/main" val="1614022121"/>
-      </p:ext>
-    </p:extLst>
   </p:cSld>
   <p:clrMapOvr>
     <a:masterClrMapping/>
